--- a/PSCONFEU23_payette_braid.pptx
+++ b/PSCONFEU23_payette_braid.pptx
@@ -20,21 +20,21 @@
     <p:sldId id="268" r:id="rId11"/>
     <p:sldId id="269" r:id="rId12"/>
     <p:sldId id="270" r:id="rId13"/>
-    <p:sldId id="271" r:id="rId14"/>
-    <p:sldId id="281" r:id="rId15"/>
-    <p:sldId id="282" r:id="rId16"/>
-    <p:sldId id="285" r:id="rId17"/>
-    <p:sldId id="284" r:id="rId18"/>
-    <p:sldId id="283" r:id="rId19"/>
-    <p:sldId id="272" r:id="rId20"/>
-    <p:sldId id="273" r:id="rId21"/>
-    <p:sldId id="274" r:id="rId22"/>
-    <p:sldId id="275" r:id="rId23"/>
-    <p:sldId id="276" r:id="rId24"/>
-    <p:sldId id="277" r:id="rId25"/>
-    <p:sldId id="278" r:id="rId26"/>
-    <p:sldId id="279" r:id="rId27"/>
-    <p:sldId id="264" r:id="rId28"/>
+    <p:sldId id="286" r:id="rId14"/>
+    <p:sldId id="271" r:id="rId15"/>
+    <p:sldId id="281" r:id="rId16"/>
+    <p:sldId id="282" r:id="rId17"/>
+    <p:sldId id="285" r:id="rId18"/>
+    <p:sldId id="284" r:id="rId19"/>
+    <p:sldId id="283" r:id="rId20"/>
+    <p:sldId id="272" r:id="rId21"/>
+    <p:sldId id="273" r:id="rId22"/>
+    <p:sldId id="274" r:id="rId23"/>
+    <p:sldId id="275" r:id="rId24"/>
+    <p:sldId id="276" r:id="rId25"/>
+    <p:sldId id="277" r:id="rId26"/>
+    <p:sldId id="278" r:id="rId27"/>
+    <p:sldId id="279" r:id="rId28"/>
     <p:sldId id="280" r:id="rId29"/>
     <p:sldId id="265" r:id="rId30"/>
   </p:sldIdLst>
@@ -5253,7 +5253,7 @@
           <a:p>
             <a:fld id="{69440670-43D7-400A-ABC5-B69E064DBB37}" type="datetimeFigureOut">
               <a:rPr lang="en-GB" smtClean="0"/>
-              <a:t>11/06/2023</a:t>
+              <a:t>19/06/2023</a:t>
             </a:fld>
             <a:endParaRPr lang="en-GB"/>
           </a:p>
@@ -5430,7 +5430,7 @@
           <a:p>
             <a:fld id="{611B03A4-75C9-4E3D-9183-2102CA9AEC33}" type="datetimeFigureOut">
               <a:rPr lang="en-GB" smtClean="0"/>
-              <a:t>09/06/2023</a:t>
+              <a:t>19/06/2023</a:t>
             </a:fld>
             <a:endParaRPr lang="en-GB"/>
           </a:p>
@@ -9493,35 +9493,26 @@
         </p:nvSpPr>
         <p:spPr>
           <a:xfrm>
-            <a:off x="838200" y="1497435"/>
-            <a:ext cx="10515600" cy="4679528"/>
+            <a:off x="838200" y="1468073"/>
+            <a:ext cx="10515600" cy="4708890"/>
           </a:xfrm>
         </p:spPr>
         <p:txBody>
           <a:bodyPr>
-            <a:normAutofit/>
+            <a:normAutofit fontScale="70000" lnSpcReduction="20000"/>
           </a:bodyPr>
           <a:lstStyle/>
           <a:p>
             <a:r>
-              <a:rPr lang="en-US" i="1" dirty="0"/>
-              <a:t>Compound symbols </a:t>
-            </a:r>
-            <a:r>
-              <a:rPr lang="en-US" dirty="0"/>
-              <a:t>for </a:t>
-            </a:r>
-            <a:r>
-              <a:rPr lang="en-US" dirty="0" err="1"/>
-              <a:t>destructuring</a:t>
-            </a:r>
-            <a:endParaRPr lang="en-US" dirty="0"/>
+              <a:rPr lang="en-US" dirty="0">
+                <a:ea typeface="Cascadia Code" panose="020B0609020000020004" pitchFamily="49" charset="0"/>
+                <a:cs typeface="Cascadia Code" panose="020B0609020000020004" pitchFamily="49" charset="0"/>
+              </a:rPr>
+              <a:t>Literals</a:t>
+            </a:r>
           </a:p>
           <a:p>
             <a:pPr marL="457200" lvl="1" indent="0">
-              <a:lnSpc>
-                <a:spcPct val="120000"/>
-              </a:lnSpc>
               <a:buNone/>
             </a:pPr>
             <a:r>
@@ -9530,10 +9521,65 @@
                 <a:ea typeface="Cascadia Code" panose="020B0609020000020004" pitchFamily="49" charset="0"/>
                 <a:cs typeface="Cascadia Code" panose="020B0609020000020004" pitchFamily="49" charset="0"/>
               </a:rPr>
-              <a:t>(let f:r [1 2 3 4 5]</a:t>
+              <a:t>^</a:t>
+            </a:r>
+            <a:r>
+              <a:rPr lang="en-US" sz="2000" dirty="0" err="1">
+                <a:latin typeface="Cascadia Code" panose="020B0609020000020004" pitchFamily="49" charset="0"/>
+                <a:ea typeface="Cascadia Code" panose="020B0609020000020004" pitchFamily="49" charset="0"/>
+                <a:cs typeface="Cascadia Code" panose="020B0609020000020004" pitchFamily="49" charset="0"/>
+              </a:rPr>
+              <a:t>aType</a:t>
             </a:r>
             <a:r>
               <a:rPr lang="en-US" sz="2000" dirty="0">
+                <a:latin typeface="Cascadia Code" panose="020B0609020000020004" pitchFamily="49" charset="0"/>
+                <a:ea typeface="Cascadia Code" panose="020B0609020000020004" pitchFamily="49" charset="0"/>
+                <a:cs typeface="Cascadia Code" panose="020B0609020000020004" pitchFamily="49" charset="0"/>
+              </a:rPr>
+              <a:t>                         ; type literal starts with ^</a:t>
+            </a:r>
+          </a:p>
+          <a:p>
+            <a:pPr marL="457200" lvl="1" indent="0">
+              <a:buNone/>
+            </a:pPr>
+            <a:r>
+              <a:rPr lang="en-US" sz="2000" dirty="0">
+                <a:latin typeface="Cascadia Code" panose="020B0609020000020004" pitchFamily="49" charset="0"/>
+                <a:ea typeface="Cascadia Code" panose="020B0609020000020004" pitchFamily="49" charset="0"/>
+                <a:cs typeface="Cascadia Code" panose="020B0609020000020004" pitchFamily="49" charset="0"/>
+              </a:rPr>
+              <a:t>123i                           ; big integers are supported</a:t>
+            </a:r>
+          </a:p>
+          <a:p>
+            <a:pPr marL="457200" lvl="1" indent="0">
+              <a:buNone/>
+            </a:pPr>
+            <a:r>
+              <a:rPr lang="en-US" sz="2000" dirty="0">
+                <a:latin typeface="Cascadia Code" panose="020B0609020000020004" pitchFamily="49" charset="0"/>
+                <a:ea typeface="Cascadia Code" panose="020B0609020000020004" pitchFamily="49" charset="0"/>
+                <a:cs typeface="Cascadia Code" panose="020B0609020000020004" pitchFamily="49" charset="0"/>
+              </a:rPr>
+              <a:t>12.34 0xDE12 0b1000_23 123_465 ; numeric literals</a:t>
+            </a:r>
+          </a:p>
+          <a:p>
+            <a:pPr marL="457200" lvl="1" indent="0">
+              <a:buNone/>
+            </a:pPr>
+            <a:r>
+              <a:rPr lang="en-US" sz="2000" dirty="0">
+                <a:latin typeface="Cascadia Code" panose="020B0609020000020004" pitchFamily="49" charset="0"/>
+                <a:ea typeface="Cascadia Code" panose="020B0609020000020004" pitchFamily="49" charset="0"/>
+                <a:cs typeface="Cascadia Code" panose="020B0609020000020004" pitchFamily="49" charset="0"/>
+              </a:rPr>
+              <a:t>#</a:t>
+            </a:r>
+            <a:r>
+              <a:rPr lang="en-US" sz="2000" dirty="0">
                 <a:solidFill>
                   <a:srgbClr val="0070C0"/>
                 </a:solidFill>
@@ -9541,18 +9587,120 @@
                 <a:ea typeface="Cascadia Code" panose="020B0609020000020004" pitchFamily="49" charset="0"/>
                 <a:cs typeface="Cascadia Code" panose="020B0609020000020004" pitchFamily="49" charset="0"/>
               </a:rPr>
-              <a:t>) 	; f gets 1, r gets [2 3 4 5]</a:t>
+              <a:t>"</a:t>
+            </a:r>
+            <a:r>
+              <a:rPr lang="en-US" sz="2000" dirty="0">
+                <a:latin typeface="Cascadia Code" panose="020B0609020000020004" pitchFamily="49" charset="0"/>
+                <a:ea typeface="Cascadia Code" panose="020B0609020000020004" pitchFamily="49" charset="0"/>
+                <a:cs typeface="Cascadia Code" panose="020B0609020000020004" pitchFamily="49" charset="0"/>
+              </a:rPr>
+              <a:t>[a-z][0-9]*</a:t>
+            </a:r>
+            <a:r>
+              <a:rPr lang="en-US" sz="2000" dirty="0">
+                <a:solidFill>
+                  <a:srgbClr val="0070C0"/>
+                </a:solidFill>
+                <a:latin typeface="Cascadia Code" panose="020B0609020000020004" pitchFamily="49" charset="0"/>
+                <a:ea typeface="Cascadia Code" panose="020B0609020000020004" pitchFamily="49" charset="0"/>
+                <a:cs typeface="Cascadia Code" panose="020B0609020000020004" pitchFamily="49" charset="0"/>
+              </a:rPr>
+              <a:t>"</a:t>
+            </a:r>
+            <a:r>
+              <a:rPr lang="en-US" sz="2000" dirty="0">
+                <a:latin typeface="Cascadia Code" panose="020B0609020000020004" pitchFamily="49" charset="0"/>
+                <a:ea typeface="Cascadia Code" panose="020B0609020000020004" pitchFamily="49" charset="0"/>
+                <a:cs typeface="Cascadia Code" panose="020B0609020000020004" pitchFamily="49" charset="0"/>
+              </a:rPr>
+              <a:t>                 ; regex literal</a:t>
+            </a:r>
+          </a:p>
+          <a:p>
+            <a:r>
+              <a:rPr lang="en-US" dirty="0">
+                <a:ea typeface="Cascadia Code" panose="020B0609020000020004" pitchFamily="49" charset="0"/>
+                <a:cs typeface="Cascadia Code" panose="020B0609020000020004" pitchFamily="49" charset="0"/>
+              </a:rPr>
+              <a:t>Function Definitions</a:t>
             </a:r>
           </a:p>
           <a:p>
             <a:pPr marL="457200" lvl="1" indent="0">
-              <a:lnSpc>
-                <a:spcPct val="120000"/>
-              </a:lnSpc>
               <a:buNone/>
             </a:pPr>
             <a:r>
               <a:rPr lang="en-US" sz="2000" dirty="0">
+                <a:latin typeface="Cascadia Code" panose="020B0609020000020004" pitchFamily="49" charset="0"/>
+                <a:ea typeface="Cascadia Code" panose="020B0609020000020004" pitchFamily="49" charset="0"/>
+                <a:cs typeface="Cascadia Code" panose="020B0609020000020004" pitchFamily="49" charset="0"/>
+              </a:rPr>
+              <a:t>(</a:t>
+            </a:r>
+            <a:r>
+              <a:rPr lang="en-US" sz="2000" dirty="0" err="1">
+                <a:latin typeface="Cascadia Code" panose="020B0609020000020004" pitchFamily="49" charset="0"/>
+                <a:ea typeface="Cascadia Code" panose="020B0609020000020004" pitchFamily="49" charset="0"/>
+                <a:cs typeface="Cascadia Code" panose="020B0609020000020004" pitchFamily="49" charset="0"/>
+              </a:rPr>
+              <a:t>defn</a:t>
+            </a:r>
+            <a:r>
+              <a:rPr lang="en-US" sz="2000" dirty="0">
+                <a:latin typeface="Cascadia Code" panose="020B0609020000020004" pitchFamily="49" charset="0"/>
+                <a:ea typeface="Cascadia Code" panose="020B0609020000020004" pitchFamily="49" charset="0"/>
+                <a:cs typeface="Cascadia Code" panose="020B0609020000020004" pitchFamily="49" charset="0"/>
+              </a:rPr>
+              <a:t> </a:t>
+            </a:r>
+            <a:r>
+              <a:rPr lang="en-US" sz="2000" dirty="0" err="1">
+                <a:latin typeface="Cascadia Code" panose="020B0609020000020004" pitchFamily="49" charset="0"/>
+                <a:ea typeface="Cascadia Code" panose="020B0609020000020004" pitchFamily="49" charset="0"/>
+                <a:cs typeface="Cascadia Code" panose="020B0609020000020004" pitchFamily="49" charset="0"/>
+              </a:rPr>
+              <a:t>sqr</a:t>
+            </a:r>
+            <a:r>
+              <a:rPr lang="en-US" sz="2000" dirty="0">
+                <a:latin typeface="Cascadia Code" panose="020B0609020000020004" pitchFamily="49" charset="0"/>
+                <a:ea typeface="Cascadia Code" panose="020B0609020000020004" pitchFamily="49" charset="0"/>
+                <a:cs typeface="Cascadia Code" panose="020B0609020000020004" pitchFamily="49" charset="0"/>
+              </a:rPr>
+              <a:t> [x] (* x x))</a:t>
+            </a:r>
+          </a:p>
+          <a:p>
+            <a:pPr marL="457200" lvl="1" indent="0">
+              <a:buNone/>
+            </a:pPr>
+            <a:r>
+              <a:rPr lang="en-US" sz="2000" dirty="0">
+                <a:latin typeface="Cascadia Code" panose="020B0609020000020004" pitchFamily="49" charset="0"/>
+                <a:ea typeface="Cascadia Code" panose="020B0609020000020004" pitchFamily="49" charset="0"/>
+                <a:cs typeface="Cascadia Code" panose="020B0609020000020004" pitchFamily="49" charset="0"/>
+              </a:rPr>
+              <a:t>(</a:t>
+            </a:r>
+            <a:r>
+              <a:rPr lang="en-US" sz="2000" dirty="0" err="1">
+                <a:latin typeface="Cascadia Code" panose="020B0609020000020004" pitchFamily="49" charset="0"/>
+                <a:ea typeface="Cascadia Code" panose="020B0609020000020004" pitchFamily="49" charset="0"/>
+                <a:cs typeface="Cascadia Code" panose="020B0609020000020004" pitchFamily="49" charset="0"/>
+              </a:rPr>
+              <a:t>defn</a:t>
+            </a:r>
+            <a:r>
+              <a:rPr lang="en-US" sz="2000" dirty="0">
+                <a:latin typeface="Cascadia Code" panose="020B0609020000020004" pitchFamily="49" charset="0"/>
+                <a:ea typeface="Cascadia Code" panose="020B0609020000020004" pitchFamily="49" charset="0"/>
+                <a:cs typeface="Cascadia Code" panose="020B0609020000020004" pitchFamily="49" charset="0"/>
+              </a:rPr>
+              <a:t> say-number | 1 –&gt; </a:t>
+            </a:r>
+            <a:r>
+              <a:rPr lang="en-US" sz="2000" dirty="0">
                 <a:solidFill>
                   <a:srgbClr val="0070C0"/>
                 </a:solidFill>
@@ -9560,14 +9708,123 @@
                 <a:ea typeface="Cascadia Code" panose="020B0609020000020004" pitchFamily="49" charset="0"/>
                 <a:cs typeface="Cascadia Code" panose="020B0609020000020004" pitchFamily="49" charset="0"/>
               </a:rPr>
-              <a:t>(let f:r: [1 2]) 		; f gets 1, r gets 2</a:t>
-            </a:r>
-          </a:p>
-          <a:p>
-            <a:pPr marL="457200" lvl="1" indent="0">
-              <a:lnSpc>
-                <a:spcPct val="120000"/>
-              </a:lnSpc>
+              <a:t>"</a:t>
+            </a:r>
+            <a:r>
+              <a:rPr lang="en-US" sz="2000" dirty="0">
+                <a:latin typeface="Cascadia Code" panose="020B0609020000020004" pitchFamily="49" charset="0"/>
+                <a:ea typeface="Cascadia Code" panose="020B0609020000020004" pitchFamily="49" charset="0"/>
+                <a:cs typeface="Cascadia Code" panose="020B0609020000020004" pitchFamily="49" charset="0"/>
+              </a:rPr>
+              <a:t>one</a:t>
+            </a:r>
+            <a:r>
+              <a:rPr lang="en-US" sz="2000" dirty="0">
+                <a:solidFill>
+                  <a:srgbClr val="0070C0"/>
+                </a:solidFill>
+                <a:latin typeface="Cascadia Code" panose="020B0609020000020004" pitchFamily="49" charset="0"/>
+                <a:ea typeface="Cascadia Code" panose="020B0609020000020004" pitchFamily="49" charset="0"/>
+                <a:cs typeface="Cascadia Code" panose="020B0609020000020004" pitchFamily="49" charset="0"/>
+              </a:rPr>
+              <a:t>"</a:t>
+            </a:r>
+            <a:r>
+              <a:rPr lang="en-US" sz="2000" dirty="0">
+                <a:latin typeface="Cascadia Code" panose="020B0609020000020004" pitchFamily="49" charset="0"/>
+                <a:ea typeface="Cascadia Code" panose="020B0609020000020004" pitchFamily="49" charset="0"/>
+                <a:cs typeface="Cascadia Code" panose="020B0609020000020004" pitchFamily="49" charset="0"/>
+              </a:rPr>
+              <a:t> | 2 -&gt; </a:t>
+            </a:r>
+            <a:r>
+              <a:rPr lang="en-US" sz="2000" dirty="0">
+                <a:solidFill>
+                  <a:srgbClr val="0070C0"/>
+                </a:solidFill>
+                <a:latin typeface="Cascadia Code" panose="020B0609020000020004" pitchFamily="49" charset="0"/>
+                <a:ea typeface="Cascadia Code" panose="020B0609020000020004" pitchFamily="49" charset="0"/>
+                <a:cs typeface="Cascadia Code" panose="020B0609020000020004" pitchFamily="49" charset="0"/>
+              </a:rPr>
+              <a:t>"</a:t>
+            </a:r>
+            <a:r>
+              <a:rPr lang="en-US" sz="2000" dirty="0">
+                <a:latin typeface="Cascadia Code" panose="020B0609020000020004" pitchFamily="49" charset="0"/>
+                <a:ea typeface="Cascadia Code" panose="020B0609020000020004" pitchFamily="49" charset="0"/>
+                <a:cs typeface="Cascadia Code" panose="020B0609020000020004" pitchFamily="49" charset="0"/>
+              </a:rPr>
+              <a:t>two</a:t>
+            </a:r>
+            <a:r>
+              <a:rPr lang="en-US" sz="2000" dirty="0">
+                <a:solidFill>
+                  <a:srgbClr val="0070C0"/>
+                </a:solidFill>
+                <a:latin typeface="Cascadia Code" panose="020B0609020000020004" pitchFamily="49" charset="0"/>
+                <a:ea typeface="Cascadia Code" panose="020B0609020000020004" pitchFamily="49" charset="0"/>
+                <a:cs typeface="Cascadia Code" panose="020B0609020000020004" pitchFamily="49" charset="0"/>
+              </a:rPr>
+              <a:t>"</a:t>
+            </a:r>
+            <a:r>
+              <a:rPr lang="en-US" sz="2000" dirty="0">
+                <a:latin typeface="Cascadia Code" panose="020B0609020000020004" pitchFamily="49" charset="0"/>
+                <a:ea typeface="Cascadia Code" panose="020B0609020000020004" pitchFamily="49" charset="0"/>
+                <a:cs typeface="Cascadia Code" panose="020B0609020000020004" pitchFamily="49" charset="0"/>
+              </a:rPr>
+              <a:t> | -&gt; </a:t>
+            </a:r>
+            <a:r>
+              <a:rPr lang="en-US" sz="2000" dirty="0">
+                <a:solidFill>
+                  <a:srgbClr val="0070C0"/>
+                </a:solidFill>
+                <a:latin typeface="Cascadia Code" panose="020B0609020000020004" pitchFamily="49" charset="0"/>
+                <a:ea typeface="Cascadia Code" panose="020B0609020000020004" pitchFamily="49" charset="0"/>
+                <a:cs typeface="Cascadia Code" panose="020B0609020000020004" pitchFamily="49" charset="0"/>
+              </a:rPr>
+              <a:t>"</a:t>
+            </a:r>
+            <a:r>
+              <a:rPr lang="en-US" sz="2000" dirty="0">
+                <a:latin typeface="Cascadia Code" panose="020B0609020000020004" pitchFamily="49" charset="0"/>
+                <a:ea typeface="Cascadia Code" panose="020B0609020000020004" pitchFamily="49" charset="0"/>
+                <a:cs typeface="Cascadia Code" panose="020B0609020000020004" pitchFamily="49" charset="0"/>
+              </a:rPr>
+              <a:t>other</a:t>
+            </a:r>
+            <a:r>
+              <a:rPr lang="en-US" sz="2000" dirty="0">
+                <a:solidFill>
+                  <a:srgbClr val="0070C0"/>
+                </a:solidFill>
+                <a:latin typeface="Cascadia Code" panose="020B0609020000020004" pitchFamily="49" charset="0"/>
+                <a:ea typeface="Cascadia Code" panose="020B0609020000020004" pitchFamily="49" charset="0"/>
+                <a:cs typeface="Cascadia Code" panose="020B0609020000020004" pitchFamily="49" charset="0"/>
+              </a:rPr>
+              <a:t>"</a:t>
+            </a:r>
+            <a:r>
+              <a:rPr lang="en-US" sz="2000" dirty="0">
+                <a:latin typeface="Cascadia Code" panose="020B0609020000020004" pitchFamily="49" charset="0"/>
+                <a:ea typeface="Cascadia Code" panose="020B0609020000020004" pitchFamily="49" charset="0"/>
+                <a:cs typeface="Cascadia Code" panose="020B0609020000020004" pitchFamily="49" charset="0"/>
+              </a:rPr>
+              <a:t>)</a:t>
+            </a:r>
+          </a:p>
+          <a:p>
+            <a:r>
+              <a:rPr lang="en-US" dirty="0">
+                <a:ea typeface="Cascadia Code" panose="020B0609020000020004" pitchFamily="49" charset="0"/>
+                <a:cs typeface="Cascadia Code" panose="020B0609020000020004" pitchFamily="49" charset="0"/>
+              </a:rPr>
+              <a:t>Class and interface Definitions</a:t>
+            </a:r>
+          </a:p>
+          <a:p>
+            <a:pPr marL="0" indent="0">
               <a:buNone/>
             </a:pPr>
             <a:r>
@@ -9579,223 +9836,297 @@
                 <a:ea typeface="Cascadia Code" panose="020B0609020000020004" pitchFamily="49" charset="0"/>
                 <a:cs typeface="Cascadia Code" panose="020B0609020000020004" pitchFamily="49" charset="0"/>
               </a:rPr>
-              <a:t>(let f:r: [1 2]) r:f	; returns [2 1]</a:t>
-            </a:r>
-          </a:p>
-          <a:p>
-            <a:r>
-              <a:rPr lang="en-US" dirty="0"/>
-              <a:t>Conditional assignment</a:t>
-            </a:r>
-          </a:p>
-          <a:p>
-            <a:pPr marL="457200" lvl="1" indent="0">
+              <a:t>    </a:t>
+            </a:r>
+            <a:r>
+              <a:rPr lang="en-US" sz="2000" dirty="0">
+                <a:solidFill>
+                  <a:srgbClr val="346296"/>
+                </a:solidFill>
+                <a:latin typeface="Cascadia Code" panose="020B0609020000020004" pitchFamily="49" charset="0"/>
+                <a:ea typeface="Cascadia Code" panose="020B0609020000020004" pitchFamily="49" charset="0"/>
+                <a:cs typeface="Cascadia Code" panose="020B0609020000020004" pitchFamily="49" charset="0"/>
+              </a:rPr>
+              <a:t>(</a:t>
+            </a:r>
+            <a:r>
+              <a:rPr lang="en-US" sz="2000" dirty="0" err="1">
+                <a:solidFill>
+                  <a:srgbClr val="346296"/>
+                </a:solidFill>
+                <a:latin typeface="Cascadia Code" panose="020B0609020000020004" pitchFamily="49" charset="0"/>
+                <a:ea typeface="Cascadia Code" panose="020B0609020000020004" pitchFamily="49" charset="0"/>
+                <a:cs typeface="Cascadia Code" panose="020B0609020000020004" pitchFamily="49" charset="0"/>
+              </a:rPr>
+              <a:t>definterface</a:t>
+            </a:r>
+            <a:r>
+              <a:rPr lang="en-US" sz="2000" dirty="0">
+                <a:solidFill>
+                  <a:srgbClr val="346296"/>
+                </a:solidFill>
+                <a:latin typeface="Cascadia Code" panose="020B0609020000020004" pitchFamily="49" charset="0"/>
+                <a:ea typeface="Cascadia Code" panose="020B0609020000020004" pitchFamily="49" charset="0"/>
+                <a:cs typeface="Cascadia Code" panose="020B0609020000020004" pitchFamily="49" charset="0"/>
+              </a:rPr>
+              <a:t> ^</a:t>
+            </a:r>
+            <a:r>
+              <a:rPr lang="en-US" sz="2000" dirty="0" err="1">
+                <a:solidFill>
+                  <a:srgbClr val="346296"/>
+                </a:solidFill>
+                <a:latin typeface="Cascadia Code" panose="020B0609020000020004" pitchFamily="49" charset="0"/>
+                <a:ea typeface="Cascadia Code" panose="020B0609020000020004" pitchFamily="49" charset="0"/>
+                <a:cs typeface="Cascadia Code" panose="020B0609020000020004" pitchFamily="49" charset="0"/>
+              </a:rPr>
+              <a:t>pointInterface</a:t>
+            </a:r>
+            <a:r>
+              <a:rPr lang="en-US" sz="2000" dirty="0">
+                <a:solidFill>
+                  <a:srgbClr val="346296"/>
+                </a:solidFill>
+                <a:latin typeface="Cascadia Code" panose="020B0609020000020004" pitchFamily="49" charset="0"/>
+                <a:ea typeface="Cascadia Code" panose="020B0609020000020004" pitchFamily="49" charset="0"/>
+                <a:cs typeface="Cascadia Code" panose="020B0609020000020004" pitchFamily="49" charset="0"/>
+              </a:rPr>
+              <a:t> (^int x) (^int y)) </a:t>
+            </a:r>
+          </a:p>
+          <a:p>
+            <a:pPr marL="0" indent="0">
               <a:buNone/>
             </a:pPr>
             <a:r>
+              <a:rPr lang="en-US" sz="2000" dirty="0">
+                <a:solidFill>
+                  <a:srgbClr val="346296"/>
+                </a:solidFill>
+                <a:latin typeface="Cascadia Code" panose="020B0609020000020004" pitchFamily="49" charset="0"/>
+                <a:ea typeface="Cascadia Code" panose="020B0609020000020004" pitchFamily="49" charset="0"/>
+                <a:cs typeface="Cascadia Code" panose="020B0609020000020004" pitchFamily="49" charset="0"/>
+              </a:rPr>
+              <a:t>    (</a:t>
+            </a:r>
+            <a:r>
+              <a:rPr lang="en-US" sz="2000" dirty="0" err="1">
+                <a:solidFill>
+                  <a:srgbClr val="346296"/>
+                </a:solidFill>
+                <a:latin typeface="Cascadia Code" panose="020B0609020000020004" pitchFamily="49" charset="0"/>
+                <a:ea typeface="Cascadia Code" panose="020B0609020000020004" pitchFamily="49" charset="0"/>
+                <a:cs typeface="Cascadia Code" panose="020B0609020000020004" pitchFamily="49" charset="0"/>
+              </a:rPr>
+              <a:t>deftype</a:t>
+            </a:r>
+            <a:r>
+              <a:rPr lang="en-US" sz="2000" dirty="0">
+                <a:solidFill>
+                  <a:srgbClr val="346296"/>
+                </a:solidFill>
+                <a:latin typeface="Cascadia Code" panose="020B0609020000020004" pitchFamily="49" charset="0"/>
+                <a:ea typeface="Cascadia Code" panose="020B0609020000020004" pitchFamily="49" charset="0"/>
+                <a:cs typeface="Cascadia Code" panose="020B0609020000020004" pitchFamily="49" charset="0"/>
+              </a:rPr>
+              <a:t> ^point x y :</a:t>
+            </a:r>
+            <a:r>
+              <a:rPr lang="en-US" sz="2000" dirty="0" err="1">
+                <a:solidFill>
+                  <a:srgbClr val="346296"/>
+                </a:solidFill>
+                <a:latin typeface="Cascadia Code" panose="020B0609020000020004" pitchFamily="49" charset="0"/>
+                <a:ea typeface="Cascadia Code" panose="020B0609020000020004" pitchFamily="49" charset="0"/>
+                <a:cs typeface="Cascadia Code" panose="020B0609020000020004" pitchFamily="49" charset="0"/>
+              </a:rPr>
+              <a:t>defm</a:t>
+            </a:r>
+            <a:r>
+              <a:rPr lang="en-US" sz="2000" dirty="0">
+                <a:solidFill>
+                  <a:srgbClr val="346296"/>
+                </a:solidFill>
+                <a:latin typeface="Cascadia Code" panose="020B0609020000020004" pitchFamily="49" charset="0"/>
+                <a:ea typeface="Cascadia Code" panose="020B0609020000020004" pitchFamily="49" charset="0"/>
+                <a:cs typeface="Cascadia Code" panose="020B0609020000020004" pitchFamily="49" charset="0"/>
+              </a:rPr>
+              <a:t> print (\ this -&gt; (</a:t>
+            </a:r>
+            <a:r>
+              <a:rPr lang="en-US" sz="2000" dirty="0" err="1">
+                <a:solidFill>
+                  <a:srgbClr val="346296"/>
+                </a:solidFill>
+                <a:latin typeface="Cascadia Code" panose="020B0609020000020004" pitchFamily="49" charset="0"/>
+                <a:ea typeface="Cascadia Code" panose="020B0609020000020004" pitchFamily="49" charset="0"/>
+                <a:cs typeface="Cascadia Code" panose="020B0609020000020004" pitchFamily="49" charset="0"/>
+              </a:rPr>
+              <a:t>println</a:t>
+            </a:r>
+            <a:r>
+              <a:rPr lang="en-US" sz="2000" dirty="0">
+                <a:solidFill>
+                  <a:srgbClr val="346296"/>
+                </a:solidFill>
+                <a:latin typeface="Cascadia Code" panose="020B0609020000020004" pitchFamily="49" charset="0"/>
+                <a:ea typeface="Cascadia Code" panose="020B0609020000020004" pitchFamily="49" charset="0"/>
+                <a:cs typeface="Cascadia Code" panose="020B0609020000020004" pitchFamily="49" charset="0"/>
+              </a:rPr>
+              <a:t> (.x this) ", " (.y this))))</a:t>
+            </a:r>
+          </a:p>
+          <a:p>
+            <a:r>
+              <a:rPr lang="en-US" dirty="0">
+                <a:ea typeface="Cascadia Code" panose="020B0609020000020004" pitchFamily="49" charset="0"/>
+                <a:cs typeface="Cascadia Code" panose="020B0609020000020004" pitchFamily="49" charset="0"/>
+              </a:rPr>
+              <a:t>No Operators Just Functions</a:t>
+            </a:r>
+          </a:p>
+          <a:p>
+            <a:pPr marL="0" indent="0">
+              <a:buNone/>
+            </a:pPr>
+            <a:r>
+              <a:rPr lang="en-US" sz="2600" dirty="0">
+                <a:solidFill>
+                  <a:schemeClr val="accent1"/>
+                </a:solidFill>
+                <a:latin typeface="Cascadia Code" panose="020B0609020000020004" pitchFamily="49" charset="0"/>
+                <a:ea typeface="Cascadia Code" panose="020B0609020000020004" pitchFamily="49" charset="0"/>
+                <a:cs typeface="Cascadia Code" panose="020B0609020000020004" pitchFamily="49" charset="0"/>
+              </a:rPr>
+              <a:t>   </a:t>
+            </a:r>
+            <a:r>
+              <a:rPr lang="en-US" sz="2000" dirty="0">
+                <a:solidFill>
+                  <a:schemeClr val="accent1"/>
+                </a:solidFill>
+                <a:latin typeface="Cascadia Code" panose="020B0609020000020004" pitchFamily="49" charset="0"/>
+                <a:ea typeface="Cascadia Code" panose="020B0609020000020004" pitchFamily="49" charset="0"/>
+                <a:cs typeface="Cascadia Code" panose="020B0609020000020004" pitchFamily="49" charset="0"/>
+              </a:rPr>
+              <a:t>(+ 1 2 3 (* 4 5) 6)</a:t>
+            </a:r>
+          </a:p>
+          <a:p>
+            <a:pPr marL="0" indent="0">
+              <a:buNone/>
+            </a:pPr>
+            <a:r>
+              <a:rPr lang="en-US" sz="2000" dirty="0">
+                <a:solidFill>
+                  <a:schemeClr val="accent1"/>
+                </a:solidFill>
+                <a:latin typeface="Cascadia Code" panose="020B0609020000020004" pitchFamily="49" charset="0"/>
+                <a:ea typeface="Cascadia Code" panose="020B0609020000020004" pitchFamily="49" charset="0"/>
+                <a:cs typeface="Cascadia Code" panose="020B0609020000020004" pitchFamily="49" charset="0"/>
+              </a:rPr>
+              <a:t>    (</a:t>
+            </a:r>
+            <a:r>
+              <a:rPr lang="en-US" sz="2000" dirty="0" err="1">
+                <a:solidFill>
+                  <a:schemeClr val="accent1"/>
+                </a:solidFill>
+                <a:latin typeface="Cascadia Code" panose="020B0609020000020004" pitchFamily="49" charset="0"/>
+                <a:ea typeface="Cascadia Code" panose="020B0609020000020004" pitchFamily="49" charset="0"/>
+                <a:cs typeface="Cascadia Code" panose="020B0609020000020004" pitchFamily="49" charset="0"/>
+              </a:rPr>
+              <a:t>defn</a:t>
+            </a:r>
+            <a:r>
+              <a:rPr lang="en-US" sz="2000" dirty="0">
+                <a:solidFill>
+                  <a:schemeClr val="accent1"/>
+                </a:solidFill>
+                <a:latin typeface="Cascadia Code" panose="020B0609020000020004" pitchFamily="49" charset="0"/>
+                <a:ea typeface="Cascadia Code" panose="020B0609020000020004" pitchFamily="49" charset="0"/>
+                <a:cs typeface="Cascadia Code" panose="020B0609020000020004" pitchFamily="49" charset="0"/>
+              </a:rPr>
+              <a:t> fact [n] (* @(range n)))</a:t>
+            </a:r>
+          </a:p>
+          <a:p>
+            <a:r>
+              <a:rPr lang="en-US" dirty="0">
+                <a:ea typeface="Cascadia Code" panose="020B0609020000020004" pitchFamily="49" charset="0"/>
+                <a:cs typeface="Cascadia Code" panose="020B0609020000020004" pitchFamily="49" charset="0"/>
+              </a:rPr>
+              <a:t>Quoting</a:t>
+            </a:r>
+          </a:p>
+          <a:p>
+            <a:pPr marL="0" indent="0">
+              <a:buNone/>
+            </a:pPr>
+            <a:r>
+              <a:rPr lang="en-US" sz="1600" dirty="0">
+                <a:solidFill>
+                  <a:schemeClr val="accent1"/>
+                </a:solidFill>
+                <a:latin typeface="Cascadia Code" panose="020B0609020000020004" pitchFamily="49" charset="0"/>
+                <a:ea typeface="Cascadia Code" panose="020B0609020000020004" pitchFamily="49" charset="0"/>
+                <a:cs typeface="Cascadia Code" panose="020B0609020000020004" pitchFamily="49" charset="0"/>
+              </a:rPr>
+              <a:t>     </a:t>
+            </a:r>
+            <a:r>
               <a:rPr lang="en-US" sz="2100" dirty="0">
-                <a:latin typeface="Cascadia Code" panose="020B0609020000020004" pitchFamily="49" charset="0"/>
-                <a:ea typeface="Cascadia Code" panose="020B0609020000020004" pitchFamily="49" charset="0"/>
-                <a:cs typeface="Cascadia Code" panose="020B0609020000020004" pitchFamily="49" charset="0"/>
-              </a:rPr>
-              <a:t>(let </a:t>
+                <a:solidFill>
+                  <a:schemeClr val="accent1"/>
+                </a:solidFill>
+                <a:latin typeface="Cascadia Code" panose="020B0609020000020004" pitchFamily="49" charset="0"/>
+                <a:ea typeface="Cascadia Code" panose="020B0609020000020004" pitchFamily="49" charset="0"/>
+                <a:cs typeface="Cascadia Code" panose="020B0609020000020004" pitchFamily="49" charset="0"/>
+              </a:rPr>
+              <a:t>(</a:t>
             </a:r>
             <a:r>
               <a:rPr lang="en-US" sz="2100" dirty="0" err="1">
-                <a:latin typeface="Cascadia Code" panose="020B0609020000020004" pitchFamily="49" charset="0"/>
-                <a:ea typeface="Cascadia Code" panose="020B0609020000020004" pitchFamily="49" charset="0"/>
-                <a:cs typeface="Cascadia Code" panose="020B0609020000020004" pitchFamily="49" charset="0"/>
-              </a:rPr>
-              <a:t>xs</a:t>
+                <a:solidFill>
+                  <a:schemeClr val="accent1"/>
+                </a:solidFill>
+                <a:latin typeface="Cascadia Code" panose="020B0609020000020004" pitchFamily="49" charset="0"/>
+                <a:ea typeface="Cascadia Code" panose="020B0609020000020004" pitchFamily="49" charset="0"/>
+                <a:cs typeface="Cascadia Code" panose="020B0609020000020004" pitchFamily="49" charset="0"/>
+              </a:rPr>
+              <a:t>println</a:t>
             </a:r>
             <a:r>
               <a:rPr lang="en-US" sz="2100" dirty="0">
-                <a:latin typeface="Cascadia Code" panose="020B0609020000020004" pitchFamily="49" charset="0"/>
-                <a:ea typeface="Cascadia Code" panose="020B0609020000020004" pitchFamily="49" charset="0"/>
-                <a:cs typeface="Cascadia Code" panose="020B0609020000020004" pitchFamily="49" charset="0"/>
-              </a:rPr>
-              <a:t> [1 2 3 4 5])</a:t>
-            </a:r>
-          </a:p>
-          <a:p>
-            <a:pPr marL="457200" lvl="1" indent="0">
+                <a:solidFill>
+                  <a:schemeClr val="accent1"/>
+                </a:solidFill>
+                <a:latin typeface="Cascadia Code" panose="020B0609020000020004" pitchFamily="49" charset="0"/>
+                <a:ea typeface="Cascadia Code" panose="020B0609020000020004" pitchFamily="49" charset="0"/>
+                <a:cs typeface="Cascadia Code" panose="020B0609020000020004" pitchFamily="49" charset="0"/>
+              </a:rPr>
+              <a:t> ‘(+ 2 3) “is” (+ 2 3))</a:t>
+            </a:r>
+          </a:p>
+          <a:p>
+            <a:pPr marL="0" indent="0">
               <a:buNone/>
             </a:pPr>
-            <a:r>
-              <a:rPr lang="en-US" sz="2100" dirty="0">
-                <a:latin typeface="Cascadia Code" panose="020B0609020000020004" pitchFamily="49" charset="0"/>
-                <a:ea typeface="Cascadia Code" panose="020B0609020000020004" pitchFamily="49" charset="0"/>
-                <a:cs typeface="Cascadia Code" panose="020B0609020000020004" pitchFamily="49" charset="0"/>
-              </a:rPr>
-              <a:t>(while (let? x:xs </a:t>
-            </a:r>
-            <a:r>
-              <a:rPr lang="en-US" sz="2100" dirty="0" err="1">
-                <a:latin typeface="Cascadia Code" panose="020B0609020000020004" pitchFamily="49" charset="0"/>
-                <a:ea typeface="Cascadia Code" panose="020B0609020000020004" pitchFamily="49" charset="0"/>
-                <a:cs typeface="Cascadia Code" panose="020B0609020000020004" pitchFamily="49" charset="0"/>
-              </a:rPr>
-              <a:t>xs</a:t>
-            </a:r>
-            <a:r>
-              <a:rPr lang="en-US" sz="2100" dirty="0">
-                <a:latin typeface="Cascadia Code" panose="020B0609020000020004" pitchFamily="49" charset="0"/>
-                <a:ea typeface="Cascadia Code" panose="020B0609020000020004" pitchFamily="49" charset="0"/>
-                <a:cs typeface="Cascadia Code" panose="020B0609020000020004" pitchFamily="49" charset="0"/>
-              </a:rPr>
-              <a:t>) (</a:t>
-            </a:r>
-            <a:r>
-              <a:rPr lang="en-US" sz="2100" dirty="0" err="1">
-                <a:latin typeface="Cascadia Code" panose="020B0609020000020004" pitchFamily="49" charset="0"/>
-                <a:ea typeface="Cascadia Code" panose="020B0609020000020004" pitchFamily="49" charset="0"/>
-                <a:cs typeface="Cascadia Code" panose="020B0609020000020004" pitchFamily="49" charset="0"/>
-              </a:rPr>
-              <a:t>println</a:t>
-            </a:r>
-            <a:r>
-              <a:rPr lang="en-US" sz="2100" dirty="0">
-                <a:latin typeface="Cascadia Code" panose="020B0609020000020004" pitchFamily="49" charset="0"/>
-                <a:ea typeface="Cascadia Code" panose="020B0609020000020004" pitchFamily="49" charset="0"/>
-                <a:cs typeface="Cascadia Code" panose="020B0609020000020004" pitchFamily="49" charset="0"/>
-              </a:rPr>
-              <a:t> </a:t>
-            </a:r>
-            <a:r>
-              <a:rPr lang="en-US" sz="2400" dirty="0">
-                <a:latin typeface="Cascadia Code" panose="020B0609020000020004" pitchFamily="49" charset="0"/>
-                <a:ea typeface="Cascadia Code" panose="020B0609020000020004" pitchFamily="49" charset="0"/>
-                <a:cs typeface="Cascadia Code" panose="020B0609020000020004" pitchFamily="49" charset="0"/>
-              </a:rPr>
-              <a:t>"</a:t>
-            </a:r>
-            <a:r>
-              <a:rPr lang="en-US" sz="2100" dirty="0">
-                <a:latin typeface="Cascadia Code" panose="020B0609020000020004" pitchFamily="49" charset="0"/>
-                <a:ea typeface="Cascadia Code" panose="020B0609020000020004" pitchFamily="49" charset="0"/>
-                <a:cs typeface="Cascadia Code" panose="020B0609020000020004" pitchFamily="49" charset="0"/>
-              </a:rPr>
-              <a:t>x is </a:t>
-            </a:r>
-            <a:r>
-              <a:rPr lang="en-US" sz="2400" dirty="0">
-                <a:latin typeface="Cascadia Code" panose="020B0609020000020004" pitchFamily="49" charset="0"/>
-                <a:ea typeface="Cascadia Code" panose="020B0609020000020004" pitchFamily="49" charset="0"/>
-                <a:cs typeface="Cascadia Code" panose="020B0609020000020004" pitchFamily="49" charset="0"/>
-              </a:rPr>
-              <a:t>"</a:t>
-            </a:r>
-            <a:r>
-              <a:rPr lang="en-US" sz="2100" dirty="0">
-                <a:latin typeface="Cascadia Code" panose="020B0609020000020004" pitchFamily="49" charset="0"/>
-                <a:ea typeface="Cascadia Code" panose="020B0609020000020004" pitchFamily="49" charset="0"/>
-                <a:cs typeface="Cascadia Code" panose="020B0609020000020004" pitchFamily="49" charset="0"/>
-              </a:rPr>
-              <a:t> x))</a:t>
-            </a:r>
-          </a:p>
-          <a:p>
-            <a:r>
-              <a:rPr lang="en-US" dirty="0"/>
-              <a:t>Property Patterns</a:t>
-            </a:r>
-          </a:p>
-          <a:p>
-            <a:pPr marL="457200" lvl="1" indent="0">
-              <a:buNone/>
-            </a:pPr>
-            <a:r>
-              <a:rPr lang="en-US" sz="2000" dirty="0">
-                <a:latin typeface="Cascadia Code" panose="020B0609020000020004" pitchFamily="49" charset="0"/>
-                <a:ea typeface="Cascadia Code" panose="020B0609020000020004" pitchFamily="49" charset="0"/>
-                <a:cs typeface="Cascadia Code" panose="020B0609020000020004" pitchFamily="49" charset="0"/>
-              </a:rPr>
-              <a:t> (let {:</a:t>
-            </a:r>
-            <a:r>
-              <a:rPr lang="en-US" sz="2000" dirty="0" err="1">
-                <a:latin typeface="Cascadia Code" panose="020B0609020000020004" pitchFamily="49" charset="0"/>
-                <a:ea typeface="Cascadia Code" panose="020B0609020000020004" pitchFamily="49" charset="0"/>
-                <a:cs typeface="Cascadia Code" panose="020B0609020000020004" pitchFamily="49" charset="0"/>
-              </a:rPr>
-              <a:t>ProcessName</a:t>
-            </a:r>
-            <a:r>
-              <a:rPr lang="en-US" sz="2000" dirty="0">
-                <a:latin typeface="Cascadia Code" panose="020B0609020000020004" pitchFamily="49" charset="0"/>
-                <a:ea typeface="Cascadia Code" panose="020B0609020000020004" pitchFamily="49" charset="0"/>
-                <a:cs typeface="Cascadia Code" panose="020B0609020000020004" pitchFamily="49" charset="0"/>
-              </a:rPr>
-              <a:t> n :Id </a:t>
-            </a:r>
-            <a:r>
-              <a:rPr lang="en-US" sz="2000" dirty="0" err="1">
-                <a:latin typeface="Cascadia Code" panose="020B0609020000020004" pitchFamily="49" charset="0"/>
-                <a:ea typeface="Cascadia Code" panose="020B0609020000020004" pitchFamily="49" charset="0"/>
-                <a:cs typeface="Cascadia Code" panose="020B0609020000020004" pitchFamily="49" charset="0"/>
-              </a:rPr>
-              <a:t>pid</a:t>
-            </a:r>
-            <a:r>
-              <a:rPr lang="en-US" sz="2000" dirty="0">
-                <a:latin typeface="Cascadia Code" panose="020B0609020000020004" pitchFamily="49" charset="0"/>
-                <a:ea typeface="Cascadia Code" panose="020B0609020000020004" pitchFamily="49" charset="0"/>
-                <a:cs typeface="Cascadia Code" panose="020B0609020000020004" pitchFamily="49" charset="0"/>
-              </a:rPr>
-              <a:t>} (get-process | !! 0))</a:t>
-            </a:r>
-          </a:p>
-          <a:p>
-            <a:pPr marL="457200" lvl="1" indent="0">
-              <a:buNone/>
-            </a:pPr>
-            <a:r>
-              <a:rPr lang="en-US" sz="2000" dirty="0">
-                <a:latin typeface="Cascadia Code" panose="020B0609020000020004" pitchFamily="49" charset="0"/>
-                <a:ea typeface="Cascadia Code" panose="020B0609020000020004" pitchFamily="49" charset="0"/>
-                <a:cs typeface="Cascadia Code" panose="020B0609020000020004" pitchFamily="49" charset="0"/>
-              </a:rPr>
-              <a:t> (</a:t>
-            </a:r>
-            <a:r>
-              <a:rPr lang="en-US" sz="2000" dirty="0" err="1">
-                <a:latin typeface="Cascadia Code" panose="020B0609020000020004" pitchFamily="49" charset="0"/>
-                <a:ea typeface="Cascadia Code" panose="020B0609020000020004" pitchFamily="49" charset="0"/>
-                <a:cs typeface="Cascadia Code" panose="020B0609020000020004" pitchFamily="49" charset="0"/>
-              </a:rPr>
-              <a:t>println</a:t>
-            </a:r>
-            <a:r>
-              <a:rPr lang="en-US" sz="2000" dirty="0">
-                <a:latin typeface="Cascadia Code" panose="020B0609020000020004" pitchFamily="49" charset="0"/>
-                <a:ea typeface="Cascadia Code" panose="020B0609020000020004" pitchFamily="49" charset="0"/>
-                <a:cs typeface="Cascadia Code" panose="020B0609020000020004" pitchFamily="49" charset="0"/>
-              </a:rPr>
-              <a:t> n </a:t>
-            </a:r>
-            <a:r>
-              <a:rPr lang="en-US" sz="2000" dirty="0" err="1">
-                <a:latin typeface="Cascadia Code" panose="020B0609020000020004" pitchFamily="49" charset="0"/>
-                <a:ea typeface="Cascadia Code" panose="020B0609020000020004" pitchFamily="49" charset="0"/>
-                <a:cs typeface="Cascadia Code" panose="020B0609020000020004" pitchFamily="49" charset="0"/>
-              </a:rPr>
-              <a:t>pid</a:t>
-            </a:r>
-            <a:r>
-              <a:rPr lang="en-US" sz="2000" dirty="0">
-                <a:latin typeface="Cascadia Code" panose="020B0609020000020004" pitchFamily="49" charset="0"/>
-                <a:ea typeface="Cascadia Code" panose="020B0609020000020004" pitchFamily="49" charset="0"/>
-                <a:cs typeface="Cascadia Code" panose="020B0609020000020004" pitchFamily="49" charset="0"/>
-              </a:rPr>
-              <a:t>)</a:t>
-            </a:r>
+            <a:endParaRPr lang="en-US" sz="2000" dirty="0">
+              <a:solidFill>
+                <a:srgbClr val="0070C0"/>
+              </a:solidFill>
+              <a:latin typeface="Cascadia Code" panose="020B0609020000020004" pitchFamily="49" charset="0"/>
+              <a:ea typeface="Cascadia Code" panose="020B0609020000020004" pitchFamily="49" charset="0"/>
+              <a:cs typeface="Cascadia Code" panose="020B0609020000020004" pitchFamily="49" charset="0"/>
+            </a:endParaRPr>
           </a:p>
         </p:txBody>
       </p:sp>
     </p:spTree>
     <p:extLst>
       <p:ext uri="{BB962C8B-B14F-4D97-AF65-F5344CB8AC3E}">
-        <p14:creationId xmlns:p14="http://schemas.microsoft.com/office/powerpoint/2010/main" val="959932876"/>
+        <p14:creationId xmlns:p14="http://schemas.microsoft.com/office/powerpoint/2010/main" val="2724583550"/>
       </p:ext>
     </p:extLst>
   </p:cSld>
@@ -9875,14 +10206,23 @@
         </p:spPr>
         <p:txBody>
           <a:bodyPr>
-            <a:normAutofit fontScale="70000" lnSpcReduction="20000"/>
+            <a:normAutofit/>
           </a:bodyPr>
           <a:lstStyle/>
           <a:p>
             <a:r>
+              <a:rPr lang="en-US" i="1" dirty="0"/>
+              <a:t>Compound symbols </a:t>
+            </a:r>
+            <a:r>
               <a:rPr lang="en-US" dirty="0"/>
-              <a:t>No Special Keywords, Control Flow Is Done With Functions</a:t>
-            </a:r>
+              <a:t>for </a:t>
+            </a:r>
+            <a:r>
+              <a:rPr lang="en-US" dirty="0" err="1"/>
+              <a:t>destructuring</a:t>
+            </a:r>
+            <a:endParaRPr lang="en-US" dirty="0"/>
           </a:p>
           <a:p>
             <a:pPr marL="457200" lvl="1" indent="0">
@@ -9897,26 +10237,10 @@
                 <a:ea typeface="Cascadia Code" panose="020B0609020000020004" pitchFamily="49" charset="0"/>
                 <a:cs typeface="Cascadia Code" panose="020B0609020000020004" pitchFamily="49" charset="0"/>
               </a:rPr>
-              <a:t>(if (&gt; 5 x) (</a:t>
-            </a:r>
-            <a:r>
-              <a:rPr lang="en-US" sz="2000" dirty="0" err="1">
-                <a:latin typeface="Cascadia Code" panose="020B0609020000020004" pitchFamily="49" charset="0"/>
-                <a:ea typeface="Cascadia Code" panose="020B0609020000020004" pitchFamily="49" charset="0"/>
-                <a:cs typeface="Cascadia Code" panose="020B0609020000020004" pitchFamily="49" charset="0"/>
-              </a:rPr>
-              <a:t>println</a:t>
+              <a:t>(let f:r [1 2 3 4 5]</a:t>
             </a:r>
             <a:r>
               <a:rPr lang="en-US" sz="2000" dirty="0">
-                <a:latin typeface="Cascadia Code" panose="020B0609020000020004" pitchFamily="49" charset="0"/>
-                <a:ea typeface="Cascadia Code" panose="020B0609020000020004" pitchFamily="49" charset="0"/>
-                <a:cs typeface="Cascadia Code" panose="020B0609020000020004" pitchFamily="49" charset="0"/>
-              </a:rPr>
-              <a:t> </a:t>
-            </a:r>
-            <a:r>
-              <a:rPr lang="en-US" sz="2000" dirty="0">
                 <a:solidFill>
                   <a:srgbClr val="0070C0"/>
                 </a:solidFill>
@@ -9924,61 +10248,7 @@
                 <a:ea typeface="Cascadia Code" panose="020B0609020000020004" pitchFamily="49" charset="0"/>
                 <a:cs typeface="Cascadia Code" panose="020B0609020000020004" pitchFamily="49" charset="0"/>
               </a:rPr>
-              <a:t>"</a:t>
-            </a:r>
-            <a:r>
-              <a:rPr lang="en-US" sz="2000" dirty="0">
-                <a:latin typeface="Cascadia Code" panose="020B0609020000020004" pitchFamily="49" charset="0"/>
-                <a:ea typeface="Cascadia Code" panose="020B0609020000020004" pitchFamily="49" charset="0"/>
-                <a:cs typeface="Cascadia Code" panose="020B0609020000020004" pitchFamily="49" charset="0"/>
-              </a:rPr>
-              <a:t>It’s greater</a:t>
-            </a:r>
-            <a:r>
-              <a:rPr lang="en-US" sz="2000" dirty="0">
-                <a:solidFill>
-                  <a:srgbClr val="0070C0"/>
-                </a:solidFill>
-                <a:latin typeface="Cascadia Code" panose="020B0609020000020004" pitchFamily="49" charset="0"/>
-                <a:ea typeface="Cascadia Code" panose="020B0609020000020004" pitchFamily="49" charset="0"/>
-                <a:cs typeface="Cascadia Code" panose="020B0609020000020004" pitchFamily="49" charset="0"/>
-              </a:rPr>
-              <a:t>"</a:t>
-            </a:r>
-            <a:r>
-              <a:rPr lang="en-US" sz="2000" dirty="0">
-                <a:latin typeface="Cascadia Code" panose="020B0609020000020004" pitchFamily="49" charset="0"/>
-                <a:ea typeface="Cascadia Code" panose="020B0609020000020004" pitchFamily="49" charset="0"/>
-                <a:cs typeface="Cascadia Code" panose="020B0609020000020004" pitchFamily="49" charset="0"/>
-              </a:rPr>
-              <a:t>) (</a:t>
-            </a:r>
-            <a:r>
-              <a:rPr lang="en-US" sz="2000" dirty="0" err="1">
-                <a:latin typeface="Cascadia Code" panose="020B0609020000020004" pitchFamily="49" charset="0"/>
-                <a:ea typeface="Cascadia Code" panose="020B0609020000020004" pitchFamily="49" charset="0"/>
-                <a:cs typeface="Cascadia Code" panose="020B0609020000020004" pitchFamily="49" charset="0"/>
-              </a:rPr>
-              <a:t>println</a:t>
-            </a:r>
-            <a:r>
-              <a:rPr lang="en-US" sz="2000" dirty="0">
-                <a:latin typeface="Cascadia Code" panose="020B0609020000020004" pitchFamily="49" charset="0"/>
-                <a:ea typeface="Cascadia Code" panose="020B0609020000020004" pitchFamily="49" charset="0"/>
-                <a:cs typeface="Cascadia Code" panose="020B0609020000020004" pitchFamily="49" charset="0"/>
-              </a:rPr>
-              <a:t> </a:t>
-            </a:r>
-            <a:r>
-              <a:rPr lang="en-US" sz="2000" dirty="0">
-                <a:solidFill>
-                  <a:srgbClr val="0070C0"/>
-                </a:solidFill>
-                <a:latin typeface="Cascadia Code" panose="020B0609020000020004" pitchFamily="49" charset="0"/>
-                <a:ea typeface="Cascadia Code" panose="020B0609020000020004" pitchFamily="49" charset="0"/>
-                <a:cs typeface="Cascadia Code" panose="020B0609020000020004" pitchFamily="49" charset="0"/>
-              </a:rPr>
-              <a:t>"It’s smaller"))  ; if function</a:t>
+              <a:t>) 	; f gets 1, r gets [2 3 4 5]</a:t>
             </a:r>
           </a:p>
           <a:p>
@@ -9990,30 +10260,6 @@
             </a:pPr>
             <a:r>
               <a:rPr lang="en-US" sz="2000" dirty="0">
-                <a:latin typeface="Cascadia Code" panose="020B0609020000020004" pitchFamily="49" charset="0"/>
-                <a:ea typeface="Cascadia Code" panose="020B0609020000020004" pitchFamily="49" charset="0"/>
-                <a:cs typeface="Cascadia Code" panose="020B0609020000020004" pitchFamily="49" charset="0"/>
-              </a:rPr>
-              <a:t>(while (&gt; x 0) (</a:t>
-            </a:r>
-            <a:r>
-              <a:rPr lang="en-US" sz="2000" dirty="0" err="1">
-                <a:latin typeface="Cascadia Code" panose="020B0609020000020004" pitchFamily="49" charset="0"/>
-                <a:ea typeface="Cascadia Code" panose="020B0609020000020004" pitchFamily="49" charset="0"/>
-                <a:cs typeface="Cascadia Code" panose="020B0609020000020004" pitchFamily="49" charset="0"/>
-              </a:rPr>
-              <a:t>println</a:t>
-            </a:r>
-            <a:r>
-              <a:rPr lang="en-US" sz="2000" dirty="0">
-                <a:latin typeface="Cascadia Code" panose="020B0609020000020004" pitchFamily="49" charset="0"/>
-                <a:ea typeface="Cascadia Code" panose="020B0609020000020004" pitchFamily="49" charset="0"/>
-                <a:cs typeface="Cascadia Code" panose="020B0609020000020004" pitchFamily="49" charset="0"/>
-              </a:rPr>
-              <a:t> </a:t>
-            </a:r>
-            <a:r>
-              <a:rPr lang="en-US" sz="2000" dirty="0">
                 <a:solidFill>
                   <a:srgbClr val="0070C0"/>
                 </a:solidFill>
@@ -10021,70 +10267,7 @@
                 <a:ea typeface="Cascadia Code" panose="020B0609020000020004" pitchFamily="49" charset="0"/>
                 <a:cs typeface="Cascadia Code" panose="020B0609020000020004" pitchFamily="49" charset="0"/>
               </a:rPr>
-              <a:t>"</a:t>
-            </a:r>
-            <a:r>
-              <a:rPr lang="en-US" sz="2000" dirty="0">
-                <a:latin typeface="Cascadia Code" panose="020B0609020000020004" pitchFamily="49" charset="0"/>
-                <a:ea typeface="Cascadia Code" panose="020B0609020000020004" pitchFamily="49" charset="0"/>
-                <a:cs typeface="Cascadia Code" panose="020B0609020000020004" pitchFamily="49" charset="0"/>
-              </a:rPr>
-              <a:t>x is ${x}</a:t>
-            </a:r>
-            <a:r>
-              <a:rPr lang="en-US" sz="2000" dirty="0">
-                <a:solidFill>
-                  <a:srgbClr val="0070C0"/>
-                </a:solidFill>
-                <a:latin typeface="Cascadia Code" panose="020B0609020000020004" pitchFamily="49" charset="0"/>
-                <a:ea typeface="Cascadia Code" panose="020B0609020000020004" pitchFamily="49" charset="0"/>
-                <a:cs typeface="Cascadia Code" panose="020B0609020000020004" pitchFamily="49" charset="0"/>
-              </a:rPr>
-              <a:t>") (</a:t>
-            </a:r>
-            <a:r>
-              <a:rPr lang="en-US" sz="2000" dirty="0" err="1">
-                <a:solidFill>
-                  <a:srgbClr val="0070C0"/>
-                </a:solidFill>
-                <a:latin typeface="Cascadia Code" panose="020B0609020000020004" pitchFamily="49" charset="0"/>
-                <a:ea typeface="Cascadia Code" panose="020B0609020000020004" pitchFamily="49" charset="0"/>
-                <a:cs typeface="Cascadia Code" panose="020B0609020000020004" pitchFamily="49" charset="0"/>
-              </a:rPr>
-              <a:t>decr</a:t>
-            </a:r>
-            <a:r>
-              <a:rPr lang="en-US" sz="2000" dirty="0">
-                <a:solidFill>
-                  <a:srgbClr val="0070C0"/>
-                </a:solidFill>
-                <a:latin typeface="Cascadia Code" panose="020B0609020000020004" pitchFamily="49" charset="0"/>
-                <a:ea typeface="Cascadia Code" panose="020B0609020000020004" pitchFamily="49" charset="0"/>
-                <a:cs typeface="Cascadia Code" panose="020B0609020000020004" pitchFamily="49" charset="0"/>
-              </a:rPr>
-              <a:t> </a:t>
-            </a:r>
-            <a:r>
-              <a:rPr lang="en-US" sz="2000" dirty="0" err="1">
-                <a:solidFill>
-                  <a:srgbClr val="0070C0"/>
-                </a:solidFill>
-                <a:latin typeface="Cascadia Code" panose="020B0609020000020004" pitchFamily="49" charset="0"/>
-                <a:ea typeface="Cascadia Code" panose="020B0609020000020004" pitchFamily="49" charset="0"/>
-                <a:cs typeface="Cascadia Code" panose="020B0609020000020004" pitchFamily="49" charset="0"/>
-              </a:rPr>
-              <a:t>i</a:t>
-            </a:r>
-            <a:r>
-              <a:rPr lang="en-US" sz="2000" dirty="0">
-                <a:solidFill>
-                  <a:srgbClr val="0070C0"/>
-                </a:solidFill>
-                <a:latin typeface="Cascadia Code" panose="020B0609020000020004" pitchFamily="49" charset="0"/>
-                <a:ea typeface="Cascadia Code" panose="020B0609020000020004" pitchFamily="49" charset="0"/>
-                <a:cs typeface="Cascadia Code" panose="020B0609020000020004" pitchFamily="49" charset="0"/>
-              </a:rPr>
-              <a:t>))                  ; while function</a:t>
+              <a:t>(let f:r: [1 2]) 		; f gets 1, r gets 2</a:t>
             </a:r>
           </a:p>
           <a:p>
@@ -10096,11 +10279,145 @@
             </a:pPr>
             <a:r>
               <a:rPr lang="en-US" sz="2000" dirty="0">
-                <a:latin typeface="Cascadia Code" panose="020B0609020000020004" pitchFamily="49" charset="0"/>
-                <a:ea typeface="Cascadia Code" panose="020B0609020000020004" pitchFamily="49" charset="0"/>
-                <a:cs typeface="Cascadia Code" panose="020B0609020000020004" pitchFamily="49" charset="0"/>
-              </a:rPr>
-              <a:t>(foreach f (ls -file | take 5) (</a:t>
+                <a:solidFill>
+                  <a:srgbClr val="0070C0"/>
+                </a:solidFill>
+                <a:latin typeface="Cascadia Code" panose="020B0609020000020004" pitchFamily="49" charset="0"/>
+                <a:ea typeface="Cascadia Code" panose="020B0609020000020004" pitchFamily="49" charset="0"/>
+                <a:cs typeface="Cascadia Code" panose="020B0609020000020004" pitchFamily="49" charset="0"/>
+              </a:rPr>
+              <a:t>(let f:r: [1 2]) r:f	; returns [2 1]</a:t>
+            </a:r>
+          </a:p>
+          <a:p>
+            <a:r>
+              <a:rPr lang="en-US" dirty="0"/>
+              <a:t>Conditional assignment</a:t>
+            </a:r>
+          </a:p>
+          <a:p>
+            <a:pPr marL="457200" lvl="1" indent="0">
+              <a:buNone/>
+            </a:pPr>
+            <a:r>
+              <a:rPr lang="en-US" sz="2100" dirty="0">
+                <a:latin typeface="Cascadia Code" panose="020B0609020000020004" pitchFamily="49" charset="0"/>
+                <a:ea typeface="Cascadia Code" panose="020B0609020000020004" pitchFamily="49" charset="0"/>
+                <a:cs typeface="Cascadia Code" panose="020B0609020000020004" pitchFamily="49" charset="0"/>
+              </a:rPr>
+              <a:t>(let </a:t>
+            </a:r>
+            <a:r>
+              <a:rPr lang="en-US" sz="2100" dirty="0" err="1">
+                <a:latin typeface="Cascadia Code" panose="020B0609020000020004" pitchFamily="49" charset="0"/>
+                <a:ea typeface="Cascadia Code" panose="020B0609020000020004" pitchFamily="49" charset="0"/>
+                <a:cs typeface="Cascadia Code" panose="020B0609020000020004" pitchFamily="49" charset="0"/>
+              </a:rPr>
+              <a:t>xs</a:t>
+            </a:r>
+            <a:r>
+              <a:rPr lang="en-US" sz="2100" dirty="0">
+                <a:latin typeface="Cascadia Code" panose="020B0609020000020004" pitchFamily="49" charset="0"/>
+                <a:ea typeface="Cascadia Code" panose="020B0609020000020004" pitchFamily="49" charset="0"/>
+                <a:cs typeface="Cascadia Code" panose="020B0609020000020004" pitchFamily="49" charset="0"/>
+              </a:rPr>
+              <a:t> [1 2 3 4 5])</a:t>
+            </a:r>
+          </a:p>
+          <a:p>
+            <a:pPr marL="457200" lvl="1" indent="0">
+              <a:buNone/>
+            </a:pPr>
+            <a:r>
+              <a:rPr lang="en-US" sz="2100" dirty="0">
+                <a:latin typeface="Cascadia Code" panose="020B0609020000020004" pitchFamily="49" charset="0"/>
+                <a:ea typeface="Cascadia Code" panose="020B0609020000020004" pitchFamily="49" charset="0"/>
+                <a:cs typeface="Cascadia Code" panose="020B0609020000020004" pitchFamily="49" charset="0"/>
+              </a:rPr>
+              <a:t>(while (let? x:xs </a:t>
+            </a:r>
+            <a:r>
+              <a:rPr lang="en-US" sz="2100" dirty="0" err="1">
+                <a:latin typeface="Cascadia Code" panose="020B0609020000020004" pitchFamily="49" charset="0"/>
+                <a:ea typeface="Cascadia Code" panose="020B0609020000020004" pitchFamily="49" charset="0"/>
+                <a:cs typeface="Cascadia Code" panose="020B0609020000020004" pitchFamily="49" charset="0"/>
+              </a:rPr>
+              <a:t>xs</a:t>
+            </a:r>
+            <a:r>
+              <a:rPr lang="en-US" sz="2100" dirty="0">
+                <a:latin typeface="Cascadia Code" panose="020B0609020000020004" pitchFamily="49" charset="0"/>
+                <a:ea typeface="Cascadia Code" panose="020B0609020000020004" pitchFamily="49" charset="0"/>
+                <a:cs typeface="Cascadia Code" panose="020B0609020000020004" pitchFamily="49" charset="0"/>
+              </a:rPr>
+              <a:t>) (</a:t>
+            </a:r>
+            <a:r>
+              <a:rPr lang="en-US" sz="2100" dirty="0" err="1">
+                <a:latin typeface="Cascadia Code" panose="020B0609020000020004" pitchFamily="49" charset="0"/>
+                <a:ea typeface="Cascadia Code" panose="020B0609020000020004" pitchFamily="49" charset="0"/>
+                <a:cs typeface="Cascadia Code" panose="020B0609020000020004" pitchFamily="49" charset="0"/>
+              </a:rPr>
+              <a:t>println</a:t>
+            </a:r>
+            <a:r>
+              <a:rPr lang="en-US" sz="2100" dirty="0">
+                <a:latin typeface="Cascadia Code" panose="020B0609020000020004" pitchFamily="49" charset="0"/>
+                <a:ea typeface="Cascadia Code" panose="020B0609020000020004" pitchFamily="49" charset="0"/>
+                <a:cs typeface="Cascadia Code" panose="020B0609020000020004" pitchFamily="49" charset="0"/>
+              </a:rPr>
+              <a:t> </a:t>
+            </a:r>
+            <a:r>
+              <a:rPr lang="en-US" sz="2400" dirty="0">
+                <a:latin typeface="Cascadia Code" panose="020B0609020000020004" pitchFamily="49" charset="0"/>
+                <a:ea typeface="Cascadia Code" panose="020B0609020000020004" pitchFamily="49" charset="0"/>
+                <a:cs typeface="Cascadia Code" panose="020B0609020000020004" pitchFamily="49" charset="0"/>
+              </a:rPr>
+              <a:t>"</a:t>
+            </a:r>
+            <a:r>
+              <a:rPr lang="en-US" sz="2100" dirty="0">
+                <a:latin typeface="Cascadia Code" panose="020B0609020000020004" pitchFamily="49" charset="0"/>
+                <a:ea typeface="Cascadia Code" panose="020B0609020000020004" pitchFamily="49" charset="0"/>
+                <a:cs typeface="Cascadia Code" panose="020B0609020000020004" pitchFamily="49" charset="0"/>
+              </a:rPr>
+              <a:t>x is </a:t>
+            </a:r>
+            <a:r>
+              <a:rPr lang="en-US" sz="2400" dirty="0">
+                <a:latin typeface="Cascadia Code" panose="020B0609020000020004" pitchFamily="49" charset="0"/>
+                <a:ea typeface="Cascadia Code" panose="020B0609020000020004" pitchFamily="49" charset="0"/>
+                <a:cs typeface="Cascadia Code" panose="020B0609020000020004" pitchFamily="49" charset="0"/>
+              </a:rPr>
+              <a:t>"</a:t>
+            </a:r>
+            <a:r>
+              <a:rPr lang="en-US" sz="2100" dirty="0">
+                <a:latin typeface="Cascadia Code" panose="020B0609020000020004" pitchFamily="49" charset="0"/>
+                <a:ea typeface="Cascadia Code" panose="020B0609020000020004" pitchFamily="49" charset="0"/>
+                <a:cs typeface="Cascadia Code" panose="020B0609020000020004" pitchFamily="49" charset="0"/>
+              </a:rPr>
+              <a:t> x))</a:t>
+            </a:r>
+          </a:p>
+          <a:p>
+            <a:r>
+              <a:rPr lang="en-US" dirty="0"/>
+              <a:t>Property Patterns</a:t>
+            </a:r>
+          </a:p>
+          <a:p>
+            <a:pPr marL="457200" lvl="1" indent="0">
+              <a:buNone/>
+            </a:pPr>
+            <a:r>
+              <a:rPr lang="en-US" sz="2000" dirty="0">
+                <a:latin typeface="Cascadia Code" panose="020B0609020000020004" pitchFamily="49" charset="0"/>
+                <a:ea typeface="Cascadia Code" panose="020B0609020000020004" pitchFamily="49" charset="0"/>
+                <a:cs typeface="Cascadia Code" panose="020B0609020000020004" pitchFamily="49" charset="0"/>
+              </a:rPr>
+              <a:t> (let {:</a:t>
             </a:r>
             <a:r>
               <a:rPr lang="en-US" sz="2000" dirty="0" err="1">
@@ -10108,6 +10425,51 @@
                 <a:ea typeface="Cascadia Code" panose="020B0609020000020004" pitchFamily="49" charset="0"/>
                 <a:cs typeface="Cascadia Code" panose="020B0609020000020004" pitchFamily="49" charset="0"/>
               </a:rPr>
+              <a:t>ProcessName</a:t>
+            </a:r>
+            <a:r>
+              <a:rPr lang="en-US" sz="2000" dirty="0">
+                <a:latin typeface="Cascadia Code" panose="020B0609020000020004" pitchFamily="49" charset="0"/>
+                <a:ea typeface="Cascadia Code" panose="020B0609020000020004" pitchFamily="49" charset="0"/>
+                <a:cs typeface="Cascadia Code" panose="020B0609020000020004" pitchFamily="49" charset="0"/>
+              </a:rPr>
+              <a:t> n :Id </a:t>
+            </a:r>
+            <a:r>
+              <a:rPr lang="en-US" sz="2000" dirty="0" err="1">
+                <a:latin typeface="Cascadia Code" panose="020B0609020000020004" pitchFamily="49" charset="0"/>
+                <a:ea typeface="Cascadia Code" panose="020B0609020000020004" pitchFamily="49" charset="0"/>
+                <a:cs typeface="Cascadia Code" panose="020B0609020000020004" pitchFamily="49" charset="0"/>
+              </a:rPr>
+              <a:t>pid</a:t>
+            </a:r>
+            <a:r>
+              <a:rPr lang="en-US" sz="2000" dirty="0">
+                <a:latin typeface="Cascadia Code" panose="020B0609020000020004" pitchFamily="49" charset="0"/>
+                <a:ea typeface="Cascadia Code" panose="020B0609020000020004" pitchFamily="49" charset="0"/>
+                <a:cs typeface="Cascadia Code" panose="020B0609020000020004" pitchFamily="49" charset="0"/>
+              </a:rPr>
+              <a:t>} (get-process | !! 0))</a:t>
+            </a:r>
+          </a:p>
+          <a:p>
+            <a:pPr marL="457200" lvl="1" indent="0">
+              <a:buNone/>
+            </a:pPr>
+            <a:r>
+              <a:rPr lang="en-US" sz="2000" dirty="0">
+                <a:latin typeface="Cascadia Code" panose="020B0609020000020004" pitchFamily="49" charset="0"/>
+                <a:ea typeface="Cascadia Code" panose="020B0609020000020004" pitchFamily="49" charset="0"/>
+                <a:cs typeface="Cascadia Code" panose="020B0609020000020004" pitchFamily="49" charset="0"/>
+              </a:rPr>
+              <a:t> (</a:t>
+            </a:r>
+            <a:r>
+              <a:rPr lang="en-US" sz="2000" dirty="0" err="1">
+                <a:latin typeface="Cascadia Code" panose="020B0609020000020004" pitchFamily="49" charset="0"/>
+                <a:ea typeface="Cascadia Code" panose="020B0609020000020004" pitchFamily="49" charset="0"/>
+                <a:cs typeface="Cascadia Code" panose="020B0609020000020004" pitchFamily="49" charset="0"/>
+              </a:rPr>
               <a:t>println</a:t>
             </a:r>
             <a:r>
@@ -10116,260 +10478,23 @@
                 <a:ea typeface="Cascadia Code" panose="020B0609020000020004" pitchFamily="49" charset="0"/>
                 <a:cs typeface="Cascadia Code" panose="020B0609020000020004" pitchFamily="49" charset="0"/>
               </a:rPr>
-              <a:t> (.name f) (.length f))) ; foreach function</a:t>
-            </a:r>
-          </a:p>
-          <a:p>
-            <a:r>
-              <a:rPr lang="en-US" dirty="0"/>
-              <a:t>Higher-order Functions</a:t>
-            </a:r>
-          </a:p>
-          <a:p>
-            <a:pPr marL="457200" lvl="1" indent="0">
-              <a:buNone/>
-            </a:pPr>
-            <a:r>
-              <a:rPr lang="en-US" sz="2100" dirty="0">
-                <a:latin typeface="Cascadia Code" panose="020B0609020000020004" pitchFamily="49" charset="0"/>
-                <a:ea typeface="Cascadia Code" panose="020B0609020000020004" pitchFamily="49" charset="0"/>
-                <a:cs typeface="Cascadia Code" panose="020B0609020000020004" pitchFamily="49" charset="0"/>
-              </a:rPr>
-              <a:t>(range 10 | map (\ n -&gt; (* n n)))</a:t>
-            </a:r>
-          </a:p>
-          <a:p>
-            <a:pPr marL="457200" lvl="1" indent="0">
-              <a:buNone/>
-            </a:pPr>
-            <a:r>
-              <a:rPr lang="en-US" sz="2100" dirty="0">
-                <a:latin typeface="Cascadia Code" panose="020B0609020000020004" pitchFamily="49" charset="0"/>
-                <a:ea typeface="Cascadia Code" panose="020B0609020000020004" pitchFamily="49" charset="0"/>
-                <a:cs typeface="Cascadia Code" panose="020B0609020000020004" pitchFamily="49" charset="0"/>
-              </a:rPr>
-              <a:t>(range 10 | map </a:t>
-            </a:r>
-            <a:r>
-              <a:rPr lang="en-US" sz="2100" dirty="0" err="1">
-                <a:latin typeface="Cascadia Code" panose="020B0609020000020004" pitchFamily="49" charset="0"/>
-                <a:ea typeface="Cascadia Code" panose="020B0609020000020004" pitchFamily="49" charset="0"/>
-                <a:cs typeface="Cascadia Code" panose="020B0609020000020004" pitchFamily="49" charset="0"/>
-              </a:rPr>
-              <a:t>sqr</a:t>
-            </a:r>
-            <a:r>
-              <a:rPr lang="en-US" sz="2100" dirty="0">
+              <a:t> n </a:t>
+            </a:r>
+            <a:r>
+              <a:rPr lang="en-US" sz="2000" dirty="0" err="1">
+                <a:latin typeface="Cascadia Code" panose="020B0609020000020004" pitchFamily="49" charset="0"/>
+                <a:ea typeface="Cascadia Code" panose="020B0609020000020004" pitchFamily="49" charset="0"/>
+                <a:cs typeface="Cascadia Code" panose="020B0609020000020004" pitchFamily="49" charset="0"/>
+              </a:rPr>
+              <a:t>pid</a:t>
+            </a:r>
+            <a:r>
+              <a:rPr lang="en-US" sz="2000" dirty="0">
                 <a:latin typeface="Cascadia Code" panose="020B0609020000020004" pitchFamily="49" charset="0"/>
                 <a:ea typeface="Cascadia Code" panose="020B0609020000020004" pitchFamily="49" charset="0"/>
                 <a:cs typeface="Cascadia Code" panose="020B0609020000020004" pitchFamily="49" charset="0"/>
               </a:rPr>
               <a:t>)</a:t>
-            </a:r>
-          </a:p>
-          <a:p>
-            <a:pPr marL="457200" lvl="1" indent="0">
-              <a:buNone/>
-            </a:pPr>
-            <a:r>
-              <a:rPr lang="en-US" sz="2100" dirty="0">
-                <a:latin typeface="Cascadia Code" panose="020B0609020000020004" pitchFamily="49" charset="0"/>
-                <a:ea typeface="Cascadia Code" panose="020B0609020000020004" pitchFamily="49" charset="0"/>
-                <a:cs typeface="Cascadia Code" panose="020B0609020000020004" pitchFamily="49" charset="0"/>
-              </a:rPr>
-              <a:t>(range 10 | reduce +)</a:t>
-            </a:r>
-          </a:p>
-          <a:p>
-            <a:r>
-              <a:rPr lang="en-US" dirty="0"/>
-              <a:t>Lexical Scoping and Closures</a:t>
-            </a:r>
-          </a:p>
-          <a:p>
-            <a:pPr marL="457200" lvl="1" indent="0">
-              <a:buNone/>
-            </a:pPr>
-            <a:r>
-              <a:rPr lang="en-US" sz="2000" dirty="0">
-                <a:latin typeface="Cascadia Code" panose="020B0609020000020004" pitchFamily="49" charset="0"/>
-                <a:ea typeface="Cascadia Code" panose="020B0609020000020004" pitchFamily="49" charset="0"/>
-                <a:cs typeface="Cascadia Code" panose="020B0609020000020004" pitchFamily="49" charset="0"/>
-              </a:rPr>
-              <a:t>(</a:t>
-            </a:r>
-            <a:r>
-              <a:rPr lang="en-US" sz="2000" dirty="0" err="1">
-                <a:latin typeface="Cascadia Code" panose="020B0609020000020004" pitchFamily="49" charset="0"/>
-                <a:ea typeface="Cascadia Code" panose="020B0609020000020004" pitchFamily="49" charset="0"/>
-                <a:cs typeface="Cascadia Code" panose="020B0609020000020004" pitchFamily="49" charset="0"/>
-              </a:rPr>
-              <a:t>defn</a:t>
-            </a:r>
-            <a:r>
-              <a:rPr lang="en-US" sz="2000" dirty="0">
-                <a:latin typeface="Cascadia Code" panose="020B0609020000020004" pitchFamily="49" charset="0"/>
-                <a:ea typeface="Cascadia Code" panose="020B0609020000020004" pitchFamily="49" charset="0"/>
-                <a:cs typeface="Cascadia Code" panose="020B0609020000020004" pitchFamily="49" charset="0"/>
-              </a:rPr>
-              <a:t> Make-Counter [n] (\ -&gt; (</a:t>
-            </a:r>
-            <a:r>
-              <a:rPr lang="en-US" sz="2000" dirty="0" err="1">
-                <a:latin typeface="Cascadia Code" panose="020B0609020000020004" pitchFamily="49" charset="0"/>
-                <a:ea typeface="Cascadia Code" panose="020B0609020000020004" pitchFamily="49" charset="0"/>
-                <a:cs typeface="Cascadia Code" panose="020B0609020000020004" pitchFamily="49" charset="0"/>
-              </a:rPr>
-              <a:t>incr</a:t>
-            </a:r>
-            <a:r>
-              <a:rPr lang="en-US" sz="2000" dirty="0">
-                <a:latin typeface="Cascadia Code" panose="020B0609020000020004" pitchFamily="49" charset="0"/>
-                <a:ea typeface="Cascadia Code" panose="020B0609020000020004" pitchFamily="49" charset="0"/>
-                <a:cs typeface="Cascadia Code" panose="020B0609020000020004" pitchFamily="49" charset="0"/>
-              </a:rPr>
-              <a:t> n))) ; function that makes functions</a:t>
-            </a:r>
-            <a:endParaRPr lang="en-US" dirty="0">
-              <a:ea typeface="Cascadia Code" panose="020B0609020000020004" pitchFamily="49" charset="0"/>
-              <a:cs typeface="Cascadia Code" panose="020B0609020000020004" pitchFamily="49" charset="0"/>
-            </a:endParaRPr>
-          </a:p>
-          <a:p>
-            <a:r>
-              <a:rPr lang="en-US" dirty="0">
-                <a:ea typeface="Cascadia Code" panose="020B0609020000020004" pitchFamily="49" charset="0"/>
-                <a:cs typeface="Cascadia Code" panose="020B0609020000020004" pitchFamily="49" charset="0"/>
-              </a:rPr>
-              <a:t>Tail Recursion</a:t>
-            </a:r>
-          </a:p>
-          <a:p>
-            <a:pPr marL="457200" lvl="1" indent="0">
-              <a:buNone/>
-            </a:pPr>
-            <a:r>
-              <a:rPr lang="pt-BR" sz="2000" dirty="0">
-                <a:latin typeface="Cascadia Code" panose="020B0609020000020004" pitchFamily="49" charset="0"/>
-                <a:ea typeface="Cascadia Code" panose="020B0609020000020004" pitchFamily="49" charset="0"/>
-                <a:cs typeface="Cascadia Code" panose="020B0609020000020004" pitchFamily="49" charset="0"/>
-              </a:rPr>
-              <a:t>(defn rv | x:xs (r nil) -&gt; (recur xs (cons x r)) | nil (r nil) -&gt; r)</a:t>
-            </a:r>
-          </a:p>
-          <a:p>
-            <a:pPr marL="457200" lvl="1" indent="0">
-              <a:buNone/>
-            </a:pPr>
-            <a:r>
-              <a:rPr lang="en-US" sz="2000" dirty="0">
-                <a:latin typeface="Cascadia Code" panose="020B0609020000020004" pitchFamily="49" charset="0"/>
-                <a:ea typeface="Cascadia Code" panose="020B0609020000020004" pitchFamily="49" charset="0"/>
-                <a:cs typeface="Cascadia Code" panose="020B0609020000020004" pitchFamily="49" charset="0"/>
-              </a:rPr>
-              <a:t>(</a:t>
-            </a:r>
-            <a:r>
-              <a:rPr lang="en-US" sz="2000" dirty="0" err="1">
-                <a:latin typeface="Cascadia Code" panose="020B0609020000020004" pitchFamily="49" charset="0"/>
-                <a:ea typeface="Cascadia Code" panose="020B0609020000020004" pitchFamily="49" charset="0"/>
-                <a:cs typeface="Cascadia Code" panose="020B0609020000020004" pitchFamily="49" charset="0"/>
-              </a:rPr>
-              <a:t>rv</a:t>
-            </a:r>
-            <a:r>
-              <a:rPr lang="en-US" sz="2000" dirty="0">
-                <a:latin typeface="Cascadia Code" panose="020B0609020000020004" pitchFamily="49" charset="0"/>
-                <a:ea typeface="Cascadia Code" panose="020B0609020000020004" pitchFamily="49" charset="0"/>
-                <a:cs typeface="Cascadia Code" panose="020B0609020000020004" pitchFamily="49" charset="0"/>
-              </a:rPr>
-              <a:t> (range 10)) ; returns (10 9 8 7 6 5 4 3 2 1)</a:t>
-            </a:r>
-          </a:p>
-          <a:p>
-            <a:r>
-              <a:rPr lang="en-US" sz="3400" dirty="0">
-                <a:solidFill>
-                  <a:schemeClr val="tx1"/>
-                </a:solidFill>
-                <a:ea typeface="Cascadia Code" panose="020B0609020000020004" pitchFamily="49" charset="0"/>
-                <a:cs typeface="Cascadia Code" panose="020B0609020000020004" pitchFamily="49" charset="0"/>
-              </a:rPr>
-              <a:t>Strict vs Soft Type Constraints</a:t>
-            </a:r>
-          </a:p>
-          <a:p>
-            <a:pPr marL="457200" lvl="1" indent="0">
-              <a:buNone/>
-            </a:pPr>
-            <a:r>
-              <a:rPr lang="en-US" sz="2000" dirty="0">
-                <a:latin typeface="Cascadia Code" panose="020B0609020000020004" pitchFamily="49" charset="0"/>
-                <a:ea typeface="Cascadia Code" panose="020B0609020000020004" pitchFamily="49" charset="0"/>
-                <a:cs typeface="Cascadia Code" panose="020B0609020000020004" pitchFamily="49" charset="0"/>
-              </a:rPr>
-              <a:t>(</a:t>
-            </a:r>
-            <a:r>
-              <a:rPr lang="en-US" sz="2000" dirty="0" err="1">
-                <a:latin typeface="Cascadia Code" panose="020B0609020000020004" pitchFamily="49" charset="0"/>
-                <a:ea typeface="Cascadia Code" panose="020B0609020000020004" pitchFamily="49" charset="0"/>
-                <a:cs typeface="Cascadia Code" panose="020B0609020000020004" pitchFamily="49" charset="0"/>
-              </a:rPr>
-              <a:t>defn</a:t>
-            </a:r>
-            <a:r>
-              <a:rPr lang="en-US" sz="2000" dirty="0">
-                <a:latin typeface="Cascadia Code" panose="020B0609020000020004" pitchFamily="49" charset="0"/>
-                <a:ea typeface="Cascadia Code" panose="020B0609020000020004" pitchFamily="49" charset="0"/>
-                <a:cs typeface="Cascadia Code" panose="020B0609020000020004" pitchFamily="49" charset="0"/>
-              </a:rPr>
-              <a:t> need-string [(^string s)] s)	; requires a string argument</a:t>
-            </a:r>
-          </a:p>
-          <a:p>
-            <a:pPr marL="457200" lvl="1" indent="0">
-              <a:buNone/>
-            </a:pPr>
-            <a:r>
-              <a:rPr lang="en-US" sz="2000" dirty="0">
-                <a:latin typeface="Cascadia Code" panose="020B0609020000020004" pitchFamily="49" charset="0"/>
-                <a:ea typeface="Cascadia Code" panose="020B0609020000020004" pitchFamily="49" charset="0"/>
-                <a:cs typeface="Cascadia Code" panose="020B0609020000020004" pitchFamily="49" charset="0"/>
-              </a:rPr>
-              <a:t>(</a:t>
-            </a:r>
-            <a:r>
-              <a:rPr lang="en-US" sz="2000" dirty="0" err="1">
-                <a:latin typeface="Cascadia Code" panose="020B0609020000020004" pitchFamily="49" charset="0"/>
-                <a:ea typeface="Cascadia Code" panose="020B0609020000020004" pitchFamily="49" charset="0"/>
-                <a:cs typeface="Cascadia Code" panose="020B0609020000020004" pitchFamily="49" charset="0"/>
-              </a:rPr>
-              <a:t>defn</a:t>
-            </a:r>
-            <a:r>
-              <a:rPr lang="en-US" sz="2000" dirty="0">
-                <a:latin typeface="Cascadia Code" panose="020B0609020000020004" pitchFamily="49" charset="0"/>
-                <a:ea typeface="Cascadia Code" panose="020B0609020000020004" pitchFamily="49" charset="0"/>
-                <a:cs typeface="Cascadia Code" panose="020B0609020000020004" pitchFamily="49" charset="0"/>
-              </a:rPr>
-              <a:t> soft-string [(^?string s) s)	; converts </a:t>
-            </a:r>
-            <a:r>
-              <a:rPr lang="en-US" sz="2000" dirty="0" err="1">
-                <a:latin typeface="Cascadia Code" panose="020B0609020000020004" pitchFamily="49" charset="0"/>
-                <a:ea typeface="Cascadia Code" panose="020B0609020000020004" pitchFamily="49" charset="0"/>
-                <a:cs typeface="Cascadia Code" panose="020B0609020000020004" pitchFamily="49" charset="0"/>
-              </a:rPr>
-              <a:t>arg</a:t>
-            </a:r>
-            <a:r>
-              <a:rPr lang="en-US" sz="2000" dirty="0">
-                <a:latin typeface="Cascadia Code" panose="020B0609020000020004" pitchFamily="49" charset="0"/>
-                <a:ea typeface="Cascadia Code" panose="020B0609020000020004" pitchFamily="49" charset="0"/>
-                <a:cs typeface="Cascadia Code" panose="020B0609020000020004" pitchFamily="49" charset="0"/>
-              </a:rPr>
-              <a:t> to string</a:t>
             </a:r>
           </a:p>
         </p:txBody>
@@ -10377,7 +10502,7 @@
     </p:spTree>
     <p:extLst>
       <p:ext uri="{BB962C8B-B14F-4D97-AF65-F5344CB8AC3E}">
-        <p14:creationId xmlns:p14="http://schemas.microsoft.com/office/powerpoint/2010/main" val="912634738"/>
+        <p14:creationId xmlns:p14="http://schemas.microsoft.com/office/powerpoint/2010/main" val="959932876"/>
       </p:ext>
     </p:extLst>
   </p:cSld>
@@ -10427,7 +10552,7 @@
           <a:p>
             <a:r>
               <a:rPr lang="en-US" dirty="0"/>
-              <a:t>Metaprogramming</a:t>
+              <a:t>Features</a:t>
             </a:r>
             <a:endParaRPr lang="en-GB" dirty="0"/>
           </a:p>
@@ -10457,21 +10582,248 @@
         </p:spPr>
         <p:txBody>
           <a:bodyPr>
-            <a:normAutofit fontScale="62500" lnSpcReduction="20000"/>
+            <a:normAutofit fontScale="70000" lnSpcReduction="20000"/>
           </a:bodyPr>
           <a:lstStyle/>
           <a:p>
             <a:r>
               <a:rPr lang="en-US" dirty="0"/>
-              <a:t>Metaprogramming </a:t>
-            </a:r>
-            <a:r>
-              <a:rPr lang="en-US" dirty="0" err="1"/>
-              <a:t>def’n</a:t>
-            </a:r>
-            <a:r>
-              <a:rPr lang="en-US" dirty="0"/>
-              <a:t>: ‘programs manipulating programs’</a:t>
+              <a:t>No Special Keywords, Control Flow Is Done With Functions</a:t>
+            </a:r>
+          </a:p>
+          <a:p>
+            <a:pPr marL="457200" lvl="1" indent="0">
+              <a:lnSpc>
+                <a:spcPct val="120000"/>
+              </a:lnSpc>
+              <a:buNone/>
+            </a:pPr>
+            <a:r>
+              <a:rPr lang="en-US" sz="2000" dirty="0">
+                <a:latin typeface="Cascadia Code" panose="020B0609020000020004" pitchFamily="49" charset="0"/>
+                <a:ea typeface="Cascadia Code" panose="020B0609020000020004" pitchFamily="49" charset="0"/>
+                <a:cs typeface="Cascadia Code" panose="020B0609020000020004" pitchFamily="49" charset="0"/>
+              </a:rPr>
+              <a:t>(if (&gt; 5 x) (</a:t>
+            </a:r>
+            <a:r>
+              <a:rPr lang="en-US" sz="2000" dirty="0" err="1">
+                <a:latin typeface="Cascadia Code" panose="020B0609020000020004" pitchFamily="49" charset="0"/>
+                <a:ea typeface="Cascadia Code" panose="020B0609020000020004" pitchFamily="49" charset="0"/>
+                <a:cs typeface="Cascadia Code" panose="020B0609020000020004" pitchFamily="49" charset="0"/>
+              </a:rPr>
+              <a:t>println</a:t>
+            </a:r>
+            <a:r>
+              <a:rPr lang="en-US" sz="2000" dirty="0">
+                <a:latin typeface="Cascadia Code" panose="020B0609020000020004" pitchFamily="49" charset="0"/>
+                <a:ea typeface="Cascadia Code" panose="020B0609020000020004" pitchFamily="49" charset="0"/>
+                <a:cs typeface="Cascadia Code" panose="020B0609020000020004" pitchFamily="49" charset="0"/>
+              </a:rPr>
+              <a:t> </a:t>
+            </a:r>
+            <a:r>
+              <a:rPr lang="en-US" sz="2000" dirty="0">
+                <a:solidFill>
+                  <a:srgbClr val="0070C0"/>
+                </a:solidFill>
+                <a:latin typeface="Cascadia Code" panose="020B0609020000020004" pitchFamily="49" charset="0"/>
+                <a:ea typeface="Cascadia Code" panose="020B0609020000020004" pitchFamily="49" charset="0"/>
+                <a:cs typeface="Cascadia Code" panose="020B0609020000020004" pitchFamily="49" charset="0"/>
+              </a:rPr>
+              <a:t>"</a:t>
+            </a:r>
+            <a:r>
+              <a:rPr lang="en-US" sz="2000" dirty="0">
+                <a:latin typeface="Cascadia Code" panose="020B0609020000020004" pitchFamily="49" charset="0"/>
+                <a:ea typeface="Cascadia Code" panose="020B0609020000020004" pitchFamily="49" charset="0"/>
+                <a:cs typeface="Cascadia Code" panose="020B0609020000020004" pitchFamily="49" charset="0"/>
+              </a:rPr>
+              <a:t>It’s greater</a:t>
+            </a:r>
+            <a:r>
+              <a:rPr lang="en-US" sz="2000" dirty="0">
+                <a:solidFill>
+                  <a:srgbClr val="0070C0"/>
+                </a:solidFill>
+                <a:latin typeface="Cascadia Code" panose="020B0609020000020004" pitchFamily="49" charset="0"/>
+                <a:ea typeface="Cascadia Code" panose="020B0609020000020004" pitchFamily="49" charset="0"/>
+                <a:cs typeface="Cascadia Code" panose="020B0609020000020004" pitchFamily="49" charset="0"/>
+              </a:rPr>
+              <a:t>"</a:t>
+            </a:r>
+            <a:r>
+              <a:rPr lang="en-US" sz="2000" dirty="0">
+                <a:latin typeface="Cascadia Code" panose="020B0609020000020004" pitchFamily="49" charset="0"/>
+                <a:ea typeface="Cascadia Code" panose="020B0609020000020004" pitchFamily="49" charset="0"/>
+                <a:cs typeface="Cascadia Code" panose="020B0609020000020004" pitchFamily="49" charset="0"/>
+              </a:rPr>
+              <a:t>) (</a:t>
+            </a:r>
+            <a:r>
+              <a:rPr lang="en-US" sz="2000" dirty="0" err="1">
+                <a:latin typeface="Cascadia Code" panose="020B0609020000020004" pitchFamily="49" charset="0"/>
+                <a:ea typeface="Cascadia Code" panose="020B0609020000020004" pitchFamily="49" charset="0"/>
+                <a:cs typeface="Cascadia Code" panose="020B0609020000020004" pitchFamily="49" charset="0"/>
+              </a:rPr>
+              <a:t>println</a:t>
+            </a:r>
+            <a:r>
+              <a:rPr lang="en-US" sz="2000" dirty="0">
+                <a:latin typeface="Cascadia Code" panose="020B0609020000020004" pitchFamily="49" charset="0"/>
+                <a:ea typeface="Cascadia Code" panose="020B0609020000020004" pitchFamily="49" charset="0"/>
+                <a:cs typeface="Cascadia Code" panose="020B0609020000020004" pitchFamily="49" charset="0"/>
+              </a:rPr>
+              <a:t> </a:t>
+            </a:r>
+            <a:r>
+              <a:rPr lang="en-US" sz="2000" dirty="0">
+                <a:solidFill>
+                  <a:srgbClr val="0070C0"/>
+                </a:solidFill>
+                <a:latin typeface="Cascadia Code" panose="020B0609020000020004" pitchFamily="49" charset="0"/>
+                <a:ea typeface="Cascadia Code" panose="020B0609020000020004" pitchFamily="49" charset="0"/>
+                <a:cs typeface="Cascadia Code" panose="020B0609020000020004" pitchFamily="49" charset="0"/>
+              </a:rPr>
+              <a:t>"It’s smaller"))  ; if function</a:t>
+            </a:r>
+          </a:p>
+          <a:p>
+            <a:pPr marL="457200" lvl="1" indent="0">
+              <a:lnSpc>
+                <a:spcPct val="120000"/>
+              </a:lnSpc>
+              <a:buNone/>
+            </a:pPr>
+            <a:r>
+              <a:rPr lang="en-US" sz="2000" dirty="0">
+                <a:latin typeface="Cascadia Code" panose="020B0609020000020004" pitchFamily="49" charset="0"/>
+                <a:ea typeface="Cascadia Code" panose="020B0609020000020004" pitchFamily="49" charset="0"/>
+                <a:cs typeface="Cascadia Code" panose="020B0609020000020004" pitchFamily="49" charset="0"/>
+              </a:rPr>
+              <a:t>(while (&gt; x 0) (</a:t>
+            </a:r>
+            <a:r>
+              <a:rPr lang="en-US" sz="2000" dirty="0" err="1">
+                <a:latin typeface="Cascadia Code" panose="020B0609020000020004" pitchFamily="49" charset="0"/>
+                <a:ea typeface="Cascadia Code" panose="020B0609020000020004" pitchFamily="49" charset="0"/>
+                <a:cs typeface="Cascadia Code" panose="020B0609020000020004" pitchFamily="49" charset="0"/>
+              </a:rPr>
+              <a:t>println</a:t>
+            </a:r>
+            <a:r>
+              <a:rPr lang="en-US" sz="2000" dirty="0">
+                <a:latin typeface="Cascadia Code" panose="020B0609020000020004" pitchFamily="49" charset="0"/>
+                <a:ea typeface="Cascadia Code" panose="020B0609020000020004" pitchFamily="49" charset="0"/>
+                <a:cs typeface="Cascadia Code" panose="020B0609020000020004" pitchFamily="49" charset="0"/>
+              </a:rPr>
+              <a:t> </a:t>
+            </a:r>
+            <a:r>
+              <a:rPr lang="en-US" sz="2000" dirty="0">
+                <a:solidFill>
+                  <a:srgbClr val="0070C0"/>
+                </a:solidFill>
+                <a:latin typeface="Cascadia Code" panose="020B0609020000020004" pitchFamily="49" charset="0"/>
+                <a:ea typeface="Cascadia Code" panose="020B0609020000020004" pitchFamily="49" charset="0"/>
+                <a:cs typeface="Cascadia Code" panose="020B0609020000020004" pitchFamily="49" charset="0"/>
+              </a:rPr>
+              <a:t>"</a:t>
+            </a:r>
+            <a:r>
+              <a:rPr lang="en-US" sz="2000" dirty="0">
+                <a:latin typeface="Cascadia Code" panose="020B0609020000020004" pitchFamily="49" charset="0"/>
+                <a:ea typeface="Cascadia Code" panose="020B0609020000020004" pitchFamily="49" charset="0"/>
+                <a:cs typeface="Cascadia Code" panose="020B0609020000020004" pitchFamily="49" charset="0"/>
+              </a:rPr>
+              <a:t>x is ${x}</a:t>
+            </a:r>
+            <a:r>
+              <a:rPr lang="en-US" sz="2000" dirty="0">
+                <a:solidFill>
+                  <a:srgbClr val="0070C0"/>
+                </a:solidFill>
+                <a:latin typeface="Cascadia Code" panose="020B0609020000020004" pitchFamily="49" charset="0"/>
+                <a:ea typeface="Cascadia Code" panose="020B0609020000020004" pitchFamily="49" charset="0"/>
+                <a:cs typeface="Cascadia Code" panose="020B0609020000020004" pitchFamily="49" charset="0"/>
+              </a:rPr>
+              <a:t>") (</a:t>
+            </a:r>
+            <a:r>
+              <a:rPr lang="en-US" sz="2000" dirty="0" err="1">
+                <a:solidFill>
+                  <a:srgbClr val="0070C0"/>
+                </a:solidFill>
+                <a:latin typeface="Cascadia Code" panose="020B0609020000020004" pitchFamily="49" charset="0"/>
+                <a:ea typeface="Cascadia Code" panose="020B0609020000020004" pitchFamily="49" charset="0"/>
+                <a:cs typeface="Cascadia Code" panose="020B0609020000020004" pitchFamily="49" charset="0"/>
+              </a:rPr>
+              <a:t>decr</a:t>
+            </a:r>
+            <a:r>
+              <a:rPr lang="en-US" sz="2000" dirty="0">
+                <a:solidFill>
+                  <a:srgbClr val="0070C0"/>
+                </a:solidFill>
+                <a:latin typeface="Cascadia Code" panose="020B0609020000020004" pitchFamily="49" charset="0"/>
+                <a:ea typeface="Cascadia Code" panose="020B0609020000020004" pitchFamily="49" charset="0"/>
+                <a:cs typeface="Cascadia Code" panose="020B0609020000020004" pitchFamily="49" charset="0"/>
+              </a:rPr>
+              <a:t> </a:t>
+            </a:r>
+            <a:r>
+              <a:rPr lang="en-US" sz="2000" dirty="0" err="1">
+                <a:solidFill>
+                  <a:srgbClr val="0070C0"/>
+                </a:solidFill>
+                <a:latin typeface="Cascadia Code" panose="020B0609020000020004" pitchFamily="49" charset="0"/>
+                <a:ea typeface="Cascadia Code" panose="020B0609020000020004" pitchFamily="49" charset="0"/>
+                <a:cs typeface="Cascadia Code" panose="020B0609020000020004" pitchFamily="49" charset="0"/>
+              </a:rPr>
+              <a:t>i</a:t>
+            </a:r>
+            <a:r>
+              <a:rPr lang="en-US" sz="2000" dirty="0">
+                <a:solidFill>
+                  <a:srgbClr val="0070C0"/>
+                </a:solidFill>
+                <a:latin typeface="Cascadia Code" panose="020B0609020000020004" pitchFamily="49" charset="0"/>
+                <a:ea typeface="Cascadia Code" panose="020B0609020000020004" pitchFamily="49" charset="0"/>
+                <a:cs typeface="Cascadia Code" panose="020B0609020000020004" pitchFamily="49" charset="0"/>
+              </a:rPr>
+              <a:t>))                  ; while function</a:t>
+            </a:r>
+          </a:p>
+          <a:p>
+            <a:pPr marL="457200" lvl="1" indent="0">
+              <a:lnSpc>
+                <a:spcPct val="120000"/>
+              </a:lnSpc>
+              <a:buNone/>
+            </a:pPr>
+            <a:r>
+              <a:rPr lang="en-US" sz="2000" dirty="0">
+                <a:latin typeface="Cascadia Code" panose="020B0609020000020004" pitchFamily="49" charset="0"/>
+                <a:ea typeface="Cascadia Code" panose="020B0609020000020004" pitchFamily="49" charset="0"/>
+                <a:cs typeface="Cascadia Code" panose="020B0609020000020004" pitchFamily="49" charset="0"/>
+              </a:rPr>
+              <a:t>(foreach f (ls -file | take 5) (</a:t>
+            </a:r>
+            <a:r>
+              <a:rPr lang="en-US" sz="2000" dirty="0" err="1">
+                <a:latin typeface="Cascadia Code" panose="020B0609020000020004" pitchFamily="49" charset="0"/>
+                <a:ea typeface="Cascadia Code" panose="020B0609020000020004" pitchFamily="49" charset="0"/>
+                <a:cs typeface="Cascadia Code" panose="020B0609020000020004" pitchFamily="49" charset="0"/>
+              </a:rPr>
+              <a:t>println</a:t>
+            </a:r>
+            <a:r>
+              <a:rPr lang="en-US" sz="2000" dirty="0">
+                <a:latin typeface="Cascadia Code" panose="020B0609020000020004" pitchFamily="49" charset="0"/>
+                <a:ea typeface="Cascadia Code" panose="020B0609020000020004" pitchFamily="49" charset="0"/>
+                <a:cs typeface="Cascadia Code" panose="020B0609020000020004" pitchFamily="49" charset="0"/>
+              </a:rPr>
+              <a:t> (.name f) (.length f))) ; foreach function</a:t>
             </a:r>
           </a:p>
           <a:p>
@@ -10494,130 +10846,151 @@
             </a:r>
           </a:p>
           <a:p>
+            <a:pPr marL="457200" lvl="1" indent="0">
+              <a:buNone/>
+            </a:pPr>
+            <a:r>
+              <a:rPr lang="en-US" sz="2100" dirty="0">
+                <a:latin typeface="Cascadia Code" panose="020B0609020000020004" pitchFamily="49" charset="0"/>
+                <a:ea typeface="Cascadia Code" panose="020B0609020000020004" pitchFamily="49" charset="0"/>
+                <a:cs typeface="Cascadia Code" panose="020B0609020000020004" pitchFamily="49" charset="0"/>
+              </a:rPr>
+              <a:t>(range 10 | map </a:t>
+            </a:r>
+            <a:r>
+              <a:rPr lang="en-US" sz="2100" dirty="0" err="1">
+                <a:latin typeface="Cascadia Code" panose="020B0609020000020004" pitchFamily="49" charset="0"/>
+                <a:ea typeface="Cascadia Code" panose="020B0609020000020004" pitchFamily="49" charset="0"/>
+                <a:cs typeface="Cascadia Code" panose="020B0609020000020004" pitchFamily="49" charset="0"/>
+              </a:rPr>
+              <a:t>sqr</a:t>
+            </a:r>
+            <a:r>
+              <a:rPr lang="en-US" sz="2100" dirty="0">
+                <a:latin typeface="Cascadia Code" panose="020B0609020000020004" pitchFamily="49" charset="0"/>
+                <a:ea typeface="Cascadia Code" panose="020B0609020000020004" pitchFamily="49" charset="0"/>
+                <a:cs typeface="Cascadia Code" panose="020B0609020000020004" pitchFamily="49" charset="0"/>
+              </a:rPr>
+              <a:t>)</a:t>
+            </a:r>
+          </a:p>
+          <a:p>
+            <a:pPr marL="457200" lvl="1" indent="0">
+              <a:buNone/>
+            </a:pPr>
+            <a:r>
+              <a:rPr lang="en-US" sz="2100" dirty="0">
+                <a:latin typeface="Cascadia Code" panose="020B0609020000020004" pitchFamily="49" charset="0"/>
+                <a:ea typeface="Cascadia Code" panose="020B0609020000020004" pitchFamily="49" charset="0"/>
+                <a:cs typeface="Cascadia Code" panose="020B0609020000020004" pitchFamily="49" charset="0"/>
+              </a:rPr>
+              <a:t>(range 10 | reduce +)</a:t>
+            </a:r>
+          </a:p>
+          <a:p>
             <a:r>
               <a:rPr lang="en-US" dirty="0"/>
-              <a:t>Special Forms</a:t>
-            </a:r>
-          </a:p>
-          <a:p>
-            <a:pPr lvl="1"/>
-            <a:r>
-              <a:rPr lang="en-US" dirty="0"/>
-              <a:t>Functions where the arguments are passed unevaluated</a:t>
-            </a:r>
-          </a:p>
-          <a:p>
-            <a:pPr lvl="1"/>
-            <a:r>
-              <a:rPr lang="en-US" dirty="0"/>
-              <a:t>Examples: </a:t>
-            </a:r>
-            <a:r>
-              <a:rPr lang="en-US" i="1" dirty="0"/>
-              <a:t>if</a:t>
-            </a:r>
-            <a:r>
-              <a:rPr lang="en-US" dirty="0"/>
-              <a:t>, </a:t>
-            </a:r>
-            <a:r>
-              <a:rPr lang="en-US" i="1" dirty="0"/>
-              <a:t>while</a:t>
-            </a:r>
-            <a:r>
-              <a:rPr lang="en-US" dirty="0"/>
-              <a:t>, </a:t>
-            </a:r>
-            <a:r>
-              <a:rPr lang="en-US" i="1" dirty="0"/>
-              <a:t>foreach</a:t>
-            </a:r>
-            <a:r>
-              <a:rPr lang="en-US" dirty="0"/>
-              <a:t>, etc.</a:t>
-            </a:r>
-          </a:p>
-          <a:p>
-            <a:r>
-              <a:rPr lang="en-US" dirty="0" err="1">
-                <a:ea typeface="Cascadia Code" panose="020B0609020000020004" pitchFamily="49" charset="0"/>
-                <a:cs typeface="Cascadia Code" panose="020B0609020000020004" pitchFamily="49" charset="0"/>
-              </a:rPr>
-              <a:t>Upvar</a:t>
-            </a:r>
+              <a:t>Lexical Scoping and Closures</a:t>
+            </a:r>
+          </a:p>
+          <a:p>
+            <a:pPr marL="457200" lvl="1" indent="0">
+              <a:buNone/>
+            </a:pPr>
+            <a:r>
+              <a:rPr lang="en-US" sz="2000" dirty="0">
+                <a:latin typeface="Cascadia Code" panose="020B0609020000020004" pitchFamily="49" charset="0"/>
+                <a:ea typeface="Cascadia Code" panose="020B0609020000020004" pitchFamily="49" charset="0"/>
+                <a:cs typeface="Cascadia Code" panose="020B0609020000020004" pitchFamily="49" charset="0"/>
+              </a:rPr>
+              <a:t>(</a:t>
+            </a:r>
+            <a:r>
+              <a:rPr lang="en-US" sz="2000" dirty="0" err="1">
+                <a:latin typeface="Cascadia Code" panose="020B0609020000020004" pitchFamily="49" charset="0"/>
+                <a:ea typeface="Cascadia Code" panose="020B0609020000020004" pitchFamily="49" charset="0"/>
+                <a:cs typeface="Cascadia Code" panose="020B0609020000020004" pitchFamily="49" charset="0"/>
+              </a:rPr>
+              <a:t>defn</a:t>
+            </a:r>
+            <a:r>
+              <a:rPr lang="en-US" sz="2000" dirty="0">
+                <a:latin typeface="Cascadia Code" panose="020B0609020000020004" pitchFamily="49" charset="0"/>
+                <a:ea typeface="Cascadia Code" panose="020B0609020000020004" pitchFamily="49" charset="0"/>
+                <a:cs typeface="Cascadia Code" panose="020B0609020000020004" pitchFamily="49" charset="0"/>
+              </a:rPr>
+              <a:t> Make-Counter [n] (\ -&gt; (</a:t>
+            </a:r>
+            <a:r>
+              <a:rPr lang="en-US" sz="2000" dirty="0" err="1">
+                <a:latin typeface="Cascadia Code" panose="020B0609020000020004" pitchFamily="49" charset="0"/>
+                <a:ea typeface="Cascadia Code" panose="020B0609020000020004" pitchFamily="49" charset="0"/>
+                <a:cs typeface="Cascadia Code" panose="020B0609020000020004" pitchFamily="49" charset="0"/>
+              </a:rPr>
+              <a:t>incr</a:t>
+            </a:r>
+            <a:r>
+              <a:rPr lang="en-US" sz="2000" dirty="0">
+                <a:latin typeface="Cascadia Code" panose="020B0609020000020004" pitchFamily="49" charset="0"/>
+                <a:ea typeface="Cascadia Code" panose="020B0609020000020004" pitchFamily="49" charset="0"/>
+                <a:cs typeface="Cascadia Code" panose="020B0609020000020004" pitchFamily="49" charset="0"/>
+              </a:rPr>
+              <a:t> n))) ; function that makes functions</a:t>
+            </a:r>
+            <a:endParaRPr lang="en-US" dirty="0">
+              <a:ea typeface="Cascadia Code" panose="020B0609020000020004" pitchFamily="49" charset="0"/>
+              <a:cs typeface="Cascadia Code" panose="020B0609020000020004" pitchFamily="49" charset="0"/>
+            </a:endParaRPr>
+          </a:p>
+          <a:p>
             <a:r>
               <a:rPr lang="en-US" dirty="0">
                 <a:ea typeface="Cascadia Code" panose="020B0609020000020004" pitchFamily="49" charset="0"/>
                 <a:cs typeface="Cascadia Code" panose="020B0609020000020004" pitchFamily="49" charset="0"/>
               </a:rPr>
-              <a:t> and </a:t>
-            </a:r>
-            <a:r>
-              <a:rPr lang="en-US" dirty="0" err="1">
-                <a:ea typeface="Cascadia Code" panose="020B0609020000020004" pitchFamily="49" charset="0"/>
-                <a:cs typeface="Cascadia Code" panose="020B0609020000020004" pitchFamily="49" charset="0"/>
-              </a:rPr>
-              <a:t>UpDo</a:t>
-            </a:r>
-            <a:r>
-              <a:rPr lang="en-US" dirty="0">
-                <a:ea typeface="Cascadia Code" panose="020B0609020000020004" pitchFamily="49" charset="0"/>
-                <a:cs typeface="Cascadia Code" panose="020B0609020000020004" pitchFamily="49" charset="0"/>
-              </a:rPr>
-              <a:t> special forms</a:t>
-            </a:r>
-          </a:p>
-          <a:p>
-            <a:pPr lvl="1"/>
-            <a:r>
-              <a:rPr lang="en-US" dirty="0">
-                <a:ea typeface="Cascadia Code" panose="020B0609020000020004" pitchFamily="49" charset="0"/>
-                <a:cs typeface="Cascadia Code" panose="020B0609020000020004" pitchFamily="49" charset="0"/>
-              </a:rPr>
-              <a:t>These functions allow you to manipulate the caller’s context</a:t>
-            </a:r>
-          </a:p>
-          <a:p>
-            <a:pPr lvl="1"/>
-            <a:r>
-              <a:rPr lang="en-US" dirty="0">
-                <a:ea typeface="Cascadia Code" panose="020B0609020000020004" pitchFamily="49" charset="0"/>
-                <a:cs typeface="Cascadia Code" panose="020B0609020000020004" pitchFamily="49" charset="0"/>
-              </a:rPr>
-              <a:t>“dynamic scoping”</a:t>
-            </a:r>
-          </a:p>
-          <a:p>
-            <a:r>
-              <a:rPr lang="en-US" dirty="0">
-                <a:ea typeface="Cascadia Code" panose="020B0609020000020004" pitchFamily="49" charset="0"/>
-                <a:cs typeface="Cascadia Code" panose="020B0609020000020004" pitchFamily="49" charset="0"/>
-              </a:rPr>
-              <a:t>Eval function</a:t>
-            </a:r>
-          </a:p>
-          <a:p>
-            <a:pPr lvl="1"/>
-            <a:r>
-              <a:rPr lang="en-US" dirty="0">
-                <a:ea typeface="Cascadia Code" panose="020B0609020000020004" pitchFamily="49" charset="0"/>
-                <a:cs typeface="Cascadia Code" panose="020B0609020000020004" pitchFamily="49" charset="0"/>
-              </a:rPr>
-              <a:t>Evaluates </a:t>
-            </a:r>
-            <a:r>
-              <a:rPr lang="en-US" i="1" dirty="0">
-                <a:ea typeface="Cascadia Code" panose="020B0609020000020004" pitchFamily="49" charset="0"/>
-                <a:cs typeface="Cascadia Code" panose="020B0609020000020004" pitchFamily="49" charset="0"/>
-              </a:rPr>
-              <a:t>forms</a:t>
-            </a:r>
-            <a:r>
-              <a:rPr lang="en-US" dirty="0">
-                <a:ea typeface="Cascadia Code" panose="020B0609020000020004" pitchFamily="49" charset="0"/>
-                <a:cs typeface="Cascadia Code" panose="020B0609020000020004" pitchFamily="49" charset="0"/>
-              </a:rPr>
-              <a:t> (lists) not strings</a:t>
+              <a:t>Tail Recursion</a:t>
+            </a:r>
+          </a:p>
+          <a:p>
+            <a:pPr marL="457200" lvl="1" indent="0">
+              <a:buNone/>
+            </a:pPr>
+            <a:r>
+              <a:rPr lang="pt-BR" sz="2000" dirty="0">
+                <a:latin typeface="Cascadia Code" panose="020B0609020000020004" pitchFamily="49" charset="0"/>
+                <a:ea typeface="Cascadia Code" panose="020B0609020000020004" pitchFamily="49" charset="0"/>
+                <a:cs typeface="Cascadia Code" panose="020B0609020000020004" pitchFamily="49" charset="0"/>
+              </a:rPr>
+              <a:t>(defn rv | x:xs (r nil) -&gt; (recur xs (cons x r)) | nil (r nil) -&gt; r)</a:t>
+            </a:r>
+          </a:p>
+          <a:p>
+            <a:pPr marL="457200" lvl="1" indent="0">
+              <a:buNone/>
+            </a:pPr>
+            <a:r>
+              <a:rPr lang="en-US" sz="2000" dirty="0">
+                <a:latin typeface="Cascadia Code" panose="020B0609020000020004" pitchFamily="49" charset="0"/>
+                <a:ea typeface="Cascadia Code" panose="020B0609020000020004" pitchFamily="49" charset="0"/>
+                <a:cs typeface="Cascadia Code" panose="020B0609020000020004" pitchFamily="49" charset="0"/>
+              </a:rPr>
+              <a:t>(</a:t>
+            </a:r>
+            <a:r>
+              <a:rPr lang="en-US" sz="2000" dirty="0" err="1">
+                <a:latin typeface="Cascadia Code" panose="020B0609020000020004" pitchFamily="49" charset="0"/>
+                <a:ea typeface="Cascadia Code" panose="020B0609020000020004" pitchFamily="49" charset="0"/>
+                <a:cs typeface="Cascadia Code" panose="020B0609020000020004" pitchFamily="49" charset="0"/>
+              </a:rPr>
+              <a:t>rv</a:t>
+            </a:r>
+            <a:r>
+              <a:rPr lang="en-US" sz="2000" dirty="0">
+                <a:latin typeface="Cascadia Code" panose="020B0609020000020004" pitchFamily="49" charset="0"/>
+                <a:ea typeface="Cascadia Code" panose="020B0609020000020004" pitchFamily="49" charset="0"/>
+                <a:cs typeface="Cascadia Code" panose="020B0609020000020004" pitchFamily="49" charset="0"/>
+              </a:rPr>
+              <a:t> (range 10)) ; returns (10 9 8 7 6 5 4 3 2 1)</a:t>
             </a:r>
           </a:p>
           <a:p>
@@ -10629,34 +11002,81 @@
                 <a:ea typeface="Cascadia Code" panose="020B0609020000020004" pitchFamily="49" charset="0"/>
                 <a:cs typeface="Cascadia Code" panose="020B0609020000020004" pitchFamily="49" charset="0"/>
               </a:rPr>
-              <a:t>Macros</a:t>
-            </a:r>
-          </a:p>
-          <a:p>
-            <a:pPr lvl="1"/>
-            <a:r>
-              <a:rPr lang="en-US" sz="3000" dirty="0">
-                <a:ea typeface="Cascadia Code" panose="020B0609020000020004" pitchFamily="49" charset="0"/>
-                <a:cs typeface="Cascadia Code" panose="020B0609020000020004" pitchFamily="49" charset="0"/>
-              </a:rPr>
-              <a:t>Macros are functions that are evaluated at compile time and should return the code to execute at run time</a:t>
-            </a:r>
-          </a:p>
-          <a:p>
-            <a:pPr lvl="1"/>
-            <a:r>
-              <a:rPr lang="en-US" sz="3000" dirty="0">
-                <a:ea typeface="Cascadia Code" panose="020B0609020000020004" pitchFamily="49" charset="0"/>
-                <a:cs typeface="Cascadia Code" panose="020B0609020000020004" pitchFamily="49" charset="0"/>
-              </a:rPr>
-              <a:t>Example: </a:t>
-            </a:r>
-            <a:r>
-              <a:rPr lang="en-US" sz="3000" i="1" dirty="0">
-                <a:ea typeface="Cascadia Code" panose="020B0609020000020004" pitchFamily="49" charset="0"/>
-                <a:cs typeface="Cascadia Code" panose="020B0609020000020004" pitchFamily="49" charset="0"/>
-              </a:rPr>
-              <a:t>for</a:t>
+              <a:t>Strict vs Soft Type Constraints</a:t>
+            </a:r>
+          </a:p>
+          <a:p>
+            <a:pPr marL="457200" lvl="1" indent="0">
+              <a:buNone/>
+            </a:pPr>
+            <a:r>
+              <a:rPr lang="en-US" sz="2000" dirty="0">
+                <a:latin typeface="Cascadia Code" panose="020B0609020000020004" pitchFamily="49" charset="0"/>
+                <a:ea typeface="Cascadia Code" panose="020B0609020000020004" pitchFamily="49" charset="0"/>
+                <a:cs typeface="Cascadia Code" panose="020B0609020000020004" pitchFamily="49" charset="0"/>
+              </a:rPr>
+              <a:t>(</a:t>
+            </a:r>
+            <a:r>
+              <a:rPr lang="en-US" sz="2000" dirty="0" err="1">
+                <a:latin typeface="Cascadia Code" panose="020B0609020000020004" pitchFamily="49" charset="0"/>
+                <a:ea typeface="Cascadia Code" panose="020B0609020000020004" pitchFamily="49" charset="0"/>
+                <a:cs typeface="Cascadia Code" panose="020B0609020000020004" pitchFamily="49" charset="0"/>
+              </a:rPr>
+              <a:t>defn</a:t>
+            </a:r>
+            <a:r>
+              <a:rPr lang="en-US" sz="2000" dirty="0">
+                <a:latin typeface="Cascadia Code" panose="020B0609020000020004" pitchFamily="49" charset="0"/>
+                <a:ea typeface="Cascadia Code" panose="020B0609020000020004" pitchFamily="49" charset="0"/>
+                <a:cs typeface="Cascadia Code" panose="020B0609020000020004" pitchFamily="49" charset="0"/>
+              </a:rPr>
+              <a:t> need-string [(^string s)] s)	; requires a string argument</a:t>
+            </a:r>
+          </a:p>
+          <a:p>
+            <a:pPr marL="457200" lvl="1" indent="0">
+              <a:buNone/>
+            </a:pPr>
+            <a:r>
+              <a:rPr lang="en-US" sz="2000" dirty="0">
+                <a:latin typeface="Cascadia Code" panose="020B0609020000020004" pitchFamily="49" charset="0"/>
+                <a:ea typeface="Cascadia Code" panose="020B0609020000020004" pitchFamily="49" charset="0"/>
+                <a:cs typeface="Cascadia Code" panose="020B0609020000020004" pitchFamily="49" charset="0"/>
+              </a:rPr>
+              <a:t>(</a:t>
+            </a:r>
+            <a:r>
+              <a:rPr lang="en-US" sz="2000" dirty="0" err="1">
+                <a:latin typeface="Cascadia Code" panose="020B0609020000020004" pitchFamily="49" charset="0"/>
+                <a:ea typeface="Cascadia Code" panose="020B0609020000020004" pitchFamily="49" charset="0"/>
+                <a:cs typeface="Cascadia Code" panose="020B0609020000020004" pitchFamily="49" charset="0"/>
+              </a:rPr>
+              <a:t>defn</a:t>
+            </a:r>
+            <a:r>
+              <a:rPr lang="en-US" sz="2000" dirty="0">
+                <a:latin typeface="Cascadia Code" panose="020B0609020000020004" pitchFamily="49" charset="0"/>
+                <a:ea typeface="Cascadia Code" panose="020B0609020000020004" pitchFamily="49" charset="0"/>
+                <a:cs typeface="Cascadia Code" panose="020B0609020000020004" pitchFamily="49" charset="0"/>
+              </a:rPr>
+              <a:t> soft-string [(^string? s)] s)	; converts </a:t>
+            </a:r>
+            <a:r>
+              <a:rPr lang="en-US" sz="2000" dirty="0" err="1">
+                <a:latin typeface="Cascadia Code" panose="020B0609020000020004" pitchFamily="49" charset="0"/>
+                <a:ea typeface="Cascadia Code" panose="020B0609020000020004" pitchFamily="49" charset="0"/>
+                <a:cs typeface="Cascadia Code" panose="020B0609020000020004" pitchFamily="49" charset="0"/>
+              </a:rPr>
+              <a:t>arg</a:t>
+            </a:r>
+            <a:r>
+              <a:rPr lang="en-US" sz="2000" dirty="0">
+                <a:latin typeface="Cascadia Code" panose="020B0609020000020004" pitchFamily="49" charset="0"/>
+                <a:ea typeface="Cascadia Code" panose="020B0609020000020004" pitchFamily="49" charset="0"/>
+                <a:cs typeface="Cascadia Code" panose="020B0609020000020004" pitchFamily="49" charset="0"/>
+              </a:rPr>
+              <a:t> to string</a:t>
             </a:r>
           </a:p>
         </p:txBody>
@@ -10664,7 +11084,7 @@
     </p:spTree>
     <p:extLst>
       <p:ext uri="{BB962C8B-B14F-4D97-AF65-F5344CB8AC3E}">
-        <p14:creationId xmlns:p14="http://schemas.microsoft.com/office/powerpoint/2010/main" val="2016241167"/>
+        <p14:creationId xmlns:p14="http://schemas.microsoft.com/office/powerpoint/2010/main" val="912634738"/>
       </p:ext>
     </p:extLst>
   </p:cSld>
@@ -10714,7 +11134,7 @@
           <a:p>
             <a:r>
               <a:rPr lang="en-US" dirty="0"/>
-              <a:t>Performance</a:t>
+              <a:t>Metaprogramming</a:t>
             </a:r>
             <a:endParaRPr lang="en-GB" dirty="0"/>
           </a:p>
@@ -10736,16 +11156,35 @@
             <p:ph idx="1"/>
           </p:nvPr>
         </p:nvSpPr>
-        <p:spPr/>
+        <p:spPr>
+          <a:xfrm>
+            <a:off x="838200" y="1497435"/>
+            <a:ext cx="10515600" cy="4679528"/>
+          </a:xfrm>
+        </p:spPr>
         <p:txBody>
           <a:bodyPr>
-            <a:normAutofit/>
+            <a:normAutofit fontScale="62500" lnSpcReduction="20000"/>
           </a:bodyPr>
           <a:lstStyle/>
           <a:p>
             <a:r>
               <a:rPr lang="en-US" dirty="0"/>
-              <a:t>Braid has simpler and therefore much faster function dispatch</a:t>
+              <a:t>Metaprogramming </a:t>
+            </a:r>
+            <a:r>
+              <a:rPr lang="en-US" dirty="0" err="1"/>
+              <a:t>def’n</a:t>
+            </a:r>
+            <a:r>
+              <a:rPr lang="en-US" dirty="0"/>
+              <a:t>: ‘programs manipulating programs’</a:t>
+            </a:r>
+          </a:p>
+          <a:p>
+            <a:r>
+              <a:rPr lang="en-US" dirty="0"/>
+              <a:t>Higher-order Functions</a:t>
             </a:r>
           </a:p>
           <a:p>
@@ -10753,243 +11192,178 @@
               <a:buNone/>
             </a:pPr>
             <a:r>
-              <a:rPr lang="en-US" sz="1600" dirty="0">
-                <a:solidFill>
-                  <a:srgbClr val="00B050"/>
-                </a:solidFill>
-                <a:latin typeface="Cascadia Code" panose="020B0609020000020004" pitchFamily="49" charset="0"/>
-                <a:ea typeface="Cascadia Code" panose="020B0609020000020004" pitchFamily="49" charset="0"/>
-                <a:cs typeface="Cascadia Code" panose="020B0609020000020004" pitchFamily="49" charset="0"/>
-              </a:rPr>
-              <a:t>=&gt;</a:t>
-            </a:r>
-            <a:r>
-              <a:rPr lang="en-US" sz="1600" dirty="0">
-                <a:latin typeface="Cascadia Code" panose="020B0609020000020004" pitchFamily="49" charset="0"/>
-                <a:ea typeface="Cascadia Code" panose="020B0609020000020004" pitchFamily="49" charset="0"/>
-                <a:cs typeface="Cascadia Code" panose="020B0609020000020004" pitchFamily="49" charset="0"/>
-              </a:rPr>
-              <a:t> (time (fib 20)) ; Braid fib function</a:t>
-            </a:r>
-          </a:p>
-          <a:p>
-            <a:pPr marL="457200" lvl="1" indent="0">
-              <a:buNone/>
-            </a:pPr>
-            <a:r>
-              <a:rPr lang="en-US" sz="1600" dirty="0">
-                <a:latin typeface="Cascadia Code" panose="020B0609020000020004" pitchFamily="49" charset="0"/>
-                <a:ea typeface="Cascadia Code" panose="020B0609020000020004" pitchFamily="49" charset="0"/>
-                <a:cs typeface="Cascadia Code" panose="020B0609020000020004" pitchFamily="49" charset="0"/>
-              </a:rPr>
-              <a:t>Elapsed time: </a:t>
-            </a:r>
-            <a:r>
-              <a:rPr lang="en-US" sz="1600" dirty="0">
-                <a:solidFill>
-                  <a:srgbClr val="FF0000"/>
-                </a:solidFill>
-                <a:latin typeface="Cascadia Code" panose="020B0609020000020004" pitchFamily="49" charset="0"/>
-                <a:ea typeface="Cascadia Code" panose="020B0609020000020004" pitchFamily="49" charset="0"/>
-                <a:cs typeface="Cascadia Code" panose="020B0609020000020004" pitchFamily="49" charset="0"/>
-              </a:rPr>
-              <a:t>75.73826 </a:t>
-            </a:r>
-            <a:r>
-              <a:rPr lang="en-US" sz="1600" dirty="0" err="1">
-                <a:solidFill>
-                  <a:srgbClr val="FF0000"/>
-                </a:solidFill>
-                <a:latin typeface="Cascadia Code" panose="020B0609020000020004" pitchFamily="49" charset="0"/>
-                <a:ea typeface="Cascadia Code" panose="020B0609020000020004" pitchFamily="49" charset="0"/>
-                <a:cs typeface="Cascadia Code" panose="020B0609020000020004" pitchFamily="49" charset="0"/>
-              </a:rPr>
-              <a:t>ms</a:t>
-            </a:r>
-            <a:r>
-              <a:rPr lang="en-US" sz="1600" dirty="0" err="1">
-                <a:latin typeface="Cascadia Code" panose="020B0609020000020004" pitchFamily="49" charset="0"/>
-                <a:ea typeface="Cascadia Code" panose="020B0609020000020004" pitchFamily="49" charset="0"/>
-                <a:cs typeface="Cascadia Code" panose="020B0609020000020004" pitchFamily="49" charset="0"/>
-              </a:rPr>
-              <a:t>.</a:t>
-            </a:r>
-            <a:endParaRPr lang="en-US" sz="1600" dirty="0">
-              <a:latin typeface="Cascadia Code" panose="020B0609020000020004" pitchFamily="49" charset="0"/>
-              <a:ea typeface="Cascadia Code" panose="020B0609020000020004" pitchFamily="49" charset="0"/>
-              <a:cs typeface="Cascadia Code" panose="020B0609020000020004" pitchFamily="49" charset="0"/>
-            </a:endParaRPr>
-          </a:p>
-          <a:p>
-            <a:pPr marL="457200" lvl="1" indent="0">
-              <a:buNone/>
-            </a:pPr>
-            <a:r>
-              <a:rPr lang="en-US" sz="1600" dirty="0">
-                <a:latin typeface="Cascadia Code" panose="020B0609020000020004" pitchFamily="49" charset="0"/>
-                <a:ea typeface="Cascadia Code" panose="020B0609020000020004" pitchFamily="49" charset="0"/>
-                <a:cs typeface="Cascadia Code" panose="020B0609020000020004" pitchFamily="49" charset="0"/>
-              </a:rPr>
-              <a:t>10946</a:t>
-            </a:r>
-          </a:p>
-          <a:p>
-            <a:pPr marL="457200" lvl="1" indent="0">
-              <a:buNone/>
-            </a:pPr>
-            <a:endParaRPr lang="en-US" sz="1600" dirty="0">
-              <a:latin typeface="Cascadia Code" panose="020B0609020000020004" pitchFamily="49" charset="0"/>
-              <a:ea typeface="Cascadia Code" panose="020B0609020000020004" pitchFamily="49" charset="0"/>
-              <a:cs typeface="Cascadia Code" panose="020B0609020000020004" pitchFamily="49" charset="0"/>
-            </a:endParaRPr>
-          </a:p>
-          <a:p>
-            <a:pPr marL="457200" lvl="1" indent="0">
-              <a:buNone/>
-            </a:pPr>
-            <a:r>
-              <a:rPr lang="en-US" sz="1600" dirty="0">
-                <a:latin typeface="Cascadia Code" panose="020B0609020000020004" pitchFamily="49" charset="0"/>
-                <a:ea typeface="Cascadia Code" panose="020B0609020000020004" pitchFamily="49" charset="0"/>
-                <a:cs typeface="Cascadia Code" panose="020B0609020000020004" pitchFamily="49" charset="0"/>
-              </a:rPr>
-              <a:t>Time: 59.472 </a:t>
-            </a:r>
-            <a:r>
-              <a:rPr lang="en-US" sz="1600" dirty="0" err="1">
-                <a:latin typeface="Cascadia Code" panose="020B0609020000020004" pitchFamily="49" charset="0"/>
-                <a:ea typeface="Cascadia Code" panose="020B0609020000020004" pitchFamily="49" charset="0"/>
-                <a:cs typeface="Cascadia Code" panose="020B0609020000020004" pitchFamily="49" charset="0"/>
-              </a:rPr>
-              <a:t>ms</a:t>
-            </a:r>
-            <a:r>
-              <a:rPr lang="en-US" sz="1600" dirty="0">
-                <a:latin typeface="Cascadia Code" panose="020B0609020000020004" pitchFamily="49" charset="0"/>
-                <a:ea typeface="Cascadia Code" panose="020B0609020000020004" pitchFamily="49" charset="0"/>
-                <a:cs typeface="Cascadia Code" panose="020B0609020000020004" pitchFamily="49" charset="0"/>
-              </a:rPr>
-              <a:t>, Memory Delta: 0 Mb. Collections: 3</a:t>
-            </a:r>
-          </a:p>
-          <a:p>
-            <a:pPr marL="457200" lvl="1" indent="0">
-              <a:buNone/>
-            </a:pPr>
-            <a:r>
-              <a:rPr lang="en-US" sz="1600" dirty="0">
-                <a:solidFill>
-                  <a:srgbClr val="00B050"/>
-                </a:solidFill>
-                <a:latin typeface="Cascadia Code" panose="020B0609020000020004" pitchFamily="49" charset="0"/>
-                <a:ea typeface="Cascadia Code" panose="020B0609020000020004" pitchFamily="49" charset="0"/>
-                <a:cs typeface="Cascadia Code" panose="020B0609020000020004" pitchFamily="49" charset="0"/>
-              </a:rPr>
-              <a:t>=&gt;</a:t>
-            </a:r>
-            <a:r>
-              <a:rPr lang="en-US" sz="1600" dirty="0">
-                <a:latin typeface="Cascadia Code" panose="020B0609020000020004" pitchFamily="49" charset="0"/>
-                <a:ea typeface="Cascadia Code" panose="020B0609020000020004" pitchFamily="49" charset="0"/>
-                <a:cs typeface="Cascadia Code" panose="020B0609020000020004" pitchFamily="49" charset="0"/>
-              </a:rPr>
-              <a:t> (time (</a:t>
-            </a:r>
-            <a:r>
-              <a:rPr lang="en-US" sz="1600" dirty="0" err="1">
-                <a:latin typeface="Cascadia Code" panose="020B0609020000020004" pitchFamily="49" charset="0"/>
-                <a:ea typeface="Cascadia Code" panose="020B0609020000020004" pitchFamily="49" charset="0"/>
-                <a:cs typeface="Cascadia Code" panose="020B0609020000020004" pitchFamily="49" charset="0"/>
-              </a:rPr>
-              <a:t>psfib</a:t>
-            </a:r>
-            <a:r>
-              <a:rPr lang="en-US" sz="1600" dirty="0">
-                <a:latin typeface="Cascadia Code" panose="020B0609020000020004" pitchFamily="49" charset="0"/>
-                <a:ea typeface="Cascadia Code" panose="020B0609020000020004" pitchFamily="49" charset="0"/>
-                <a:cs typeface="Cascadia Code" panose="020B0609020000020004" pitchFamily="49" charset="0"/>
-              </a:rPr>
-              <a:t> 20)) ; PowerShell fib function</a:t>
-            </a:r>
-          </a:p>
-          <a:p>
-            <a:pPr marL="457200" lvl="1" indent="0">
-              <a:buNone/>
-            </a:pPr>
-            <a:r>
-              <a:rPr lang="en-US" sz="1600" dirty="0">
-                <a:latin typeface="Cascadia Code" panose="020B0609020000020004" pitchFamily="49" charset="0"/>
-                <a:ea typeface="Cascadia Code" panose="020B0609020000020004" pitchFamily="49" charset="0"/>
-                <a:cs typeface="Cascadia Code" panose="020B0609020000020004" pitchFamily="49" charset="0"/>
-              </a:rPr>
-              <a:t>Elapsed time: </a:t>
-            </a:r>
-            <a:r>
-              <a:rPr lang="en-US" sz="1600" dirty="0">
-                <a:solidFill>
-                  <a:srgbClr val="FF0000"/>
-                </a:solidFill>
-                <a:latin typeface="Cascadia Code" panose="020B0609020000020004" pitchFamily="49" charset="0"/>
-                <a:ea typeface="Cascadia Code" panose="020B0609020000020004" pitchFamily="49" charset="0"/>
-                <a:cs typeface="Cascadia Code" panose="020B0609020000020004" pitchFamily="49" charset="0"/>
-              </a:rPr>
-              <a:t>1237.09021 </a:t>
-            </a:r>
-            <a:r>
-              <a:rPr lang="en-US" sz="1600" dirty="0" err="1">
-                <a:solidFill>
-                  <a:srgbClr val="FF0000"/>
-                </a:solidFill>
-                <a:latin typeface="Cascadia Code" panose="020B0609020000020004" pitchFamily="49" charset="0"/>
-                <a:ea typeface="Cascadia Code" panose="020B0609020000020004" pitchFamily="49" charset="0"/>
-                <a:cs typeface="Cascadia Code" panose="020B0609020000020004" pitchFamily="49" charset="0"/>
-              </a:rPr>
-              <a:t>ms</a:t>
-            </a:r>
-            <a:r>
-              <a:rPr lang="en-US" sz="1600" dirty="0" err="1">
-                <a:latin typeface="Cascadia Code" panose="020B0609020000020004" pitchFamily="49" charset="0"/>
-                <a:ea typeface="Cascadia Code" panose="020B0609020000020004" pitchFamily="49" charset="0"/>
-                <a:cs typeface="Cascadia Code" panose="020B0609020000020004" pitchFamily="49" charset="0"/>
-              </a:rPr>
-              <a:t>.</a:t>
-            </a:r>
-            <a:endParaRPr lang="en-US" sz="1600" dirty="0">
-              <a:latin typeface="Cascadia Code" panose="020B0609020000020004" pitchFamily="49" charset="0"/>
-              <a:ea typeface="Cascadia Code" panose="020B0609020000020004" pitchFamily="49" charset="0"/>
-              <a:cs typeface="Cascadia Code" panose="020B0609020000020004" pitchFamily="49" charset="0"/>
-            </a:endParaRPr>
-          </a:p>
-          <a:p>
-            <a:pPr marL="457200" lvl="1" indent="0">
-              <a:buNone/>
-            </a:pPr>
-            <a:r>
-              <a:rPr lang="en-US" sz="1600" dirty="0">
-                <a:latin typeface="Cascadia Code" panose="020B0609020000020004" pitchFamily="49" charset="0"/>
-                <a:ea typeface="Cascadia Code" panose="020B0609020000020004" pitchFamily="49" charset="0"/>
-                <a:cs typeface="Cascadia Code" panose="020B0609020000020004" pitchFamily="49" charset="0"/>
-              </a:rPr>
-              <a:t>10946</a:t>
-            </a:r>
-          </a:p>
-          <a:p>
-            <a:pPr marL="457200" lvl="1" indent="0">
-              <a:buNone/>
-            </a:pPr>
-            <a:endParaRPr lang="en-US" sz="1600" dirty="0">
-              <a:latin typeface="Cascadia Code" panose="020B0609020000020004" pitchFamily="49" charset="0"/>
-              <a:ea typeface="Cascadia Code" panose="020B0609020000020004" pitchFamily="49" charset="0"/>
-              <a:cs typeface="Cascadia Code" panose="020B0609020000020004" pitchFamily="49" charset="0"/>
-            </a:endParaRPr>
-          </a:p>
-          <a:p>
+              <a:rPr lang="en-US" sz="2100" dirty="0">
+                <a:latin typeface="Cascadia Code" panose="020B0609020000020004" pitchFamily="49" charset="0"/>
+                <a:ea typeface="Cascadia Code" panose="020B0609020000020004" pitchFamily="49" charset="0"/>
+                <a:cs typeface="Cascadia Code" panose="020B0609020000020004" pitchFamily="49" charset="0"/>
+              </a:rPr>
+              <a:t>(range 10 | map (\ n -&gt; (* n n)))</a:t>
+            </a:r>
+          </a:p>
+          <a:p>
+            <a:r>
+              <a:rPr lang="en-US" dirty="0"/>
+              <a:t>Special Forms</a:t>
+            </a:r>
+          </a:p>
+          <a:p>
+            <a:pPr lvl="1"/>
+            <a:r>
+              <a:rPr lang="en-US" dirty="0"/>
+              <a:t>Functions where the arguments are passed unevaluated</a:t>
+            </a:r>
+          </a:p>
+          <a:p>
+            <a:pPr lvl="1"/>
+            <a:r>
+              <a:rPr lang="en-US" dirty="0"/>
+              <a:t>Examples: </a:t>
+            </a:r>
+            <a:r>
+              <a:rPr lang="en-US" i="1" dirty="0"/>
+              <a:t>if</a:t>
+            </a:r>
+            <a:r>
+              <a:rPr lang="en-US" dirty="0"/>
+              <a:t>, </a:t>
+            </a:r>
+            <a:r>
+              <a:rPr lang="en-US" i="1" dirty="0"/>
+              <a:t>while</a:t>
+            </a:r>
+            <a:r>
+              <a:rPr lang="en-US" dirty="0"/>
+              <a:t>, </a:t>
+            </a:r>
+            <a:r>
+              <a:rPr lang="en-US" i="1" dirty="0"/>
+              <a:t>foreach</a:t>
+            </a:r>
+            <a:r>
+              <a:rPr lang="en-US" dirty="0"/>
+              <a:t>, etc.</a:t>
+            </a:r>
+          </a:p>
+          <a:p>
+            <a:r>
+              <a:rPr lang="en-US" dirty="0" err="1">
+                <a:ea typeface="Cascadia Code" panose="020B0609020000020004" pitchFamily="49" charset="0"/>
+                <a:cs typeface="Cascadia Code" panose="020B0609020000020004" pitchFamily="49" charset="0"/>
+              </a:rPr>
+              <a:t>Upvar</a:t>
+            </a:r>
             <a:r>
               <a:rPr lang="en-US" dirty="0">
                 <a:ea typeface="Cascadia Code" panose="020B0609020000020004" pitchFamily="49" charset="0"/>
                 <a:cs typeface="Cascadia Code" panose="020B0609020000020004" pitchFamily="49" charset="0"/>
               </a:rPr>
-              <a:t>In this example, Braid is &gt; 10x faster…</a:t>
+              <a:t> and </a:t>
+            </a:r>
+            <a:r>
+              <a:rPr lang="en-US" dirty="0" err="1">
+                <a:ea typeface="Cascadia Code" panose="020B0609020000020004" pitchFamily="49" charset="0"/>
+                <a:cs typeface="Cascadia Code" panose="020B0609020000020004" pitchFamily="49" charset="0"/>
+              </a:rPr>
+              <a:t>UpDo</a:t>
+            </a:r>
+            <a:r>
+              <a:rPr lang="en-US" dirty="0">
+                <a:ea typeface="Cascadia Code" panose="020B0609020000020004" pitchFamily="49" charset="0"/>
+                <a:cs typeface="Cascadia Code" panose="020B0609020000020004" pitchFamily="49" charset="0"/>
+              </a:rPr>
+              <a:t> special forms</a:t>
+            </a:r>
+          </a:p>
+          <a:p>
+            <a:pPr lvl="1"/>
+            <a:r>
+              <a:rPr lang="en-US" dirty="0">
+                <a:ea typeface="Cascadia Code" panose="020B0609020000020004" pitchFamily="49" charset="0"/>
+                <a:cs typeface="Cascadia Code" panose="020B0609020000020004" pitchFamily="49" charset="0"/>
+              </a:rPr>
+              <a:t>These functions allow you to manipulate the caller’s context</a:t>
+            </a:r>
+          </a:p>
+          <a:p>
+            <a:pPr lvl="1"/>
+            <a:r>
+              <a:rPr lang="en-US" dirty="0">
+                <a:ea typeface="Cascadia Code" panose="020B0609020000020004" pitchFamily="49" charset="0"/>
+                <a:cs typeface="Cascadia Code" panose="020B0609020000020004" pitchFamily="49" charset="0"/>
+              </a:rPr>
+              <a:t>“dynamic scoping”</a:t>
+            </a:r>
+          </a:p>
+          <a:p>
+            <a:r>
+              <a:rPr lang="en-US" dirty="0">
+                <a:ea typeface="Cascadia Code" panose="020B0609020000020004" pitchFamily="49" charset="0"/>
+                <a:cs typeface="Cascadia Code" panose="020B0609020000020004" pitchFamily="49" charset="0"/>
+              </a:rPr>
+              <a:t>Eval function</a:t>
+            </a:r>
+          </a:p>
+          <a:p>
+            <a:pPr lvl="1"/>
+            <a:r>
+              <a:rPr lang="en-US" dirty="0">
+                <a:ea typeface="Cascadia Code" panose="020B0609020000020004" pitchFamily="49" charset="0"/>
+                <a:cs typeface="Cascadia Code" panose="020B0609020000020004" pitchFamily="49" charset="0"/>
+              </a:rPr>
+              <a:t>Evaluates </a:t>
+            </a:r>
+            <a:r>
+              <a:rPr lang="en-US" i="1" dirty="0">
+                <a:ea typeface="Cascadia Code" panose="020B0609020000020004" pitchFamily="49" charset="0"/>
+                <a:cs typeface="Cascadia Code" panose="020B0609020000020004" pitchFamily="49" charset="0"/>
+              </a:rPr>
+              <a:t>forms</a:t>
+            </a:r>
+            <a:r>
+              <a:rPr lang="en-US" dirty="0">
+                <a:ea typeface="Cascadia Code" panose="020B0609020000020004" pitchFamily="49" charset="0"/>
+                <a:cs typeface="Cascadia Code" panose="020B0609020000020004" pitchFamily="49" charset="0"/>
+              </a:rPr>
+              <a:t> (lists) not strings</a:t>
+            </a:r>
+          </a:p>
+          <a:p>
+            <a:r>
+              <a:rPr lang="en-US" sz="3400" dirty="0">
+                <a:solidFill>
+                  <a:schemeClr val="tx1"/>
+                </a:solidFill>
+                <a:ea typeface="Cascadia Code" panose="020B0609020000020004" pitchFamily="49" charset="0"/>
+                <a:cs typeface="Cascadia Code" panose="020B0609020000020004" pitchFamily="49" charset="0"/>
+              </a:rPr>
+              <a:t>Macros</a:t>
+            </a:r>
+          </a:p>
+          <a:p>
+            <a:pPr lvl="1"/>
+            <a:r>
+              <a:rPr lang="en-US" sz="3000" dirty="0">
+                <a:ea typeface="Cascadia Code" panose="020B0609020000020004" pitchFamily="49" charset="0"/>
+                <a:cs typeface="Cascadia Code" panose="020B0609020000020004" pitchFamily="49" charset="0"/>
+              </a:rPr>
+              <a:t>Macros are functions that are evaluated at compile time and should return the code to execute at run time</a:t>
+            </a:r>
+          </a:p>
+          <a:p>
+            <a:pPr lvl="1"/>
+            <a:r>
+              <a:rPr lang="en-US" sz="3000" dirty="0">
+                <a:ea typeface="Cascadia Code" panose="020B0609020000020004" pitchFamily="49" charset="0"/>
+                <a:cs typeface="Cascadia Code" panose="020B0609020000020004" pitchFamily="49" charset="0"/>
+              </a:rPr>
+              <a:t>Example: </a:t>
+            </a:r>
+            <a:r>
+              <a:rPr lang="en-US" sz="3000" i="1" dirty="0">
+                <a:ea typeface="Cascadia Code" panose="020B0609020000020004" pitchFamily="49" charset="0"/>
+                <a:cs typeface="Cascadia Code" panose="020B0609020000020004" pitchFamily="49" charset="0"/>
+              </a:rPr>
+              <a:t>for</a:t>
             </a:r>
           </a:p>
         </p:txBody>
@@ -10997,7 +11371,7 @@
     </p:spTree>
     <p:extLst>
       <p:ext uri="{BB962C8B-B14F-4D97-AF65-F5344CB8AC3E}">
-        <p14:creationId xmlns:p14="http://schemas.microsoft.com/office/powerpoint/2010/main" val="3158186502"/>
+        <p14:creationId xmlns:p14="http://schemas.microsoft.com/office/powerpoint/2010/main" val="2016241167"/>
       </p:ext>
     </p:extLst>
   </p:cSld>
@@ -11047,7 +11421,7 @@
           <a:p>
             <a:r>
               <a:rPr lang="en-US" dirty="0"/>
-              <a:t>Simple Examples:</a:t>
+              <a:t>Performance</a:t>
             </a:r>
             <a:endParaRPr lang="en-GB" dirty="0"/>
           </a:p>
@@ -11072,174 +11446,257 @@
         <p:spPr/>
         <p:txBody>
           <a:bodyPr>
-            <a:normAutofit fontScale="77500" lnSpcReduction="20000"/>
+            <a:normAutofit/>
           </a:bodyPr>
           <a:lstStyle/>
           <a:p>
             <a:r>
               <a:rPr lang="en-US" dirty="0"/>
-              <a:t>Count the number of each type of file in a directory:</a:t>
-            </a:r>
-          </a:p>
-          <a:p>
-            <a:pPr marL="0" indent="0">
+              <a:t>Braid has simpler and therefore much faster function dispatch</a:t>
+            </a:r>
+          </a:p>
+          <a:p>
+            <a:pPr marL="457200" lvl="1" indent="0">
               <a:buNone/>
             </a:pPr>
             <a:r>
-              <a:rPr lang="en-US" sz="2300" dirty="0">
-                <a:solidFill>
-                  <a:srgbClr val="0070C0"/>
-                </a:solidFill>
-                <a:latin typeface="Cascadia Code" panose="020B0609020000020004" pitchFamily="49" charset="0"/>
-                <a:ea typeface="Cascadia Code" panose="020B0609020000020004" pitchFamily="49" charset="0"/>
-                <a:cs typeface="Cascadia Code" panose="020B0609020000020004" pitchFamily="49" charset="0"/>
-              </a:rPr>
-              <a:t>     </a:t>
-            </a:r>
-            <a:r>
-              <a:rPr lang="en-US" sz="2100" dirty="0">
-                <a:solidFill>
-                  <a:srgbClr val="0070C0"/>
-                </a:solidFill>
-                <a:latin typeface="Cascadia Code" panose="020B0609020000020004" pitchFamily="49" charset="0"/>
-                <a:ea typeface="Cascadia Code" panose="020B0609020000020004" pitchFamily="49" charset="0"/>
-                <a:cs typeface="Cascadia Code" panose="020B0609020000020004" pitchFamily="49" charset="0"/>
-              </a:rPr>
-              <a:t>ls | group (\ f -&gt; (.extension f)) (\ n -&gt; (count n))</a:t>
-            </a:r>
-          </a:p>
-          <a:p>
-            <a:r>
-              <a:rPr lang="en-US" dirty="0"/>
-              <a:t> Since methods are functions, it can just be:</a:t>
-            </a:r>
-          </a:p>
-          <a:p>
-            <a:pPr marL="0" indent="0">
+              <a:rPr lang="en-US" sz="1600" dirty="0">
+                <a:solidFill>
+                  <a:srgbClr val="00B050"/>
+                </a:solidFill>
+                <a:latin typeface="Cascadia Code" panose="020B0609020000020004" pitchFamily="49" charset="0"/>
+                <a:ea typeface="Cascadia Code" panose="020B0609020000020004" pitchFamily="49" charset="0"/>
+                <a:cs typeface="Cascadia Code" panose="020B0609020000020004" pitchFamily="49" charset="0"/>
+              </a:rPr>
+              <a:t>=&gt;</a:t>
+            </a:r>
+            <a:r>
+              <a:rPr lang="en-US" sz="1600" dirty="0">
+                <a:latin typeface="Cascadia Code" panose="020B0609020000020004" pitchFamily="49" charset="0"/>
+                <a:ea typeface="Cascadia Code" panose="020B0609020000020004" pitchFamily="49" charset="0"/>
+                <a:cs typeface="Cascadia Code" panose="020B0609020000020004" pitchFamily="49" charset="0"/>
+              </a:rPr>
+              <a:t> (time (fib 20)) ; Braid fib function</a:t>
+            </a:r>
+          </a:p>
+          <a:p>
+            <a:pPr marL="457200" lvl="1" indent="0">
               <a:buNone/>
             </a:pPr>
             <a:r>
-              <a:rPr lang="en-US" sz="3600" dirty="0">
-                <a:latin typeface="Cascadia Code" panose="020B0609020000020004" pitchFamily="49" charset="0"/>
-                <a:ea typeface="Cascadia Code" panose="020B0609020000020004" pitchFamily="49" charset="0"/>
-                <a:cs typeface="Cascadia Code" panose="020B0609020000020004" pitchFamily="49" charset="0"/>
-              </a:rPr>
-              <a:t>    </a:t>
-            </a:r>
-            <a:r>
-              <a:rPr lang="en-US" sz="2100" dirty="0">
-                <a:solidFill>
-                  <a:srgbClr val="0070C0"/>
-                </a:solidFill>
-                <a:latin typeface="Cascadia Code" panose="020B0609020000020004" pitchFamily="49" charset="0"/>
-                <a:ea typeface="Cascadia Code" panose="020B0609020000020004" pitchFamily="49" charset="0"/>
-                <a:cs typeface="Cascadia Code" panose="020B0609020000020004" pitchFamily="49" charset="0"/>
-              </a:rPr>
-              <a:t>ls | group .extension .count</a:t>
-            </a:r>
-            <a:endParaRPr lang="en-US" sz="2100" dirty="0">
-              <a:solidFill>
-                <a:srgbClr val="0070C0"/>
-              </a:solidFill>
+              <a:rPr lang="en-US" sz="1600" dirty="0">
+                <a:latin typeface="Cascadia Code" panose="020B0609020000020004" pitchFamily="49" charset="0"/>
+                <a:ea typeface="Cascadia Code" panose="020B0609020000020004" pitchFamily="49" charset="0"/>
+                <a:cs typeface="Cascadia Code" panose="020B0609020000020004" pitchFamily="49" charset="0"/>
+              </a:rPr>
+              <a:t>Elapsed time: </a:t>
+            </a:r>
+            <a:r>
+              <a:rPr lang="en-US" sz="1600" dirty="0">
+                <a:solidFill>
+                  <a:srgbClr val="FF0000"/>
+                </a:solidFill>
+                <a:latin typeface="Cascadia Code" panose="020B0609020000020004" pitchFamily="49" charset="0"/>
+                <a:ea typeface="Cascadia Code" panose="020B0609020000020004" pitchFamily="49" charset="0"/>
+                <a:cs typeface="Cascadia Code" panose="020B0609020000020004" pitchFamily="49" charset="0"/>
+              </a:rPr>
+              <a:t>75.73826 </a:t>
+            </a:r>
+            <a:r>
+              <a:rPr lang="en-US" sz="1600" dirty="0" err="1">
+                <a:solidFill>
+                  <a:srgbClr val="FF0000"/>
+                </a:solidFill>
+                <a:latin typeface="Cascadia Code" panose="020B0609020000020004" pitchFamily="49" charset="0"/>
+                <a:ea typeface="Cascadia Code" panose="020B0609020000020004" pitchFamily="49" charset="0"/>
+                <a:cs typeface="Cascadia Code" panose="020B0609020000020004" pitchFamily="49" charset="0"/>
+              </a:rPr>
+              <a:t>ms</a:t>
+            </a:r>
+            <a:r>
+              <a:rPr lang="en-US" sz="1600" dirty="0" err="1">
+                <a:latin typeface="Cascadia Code" panose="020B0609020000020004" pitchFamily="49" charset="0"/>
+                <a:ea typeface="Cascadia Code" panose="020B0609020000020004" pitchFamily="49" charset="0"/>
+                <a:cs typeface="Cascadia Code" panose="020B0609020000020004" pitchFamily="49" charset="0"/>
+              </a:rPr>
+              <a:t>.</a:t>
+            </a:r>
+            <a:endParaRPr lang="en-US" sz="1600" dirty="0">
+              <a:latin typeface="Cascadia Code" panose="020B0609020000020004" pitchFamily="49" charset="0"/>
+              <a:ea typeface="Cascadia Code" panose="020B0609020000020004" pitchFamily="49" charset="0"/>
+              <a:cs typeface="Cascadia Code" panose="020B0609020000020004" pitchFamily="49" charset="0"/>
             </a:endParaRPr>
           </a:p>
           <a:p>
+            <a:pPr marL="457200" lvl="1" indent="0">
+              <a:buNone/>
+            </a:pPr>
+            <a:r>
+              <a:rPr lang="en-US" sz="1600" dirty="0">
+                <a:latin typeface="Cascadia Code" panose="020B0609020000020004" pitchFamily="49" charset="0"/>
+                <a:ea typeface="Cascadia Code" panose="020B0609020000020004" pitchFamily="49" charset="0"/>
+                <a:cs typeface="Cascadia Code" panose="020B0609020000020004" pitchFamily="49" charset="0"/>
+              </a:rPr>
+              <a:t>10946</a:t>
+            </a:r>
+          </a:p>
+          <a:p>
+            <a:pPr marL="457200" lvl="1" indent="0">
+              <a:buNone/>
+            </a:pPr>
+            <a:endParaRPr lang="en-US" sz="1600" dirty="0">
+              <a:latin typeface="Cascadia Code" panose="020B0609020000020004" pitchFamily="49" charset="0"/>
+              <a:ea typeface="Cascadia Code" panose="020B0609020000020004" pitchFamily="49" charset="0"/>
+              <a:cs typeface="Cascadia Code" panose="020B0609020000020004" pitchFamily="49" charset="0"/>
+            </a:endParaRPr>
+          </a:p>
+          <a:p>
+            <a:pPr marL="457200" lvl="1" indent="0">
+              <a:buNone/>
+            </a:pPr>
+            <a:r>
+              <a:rPr lang="en-US" sz="1600" dirty="0">
+                <a:latin typeface="Cascadia Code" panose="020B0609020000020004" pitchFamily="49" charset="0"/>
+                <a:ea typeface="Cascadia Code" panose="020B0609020000020004" pitchFamily="49" charset="0"/>
+                <a:cs typeface="Cascadia Code" panose="020B0609020000020004" pitchFamily="49" charset="0"/>
+              </a:rPr>
+              <a:t>Time: 59.472 </a:t>
+            </a:r>
+            <a:r>
+              <a:rPr lang="en-US" sz="1600" dirty="0" err="1">
+                <a:latin typeface="Cascadia Code" panose="020B0609020000020004" pitchFamily="49" charset="0"/>
+                <a:ea typeface="Cascadia Code" panose="020B0609020000020004" pitchFamily="49" charset="0"/>
+                <a:cs typeface="Cascadia Code" panose="020B0609020000020004" pitchFamily="49" charset="0"/>
+              </a:rPr>
+              <a:t>ms</a:t>
+            </a:r>
+            <a:r>
+              <a:rPr lang="en-US" sz="1600" dirty="0">
+                <a:latin typeface="Cascadia Code" panose="020B0609020000020004" pitchFamily="49" charset="0"/>
+                <a:ea typeface="Cascadia Code" panose="020B0609020000020004" pitchFamily="49" charset="0"/>
+                <a:cs typeface="Cascadia Code" panose="020B0609020000020004" pitchFamily="49" charset="0"/>
+              </a:rPr>
+              <a:t>, Memory Delta: 0 Mb. Collections: 3</a:t>
+            </a:r>
+          </a:p>
+          <a:p>
+            <a:pPr marL="457200" lvl="1" indent="0">
+              <a:buNone/>
+            </a:pPr>
+            <a:r>
+              <a:rPr lang="en-US" sz="1600" dirty="0">
+                <a:solidFill>
+                  <a:srgbClr val="00B050"/>
+                </a:solidFill>
+                <a:latin typeface="Cascadia Code" panose="020B0609020000020004" pitchFamily="49" charset="0"/>
+                <a:ea typeface="Cascadia Code" panose="020B0609020000020004" pitchFamily="49" charset="0"/>
+                <a:cs typeface="Cascadia Code" panose="020B0609020000020004" pitchFamily="49" charset="0"/>
+              </a:rPr>
+              <a:t>=&gt;</a:t>
+            </a:r>
+            <a:r>
+              <a:rPr lang="en-US" sz="1600" dirty="0">
+                <a:latin typeface="Cascadia Code" panose="020B0609020000020004" pitchFamily="49" charset="0"/>
+                <a:ea typeface="Cascadia Code" panose="020B0609020000020004" pitchFamily="49" charset="0"/>
+                <a:cs typeface="Cascadia Code" panose="020B0609020000020004" pitchFamily="49" charset="0"/>
+              </a:rPr>
+              <a:t> (time (</a:t>
+            </a:r>
+            <a:r>
+              <a:rPr lang="en-US" sz="1600" dirty="0" err="1">
+                <a:latin typeface="Cascadia Code" panose="020B0609020000020004" pitchFamily="49" charset="0"/>
+                <a:ea typeface="Cascadia Code" panose="020B0609020000020004" pitchFamily="49" charset="0"/>
+                <a:cs typeface="Cascadia Code" panose="020B0609020000020004" pitchFamily="49" charset="0"/>
+              </a:rPr>
+              <a:t>psfib</a:t>
+            </a:r>
+            <a:r>
+              <a:rPr lang="en-US" sz="1600" dirty="0">
+                <a:latin typeface="Cascadia Code" panose="020B0609020000020004" pitchFamily="49" charset="0"/>
+                <a:ea typeface="Cascadia Code" panose="020B0609020000020004" pitchFamily="49" charset="0"/>
+                <a:cs typeface="Cascadia Code" panose="020B0609020000020004" pitchFamily="49" charset="0"/>
+              </a:rPr>
+              <a:t> 20)) ; PowerShell fib function</a:t>
+            </a:r>
+          </a:p>
+          <a:p>
+            <a:pPr marL="457200" lvl="1" indent="0">
+              <a:buNone/>
+            </a:pPr>
+            <a:r>
+              <a:rPr lang="en-US" sz="1600" dirty="0">
+                <a:latin typeface="Cascadia Code" panose="020B0609020000020004" pitchFamily="49" charset="0"/>
+                <a:ea typeface="Cascadia Code" panose="020B0609020000020004" pitchFamily="49" charset="0"/>
+                <a:cs typeface="Cascadia Code" panose="020B0609020000020004" pitchFamily="49" charset="0"/>
+              </a:rPr>
+              <a:t>Elapsed time: </a:t>
+            </a:r>
+            <a:r>
+              <a:rPr lang="en-US" sz="1600" dirty="0">
+                <a:solidFill>
+                  <a:srgbClr val="FF0000"/>
+                </a:solidFill>
+                <a:latin typeface="Cascadia Code" panose="020B0609020000020004" pitchFamily="49" charset="0"/>
+                <a:ea typeface="Cascadia Code" panose="020B0609020000020004" pitchFamily="49" charset="0"/>
+                <a:cs typeface="Cascadia Code" panose="020B0609020000020004" pitchFamily="49" charset="0"/>
+              </a:rPr>
+              <a:t>1237.09021 </a:t>
+            </a:r>
+            <a:r>
+              <a:rPr lang="en-US" sz="1600" dirty="0" err="1">
+                <a:solidFill>
+                  <a:srgbClr val="FF0000"/>
+                </a:solidFill>
+                <a:latin typeface="Cascadia Code" panose="020B0609020000020004" pitchFamily="49" charset="0"/>
+                <a:ea typeface="Cascadia Code" panose="020B0609020000020004" pitchFamily="49" charset="0"/>
+                <a:cs typeface="Cascadia Code" panose="020B0609020000020004" pitchFamily="49" charset="0"/>
+              </a:rPr>
+              <a:t>ms</a:t>
+            </a:r>
+            <a:r>
+              <a:rPr lang="en-US" sz="1600" dirty="0" err="1">
+                <a:latin typeface="Cascadia Code" panose="020B0609020000020004" pitchFamily="49" charset="0"/>
+                <a:ea typeface="Cascadia Code" panose="020B0609020000020004" pitchFamily="49" charset="0"/>
+                <a:cs typeface="Cascadia Code" panose="020B0609020000020004" pitchFamily="49" charset="0"/>
+              </a:rPr>
+              <a:t>.</a:t>
+            </a:r>
+            <a:endParaRPr lang="en-US" sz="1600" dirty="0">
+              <a:latin typeface="Cascadia Code" panose="020B0609020000020004" pitchFamily="49" charset="0"/>
+              <a:ea typeface="Cascadia Code" panose="020B0609020000020004" pitchFamily="49" charset="0"/>
+              <a:cs typeface="Cascadia Code" panose="020B0609020000020004" pitchFamily="49" charset="0"/>
+            </a:endParaRPr>
+          </a:p>
+          <a:p>
+            <a:pPr marL="457200" lvl="1" indent="0">
+              <a:buNone/>
+            </a:pPr>
+            <a:r>
+              <a:rPr lang="en-US" sz="1600" dirty="0">
+                <a:latin typeface="Cascadia Code" panose="020B0609020000020004" pitchFamily="49" charset="0"/>
+                <a:ea typeface="Cascadia Code" panose="020B0609020000020004" pitchFamily="49" charset="0"/>
+                <a:cs typeface="Cascadia Code" panose="020B0609020000020004" pitchFamily="49" charset="0"/>
+              </a:rPr>
+              <a:t>10946</a:t>
+            </a:r>
+          </a:p>
+          <a:p>
+            <a:pPr marL="457200" lvl="1" indent="0">
+              <a:buNone/>
+            </a:pPr>
+            <a:endParaRPr lang="en-US" sz="1600" dirty="0">
+              <a:latin typeface="Cascadia Code" panose="020B0609020000020004" pitchFamily="49" charset="0"/>
+              <a:ea typeface="Cascadia Code" panose="020B0609020000020004" pitchFamily="49" charset="0"/>
+              <a:cs typeface="Cascadia Code" panose="020B0609020000020004" pitchFamily="49" charset="0"/>
+            </a:endParaRPr>
+          </a:p>
+          <a:p>
             <a:r>
               <a:rPr lang="en-US" dirty="0">
                 <a:ea typeface="Cascadia Code" panose="020B0609020000020004" pitchFamily="49" charset="0"/>
                 <a:cs typeface="Cascadia Code" panose="020B0609020000020004" pitchFamily="49" charset="0"/>
               </a:rPr>
-              <a:t>Skipping files without extensions</a:t>
-            </a:r>
-          </a:p>
-          <a:p>
-            <a:pPr marL="0" indent="0">
-              <a:buNone/>
-            </a:pPr>
-            <a:r>
-              <a:rPr lang="en-US" sz="3600" dirty="0">
-                <a:latin typeface="Cascadia Code" panose="020B0609020000020004" pitchFamily="49" charset="0"/>
-                <a:ea typeface="Cascadia Code" panose="020B0609020000020004" pitchFamily="49" charset="0"/>
-                <a:cs typeface="Cascadia Code" panose="020B0609020000020004" pitchFamily="49" charset="0"/>
-              </a:rPr>
-              <a:t>    </a:t>
-            </a:r>
-            <a:r>
-              <a:rPr lang="en-US" sz="2100" dirty="0">
-                <a:solidFill>
-                  <a:srgbClr val="0070C0"/>
-                </a:solidFill>
-                <a:latin typeface="Cascadia Code" panose="020B0609020000020004" pitchFamily="49" charset="0"/>
-                <a:ea typeface="Cascadia Code" panose="020B0609020000020004" pitchFamily="49" charset="0"/>
-                <a:cs typeface="Cascadia Code" panose="020B0609020000020004" pitchFamily="49" charset="0"/>
-              </a:rPr>
-              <a:t>ls | where .extension | group .extension count</a:t>
-            </a:r>
-          </a:p>
-          <a:p>
-            <a:r>
-              <a:rPr lang="en-US" dirty="0">
-                <a:ea typeface="Cascadia Code" panose="020B0609020000020004" pitchFamily="49" charset="0"/>
-                <a:cs typeface="Cascadia Code" panose="020B0609020000020004" pitchFamily="49" charset="0"/>
-              </a:rPr>
-              <a:t>Or</a:t>
-            </a:r>
-          </a:p>
-          <a:p>
-            <a:pPr marL="0" indent="0">
-              <a:buNone/>
-            </a:pPr>
-            <a:r>
-              <a:rPr lang="en-US" sz="3600" dirty="0">
-                <a:latin typeface="Cascadia Code" panose="020B0609020000020004" pitchFamily="49" charset="0"/>
-                <a:ea typeface="Cascadia Code" panose="020B0609020000020004" pitchFamily="49" charset="0"/>
-                <a:cs typeface="Cascadia Code" panose="020B0609020000020004" pitchFamily="49" charset="0"/>
-              </a:rPr>
-              <a:t>    </a:t>
-            </a:r>
-            <a:r>
-              <a:rPr lang="en-US" sz="2100" dirty="0">
-                <a:solidFill>
-                  <a:srgbClr val="0070C0"/>
-                </a:solidFill>
-                <a:latin typeface="Cascadia Code" panose="020B0609020000020004" pitchFamily="49" charset="0"/>
-                <a:ea typeface="Cascadia Code" panose="020B0609020000020004" pitchFamily="49" charset="0"/>
-                <a:cs typeface="Cascadia Code" panose="020B0609020000020004" pitchFamily="49" charset="0"/>
-              </a:rPr>
-              <a:t>ls | map .extension | group echo count</a:t>
-            </a:r>
-          </a:p>
-          <a:p>
-            <a:r>
-              <a:rPr lang="en-US" dirty="0">
-                <a:ea typeface="Cascadia Code" panose="020B0609020000020004" pitchFamily="49" charset="0"/>
-                <a:cs typeface="Cascadia Code" panose="020B0609020000020004" pitchFamily="49" charset="0"/>
-              </a:rPr>
-              <a:t>Or just get a list of extensions</a:t>
-            </a:r>
-          </a:p>
-          <a:p>
-            <a:pPr marL="0" indent="0">
-              <a:buNone/>
-            </a:pPr>
-            <a:r>
-              <a:rPr lang="en-US" sz="3600" dirty="0">
-                <a:latin typeface="Cascadia Code" panose="020B0609020000020004" pitchFamily="49" charset="0"/>
-                <a:ea typeface="Cascadia Code" panose="020B0609020000020004" pitchFamily="49" charset="0"/>
-                <a:cs typeface="Cascadia Code" panose="020B0609020000020004" pitchFamily="49" charset="0"/>
-              </a:rPr>
-              <a:t>    </a:t>
-            </a:r>
-            <a:r>
-              <a:rPr lang="en-US" sz="2100" dirty="0">
-                <a:solidFill>
-                  <a:srgbClr val="0070C0"/>
-                </a:solidFill>
-                <a:latin typeface="Cascadia Code" panose="020B0609020000020004" pitchFamily="49" charset="0"/>
-                <a:ea typeface="Cascadia Code" panose="020B0609020000020004" pitchFamily="49" charset="0"/>
-                <a:cs typeface="Cascadia Code" panose="020B0609020000020004" pitchFamily="49" charset="0"/>
-              </a:rPr>
-              <a:t>ls | map .extension | group echo count | map .key</a:t>
+              <a:t>In this example, Braid is &gt; 10x faster…</a:t>
             </a:r>
           </a:p>
         </p:txBody>
@@ -11247,7 +11704,7 @@
     </p:spTree>
     <p:extLst>
       <p:ext uri="{BB962C8B-B14F-4D97-AF65-F5344CB8AC3E}">
-        <p14:creationId xmlns:p14="http://schemas.microsoft.com/office/powerpoint/2010/main" val="2480154975"/>
+        <p14:creationId xmlns:p14="http://schemas.microsoft.com/office/powerpoint/2010/main" val="3158186502"/>
       </p:ext>
     </p:extLst>
   </p:cSld>
@@ -11292,14 +11749,12 @@
         </p:nvSpPr>
         <p:spPr/>
         <p:txBody>
-          <a:bodyPr>
-            <a:normAutofit/>
-          </a:bodyPr>
+          <a:bodyPr/>
           <a:lstStyle/>
           <a:p>
             <a:r>
               <a:rPr lang="en-US" dirty="0"/>
-              <a:t>Example: Processing Files</a:t>
+              <a:t>Simple Examples:</a:t>
             </a:r>
             <a:endParaRPr lang="en-GB" dirty="0"/>
           </a:p>
@@ -11321,16 +11776,21 @@
             <p:ph idx="1"/>
           </p:nvPr>
         </p:nvSpPr>
-        <p:spPr/>
+        <p:spPr>
+          <a:xfrm>
+            <a:off x="838200" y="1571222"/>
+            <a:ext cx="10515600" cy="4675031"/>
+          </a:xfrm>
+        </p:spPr>
         <p:txBody>
           <a:bodyPr>
-            <a:normAutofit fontScale="77500" lnSpcReduction="20000"/>
+            <a:normAutofit fontScale="85000" lnSpcReduction="20000"/>
           </a:bodyPr>
           <a:lstStyle/>
           <a:p>
             <a:r>
               <a:rPr lang="en-US" dirty="0"/>
-              <a:t>Find the number of public classes in a source tree</a:t>
+              <a:t>Count the number of each type of file in a directory:</a:t>
             </a:r>
           </a:p>
           <a:p>
@@ -11339,6 +11799,39 @@
             </a:pPr>
             <a:r>
               <a:rPr lang="en-US" sz="2300" dirty="0">
+                <a:solidFill>
+                  <a:srgbClr val="0070C0"/>
+                </a:solidFill>
+                <a:latin typeface="Cascadia Code" panose="020B0609020000020004" pitchFamily="49" charset="0"/>
+                <a:ea typeface="Cascadia Code" panose="020B0609020000020004" pitchFamily="49" charset="0"/>
+                <a:cs typeface="Cascadia Code" panose="020B0609020000020004" pitchFamily="49" charset="0"/>
+              </a:rPr>
+              <a:t>     </a:t>
+            </a:r>
+            <a:r>
+              <a:rPr lang="en-US" sz="2100" dirty="0">
+                <a:solidFill>
+                  <a:srgbClr val="0070C0"/>
+                </a:solidFill>
+                <a:latin typeface="Cascadia Code" panose="020B0609020000020004" pitchFamily="49" charset="0"/>
+                <a:ea typeface="Cascadia Code" panose="020B0609020000020004" pitchFamily="49" charset="0"/>
+                <a:cs typeface="Cascadia Code" panose="020B0609020000020004" pitchFamily="49" charset="0"/>
+              </a:rPr>
+              <a:t>ls | group (\ f -&gt; (.extension f)) (\ n -&gt; (count n))</a:t>
+            </a:r>
+          </a:p>
+          <a:p>
+            <a:r>
+              <a:rPr lang="en-US" dirty="0"/>
+              <a:t> Since methods are functions, it can just be:</a:t>
+            </a:r>
+          </a:p>
+          <a:p>
+            <a:pPr marL="0" indent="0">
+              <a:buNone/>
+            </a:pPr>
+            <a:r>
+              <a:rPr lang="en-US" sz="3600" dirty="0">
                 <a:latin typeface="Cascadia Code" panose="020B0609020000020004" pitchFamily="49" charset="0"/>
                 <a:ea typeface="Cascadia Code" panose="020B0609020000020004" pitchFamily="49" charset="0"/>
                 <a:cs typeface="Cascadia Code" panose="020B0609020000020004" pitchFamily="49" charset="0"/>
@@ -11346,7 +11839,7 @@
               <a:t>    </a:t>
             </a:r>
             <a:r>
-              <a:rPr lang="en-US" sz="2300" dirty="0">
+              <a:rPr lang="en-US" sz="2100" dirty="0">
                 <a:solidFill>
                   <a:srgbClr val="0070C0"/>
                 </a:solidFill>
@@ -11354,395 +11847,119 @@
                 <a:ea typeface="Cascadia Code" panose="020B0609020000020004" pitchFamily="49" charset="0"/>
                 <a:cs typeface="Cascadia Code" panose="020B0609020000020004" pitchFamily="49" charset="0"/>
               </a:rPr>
-              <a:t>(</a:t>
-            </a:r>
-            <a:r>
-              <a:rPr lang="en-US" sz="2300" b="1" dirty="0">
-                <a:solidFill>
-                  <a:srgbClr val="0070C0"/>
-                </a:solidFill>
-                <a:latin typeface="Cascadia Code" panose="020B0609020000020004" pitchFamily="49" charset="0"/>
-                <a:ea typeface="Cascadia Code" panose="020B0609020000020004" pitchFamily="49" charset="0"/>
-                <a:cs typeface="Cascadia Code" panose="020B0609020000020004" pitchFamily="49" charset="0"/>
-              </a:rPr>
-              <a:t>Get-</a:t>
-            </a:r>
-            <a:r>
-              <a:rPr lang="en-US" sz="2300" b="1" dirty="0" err="1">
-                <a:solidFill>
-                  <a:srgbClr val="0070C0"/>
-                </a:solidFill>
-                <a:latin typeface="Cascadia Code" panose="020B0609020000020004" pitchFamily="49" charset="0"/>
-                <a:ea typeface="Cascadia Code" panose="020B0609020000020004" pitchFamily="49" charset="0"/>
-                <a:cs typeface="Cascadia Code" panose="020B0609020000020004" pitchFamily="49" charset="0"/>
-              </a:rPr>
-              <a:t>ChildItem</a:t>
-            </a:r>
-            <a:r>
-              <a:rPr lang="en-US" sz="2300" dirty="0">
-                <a:solidFill>
-                  <a:srgbClr val="0070C0"/>
-                </a:solidFill>
-                <a:latin typeface="Cascadia Code" panose="020B0609020000020004" pitchFamily="49" charset="0"/>
-                <a:ea typeface="Cascadia Code" panose="020B0609020000020004" pitchFamily="49" charset="0"/>
-                <a:cs typeface="Cascadia Code" panose="020B0609020000020004" pitchFamily="49" charset="0"/>
-              </a:rPr>
-              <a:t> -Recurse '*.cs</a:t>
-            </a:r>
-          </a:p>
-          <a:p>
-            <a:pPr marL="0" indent="0">
-              <a:buNone/>
-            </a:pPr>
-            <a:r>
-              <a:rPr lang="en-US" sz="2300" dirty="0">
-                <a:solidFill>
-                  <a:srgbClr val="0070C0"/>
-                </a:solidFill>
-                <a:latin typeface="Cascadia Code" panose="020B0609020000020004" pitchFamily="49" charset="0"/>
-                <a:ea typeface="Cascadia Code" panose="020B0609020000020004" pitchFamily="49" charset="0"/>
-                <a:cs typeface="Cascadia Code" panose="020B0609020000020004" pitchFamily="49" charset="0"/>
-              </a:rPr>
-              <a:t>	| </a:t>
-            </a:r>
-            <a:r>
-              <a:rPr lang="en-US" sz="2300" b="1" dirty="0">
-                <a:solidFill>
-                  <a:srgbClr val="0070C0"/>
-                </a:solidFill>
-                <a:latin typeface="Cascadia Code" panose="020B0609020000020004" pitchFamily="49" charset="0"/>
-                <a:ea typeface="Cascadia Code" panose="020B0609020000020004" pitchFamily="49" charset="0"/>
-                <a:cs typeface="Cascadia Code" panose="020B0609020000020004" pitchFamily="49" charset="0"/>
-              </a:rPr>
-              <a:t>map</a:t>
-            </a:r>
-            <a:r>
-              <a:rPr lang="en-US" sz="2300" dirty="0">
-                <a:solidFill>
-                  <a:srgbClr val="0070C0"/>
-                </a:solidFill>
-                <a:latin typeface="Cascadia Code" panose="020B0609020000020004" pitchFamily="49" charset="0"/>
-                <a:ea typeface="Cascadia Code" panose="020B0609020000020004" pitchFamily="49" charset="0"/>
-                <a:cs typeface="Cascadia Code" panose="020B0609020000020004" pitchFamily="49" charset="0"/>
-              </a:rPr>
-              <a:t> (\ f -&gt; (read-file f #"public.*class" | count))</a:t>
-            </a:r>
-          </a:p>
-          <a:p>
-            <a:pPr marL="0" indent="0">
-              <a:buNone/>
-            </a:pPr>
-            <a:r>
-              <a:rPr lang="en-US" sz="2300" dirty="0">
-                <a:solidFill>
-                  <a:srgbClr val="0070C0"/>
-                </a:solidFill>
-                <a:latin typeface="Cascadia Code" panose="020B0609020000020004" pitchFamily="49" charset="0"/>
-                <a:ea typeface="Cascadia Code" panose="020B0609020000020004" pitchFamily="49" charset="0"/>
-                <a:cs typeface="Cascadia Code" panose="020B0609020000020004" pitchFamily="49" charset="0"/>
-              </a:rPr>
-              <a:t>	| </a:t>
-            </a:r>
-            <a:r>
-              <a:rPr lang="en-US" sz="2300" b="1" dirty="0">
-                <a:solidFill>
-                  <a:srgbClr val="0070C0"/>
-                </a:solidFill>
-                <a:latin typeface="Cascadia Code" panose="020B0609020000020004" pitchFamily="49" charset="0"/>
-                <a:ea typeface="Cascadia Code" panose="020B0609020000020004" pitchFamily="49" charset="0"/>
-                <a:cs typeface="Cascadia Code" panose="020B0609020000020004" pitchFamily="49" charset="0"/>
-              </a:rPr>
-              <a:t>sum</a:t>
-            </a:r>
-            <a:r>
-              <a:rPr lang="en-US" sz="2300" dirty="0">
-                <a:solidFill>
-                  <a:srgbClr val="0070C0"/>
-                </a:solidFill>
-                <a:latin typeface="Cascadia Code" panose="020B0609020000020004" pitchFamily="49" charset="0"/>
-                <a:ea typeface="Cascadia Code" panose="020B0609020000020004" pitchFamily="49" charset="0"/>
-                <a:cs typeface="Cascadia Code" panose="020B0609020000020004" pitchFamily="49" charset="0"/>
-              </a:rPr>
-              <a:t>)</a:t>
-            </a:r>
-            <a:endParaRPr lang="en-US" sz="2400" dirty="0">
-              <a:latin typeface="Cascadia Code" panose="020B0609020000020004" pitchFamily="49" charset="0"/>
-              <a:ea typeface="Cascadia Code" panose="020B0609020000020004" pitchFamily="49" charset="0"/>
-              <a:cs typeface="Cascadia Code" panose="020B0609020000020004" pitchFamily="49" charset="0"/>
-            </a:endParaRPr>
-          </a:p>
-          <a:p>
-            <a:r>
-              <a:rPr lang="en-US" dirty="0"/>
-              <a:t>Find the names of all the classes and sort them descending:</a:t>
-            </a:r>
-          </a:p>
-          <a:p>
-            <a:pPr marL="0" indent="0">
-              <a:buNone/>
-            </a:pPr>
-            <a:r>
-              <a:rPr lang="en-US" sz="2800" dirty="0">
-                <a:solidFill>
-                  <a:srgbClr val="0070C0"/>
-                </a:solidFill>
-                <a:latin typeface="Cascadia Code" panose="020B0609020000020004" pitchFamily="49" charset="0"/>
-                <a:ea typeface="Cascadia Code" panose="020B0609020000020004" pitchFamily="49" charset="0"/>
-                <a:cs typeface="Cascadia Code" panose="020B0609020000020004" pitchFamily="49" charset="0"/>
-              </a:rPr>
-              <a:t>    </a:t>
-            </a:r>
-            <a:r>
-              <a:rPr lang="en-US" sz="2300" dirty="0">
-                <a:solidFill>
-                  <a:srgbClr val="0070C0"/>
-                </a:solidFill>
-                <a:latin typeface="Cascadia Code" panose="020B0609020000020004" pitchFamily="49" charset="0"/>
-                <a:ea typeface="Cascadia Code" panose="020B0609020000020004" pitchFamily="49" charset="0"/>
-                <a:cs typeface="Cascadia Code" panose="020B0609020000020004" pitchFamily="49" charset="0"/>
-              </a:rPr>
-              <a:t>(</a:t>
-            </a:r>
-            <a:r>
-              <a:rPr lang="en-US" sz="2300" b="1" dirty="0">
-                <a:solidFill>
-                  <a:srgbClr val="0070C0"/>
-                </a:solidFill>
-                <a:latin typeface="Cascadia Code" panose="020B0609020000020004" pitchFamily="49" charset="0"/>
-                <a:ea typeface="Cascadia Code" panose="020B0609020000020004" pitchFamily="49" charset="0"/>
-                <a:cs typeface="Cascadia Code" panose="020B0609020000020004" pitchFamily="49" charset="0"/>
-              </a:rPr>
-              <a:t>ls</a:t>
-            </a:r>
-            <a:r>
-              <a:rPr lang="en-US" sz="2300" dirty="0">
-                <a:solidFill>
-                  <a:srgbClr val="0070C0"/>
-                </a:solidFill>
-                <a:latin typeface="Cascadia Code" panose="020B0609020000020004" pitchFamily="49" charset="0"/>
-                <a:ea typeface="Cascadia Code" panose="020B0609020000020004" pitchFamily="49" charset="0"/>
-                <a:cs typeface="Cascadia Code" panose="020B0609020000020004" pitchFamily="49" charset="0"/>
-              </a:rPr>
-              <a:t> -rec '*.cs |</a:t>
-            </a:r>
-          </a:p>
-          <a:p>
-            <a:pPr marL="0" indent="0">
-              <a:buNone/>
-            </a:pPr>
-            <a:r>
-              <a:rPr lang="en-US" sz="2300" dirty="0">
-                <a:solidFill>
-                  <a:srgbClr val="0070C0"/>
-                </a:solidFill>
-                <a:latin typeface="Cascadia Code" panose="020B0609020000020004" pitchFamily="49" charset="0"/>
-                <a:ea typeface="Cascadia Code" panose="020B0609020000020004" pitchFamily="49" charset="0"/>
-                <a:cs typeface="Cascadia Code" panose="020B0609020000020004" pitchFamily="49" charset="0"/>
-              </a:rPr>
-              <a:t>        </a:t>
-            </a:r>
-            <a:r>
-              <a:rPr lang="en-US" sz="2300" b="1" dirty="0" err="1">
-                <a:solidFill>
-                  <a:srgbClr val="0070C0"/>
-                </a:solidFill>
-                <a:latin typeface="Cascadia Code" panose="020B0609020000020004" pitchFamily="49" charset="0"/>
-                <a:ea typeface="Cascadia Code" panose="020B0609020000020004" pitchFamily="49" charset="0"/>
-                <a:cs typeface="Cascadia Code" panose="020B0609020000020004" pitchFamily="49" charset="0"/>
-              </a:rPr>
-              <a:t>flatmap</a:t>
-            </a:r>
-            <a:r>
-              <a:rPr lang="en-US" sz="2300" dirty="0">
-                <a:solidFill>
-                  <a:srgbClr val="0070C0"/>
-                </a:solidFill>
-                <a:latin typeface="Cascadia Code" panose="020B0609020000020004" pitchFamily="49" charset="0"/>
-                <a:ea typeface="Cascadia Code" panose="020B0609020000020004" pitchFamily="49" charset="0"/>
-                <a:cs typeface="Cascadia Code" panose="020B0609020000020004" pitchFamily="49" charset="0"/>
-              </a:rPr>
-              <a:t> (\ f -&gt;</a:t>
-            </a:r>
-          </a:p>
-          <a:p>
-            <a:pPr marL="0" indent="0">
-              <a:buNone/>
-            </a:pPr>
-            <a:r>
-              <a:rPr lang="en-US" sz="2300" dirty="0">
-                <a:solidFill>
-                  <a:srgbClr val="0070C0"/>
-                </a:solidFill>
-                <a:latin typeface="Cascadia Code" panose="020B0609020000020004" pitchFamily="49" charset="0"/>
-                <a:ea typeface="Cascadia Code" panose="020B0609020000020004" pitchFamily="49" charset="0"/>
-                <a:cs typeface="Cascadia Code" panose="020B0609020000020004" pitchFamily="49" charset="0"/>
-              </a:rPr>
-              <a:t>            (</a:t>
-            </a:r>
-            <a:r>
-              <a:rPr lang="en-US" sz="2300" b="1" dirty="0">
-                <a:solidFill>
-                  <a:srgbClr val="0070C0"/>
-                </a:solidFill>
-                <a:latin typeface="Cascadia Code" panose="020B0609020000020004" pitchFamily="49" charset="0"/>
-                <a:ea typeface="Cascadia Code" panose="020B0609020000020004" pitchFamily="49" charset="0"/>
-                <a:cs typeface="Cascadia Code" panose="020B0609020000020004" pitchFamily="49" charset="0"/>
-              </a:rPr>
-              <a:t>read-file</a:t>
-            </a:r>
-            <a:r>
-              <a:rPr lang="en-US" sz="2300" dirty="0">
-                <a:solidFill>
-                  <a:srgbClr val="0070C0"/>
-                </a:solidFill>
-                <a:latin typeface="Cascadia Code" panose="020B0609020000020004" pitchFamily="49" charset="0"/>
-                <a:ea typeface="Cascadia Code" panose="020B0609020000020004" pitchFamily="49" charset="0"/>
-                <a:cs typeface="Cascadia Code" panose="020B0609020000020004" pitchFamily="49" charset="0"/>
-              </a:rPr>
-              <a:t> (.</a:t>
-            </a:r>
-            <a:r>
-              <a:rPr lang="en-US" sz="2300" dirty="0" err="1">
-                <a:solidFill>
-                  <a:srgbClr val="0070C0"/>
-                </a:solidFill>
-                <a:latin typeface="Cascadia Code" panose="020B0609020000020004" pitchFamily="49" charset="0"/>
-                <a:ea typeface="Cascadia Code" panose="020B0609020000020004" pitchFamily="49" charset="0"/>
-                <a:cs typeface="Cascadia Code" panose="020B0609020000020004" pitchFamily="49" charset="0"/>
-              </a:rPr>
-              <a:t>fullname</a:t>
-            </a:r>
-            <a:r>
-              <a:rPr lang="en-US" sz="2300" dirty="0">
-                <a:solidFill>
-                  <a:srgbClr val="0070C0"/>
-                </a:solidFill>
-                <a:latin typeface="Cascadia Code" panose="020B0609020000020004" pitchFamily="49" charset="0"/>
-                <a:ea typeface="Cascadia Code" panose="020B0609020000020004" pitchFamily="49" charset="0"/>
-                <a:cs typeface="Cascadia Code" panose="020B0609020000020004" pitchFamily="49" charset="0"/>
-              </a:rPr>
-              <a:t> f) #"public.*class +([a-z][a-z0-9])"</a:t>
-            </a:r>
-          </a:p>
-          <a:p>
-            <a:pPr marL="0" indent="0">
-              <a:buNone/>
-            </a:pPr>
-            <a:r>
-              <a:rPr lang="en-US" sz="2300" dirty="0">
-                <a:solidFill>
-                  <a:srgbClr val="0070C0"/>
-                </a:solidFill>
-                <a:latin typeface="Cascadia Code" panose="020B0609020000020004" pitchFamily="49" charset="0"/>
-                <a:ea typeface="Cascadia Code" panose="020B0609020000020004" pitchFamily="49" charset="0"/>
-                <a:cs typeface="Cascadia Code" panose="020B0609020000020004" pitchFamily="49" charset="0"/>
-              </a:rPr>
-              <a:t>	         (\ str -&gt;</a:t>
-            </a:r>
-          </a:p>
-          <a:p>
-            <a:pPr marL="0" indent="0">
-              <a:buNone/>
-            </a:pPr>
-            <a:r>
-              <a:rPr lang="en-US" sz="2300" dirty="0">
-                <a:solidFill>
-                  <a:srgbClr val="0070C0"/>
-                </a:solidFill>
-                <a:latin typeface="Cascadia Code" panose="020B0609020000020004" pitchFamily="49" charset="0"/>
-                <a:ea typeface="Cascadia Code" panose="020B0609020000020004" pitchFamily="49" charset="0"/>
-                <a:cs typeface="Cascadia Code" panose="020B0609020000020004" pitchFamily="49" charset="0"/>
-              </a:rPr>
-              <a:t>		        (</a:t>
-            </a:r>
-            <a:r>
-              <a:rPr lang="en-US" sz="2300" b="1" dirty="0">
-                <a:solidFill>
-                  <a:srgbClr val="0070C0"/>
-                </a:solidFill>
-                <a:latin typeface="Cascadia Code" panose="020B0609020000020004" pitchFamily="49" charset="0"/>
-                <a:ea typeface="Cascadia Code" panose="020B0609020000020004" pitchFamily="49" charset="0"/>
-                <a:cs typeface="Cascadia Code" panose="020B0609020000020004" pitchFamily="49" charset="0"/>
-              </a:rPr>
-              <a:t>re/replace </a:t>
-            </a:r>
-            <a:r>
-              <a:rPr lang="en-US" sz="2300" dirty="0">
-                <a:solidFill>
-                  <a:srgbClr val="0070C0"/>
-                </a:solidFill>
-                <a:latin typeface="Cascadia Code" panose="020B0609020000020004" pitchFamily="49" charset="0"/>
-                <a:ea typeface="Cascadia Code" panose="020B0609020000020004" pitchFamily="49" charset="0"/>
-                <a:cs typeface="Cascadia Code" panose="020B0609020000020004" pitchFamily="49" charset="0"/>
-              </a:rPr>
-              <a:t>str</a:t>
-            </a:r>
-          </a:p>
-          <a:p>
-            <a:pPr marL="0" indent="0">
-              <a:buNone/>
-            </a:pPr>
-            <a:r>
-              <a:rPr lang="en-US" sz="2300" dirty="0">
-                <a:solidFill>
-                  <a:srgbClr val="0070C0"/>
-                </a:solidFill>
-                <a:latin typeface="Cascadia Code" panose="020B0609020000020004" pitchFamily="49" charset="0"/>
-                <a:ea typeface="Cascadia Code" panose="020B0609020000020004" pitchFamily="49" charset="0"/>
-                <a:cs typeface="Cascadia Code" panose="020B0609020000020004" pitchFamily="49" charset="0"/>
-              </a:rPr>
-              <a:t>                         #"^.*class +([a-z][a-z0-9]*).*$" "$1")))) |</a:t>
-            </a:r>
-          </a:p>
-          <a:p>
-            <a:pPr marL="0" indent="0">
-              <a:buNone/>
-            </a:pPr>
-            <a:r>
-              <a:rPr lang="en-US" sz="2300" dirty="0">
-                <a:solidFill>
-                  <a:srgbClr val="0070C0"/>
-                </a:solidFill>
-                <a:latin typeface="Cascadia Code" panose="020B0609020000020004" pitchFamily="49" charset="0"/>
-                <a:ea typeface="Cascadia Code" panose="020B0609020000020004" pitchFamily="49" charset="0"/>
-                <a:cs typeface="Cascadia Code" panose="020B0609020000020004" pitchFamily="49" charset="0"/>
-              </a:rPr>
-              <a:t>                             </a:t>
-            </a:r>
-            <a:r>
-              <a:rPr lang="en-US" sz="2300" b="1" dirty="0">
-                <a:solidFill>
-                  <a:srgbClr val="0070C0"/>
-                </a:solidFill>
-                <a:latin typeface="Cascadia Code" panose="020B0609020000020004" pitchFamily="49" charset="0"/>
-                <a:ea typeface="Cascadia Code" panose="020B0609020000020004" pitchFamily="49" charset="0"/>
-                <a:cs typeface="Cascadia Code" panose="020B0609020000020004" pitchFamily="49" charset="0"/>
-              </a:rPr>
-              <a:t>sort</a:t>
-            </a:r>
-            <a:r>
-              <a:rPr lang="en-US" sz="2300" dirty="0">
-                <a:solidFill>
-                  <a:srgbClr val="0070C0"/>
-                </a:solidFill>
-                <a:latin typeface="Cascadia Code" panose="020B0609020000020004" pitchFamily="49" charset="0"/>
-                <a:ea typeface="Cascadia Code" panose="020B0609020000020004" pitchFamily="49" charset="0"/>
-                <a:cs typeface="Cascadia Code" panose="020B0609020000020004" pitchFamily="49" charset="0"/>
-              </a:rPr>
-              <a:t> -descending)</a:t>
-            </a:r>
-            <a:endParaRPr lang="en-US" sz="2300" dirty="0">
+              <a:t>ls | group .extension .count</a:t>
+            </a:r>
+            <a:endParaRPr lang="en-US" sz="2100" dirty="0">
               <a:solidFill>
                 <a:srgbClr val="0070C0"/>
               </a:solidFill>
             </a:endParaRPr>
+          </a:p>
+          <a:p>
+            <a:r>
+              <a:rPr lang="en-US" dirty="0">
+                <a:ea typeface="Cascadia Code" panose="020B0609020000020004" pitchFamily="49" charset="0"/>
+                <a:cs typeface="Cascadia Code" panose="020B0609020000020004" pitchFamily="49" charset="0"/>
+              </a:rPr>
+              <a:t>Skipping files without extensions</a:t>
+            </a:r>
+          </a:p>
+          <a:p>
+            <a:pPr marL="0" indent="0">
+              <a:buNone/>
+            </a:pPr>
+            <a:r>
+              <a:rPr lang="en-US" sz="3600" dirty="0">
+                <a:latin typeface="Cascadia Code" panose="020B0609020000020004" pitchFamily="49" charset="0"/>
+                <a:ea typeface="Cascadia Code" panose="020B0609020000020004" pitchFamily="49" charset="0"/>
+                <a:cs typeface="Cascadia Code" panose="020B0609020000020004" pitchFamily="49" charset="0"/>
+              </a:rPr>
+              <a:t>    </a:t>
+            </a:r>
+            <a:r>
+              <a:rPr lang="en-US" sz="2100" dirty="0">
+                <a:solidFill>
+                  <a:srgbClr val="0070C0"/>
+                </a:solidFill>
+                <a:latin typeface="Cascadia Code" panose="020B0609020000020004" pitchFamily="49" charset="0"/>
+                <a:ea typeface="Cascadia Code" panose="020B0609020000020004" pitchFamily="49" charset="0"/>
+                <a:cs typeface="Cascadia Code" panose="020B0609020000020004" pitchFamily="49" charset="0"/>
+              </a:rPr>
+              <a:t>ls | where .extension | group .extension count</a:t>
+            </a:r>
+          </a:p>
+          <a:p>
+            <a:r>
+              <a:rPr lang="en-US" dirty="0">
+                <a:ea typeface="Cascadia Code" panose="020B0609020000020004" pitchFamily="49" charset="0"/>
+                <a:cs typeface="Cascadia Code" panose="020B0609020000020004" pitchFamily="49" charset="0"/>
+              </a:rPr>
+              <a:t>Or</a:t>
+            </a:r>
+          </a:p>
+          <a:p>
+            <a:pPr marL="0" indent="0">
+              <a:buNone/>
+            </a:pPr>
+            <a:r>
+              <a:rPr lang="en-US" sz="3600" dirty="0">
+                <a:latin typeface="Cascadia Code" panose="020B0609020000020004" pitchFamily="49" charset="0"/>
+                <a:ea typeface="Cascadia Code" panose="020B0609020000020004" pitchFamily="49" charset="0"/>
+                <a:cs typeface="Cascadia Code" panose="020B0609020000020004" pitchFamily="49" charset="0"/>
+              </a:rPr>
+              <a:t>    </a:t>
+            </a:r>
+            <a:r>
+              <a:rPr lang="en-US" sz="2100" dirty="0">
+                <a:solidFill>
+                  <a:srgbClr val="0070C0"/>
+                </a:solidFill>
+                <a:latin typeface="Cascadia Code" panose="020B0609020000020004" pitchFamily="49" charset="0"/>
+                <a:ea typeface="Cascadia Code" panose="020B0609020000020004" pitchFamily="49" charset="0"/>
+                <a:cs typeface="Cascadia Code" panose="020B0609020000020004" pitchFamily="49" charset="0"/>
+              </a:rPr>
+              <a:t>ls | map .extension | group echo count</a:t>
+            </a:r>
+          </a:p>
+          <a:p>
+            <a:r>
+              <a:rPr lang="en-US" dirty="0">
+                <a:ea typeface="Cascadia Code" panose="020B0609020000020004" pitchFamily="49" charset="0"/>
+                <a:cs typeface="Cascadia Code" panose="020B0609020000020004" pitchFamily="49" charset="0"/>
+              </a:rPr>
+              <a:t>Or just get a list of extensions</a:t>
+            </a:r>
+          </a:p>
+          <a:p>
+            <a:pPr marL="0" indent="0">
+              <a:buNone/>
+            </a:pPr>
+            <a:r>
+              <a:rPr lang="en-US" sz="3600" dirty="0">
+                <a:latin typeface="Cascadia Code" panose="020B0609020000020004" pitchFamily="49" charset="0"/>
+                <a:ea typeface="Cascadia Code" panose="020B0609020000020004" pitchFamily="49" charset="0"/>
+                <a:cs typeface="Cascadia Code" panose="020B0609020000020004" pitchFamily="49" charset="0"/>
+              </a:rPr>
+              <a:t>    </a:t>
+            </a:r>
+            <a:r>
+              <a:rPr lang="en-US" sz="2100" dirty="0">
+                <a:solidFill>
+                  <a:srgbClr val="0070C0"/>
+                </a:solidFill>
+                <a:latin typeface="Cascadia Code" panose="020B0609020000020004" pitchFamily="49" charset="0"/>
+                <a:ea typeface="Cascadia Code" panose="020B0609020000020004" pitchFamily="49" charset="0"/>
+                <a:cs typeface="Cascadia Code" panose="020B0609020000020004" pitchFamily="49" charset="0"/>
+              </a:rPr>
+              <a:t>ls | map .extension | group echo count | map .key</a:t>
+            </a:r>
           </a:p>
         </p:txBody>
       </p:sp>
     </p:spTree>
     <p:extLst>
       <p:ext uri="{BB962C8B-B14F-4D97-AF65-F5344CB8AC3E}">
-        <p14:creationId xmlns:p14="http://schemas.microsoft.com/office/powerpoint/2010/main" val="3944140152"/>
+        <p14:creationId xmlns:p14="http://schemas.microsoft.com/office/powerpoint/2010/main" val="2480154975"/>
       </p:ext>
     </p:extLst>
   </p:cSld>
@@ -11788,13 +12005,13 @@
         <p:spPr/>
         <p:txBody>
           <a:bodyPr>
-            <a:normAutofit fontScale="90000"/>
+            <a:normAutofit/>
           </a:bodyPr>
           <a:lstStyle/>
           <a:p>
             <a:r>
               <a:rPr lang="en-US" dirty="0"/>
-              <a:t>Example: Working With Processes</a:t>
+              <a:t>Example: Processing Files</a:t>
             </a:r>
             <a:endParaRPr lang="en-GB" dirty="0"/>
           </a:p>
@@ -11816,37 +12033,118 @@
             <p:ph idx="1"/>
           </p:nvPr>
         </p:nvSpPr>
-        <p:spPr/>
+        <p:spPr>
+          <a:xfrm>
+            <a:off x="838200" y="1590541"/>
+            <a:ext cx="10515600" cy="4636394"/>
+          </a:xfrm>
+        </p:spPr>
         <p:txBody>
           <a:bodyPr>
-            <a:normAutofit fontScale="70000" lnSpcReduction="20000"/>
+            <a:normAutofit fontScale="85000" lnSpcReduction="20000"/>
           </a:bodyPr>
           <a:lstStyle/>
           <a:p>
             <a:r>
-              <a:rPr lang="en-US" sz="4400" dirty="0">
-                <a:ea typeface="Cascadia Code" panose="020B0609020000020004" pitchFamily="49" charset="0"/>
-                <a:cs typeface="Cascadia Code" panose="020B0609020000020004" pitchFamily="49" charset="0"/>
-              </a:rPr>
-              <a:t>List the modules (shared libraries) imported by the most processes</a:t>
+              <a:rPr lang="en-US" dirty="0"/>
+              <a:t>Find the number of public classes in a source tree</a:t>
             </a:r>
           </a:p>
           <a:p>
             <a:pPr marL="0" indent="0">
               <a:buNone/>
             </a:pPr>
-            <a:endParaRPr lang="en-US" sz="3600" dirty="0">
+            <a:r>
+              <a:rPr lang="en-US" sz="2300" dirty="0">
+                <a:latin typeface="Cascadia Code" panose="020B0609020000020004" pitchFamily="49" charset="0"/>
+                <a:ea typeface="Cascadia Code" panose="020B0609020000020004" pitchFamily="49" charset="0"/>
+                <a:cs typeface="Cascadia Code" panose="020B0609020000020004" pitchFamily="49" charset="0"/>
+              </a:rPr>
+              <a:t>    </a:t>
+            </a:r>
+            <a:r>
+              <a:rPr lang="en-US" sz="2300" dirty="0">
+                <a:solidFill>
+                  <a:srgbClr val="0070C0"/>
+                </a:solidFill>
+                <a:latin typeface="Cascadia Code" panose="020B0609020000020004" pitchFamily="49" charset="0"/>
+                <a:ea typeface="Cascadia Code" panose="020B0609020000020004" pitchFamily="49" charset="0"/>
+                <a:cs typeface="Cascadia Code" panose="020B0609020000020004" pitchFamily="49" charset="0"/>
+              </a:rPr>
+              <a:t>(Get-</a:t>
+            </a:r>
+            <a:r>
+              <a:rPr lang="en-US" sz="2300" dirty="0" err="1">
+                <a:solidFill>
+                  <a:srgbClr val="0070C0"/>
+                </a:solidFill>
+                <a:latin typeface="Cascadia Code" panose="020B0609020000020004" pitchFamily="49" charset="0"/>
+                <a:ea typeface="Cascadia Code" panose="020B0609020000020004" pitchFamily="49" charset="0"/>
+                <a:cs typeface="Cascadia Code" panose="020B0609020000020004" pitchFamily="49" charset="0"/>
+              </a:rPr>
+              <a:t>ChildItem</a:t>
+            </a:r>
+            <a:r>
+              <a:rPr lang="en-US" sz="2300" dirty="0">
+                <a:solidFill>
+                  <a:srgbClr val="0070C0"/>
+                </a:solidFill>
+                <a:latin typeface="Cascadia Code" panose="020B0609020000020004" pitchFamily="49" charset="0"/>
+                <a:ea typeface="Cascadia Code" panose="020B0609020000020004" pitchFamily="49" charset="0"/>
+                <a:cs typeface="Cascadia Code" panose="020B0609020000020004" pitchFamily="49" charset="0"/>
+              </a:rPr>
+              <a:t> -Recurse '*.cs</a:t>
+            </a:r>
+          </a:p>
+          <a:p>
+            <a:pPr marL="0" indent="0">
+              <a:buNone/>
+            </a:pPr>
+            <a:r>
+              <a:rPr lang="en-US" sz="2300" dirty="0">
+                <a:solidFill>
+                  <a:srgbClr val="0070C0"/>
+                </a:solidFill>
+                <a:latin typeface="Cascadia Code" panose="020B0609020000020004" pitchFamily="49" charset="0"/>
+                <a:ea typeface="Cascadia Code" panose="020B0609020000020004" pitchFamily="49" charset="0"/>
+                <a:cs typeface="Cascadia Code" panose="020B0609020000020004" pitchFamily="49" charset="0"/>
+              </a:rPr>
+              <a:t>	| map (\ f -&gt; (read-file f #"public.*class" | count))</a:t>
+            </a:r>
+          </a:p>
+          <a:p>
+            <a:pPr marL="0" indent="0">
+              <a:buNone/>
+            </a:pPr>
+            <a:r>
+              <a:rPr lang="en-US" sz="2300" dirty="0">
+                <a:solidFill>
+                  <a:srgbClr val="0070C0"/>
+                </a:solidFill>
+                <a:latin typeface="Cascadia Code" panose="020B0609020000020004" pitchFamily="49" charset="0"/>
+                <a:ea typeface="Cascadia Code" panose="020B0609020000020004" pitchFamily="49" charset="0"/>
+                <a:cs typeface="Cascadia Code" panose="020B0609020000020004" pitchFamily="49" charset="0"/>
+              </a:rPr>
+              <a:t>	| sum)</a:t>
+            </a:r>
+            <a:endParaRPr lang="en-US" sz="2400" dirty="0">
               <a:latin typeface="Cascadia Code" panose="020B0609020000020004" pitchFamily="49" charset="0"/>
               <a:ea typeface="Cascadia Code" panose="020B0609020000020004" pitchFamily="49" charset="0"/>
               <a:cs typeface="Cascadia Code" panose="020B0609020000020004" pitchFamily="49" charset="0"/>
             </a:endParaRPr>
           </a:p>
           <a:p>
+            <a:r>
+              <a:rPr lang="en-US" dirty="0"/>
+              <a:t>Find the names of all the classes and sort them descending:</a:t>
+            </a:r>
+          </a:p>
+          <a:p>
             <a:pPr marL="0" indent="0">
               <a:buNone/>
             </a:pPr>
             <a:r>
-              <a:rPr lang="en-US" sz="2600" dirty="0">
+              <a:rPr lang="en-US" sz="2800" dirty="0">
                 <a:solidFill>
                   <a:srgbClr val="0070C0"/>
                 </a:solidFill>
@@ -11854,10 +12152,10 @@
                 <a:ea typeface="Cascadia Code" panose="020B0609020000020004" pitchFamily="49" charset="0"/>
                 <a:cs typeface="Cascadia Code" panose="020B0609020000020004" pitchFamily="49" charset="0"/>
               </a:rPr>
-              <a:t>(</a:t>
-            </a:r>
-            <a:r>
-              <a:rPr lang="en-US" sz="2600" b="1" dirty="0">
+              <a:t>    </a:t>
+            </a:r>
+            <a:r>
+              <a:rPr lang="en-US" sz="2300" dirty="0">
                 <a:solidFill>
                   <a:srgbClr val="0070C0"/>
                 </a:solidFill>
@@ -11865,10 +12163,15 @@
                 <a:ea typeface="Cascadia Code" panose="020B0609020000020004" pitchFamily="49" charset="0"/>
                 <a:cs typeface="Cascadia Code" panose="020B0609020000020004" pitchFamily="49" charset="0"/>
               </a:rPr>
-              <a:t>Get-Process</a:t>
-            </a:r>
-            <a:r>
-              <a:rPr lang="en-US" sz="2600" dirty="0">
+              <a:t>(ls -rec '*.cs |</a:t>
+            </a:r>
+          </a:p>
+          <a:p>
+            <a:pPr marL="0" indent="0">
+              <a:buNone/>
+            </a:pPr>
+            <a:r>
+              <a:rPr lang="en-US" sz="2300" dirty="0">
                 <a:solidFill>
                   <a:srgbClr val="0070C0"/>
                 </a:solidFill>
@@ -11876,7 +12179,29 @@
                 <a:ea typeface="Cascadia Code" panose="020B0609020000020004" pitchFamily="49" charset="0"/>
                 <a:cs typeface="Cascadia Code" panose="020B0609020000020004" pitchFamily="49" charset="0"/>
               </a:rPr>
-              <a:t> |  ; get all the processes</a:t>
+              <a:t>      </a:t>
+            </a:r>
+            <a:r>
+              <a:rPr lang="en-US" sz="2300" dirty="0" err="1">
+                <a:solidFill>
+                  <a:srgbClr val="0070C0"/>
+                </a:solidFill>
+                <a:latin typeface="Cascadia Code" panose="020B0609020000020004" pitchFamily="49" charset="0"/>
+                <a:ea typeface="Cascadia Code" panose="020B0609020000020004" pitchFamily="49" charset="0"/>
+                <a:cs typeface="Cascadia Code" panose="020B0609020000020004" pitchFamily="49" charset="0"/>
+              </a:rPr>
+              <a:t>flatmap</a:t>
+            </a:r>
+            <a:r>
+              <a:rPr lang="en-US" sz="2300" dirty="0">
+                <a:solidFill>
+                  <a:srgbClr val="0070C0"/>
+                </a:solidFill>
+                <a:latin typeface="Cascadia Code" panose="020B0609020000020004" pitchFamily="49" charset="0"/>
+                <a:ea typeface="Cascadia Code" panose="020B0609020000020004" pitchFamily="49" charset="0"/>
+                <a:cs typeface="Cascadia Code" panose="020B0609020000020004" pitchFamily="49" charset="0"/>
+              </a:rPr>
+              <a:t> (\ f -&gt;</a:t>
             </a:r>
           </a:p>
           <a:p>
@@ -11884,7 +12209,7 @@
               <a:buNone/>
             </a:pPr>
             <a:r>
-              <a:rPr lang="en-US" sz="2600" dirty="0">
+              <a:rPr lang="en-US" sz="2300" dirty="0">
                 <a:solidFill>
                   <a:srgbClr val="0070C0"/>
                 </a:solidFill>
@@ -11892,10 +12217,10 @@
                 <a:ea typeface="Cascadia Code" panose="020B0609020000020004" pitchFamily="49" charset="0"/>
                 <a:cs typeface="Cascadia Code" panose="020B0609020000020004" pitchFamily="49" charset="0"/>
               </a:rPr>
-              <a:t>    </a:t>
-            </a:r>
-            <a:r>
-              <a:rPr lang="en-US" sz="2600" b="1" dirty="0" err="1">
+              <a:t>        (read-file (.</a:t>
+            </a:r>
+            <a:r>
+              <a:rPr lang="en-US" sz="2300" dirty="0" err="1">
                 <a:solidFill>
                   <a:srgbClr val="0070C0"/>
                 </a:solidFill>
@@ -11903,10 +12228,10 @@
                 <a:ea typeface="Cascadia Code" panose="020B0609020000020004" pitchFamily="49" charset="0"/>
                 <a:cs typeface="Cascadia Code" panose="020B0609020000020004" pitchFamily="49" charset="0"/>
               </a:rPr>
-              <a:t>flatmap</a:t>
-            </a:r>
-            <a:r>
-              <a:rPr lang="en-US" sz="2600" dirty="0">
+              <a:t>fullname</a:t>
+            </a:r>
+            <a:r>
+              <a:rPr lang="en-US" sz="2300" dirty="0">
                 <a:solidFill>
                   <a:srgbClr val="0070C0"/>
                 </a:solidFill>
@@ -11914,7 +12239,7 @@
                 <a:ea typeface="Cascadia Code" panose="020B0609020000020004" pitchFamily="49" charset="0"/>
                 <a:cs typeface="Cascadia Code" panose="020B0609020000020004" pitchFamily="49" charset="0"/>
               </a:rPr>
-              <a:t> (\ p -&gt;  ; build tuples out of module names and process names</a:t>
+              <a:t> f) #"public.*class +([a-z][a-z0-9])"</a:t>
             </a:r>
           </a:p>
           <a:p>
@@ -11922,7 +12247,7 @@
               <a:buNone/>
             </a:pPr>
             <a:r>
-              <a:rPr lang="en-US" sz="2600" dirty="0">
+              <a:rPr lang="en-US" sz="2300" dirty="0">
                 <a:solidFill>
                   <a:srgbClr val="0070C0"/>
                 </a:solidFill>
@@ -11930,10 +12255,15 @@
                 <a:ea typeface="Cascadia Code" panose="020B0609020000020004" pitchFamily="49" charset="0"/>
                 <a:cs typeface="Cascadia Code" panose="020B0609020000020004" pitchFamily="49" charset="0"/>
               </a:rPr>
-              <a:t>        (.?Modules p | </a:t>
-            </a:r>
-            <a:r>
-              <a:rPr lang="en-US" sz="2600" b="1" dirty="0">
+              <a:t>	     (\ str -&gt;</a:t>
+            </a:r>
+          </a:p>
+          <a:p>
+            <a:pPr marL="0" indent="0">
+              <a:buNone/>
+            </a:pPr>
+            <a:r>
+              <a:rPr lang="en-US" sz="2300" dirty="0">
                 <a:solidFill>
                   <a:srgbClr val="0070C0"/>
                 </a:solidFill>
@@ -11941,10 +12271,15 @@
                 <a:ea typeface="Cascadia Code" panose="020B0609020000020004" pitchFamily="49" charset="0"/>
                 <a:cs typeface="Cascadia Code" panose="020B0609020000020004" pitchFamily="49" charset="0"/>
               </a:rPr>
-              <a:t>map</a:t>
-            </a:r>
-            <a:r>
-              <a:rPr lang="en-US" sz="2600" dirty="0">
+              <a:t>	       (re/replace str</a:t>
+            </a:r>
+          </a:p>
+          <a:p>
+            <a:pPr marL="0" indent="0">
+              <a:buNone/>
+            </a:pPr>
+            <a:r>
+              <a:rPr lang="en-US" sz="2300" dirty="0">
                 <a:solidFill>
                   <a:srgbClr val="0070C0"/>
                 </a:solidFill>
@@ -11952,10 +12287,15 @@
                 <a:ea typeface="Cascadia Code" panose="020B0609020000020004" pitchFamily="49" charset="0"/>
                 <a:cs typeface="Cascadia Code" panose="020B0609020000020004" pitchFamily="49" charset="0"/>
               </a:rPr>
-              <a:t> (\ m -&gt; (</a:t>
-            </a:r>
-            <a:r>
-              <a:rPr lang="en-US" sz="2600" b="1" dirty="0">
+              <a:t>               #"^.*class +([a-z][a-z0-9]*).*$" "$1")))) |</a:t>
+            </a:r>
+          </a:p>
+          <a:p>
+            <a:pPr marL="0" indent="0">
+              <a:buNone/>
+            </a:pPr>
+            <a:r>
+              <a:rPr lang="en-US" sz="2300" dirty="0">
                 <a:solidFill>
                   <a:srgbClr val="0070C0"/>
                 </a:solidFill>
@@ -11963,260 +12303,20 @@
                 <a:ea typeface="Cascadia Code" panose="020B0609020000020004" pitchFamily="49" charset="0"/>
                 <a:cs typeface="Cascadia Code" panose="020B0609020000020004" pitchFamily="49" charset="0"/>
               </a:rPr>
-              <a:t>tuple</a:t>
-            </a:r>
-            <a:r>
-              <a:rPr lang="en-US" sz="2600" dirty="0">
-                <a:solidFill>
-                  <a:srgbClr val="0070C0"/>
-                </a:solidFill>
-                <a:latin typeface="Cascadia Code" panose="020B0609020000020004" pitchFamily="49" charset="0"/>
-                <a:ea typeface="Cascadia Code" panose="020B0609020000020004" pitchFamily="49" charset="0"/>
-                <a:cs typeface="Cascadia Code" panose="020B0609020000020004" pitchFamily="49" charset="0"/>
-              </a:rPr>
-              <a:t> (.</a:t>
-            </a:r>
-            <a:r>
-              <a:rPr lang="en-US" sz="2600" dirty="0" err="1">
-                <a:solidFill>
-                  <a:srgbClr val="0070C0"/>
-                </a:solidFill>
-                <a:latin typeface="Cascadia Code" panose="020B0609020000020004" pitchFamily="49" charset="0"/>
-                <a:ea typeface="Cascadia Code" panose="020B0609020000020004" pitchFamily="49" charset="0"/>
-                <a:cs typeface="Cascadia Code" panose="020B0609020000020004" pitchFamily="49" charset="0"/>
-              </a:rPr>
-              <a:t>ModuleName</a:t>
-            </a:r>
-            <a:r>
-              <a:rPr lang="en-US" sz="2600" dirty="0">
-                <a:solidFill>
-                  <a:srgbClr val="0070C0"/>
-                </a:solidFill>
-                <a:latin typeface="Cascadia Code" panose="020B0609020000020004" pitchFamily="49" charset="0"/>
-                <a:ea typeface="Cascadia Code" panose="020B0609020000020004" pitchFamily="49" charset="0"/>
-                <a:cs typeface="Cascadia Code" panose="020B0609020000020004" pitchFamily="49" charset="0"/>
-              </a:rPr>
-              <a:t> m) (.Name p))))) |</a:t>
-            </a:r>
-          </a:p>
-          <a:p>
-            <a:pPr marL="0" indent="0">
-              <a:buNone/>
-            </a:pPr>
-            <a:r>
-              <a:rPr lang="en-US" sz="2600" dirty="0">
-                <a:solidFill>
-                  <a:srgbClr val="0070C0"/>
-                </a:solidFill>
-                <a:latin typeface="Cascadia Code" panose="020B0609020000020004" pitchFamily="49" charset="0"/>
-                <a:ea typeface="Cascadia Code" panose="020B0609020000020004" pitchFamily="49" charset="0"/>
-                <a:cs typeface="Cascadia Code" panose="020B0609020000020004" pitchFamily="49" charset="0"/>
-              </a:rPr>
-              <a:t>            ; group processes by module name distinctly</a:t>
-            </a:r>
-          </a:p>
-          <a:p>
-            <a:pPr marL="0" indent="0">
-              <a:buNone/>
-            </a:pPr>
-            <a:r>
-              <a:rPr lang="en-US" sz="2600" dirty="0">
-                <a:solidFill>
-                  <a:srgbClr val="0070C0"/>
-                </a:solidFill>
-                <a:latin typeface="Cascadia Code" panose="020B0609020000020004" pitchFamily="49" charset="0"/>
-                <a:ea typeface="Cascadia Code" panose="020B0609020000020004" pitchFamily="49" charset="0"/>
-                <a:cs typeface="Cascadia Code" panose="020B0609020000020004" pitchFamily="49" charset="0"/>
-              </a:rPr>
-              <a:t>            </a:t>
-            </a:r>
-            <a:r>
-              <a:rPr lang="en-US" sz="2600" b="1" dirty="0">
-                <a:solidFill>
-                  <a:srgbClr val="0070C0"/>
-                </a:solidFill>
-                <a:latin typeface="Cascadia Code" panose="020B0609020000020004" pitchFamily="49" charset="0"/>
-                <a:ea typeface="Cascadia Code" panose="020B0609020000020004" pitchFamily="49" charset="0"/>
-                <a:cs typeface="Cascadia Code" panose="020B0609020000020004" pitchFamily="49" charset="0"/>
-              </a:rPr>
-              <a:t>group</a:t>
-            </a:r>
-            <a:r>
-              <a:rPr lang="en-US" sz="2600" dirty="0">
-                <a:solidFill>
-                  <a:srgbClr val="0070C0"/>
-                </a:solidFill>
-                <a:latin typeface="Cascadia Code" panose="020B0609020000020004" pitchFamily="49" charset="0"/>
-                <a:ea typeface="Cascadia Code" panose="020B0609020000020004" pitchFamily="49" charset="0"/>
-                <a:cs typeface="Cascadia Code" panose="020B0609020000020004" pitchFamily="49" charset="0"/>
-              </a:rPr>
-              <a:t> .Item1 (\ e -&gt; (</a:t>
-            </a:r>
-            <a:r>
-              <a:rPr lang="en-US" sz="2600" b="1" dirty="0">
-                <a:solidFill>
-                  <a:srgbClr val="0070C0"/>
-                </a:solidFill>
-                <a:latin typeface="Cascadia Code" panose="020B0609020000020004" pitchFamily="49" charset="0"/>
-                <a:ea typeface="Cascadia Code" panose="020B0609020000020004" pitchFamily="49" charset="0"/>
-                <a:cs typeface="Cascadia Code" panose="020B0609020000020004" pitchFamily="49" charset="0"/>
-              </a:rPr>
-              <a:t>map</a:t>
-            </a:r>
-            <a:r>
-              <a:rPr lang="en-US" sz="2600" dirty="0">
-                <a:solidFill>
-                  <a:srgbClr val="0070C0"/>
-                </a:solidFill>
-                <a:latin typeface="Cascadia Code" panose="020B0609020000020004" pitchFamily="49" charset="0"/>
-                <a:ea typeface="Cascadia Code" panose="020B0609020000020004" pitchFamily="49" charset="0"/>
-                <a:cs typeface="Cascadia Code" panose="020B0609020000020004" pitchFamily="49" charset="0"/>
-              </a:rPr>
-              <a:t> e .?Item2 | </a:t>
-            </a:r>
-            <a:r>
-              <a:rPr lang="en-US" sz="2600" b="1" dirty="0">
-                <a:solidFill>
-                  <a:srgbClr val="0070C0"/>
-                </a:solidFill>
-                <a:latin typeface="Cascadia Code" panose="020B0609020000020004" pitchFamily="49" charset="0"/>
-                <a:ea typeface="Cascadia Code" panose="020B0609020000020004" pitchFamily="49" charset="0"/>
-                <a:cs typeface="Cascadia Code" panose="020B0609020000020004" pitchFamily="49" charset="0"/>
-              </a:rPr>
-              <a:t>distinct</a:t>
-            </a:r>
-            <a:r>
-              <a:rPr lang="en-US" sz="2600" dirty="0">
-                <a:solidFill>
-                  <a:srgbClr val="0070C0"/>
-                </a:solidFill>
-                <a:latin typeface="Cascadia Code" panose="020B0609020000020004" pitchFamily="49" charset="0"/>
-                <a:ea typeface="Cascadia Code" panose="020B0609020000020004" pitchFamily="49" charset="0"/>
-                <a:cs typeface="Cascadia Code" panose="020B0609020000020004" pitchFamily="49" charset="0"/>
-              </a:rPr>
-              <a:t>)) |</a:t>
-            </a:r>
-          </a:p>
-          <a:p>
-            <a:pPr marL="0" indent="0">
-              <a:buNone/>
-            </a:pPr>
-            <a:r>
-              <a:rPr lang="en-US" sz="2600" dirty="0">
-                <a:solidFill>
-                  <a:srgbClr val="0070C0"/>
-                </a:solidFill>
-                <a:latin typeface="Cascadia Code" panose="020B0609020000020004" pitchFamily="49" charset="0"/>
-                <a:ea typeface="Cascadia Code" panose="020B0609020000020004" pitchFamily="49" charset="0"/>
-                <a:cs typeface="Cascadia Code" panose="020B0609020000020004" pitchFamily="49" charset="0"/>
-              </a:rPr>
-              <a:t>                ; sort by most frequently loaded module</a:t>
-            </a:r>
-          </a:p>
-          <a:p>
-            <a:pPr marL="0" indent="0">
-              <a:buNone/>
-            </a:pPr>
-            <a:r>
-              <a:rPr lang="en-US" sz="2600" dirty="0">
-                <a:solidFill>
-                  <a:srgbClr val="0070C0"/>
-                </a:solidFill>
-                <a:latin typeface="Cascadia Code" panose="020B0609020000020004" pitchFamily="49" charset="0"/>
-                <a:ea typeface="Cascadia Code" panose="020B0609020000020004" pitchFamily="49" charset="0"/>
-                <a:cs typeface="Cascadia Code" panose="020B0609020000020004" pitchFamily="49" charset="0"/>
-              </a:rPr>
-              <a:t>                </a:t>
-            </a:r>
-            <a:r>
-              <a:rPr lang="en-US" sz="2600" b="1" dirty="0">
-                <a:solidFill>
-                  <a:srgbClr val="0070C0"/>
-                </a:solidFill>
-                <a:latin typeface="Cascadia Code" panose="020B0609020000020004" pitchFamily="49" charset="0"/>
-                <a:ea typeface="Cascadia Code" panose="020B0609020000020004" pitchFamily="49" charset="0"/>
-                <a:cs typeface="Cascadia Code" panose="020B0609020000020004" pitchFamily="49" charset="0"/>
-              </a:rPr>
-              <a:t>sort</a:t>
-            </a:r>
-            <a:r>
-              <a:rPr lang="en-US" sz="2600" dirty="0">
-                <a:solidFill>
-                  <a:srgbClr val="0070C0"/>
-                </a:solidFill>
-                <a:latin typeface="Cascadia Code" panose="020B0609020000020004" pitchFamily="49" charset="0"/>
-                <a:ea typeface="Cascadia Code" panose="020B0609020000020004" pitchFamily="49" charset="0"/>
-                <a:cs typeface="Cascadia Code" panose="020B0609020000020004" pitchFamily="49" charset="0"/>
-              </a:rPr>
-              <a:t> -descending (\ p -&gt; (.Value p | </a:t>
-            </a:r>
-            <a:r>
-              <a:rPr lang="en-US" sz="2600" b="1" dirty="0">
-                <a:solidFill>
-                  <a:srgbClr val="0070C0"/>
-                </a:solidFill>
-                <a:latin typeface="Cascadia Code" panose="020B0609020000020004" pitchFamily="49" charset="0"/>
-                <a:ea typeface="Cascadia Code" panose="020B0609020000020004" pitchFamily="49" charset="0"/>
-                <a:cs typeface="Cascadia Code" panose="020B0609020000020004" pitchFamily="49" charset="0"/>
-              </a:rPr>
-              <a:t>count</a:t>
-            </a:r>
-            <a:r>
-              <a:rPr lang="en-US" sz="2600" dirty="0">
-                <a:solidFill>
-                  <a:srgbClr val="0070C0"/>
-                </a:solidFill>
-                <a:latin typeface="Cascadia Code" panose="020B0609020000020004" pitchFamily="49" charset="0"/>
-                <a:ea typeface="Cascadia Code" panose="020B0609020000020004" pitchFamily="49" charset="0"/>
-                <a:cs typeface="Cascadia Code" panose="020B0609020000020004" pitchFamily="49" charset="0"/>
-              </a:rPr>
-              <a:t>)) |</a:t>
-            </a:r>
-          </a:p>
-          <a:p>
-            <a:pPr marL="0" indent="0">
-              <a:buNone/>
-            </a:pPr>
-            <a:r>
-              <a:rPr lang="en-US" sz="2600" dirty="0">
-                <a:solidFill>
-                  <a:srgbClr val="0070C0"/>
-                </a:solidFill>
-                <a:latin typeface="Cascadia Code" panose="020B0609020000020004" pitchFamily="49" charset="0"/>
-                <a:ea typeface="Cascadia Code" panose="020B0609020000020004" pitchFamily="49" charset="0"/>
-                <a:cs typeface="Cascadia Code" panose="020B0609020000020004" pitchFamily="49" charset="0"/>
-              </a:rPr>
-              <a:t>                    </a:t>
-            </a:r>
-            <a:r>
-              <a:rPr lang="en-US" sz="2600" b="1" dirty="0">
-                <a:solidFill>
-                  <a:srgbClr val="0070C0"/>
-                </a:solidFill>
-                <a:latin typeface="Cascadia Code" panose="020B0609020000020004" pitchFamily="49" charset="0"/>
-                <a:ea typeface="Cascadia Code" panose="020B0609020000020004" pitchFamily="49" charset="0"/>
-                <a:cs typeface="Cascadia Code" panose="020B0609020000020004" pitchFamily="49" charset="0"/>
-              </a:rPr>
-              <a:t>take</a:t>
-            </a:r>
-            <a:r>
-              <a:rPr lang="en-US" sz="2600" dirty="0">
-                <a:solidFill>
-                  <a:srgbClr val="0070C0"/>
-                </a:solidFill>
-                <a:latin typeface="Cascadia Code" panose="020B0609020000020004" pitchFamily="49" charset="0"/>
-                <a:ea typeface="Cascadia Code" panose="020B0609020000020004" pitchFamily="49" charset="0"/>
-                <a:cs typeface="Cascadia Code" panose="020B0609020000020004" pitchFamily="49" charset="0"/>
-              </a:rPr>
-              <a:t> 30)</a:t>
-            </a:r>
+              <a:t>                 sort -descending)</a:t>
+            </a:r>
+            <a:endParaRPr lang="en-US" sz="2300" dirty="0">
+              <a:solidFill>
+                <a:srgbClr val="0070C0"/>
+              </a:solidFill>
+            </a:endParaRPr>
           </a:p>
         </p:txBody>
       </p:sp>
     </p:spTree>
     <p:extLst>
       <p:ext uri="{BB962C8B-B14F-4D97-AF65-F5344CB8AC3E}">
-        <p14:creationId xmlns:p14="http://schemas.microsoft.com/office/powerpoint/2010/main" val="2908836405"/>
+        <p14:creationId xmlns:p14="http://schemas.microsoft.com/office/powerpoint/2010/main" val="3944140152"/>
       </p:ext>
     </p:extLst>
   </p:cSld>
@@ -12262,13 +12362,13 @@
         <p:spPr/>
         <p:txBody>
           <a:bodyPr>
-            <a:normAutofit/>
+            <a:normAutofit fontScale="90000"/>
           </a:bodyPr>
           <a:lstStyle/>
           <a:p>
             <a:r>
               <a:rPr lang="en-US" dirty="0"/>
-              <a:t>Example: Fibonacci Function</a:t>
+              <a:t>Example: Working With Processes</a:t>
             </a:r>
             <a:endParaRPr lang="en-GB" dirty="0"/>
           </a:p>
@@ -12290,34 +12390,42 @@
             <p:ph idx="1"/>
           </p:nvPr>
         </p:nvSpPr>
-        <p:spPr/>
+        <p:spPr>
+          <a:xfrm>
+            <a:off x="838200" y="1629177"/>
+            <a:ext cx="10515600" cy="4745865"/>
+          </a:xfrm>
+        </p:spPr>
         <p:txBody>
           <a:bodyPr>
-            <a:normAutofit fontScale="92500" lnSpcReduction="20000"/>
+            <a:normAutofit fontScale="77500" lnSpcReduction="20000"/>
           </a:bodyPr>
           <a:lstStyle/>
           <a:p>
             <a:r>
-              <a:rPr lang="en-US" dirty="0"/>
-              <a:t>Basic recursive function definition, what are “operators” in other languages are prefix functions in Braid (and LISP):</a:t>
-            </a:r>
-          </a:p>
-          <a:p>
-            <a:pPr marL="457200" lvl="1" indent="0">
+              <a:rPr lang="en-US" sz="4400" dirty="0">
+                <a:ea typeface="Cascadia Code" panose="020B0609020000020004" pitchFamily="49" charset="0"/>
+                <a:cs typeface="Cascadia Code" panose="020B0609020000020004" pitchFamily="49" charset="0"/>
+              </a:rPr>
+              <a:t>List the modules (shared libraries) imported by the most processes</a:t>
+            </a:r>
+          </a:p>
+          <a:p>
+            <a:pPr marL="0" indent="0">
               <a:buNone/>
             </a:pPr>
-            <a:endParaRPr lang="en-US" sz="2000" dirty="0">
+            <a:endParaRPr lang="en-US" sz="3600" dirty="0">
               <a:latin typeface="Cascadia Code" panose="020B0609020000020004" pitchFamily="49" charset="0"/>
               <a:ea typeface="Cascadia Code" panose="020B0609020000020004" pitchFamily="49" charset="0"/>
               <a:cs typeface="Cascadia Code" panose="020B0609020000020004" pitchFamily="49" charset="0"/>
             </a:endParaRPr>
           </a:p>
           <a:p>
-            <a:pPr marL="457200" lvl="1" indent="0">
+            <a:pPr marL="0" indent="0">
               <a:buNone/>
             </a:pPr>
             <a:r>
-              <a:rPr lang="en-US" sz="1900" dirty="0">
+              <a:rPr lang="en-US" sz="2600" dirty="0">
                 <a:solidFill>
                   <a:srgbClr val="0070C0"/>
                 </a:solidFill>
@@ -12325,10 +12433,15 @@
                 <a:ea typeface="Cascadia Code" panose="020B0609020000020004" pitchFamily="49" charset="0"/>
                 <a:cs typeface="Cascadia Code" panose="020B0609020000020004" pitchFamily="49" charset="0"/>
               </a:rPr>
-              <a:t>(</a:t>
-            </a:r>
-            <a:r>
-              <a:rPr lang="en-US" sz="1900" b="1" dirty="0" err="1">
+              <a:t>(Get-Process |  ; get all the processes</a:t>
+            </a:r>
+          </a:p>
+          <a:p>
+            <a:pPr marL="0" indent="0">
+              <a:buNone/>
+            </a:pPr>
+            <a:r>
+              <a:rPr lang="en-US" sz="2600" dirty="0">
                 <a:solidFill>
                   <a:srgbClr val="0070C0"/>
                 </a:solidFill>
@@ -12336,10 +12449,10 @@
                 <a:ea typeface="Cascadia Code" panose="020B0609020000020004" pitchFamily="49" charset="0"/>
                 <a:cs typeface="Cascadia Code" panose="020B0609020000020004" pitchFamily="49" charset="0"/>
               </a:rPr>
-              <a:t>defn</a:t>
-            </a:r>
-            <a:r>
-              <a:rPr lang="en-US" sz="1900" dirty="0">
+              <a:t>  </a:t>
+            </a:r>
+            <a:r>
+              <a:rPr lang="en-US" sz="2600" dirty="0" err="1">
                 <a:solidFill>
                   <a:srgbClr val="0070C0"/>
                 </a:solidFill>
@@ -12347,15 +12460,26 @@
                 <a:ea typeface="Cascadia Code" panose="020B0609020000020004" pitchFamily="49" charset="0"/>
                 <a:cs typeface="Cascadia Code" panose="020B0609020000020004" pitchFamily="49" charset="0"/>
               </a:rPr>
-              <a:t> fib [x] </a:t>
-            </a:r>
-          </a:p>
-          <a:p>
-            <a:pPr marL="914400" lvl="2" indent="0">
+              <a:t>flatmap</a:t>
+            </a:r>
+            <a:r>
+              <a:rPr lang="en-US" sz="2600" dirty="0">
+                <a:solidFill>
+                  <a:srgbClr val="0070C0"/>
+                </a:solidFill>
+                <a:latin typeface="Cascadia Code" panose="020B0609020000020004" pitchFamily="49" charset="0"/>
+                <a:ea typeface="Cascadia Code" panose="020B0609020000020004" pitchFamily="49" charset="0"/>
+                <a:cs typeface="Cascadia Code" panose="020B0609020000020004" pitchFamily="49" charset="0"/>
+              </a:rPr>
+              <a:t> (\ p -&gt; ; build tuples from module names and process names</a:t>
+            </a:r>
+          </a:p>
+          <a:p>
+            <a:pPr marL="0" indent="0">
               <a:buNone/>
             </a:pPr>
             <a:r>
-              <a:rPr lang="en-US" sz="1900" dirty="0">
+              <a:rPr lang="en-US" sz="2600" dirty="0">
                 <a:solidFill>
                   <a:srgbClr val="0070C0"/>
                 </a:solidFill>
@@ -12363,10 +12487,15 @@
                 <a:ea typeface="Cascadia Code" panose="020B0609020000020004" pitchFamily="49" charset="0"/>
                 <a:cs typeface="Cascadia Code" panose="020B0609020000020004" pitchFamily="49" charset="0"/>
               </a:rPr>
-              <a:t>(</a:t>
-            </a:r>
-            <a:r>
-              <a:rPr lang="en-US" sz="1900" b="1" dirty="0">
+              <a:t>    (.?Modules p |</a:t>
+            </a:r>
+          </a:p>
+          <a:p>
+            <a:pPr marL="0" indent="0">
+              <a:buNone/>
+            </a:pPr>
+            <a:r>
+              <a:rPr lang="en-US" sz="2600" dirty="0">
                 <a:solidFill>
                   <a:srgbClr val="0070C0"/>
                 </a:solidFill>
@@ -12374,10 +12503,10 @@
                 <a:ea typeface="Cascadia Code" panose="020B0609020000020004" pitchFamily="49" charset="0"/>
                 <a:cs typeface="Cascadia Code" panose="020B0609020000020004" pitchFamily="49" charset="0"/>
               </a:rPr>
-              <a:t>if</a:t>
-            </a:r>
-            <a:r>
-              <a:rPr lang="en-US" sz="1900" dirty="0">
+              <a:t>      map (\ m -&gt; (tuple (.</a:t>
+            </a:r>
+            <a:r>
+              <a:rPr lang="en-US" sz="2600" dirty="0" err="1">
                 <a:solidFill>
                   <a:srgbClr val="0070C0"/>
                 </a:solidFill>
@@ -12385,15 +12514,26 @@
                 <a:ea typeface="Cascadia Code" panose="020B0609020000020004" pitchFamily="49" charset="0"/>
                 <a:cs typeface="Cascadia Code" panose="020B0609020000020004" pitchFamily="49" charset="0"/>
               </a:rPr>
-              <a:t> (&lt; x 1)</a:t>
-            </a:r>
-          </a:p>
-          <a:p>
-            <a:pPr marL="1371600" lvl="3" indent="0">
+              <a:t>ModuleName</a:t>
+            </a:r>
+            <a:r>
+              <a:rPr lang="en-US" sz="2600" dirty="0">
+                <a:solidFill>
+                  <a:srgbClr val="0070C0"/>
+                </a:solidFill>
+                <a:latin typeface="Cascadia Code" panose="020B0609020000020004" pitchFamily="49" charset="0"/>
+                <a:ea typeface="Cascadia Code" panose="020B0609020000020004" pitchFamily="49" charset="0"/>
+                <a:cs typeface="Cascadia Code" panose="020B0609020000020004" pitchFamily="49" charset="0"/>
+              </a:rPr>
+              <a:t> m) (.Name p))))) |</a:t>
+            </a:r>
+          </a:p>
+          <a:p>
+            <a:pPr marL="0" indent="0">
               <a:buNone/>
             </a:pPr>
             <a:r>
-              <a:rPr lang="en-US" sz="1900" dirty="0">
+              <a:rPr lang="en-US" sz="2600" dirty="0">
                 <a:solidFill>
                   <a:srgbClr val="0070C0"/>
                 </a:solidFill>
@@ -12401,15 +12541,15 @@
                 <a:ea typeface="Cascadia Code" panose="020B0609020000020004" pitchFamily="49" charset="0"/>
                 <a:cs typeface="Cascadia Code" panose="020B0609020000020004" pitchFamily="49" charset="0"/>
               </a:rPr>
-              <a:t>1</a:t>
-            </a:r>
-          </a:p>
-          <a:p>
-            <a:pPr marL="1371600" lvl="3" indent="0">
+              <a:t>        ; group processes by module name distinctly</a:t>
+            </a:r>
+          </a:p>
+          <a:p>
+            <a:pPr marL="0" indent="0">
               <a:buNone/>
             </a:pPr>
             <a:r>
-              <a:rPr lang="en-US" sz="1900" dirty="0">
+              <a:rPr lang="en-US" sz="2600" dirty="0">
                 <a:solidFill>
                   <a:srgbClr val="0070C0"/>
                 </a:solidFill>
@@ -12417,41 +12557,47 @@
                 <a:ea typeface="Cascadia Code" panose="020B0609020000020004" pitchFamily="49" charset="0"/>
                 <a:cs typeface="Cascadia Code" panose="020B0609020000020004" pitchFamily="49" charset="0"/>
               </a:rPr>
-              <a:t>(+ (fib (- x 1) (fib (- x 2))))</a:t>
-            </a:r>
-          </a:p>
-          <a:p>
-            <a:pPr marL="1371600" lvl="3" indent="0">
+              <a:t>        group .Item1 (\ e -&gt; (map e .?Item2 | distinct)) |</a:t>
+            </a:r>
+          </a:p>
+          <a:p>
+            <a:pPr marL="0" indent="0">
               <a:buNone/>
             </a:pPr>
-            <a:endParaRPr lang="en-US" sz="1600" dirty="0">
-              <a:latin typeface="Cascadia Code" panose="020B0609020000020004" pitchFamily="49" charset="0"/>
-              <a:ea typeface="Cascadia Code" panose="020B0609020000020004" pitchFamily="49" charset="0"/>
-              <a:cs typeface="Cascadia Code" panose="020B0609020000020004" pitchFamily="49" charset="0"/>
-            </a:endParaRPr>
-          </a:p>
-          <a:p>
-            <a:r>
-              <a:rPr lang="en-US" dirty="0"/>
-              <a:t>Using Pattern matching:</a:t>
-            </a:r>
-          </a:p>
-          <a:p>
-            <a:pPr marL="457200" lvl="1" indent="0">
+            <a:r>
+              <a:rPr lang="en-US" sz="2600" dirty="0">
+                <a:solidFill>
+                  <a:srgbClr val="0070C0"/>
+                </a:solidFill>
+                <a:latin typeface="Cascadia Code" panose="020B0609020000020004" pitchFamily="49" charset="0"/>
+                <a:ea typeface="Cascadia Code" panose="020B0609020000020004" pitchFamily="49" charset="0"/>
+                <a:cs typeface="Cascadia Code" panose="020B0609020000020004" pitchFamily="49" charset="0"/>
+              </a:rPr>
+              <a:t>          ; sort by most frequently loaded module</a:t>
+            </a:r>
+          </a:p>
+          <a:p>
+            <a:pPr marL="0" indent="0">
               <a:buNone/>
             </a:pPr>
-            <a:endParaRPr lang="en-US" sz="1800" dirty="0">
-              <a:latin typeface="Cascadia Code" panose="020B0609020000020004" pitchFamily="49" charset="0"/>
-              <a:ea typeface="Cascadia Code" panose="020B0609020000020004" pitchFamily="49" charset="0"/>
-              <a:cs typeface="Cascadia Code" panose="020B0609020000020004" pitchFamily="49" charset="0"/>
-            </a:endParaRPr>
-          </a:p>
-          <a:p>
-            <a:pPr marL="457200" lvl="1" indent="0">
+            <a:r>
+              <a:rPr lang="en-US" sz="2600" dirty="0">
+                <a:solidFill>
+                  <a:srgbClr val="0070C0"/>
+                </a:solidFill>
+                <a:latin typeface="Cascadia Code" panose="020B0609020000020004" pitchFamily="49" charset="0"/>
+                <a:ea typeface="Cascadia Code" panose="020B0609020000020004" pitchFamily="49" charset="0"/>
+                <a:cs typeface="Cascadia Code" panose="020B0609020000020004" pitchFamily="49" charset="0"/>
+              </a:rPr>
+              <a:t>          sort -descending (\ p -&gt; (.Value p | count)) |</a:t>
+            </a:r>
+          </a:p>
+          <a:p>
+            <a:pPr marL="0" indent="0">
               <a:buNone/>
             </a:pPr>
             <a:r>
-              <a:rPr lang="en-US" sz="1900" dirty="0">
+              <a:rPr lang="en-US" sz="2600" dirty="0">
                 <a:solidFill>
                   <a:srgbClr val="0070C0"/>
                 </a:solidFill>
@@ -12459,77 +12605,7 @@
                 <a:ea typeface="Cascadia Code" panose="020B0609020000020004" pitchFamily="49" charset="0"/>
                 <a:cs typeface="Cascadia Code" panose="020B0609020000020004" pitchFamily="49" charset="0"/>
               </a:rPr>
-              <a:t>(</a:t>
-            </a:r>
-            <a:r>
-              <a:rPr lang="en-US" sz="1900" b="1" dirty="0" err="1">
-                <a:solidFill>
-                  <a:srgbClr val="0070C0"/>
-                </a:solidFill>
-                <a:latin typeface="Cascadia Code" panose="020B0609020000020004" pitchFamily="49" charset="0"/>
-                <a:ea typeface="Cascadia Code" panose="020B0609020000020004" pitchFamily="49" charset="0"/>
-                <a:cs typeface="Cascadia Code" panose="020B0609020000020004" pitchFamily="49" charset="0"/>
-              </a:rPr>
-              <a:t>defn</a:t>
-            </a:r>
-            <a:r>
-              <a:rPr lang="en-US" sz="1900" dirty="0">
-                <a:solidFill>
-                  <a:srgbClr val="0070C0"/>
-                </a:solidFill>
-                <a:latin typeface="Cascadia Code" panose="020B0609020000020004" pitchFamily="49" charset="0"/>
-                <a:ea typeface="Cascadia Code" panose="020B0609020000020004" pitchFamily="49" charset="0"/>
-                <a:cs typeface="Cascadia Code" panose="020B0609020000020004" pitchFamily="49" charset="0"/>
-              </a:rPr>
-              <a:t> fib</a:t>
-            </a:r>
-          </a:p>
-          <a:p>
-            <a:pPr marL="914400" lvl="2" indent="0">
-              <a:buNone/>
-            </a:pPr>
-            <a:r>
-              <a:rPr lang="en-US" sz="1900" dirty="0">
-                <a:solidFill>
-                  <a:srgbClr val="0070C0"/>
-                </a:solidFill>
-                <a:latin typeface="Cascadia Code" panose="020B0609020000020004" pitchFamily="49" charset="0"/>
-                <a:ea typeface="Cascadia Code" panose="020B0609020000020004" pitchFamily="49" charset="0"/>
-                <a:cs typeface="Cascadia Code" panose="020B0609020000020004" pitchFamily="49" charset="0"/>
-              </a:rPr>
-              <a:t>| 1 -&gt; 1</a:t>
-            </a:r>
-          </a:p>
-          <a:p>
-            <a:pPr marL="914400" lvl="2" indent="0">
-              <a:buNone/>
-            </a:pPr>
-            <a:r>
-              <a:rPr lang="en-US" sz="1900" dirty="0">
-                <a:solidFill>
-                  <a:srgbClr val="0070C0"/>
-                </a:solidFill>
-                <a:latin typeface="Cascadia Code" panose="020B0609020000020004" pitchFamily="49" charset="0"/>
-                <a:ea typeface="Cascadia Code" panose="020B0609020000020004" pitchFamily="49" charset="0"/>
-                <a:cs typeface="Cascadia Code" panose="020B0609020000020004" pitchFamily="49" charset="0"/>
-              </a:rPr>
-              <a:t>| 2 -&gt; 1</a:t>
-            </a:r>
-          </a:p>
-          <a:p>
-            <a:pPr marL="914400" lvl="2" indent="0">
-              <a:buNone/>
-            </a:pPr>
-            <a:r>
-              <a:rPr lang="en-US" sz="1900" dirty="0">
-                <a:solidFill>
-                  <a:srgbClr val="0070C0"/>
-                </a:solidFill>
-                <a:latin typeface="Cascadia Code" panose="020B0609020000020004" pitchFamily="49" charset="0"/>
-                <a:ea typeface="Cascadia Code" panose="020B0609020000020004" pitchFamily="49" charset="0"/>
-                <a:cs typeface="Cascadia Code" panose="020B0609020000020004" pitchFamily="49" charset="0"/>
-              </a:rPr>
-              <a:t>| n -&gt; (+ (fib (- x 1)) (fib (- x 2))))</a:t>
+              <a:t>              take 30)</a:t>
             </a:r>
           </a:p>
         </p:txBody>
@@ -12537,7 +12613,7 @@
     </p:spTree>
     <p:extLst>
       <p:ext uri="{BB962C8B-B14F-4D97-AF65-F5344CB8AC3E}">
-        <p14:creationId xmlns:p14="http://schemas.microsoft.com/office/powerpoint/2010/main" val="1779616130"/>
+        <p14:creationId xmlns:p14="http://schemas.microsoft.com/office/powerpoint/2010/main" val="2908836405"/>
       </p:ext>
     </p:extLst>
   </p:cSld>
@@ -12589,7 +12665,7 @@
           <a:p>
             <a:r>
               <a:rPr lang="en-US" dirty="0"/>
-              <a:t>Example: Windows Forms</a:t>
+              <a:t>Example: Fibonacci Function</a:t>
             </a:r>
             <a:endParaRPr lang="en-GB" dirty="0"/>
           </a:p>
@@ -12611,36 +12687,41 @@
             <p:ph idx="1"/>
           </p:nvPr>
         </p:nvSpPr>
-        <p:spPr/>
+        <p:spPr>
+          <a:xfrm>
+            <a:off x="838200" y="1825625"/>
+            <a:ext cx="10515600" cy="4517220"/>
+          </a:xfrm>
+        </p:spPr>
         <p:txBody>
           <a:bodyPr>
-            <a:noAutofit/>
+            <a:normAutofit fontScale="92500" lnSpcReduction="10000"/>
           </a:bodyPr>
           <a:lstStyle/>
           <a:p>
-            <a:pPr marL="0" indent="0">
+            <a:r>
+              <a:rPr lang="en-US" dirty="0"/>
+              <a:t>Basic recursive function definition, what are “operators” in other languages are prefix functions in Braid (and LISP):</a:t>
+            </a:r>
+          </a:p>
+          <a:p>
+            <a:pPr marL="457200" lvl="1" indent="0">
               <a:buNone/>
             </a:pPr>
-            <a:r>
-              <a:rPr lang="en-US" sz="1800" dirty="0">
-                <a:solidFill>
-                  <a:srgbClr val="346297"/>
-                </a:solidFill>
-                <a:latin typeface="Cascadia Code" panose="020B0609020000020004" pitchFamily="49" charset="0"/>
-                <a:ea typeface="Cascadia Code" panose="020B0609020000020004" pitchFamily="49" charset="0"/>
-                <a:cs typeface="Cascadia Code" panose="020B0609020000020004" pitchFamily="49" charset="0"/>
-              </a:rPr>
-              <a:t>(import-module :WinForms)</a:t>
-            </a:r>
-          </a:p>
-          <a:p>
-            <a:pPr marL="0" indent="0">
+            <a:endParaRPr lang="en-US" sz="2000" dirty="0">
+              <a:latin typeface="Cascadia Code" panose="020B0609020000020004" pitchFamily="49" charset="0"/>
+              <a:ea typeface="Cascadia Code" panose="020B0609020000020004" pitchFamily="49" charset="0"/>
+              <a:cs typeface="Cascadia Code" panose="020B0609020000020004" pitchFamily="49" charset="0"/>
+            </a:endParaRPr>
+          </a:p>
+          <a:p>
+            <a:pPr marL="457200" lvl="1" indent="0">
               <a:buNone/>
             </a:pPr>
             <a:r>
-              <a:rPr lang="en-US" sz="1800" dirty="0">
-                <a:solidFill>
-                  <a:srgbClr val="346297"/>
+              <a:rPr lang="en-US" sz="1900" dirty="0">
+                <a:solidFill>
+                  <a:srgbClr val="0070C0"/>
                 </a:solidFill>
                 <a:latin typeface="Cascadia Code" panose="020B0609020000020004" pitchFamily="49" charset="0"/>
                 <a:ea typeface="Cascadia Code" panose="020B0609020000020004" pitchFamily="49" charset="0"/>
@@ -12649,156 +12730,132 @@
               <a:t>(</a:t>
             </a:r>
             <a:r>
-              <a:rPr lang="en-US" sz="1800" b="1" dirty="0">
-                <a:solidFill>
-                  <a:srgbClr val="346297"/>
-                </a:solidFill>
-                <a:latin typeface="Cascadia Code" panose="020B0609020000020004" pitchFamily="49" charset="0"/>
-                <a:ea typeface="Cascadia Code" panose="020B0609020000020004" pitchFamily="49" charset="0"/>
-                <a:cs typeface="Cascadia Code" panose="020B0609020000020004" pitchFamily="49" charset="0"/>
-              </a:rPr>
-              <a:t>let</a:t>
-            </a:r>
-            <a:r>
-              <a:rPr lang="en-US" sz="1800" dirty="0">
-                <a:solidFill>
-                  <a:srgbClr val="346297"/>
-                </a:solidFill>
-                <a:latin typeface="Cascadia Code" panose="020B0609020000020004" pitchFamily="49" charset="0"/>
-                <a:ea typeface="Cascadia Code" panose="020B0609020000020004" pitchFamily="49" charset="0"/>
-                <a:cs typeface="Cascadia Code" panose="020B0609020000020004" pitchFamily="49" charset="0"/>
-              </a:rPr>
-              <a:t> f (</a:t>
-            </a:r>
-            <a:r>
-              <a:rPr lang="en-US" sz="1800" b="1" dirty="0">
-                <a:solidFill>
-                  <a:srgbClr val="346297"/>
-                </a:solidFill>
-                <a:latin typeface="Cascadia Code" panose="020B0609020000020004" pitchFamily="49" charset="0"/>
-                <a:ea typeface="Cascadia Code" panose="020B0609020000020004" pitchFamily="49" charset="0"/>
-                <a:cs typeface="Cascadia Code" panose="020B0609020000020004" pitchFamily="49" charset="0"/>
-              </a:rPr>
-              <a:t>new</a:t>
-            </a:r>
-            <a:r>
-              <a:rPr lang="en-US" sz="1800" dirty="0">
-                <a:solidFill>
-                  <a:srgbClr val="346297"/>
-                </a:solidFill>
-                <a:latin typeface="Cascadia Code" panose="020B0609020000020004" pitchFamily="49" charset="0"/>
-                <a:ea typeface="Cascadia Code" panose="020B0609020000020004" pitchFamily="49" charset="0"/>
-                <a:cs typeface="Cascadia Code" panose="020B0609020000020004" pitchFamily="49" charset="0"/>
-              </a:rPr>
-              <a:t> ^</a:t>
-            </a:r>
-            <a:r>
-              <a:rPr lang="en-US" sz="1800" dirty="0" err="1">
-                <a:solidFill>
-                  <a:srgbClr val="346297"/>
-                </a:solidFill>
-                <a:latin typeface="Cascadia Code" panose="020B0609020000020004" pitchFamily="49" charset="0"/>
-                <a:ea typeface="Cascadia Code" panose="020B0609020000020004" pitchFamily="49" charset="0"/>
-                <a:cs typeface="Cascadia Code" panose="020B0609020000020004" pitchFamily="49" charset="0"/>
-              </a:rPr>
-              <a:t>System.Windows.Forms.Form</a:t>
-            </a:r>
-            <a:r>
-              <a:rPr lang="en-US" sz="1800" dirty="0">
-                <a:solidFill>
-                  <a:srgbClr val="346297"/>
-                </a:solidFill>
-                <a:latin typeface="Cascadia Code" panose="020B0609020000020004" pitchFamily="49" charset="0"/>
-                <a:ea typeface="Cascadia Code" panose="020B0609020000020004" pitchFamily="49" charset="0"/>
-                <a:cs typeface="Cascadia Code" panose="020B0609020000020004" pitchFamily="49" charset="0"/>
-              </a:rPr>
-              <a:t> |</a:t>
-            </a:r>
-          </a:p>
-          <a:p>
-            <a:pPr marL="0" indent="0">
+              <a:rPr lang="en-US" sz="1900" b="1" dirty="0" err="1">
+                <a:solidFill>
+                  <a:srgbClr val="0070C0"/>
+                </a:solidFill>
+                <a:latin typeface="Cascadia Code" panose="020B0609020000020004" pitchFamily="49" charset="0"/>
+                <a:ea typeface="Cascadia Code" panose="020B0609020000020004" pitchFamily="49" charset="0"/>
+                <a:cs typeface="Cascadia Code" panose="020B0609020000020004" pitchFamily="49" charset="0"/>
+              </a:rPr>
+              <a:t>defn</a:t>
+            </a:r>
+            <a:r>
+              <a:rPr lang="en-US" sz="1900" dirty="0">
+                <a:solidFill>
+                  <a:srgbClr val="0070C0"/>
+                </a:solidFill>
+                <a:latin typeface="Cascadia Code" panose="020B0609020000020004" pitchFamily="49" charset="0"/>
+                <a:ea typeface="Cascadia Code" panose="020B0609020000020004" pitchFamily="49" charset="0"/>
+                <a:cs typeface="Cascadia Code" panose="020B0609020000020004" pitchFamily="49" charset="0"/>
+              </a:rPr>
+              <a:t> fib [x] </a:t>
+            </a:r>
+          </a:p>
+          <a:p>
+            <a:pPr marL="914400" lvl="2" indent="0">
               <a:buNone/>
             </a:pPr>
             <a:r>
-              <a:rPr lang="en-US" sz="1800" dirty="0">
-                <a:solidFill>
-                  <a:srgbClr val="346297"/>
-                </a:solidFill>
-                <a:latin typeface="Cascadia Code" panose="020B0609020000020004" pitchFamily="49" charset="0"/>
-                <a:ea typeface="Cascadia Code" panose="020B0609020000020004" pitchFamily="49" charset="0"/>
-                <a:cs typeface="Cascadia Code" panose="020B0609020000020004" pitchFamily="49" charset="0"/>
-              </a:rPr>
-              <a:t>    .Text "Hello world" |</a:t>
-            </a:r>
-          </a:p>
-          <a:p>
-            <a:pPr marL="0" indent="0">
+              <a:rPr lang="en-US" sz="1900" dirty="0">
+                <a:solidFill>
+                  <a:srgbClr val="0070C0"/>
+                </a:solidFill>
+                <a:latin typeface="Cascadia Code" panose="020B0609020000020004" pitchFamily="49" charset="0"/>
+                <a:ea typeface="Cascadia Code" panose="020B0609020000020004" pitchFamily="49" charset="0"/>
+                <a:cs typeface="Cascadia Code" panose="020B0609020000020004" pitchFamily="49" charset="0"/>
+              </a:rPr>
+              <a:t>(</a:t>
+            </a:r>
+            <a:r>
+              <a:rPr lang="en-US" sz="1900" b="1" dirty="0">
+                <a:solidFill>
+                  <a:srgbClr val="0070C0"/>
+                </a:solidFill>
+                <a:latin typeface="Cascadia Code" panose="020B0609020000020004" pitchFamily="49" charset="0"/>
+                <a:ea typeface="Cascadia Code" panose="020B0609020000020004" pitchFamily="49" charset="0"/>
+                <a:cs typeface="Cascadia Code" panose="020B0609020000020004" pitchFamily="49" charset="0"/>
+              </a:rPr>
+              <a:t>if</a:t>
+            </a:r>
+            <a:r>
+              <a:rPr lang="en-US" sz="1900" dirty="0">
+                <a:solidFill>
+                  <a:srgbClr val="0070C0"/>
+                </a:solidFill>
+                <a:latin typeface="Cascadia Code" panose="020B0609020000020004" pitchFamily="49" charset="0"/>
+                <a:ea typeface="Cascadia Code" panose="020B0609020000020004" pitchFamily="49" charset="0"/>
+                <a:cs typeface="Cascadia Code" panose="020B0609020000020004" pitchFamily="49" charset="0"/>
+              </a:rPr>
+              <a:t> (&lt; x 1)</a:t>
+            </a:r>
+          </a:p>
+          <a:p>
+            <a:pPr marL="1371600" lvl="3" indent="0">
               <a:buNone/>
             </a:pPr>
             <a:r>
-              <a:rPr lang="en-US" sz="1800" dirty="0">
-                <a:solidFill>
-                  <a:srgbClr val="346297"/>
-                </a:solidFill>
-                <a:latin typeface="Cascadia Code" panose="020B0609020000020004" pitchFamily="49" charset="0"/>
-                <a:ea typeface="Cascadia Code" panose="020B0609020000020004" pitchFamily="49" charset="0"/>
-                <a:cs typeface="Cascadia Code" panose="020B0609020000020004" pitchFamily="49" charset="0"/>
-              </a:rPr>
-              <a:t>    .</a:t>
-            </a:r>
-            <a:r>
-              <a:rPr lang="en-US" sz="1800" dirty="0" err="1">
-                <a:solidFill>
-                  <a:srgbClr val="346297"/>
-                </a:solidFill>
-                <a:latin typeface="Cascadia Code" panose="020B0609020000020004" pitchFamily="49" charset="0"/>
-                <a:ea typeface="Cascadia Code" panose="020B0609020000020004" pitchFamily="49" charset="0"/>
-                <a:cs typeface="Cascadia Code" panose="020B0609020000020004" pitchFamily="49" charset="0"/>
-              </a:rPr>
-              <a:t>BackColor</a:t>
-            </a:r>
-            <a:r>
-              <a:rPr lang="en-US" sz="1800" dirty="0">
-                <a:solidFill>
-                  <a:srgbClr val="346297"/>
-                </a:solidFill>
-                <a:latin typeface="Cascadia Code" panose="020B0609020000020004" pitchFamily="49" charset="0"/>
-                <a:ea typeface="Cascadia Code" panose="020B0609020000020004" pitchFamily="49" charset="0"/>
-                <a:cs typeface="Cascadia Code" panose="020B0609020000020004" pitchFamily="49" charset="0"/>
-              </a:rPr>
-              <a:t> .</a:t>
-            </a:r>
-            <a:r>
-              <a:rPr lang="en-US" sz="1800" dirty="0" err="1">
-                <a:solidFill>
-                  <a:srgbClr val="346297"/>
-                </a:solidFill>
-                <a:latin typeface="Cascadia Code" panose="020B0609020000020004" pitchFamily="49" charset="0"/>
-                <a:ea typeface="Cascadia Code" panose="020B0609020000020004" pitchFamily="49" charset="0"/>
-                <a:cs typeface="Cascadia Code" panose="020B0609020000020004" pitchFamily="49" charset="0"/>
-              </a:rPr>
-              <a:t>System.Drawing.Color</a:t>
-            </a:r>
-            <a:r>
-              <a:rPr lang="en-US" sz="1800" dirty="0">
-                <a:solidFill>
-                  <a:srgbClr val="346297"/>
-                </a:solidFill>
-                <a:latin typeface="Cascadia Code" panose="020B0609020000020004" pitchFamily="49" charset="0"/>
-                <a:ea typeface="Cascadia Code" panose="020B0609020000020004" pitchFamily="49" charset="0"/>
-                <a:cs typeface="Cascadia Code" panose="020B0609020000020004" pitchFamily="49" charset="0"/>
-              </a:rPr>
-              <a:t>/Green))</a:t>
-            </a:r>
-          </a:p>
-          <a:p>
-            <a:pPr marL="0" indent="0">
+              <a:rPr lang="en-US" sz="1900" dirty="0">
+                <a:solidFill>
+                  <a:srgbClr val="0070C0"/>
+                </a:solidFill>
+                <a:latin typeface="Cascadia Code" panose="020B0609020000020004" pitchFamily="49" charset="0"/>
+                <a:ea typeface="Cascadia Code" panose="020B0609020000020004" pitchFamily="49" charset="0"/>
+                <a:cs typeface="Cascadia Code" panose="020B0609020000020004" pitchFamily="49" charset="0"/>
+              </a:rPr>
+              <a:t>1</a:t>
+            </a:r>
+          </a:p>
+          <a:p>
+            <a:pPr marL="1371600" lvl="3" indent="0">
               <a:buNone/>
             </a:pPr>
             <a:r>
-              <a:rPr lang="en-US" sz="1800" dirty="0">
-                <a:solidFill>
-                  <a:srgbClr val="346297"/>
+              <a:rPr lang="en-US" sz="1900" dirty="0">
+                <a:solidFill>
+                  <a:srgbClr val="0070C0"/>
+                </a:solidFill>
+                <a:latin typeface="Cascadia Code" panose="020B0609020000020004" pitchFamily="49" charset="0"/>
+                <a:ea typeface="Cascadia Code" panose="020B0609020000020004" pitchFamily="49" charset="0"/>
+                <a:cs typeface="Cascadia Code" panose="020B0609020000020004" pitchFamily="49" charset="0"/>
+              </a:rPr>
+              <a:t>(+ (fib (- x 1) (fib (- x 2))))</a:t>
+            </a:r>
+          </a:p>
+          <a:p>
+            <a:pPr marL="1371600" lvl="3" indent="0">
+              <a:buNone/>
+            </a:pPr>
+            <a:endParaRPr lang="en-US" sz="1600" dirty="0">
+              <a:latin typeface="Cascadia Code" panose="020B0609020000020004" pitchFamily="49" charset="0"/>
+              <a:ea typeface="Cascadia Code" panose="020B0609020000020004" pitchFamily="49" charset="0"/>
+              <a:cs typeface="Cascadia Code" panose="020B0609020000020004" pitchFamily="49" charset="0"/>
+            </a:endParaRPr>
+          </a:p>
+          <a:p>
+            <a:r>
+              <a:rPr lang="en-US" dirty="0"/>
+              <a:t>Using Pattern matching:</a:t>
+            </a:r>
+          </a:p>
+          <a:p>
+            <a:pPr marL="457200" lvl="1" indent="0">
+              <a:buNone/>
+            </a:pPr>
+            <a:endParaRPr lang="en-US" sz="1800" dirty="0">
+              <a:latin typeface="Cascadia Code" panose="020B0609020000020004" pitchFamily="49" charset="0"/>
+              <a:ea typeface="Cascadia Code" panose="020B0609020000020004" pitchFamily="49" charset="0"/>
+              <a:cs typeface="Cascadia Code" panose="020B0609020000020004" pitchFamily="49" charset="0"/>
+            </a:endParaRPr>
+          </a:p>
+          <a:p>
+            <a:pPr marL="457200" lvl="1" indent="0">
+              <a:buNone/>
+            </a:pPr>
+            <a:r>
+              <a:rPr lang="en-US" sz="1900" dirty="0">
+                <a:solidFill>
+                  <a:srgbClr val="0070C0"/>
                 </a:solidFill>
                 <a:latin typeface="Cascadia Code" panose="020B0609020000020004" pitchFamily="49" charset="0"/>
                 <a:ea typeface="Cascadia Code" panose="020B0609020000020004" pitchFamily="49" charset="0"/>
@@ -12807,276 +12864,74 @@
               <a:t>(</a:t>
             </a:r>
             <a:r>
-              <a:rPr lang="en-US" sz="1800" b="1" dirty="0">
-                <a:solidFill>
-                  <a:srgbClr val="346297"/>
-                </a:solidFill>
-                <a:latin typeface="Cascadia Code" panose="020B0609020000020004" pitchFamily="49" charset="0"/>
-                <a:ea typeface="Cascadia Code" panose="020B0609020000020004" pitchFamily="49" charset="0"/>
-                <a:cs typeface="Cascadia Code" panose="020B0609020000020004" pitchFamily="49" charset="0"/>
-              </a:rPr>
-              <a:t>let</a:t>
-            </a:r>
-            <a:r>
-              <a:rPr lang="en-US" sz="1800" dirty="0">
-                <a:solidFill>
-                  <a:srgbClr val="346297"/>
-                </a:solidFill>
-                <a:latin typeface="Cascadia Code" panose="020B0609020000020004" pitchFamily="49" charset="0"/>
-                <a:ea typeface="Cascadia Code" panose="020B0609020000020004" pitchFamily="49" charset="0"/>
-                <a:cs typeface="Cascadia Code" panose="020B0609020000020004" pitchFamily="49" charset="0"/>
-              </a:rPr>
-              <a:t> b </a:t>
-            </a:r>
-          </a:p>
-          <a:p>
-            <a:pPr marL="0" indent="0">
+              <a:rPr lang="en-US" sz="1900" b="1" dirty="0" err="1">
+                <a:solidFill>
+                  <a:srgbClr val="0070C0"/>
+                </a:solidFill>
+                <a:latin typeface="Cascadia Code" panose="020B0609020000020004" pitchFamily="49" charset="0"/>
+                <a:ea typeface="Cascadia Code" panose="020B0609020000020004" pitchFamily="49" charset="0"/>
+                <a:cs typeface="Cascadia Code" panose="020B0609020000020004" pitchFamily="49" charset="0"/>
+              </a:rPr>
+              <a:t>defn</a:t>
+            </a:r>
+            <a:r>
+              <a:rPr lang="en-US" sz="1900" dirty="0">
+                <a:solidFill>
+                  <a:srgbClr val="0070C0"/>
+                </a:solidFill>
+                <a:latin typeface="Cascadia Code" panose="020B0609020000020004" pitchFamily="49" charset="0"/>
+                <a:ea typeface="Cascadia Code" panose="020B0609020000020004" pitchFamily="49" charset="0"/>
+                <a:cs typeface="Cascadia Code" panose="020B0609020000020004" pitchFamily="49" charset="0"/>
+              </a:rPr>
+              <a:t> fib</a:t>
+            </a:r>
+          </a:p>
+          <a:p>
+            <a:pPr marL="914400" lvl="2" indent="0">
               <a:buNone/>
             </a:pPr>
             <a:r>
-              <a:rPr lang="en-US" sz="1800" dirty="0">
-                <a:solidFill>
-                  <a:srgbClr val="346297"/>
-                </a:solidFill>
-                <a:latin typeface="Cascadia Code" panose="020B0609020000020004" pitchFamily="49" charset="0"/>
-                <a:ea typeface="Cascadia Code" panose="020B0609020000020004" pitchFamily="49" charset="0"/>
-                <a:cs typeface="Cascadia Code" panose="020B0609020000020004" pitchFamily="49" charset="0"/>
-              </a:rPr>
-              <a:t>    (</a:t>
-            </a:r>
-            <a:r>
-              <a:rPr lang="en-US" sz="1800" b="1" dirty="0">
-                <a:solidFill>
-                  <a:srgbClr val="346297"/>
-                </a:solidFill>
-                <a:latin typeface="Cascadia Code" panose="020B0609020000020004" pitchFamily="49" charset="0"/>
-                <a:ea typeface="Cascadia Code" panose="020B0609020000020004" pitchFamily="49" charset="0"/>
-                <a:cs typeface="Cascadia Code" panose="020B0609020000020004" pitchFamily="49" charset="0"/>
-              </a:rPr>
-              <a:t>new</a:t>
-            </a:r>
-            <a:r>
-              <a:rPr lang="en-US" sz="1800" dirty="0">
-                <a:solidFill>
-                  <a:srgbClr val="346297"/>
-                </a:solidFill>
-                <a:latin typeface="Cascadia Code" panose="020B0609020000020004" pitchFamily="49" charset="0"/>
-                <a:ea typeface="Cascadia Code" panose="020B0609020000020004" pitchFamily="49" charset="0"/>
-                <a:cs typeface="Cascadia Code" panose="020B0609020000020004" pitchFamily="49" charset="0"/>
-              </a:rPr>
-              <a:t> ^</a:t>
-            </a:r>
-            <a:r>
-              <a:rPr lang="en-US" sz="1800" dirty="0" err="1">
-                <a:solidFill>
-                  <a:srgbClr val="346297"/>
-                </a:solidFill>
-                <a:latin typeface="Cascadia Code" panose="020B0609020000020004" pitchFamily="49" charset="0"/>
-                <a:ea typeface="Cascadia Code" panose="020B0609020000020004" pitchFamily="49" charset="0"/>
-                <a:cs typeface="Cascadia Code" panose="020B0609020000020004" pitchFamily="49" charset="0"/>
-              </a:rPr>
-              <a:t>System.Windows.Forms.Button</a:t>
-            </a:r>
-            <a:r>
-              <a:rPr lang="en-US" sz="1800" dirty="0">
-                <a:solidFill>
-                  <a:srgbClr val="346297"/>
-                </a:solidFill>
-                <a:latin typeface="Cascadia Code" panose="020B0609020000020004" pitchFamily="49" charset="0"/>
-                <a:ea typeface="Cascadia Code" panose="020B0609020000020004" pitchFamily="49" charset="0"/>
-                <a:cs typeface="Cascadia Code" panose="020B0609020000020004" pitchFamily="49" charset="0"/>
-              </a:rPr>
-              <a:t> |</a:t>
-            </a:r>
-          </a:p>
-          <a:p>
-            <a:pPr marL="0" indent="0">
+              <a:rPr lang="en-US" sz="1900" dirty="0">
+                <a:solidFill>
+                  <a:srgbClr val="0070C0"/>
+                </a:solidFill>
+                <a:latin typeface="Cascadia Code" panose="020B0609020000020004" pitchFamily="49" charset="0"/>
+                <a:ea typeface="Cascadia Code" panose="020B0609020000020004" pitchFamily="49" charset="0"/>
+                <a:cs typeface="Cascadia Code" panose="020B0609020000020004" pitchFamily="49" charset="0"/>
+              </a:rPr>
+              <a:t>| 1 -&gt; 1</a:t>
+            </a:r>
+          </a:p>
+          <a:p>
+            <a:pPr marL="914400" lvl="2" indent="0">
               <a:buNone/>
             </a:pPr>
             <a:r>
-              <a:rPr lang="en-US" sz="1800" dirty="0">
-                <a:solidFill>
-                  <a:srgbClr val="346297"/>
-                </a:solidFill>
-                <a:latin typeface="Cascadia Code" panose="020B0609020000020004" pitchFamily="49" charset="0"/>
-                <a:ea typeface="Cascadia Code" panose="020B0609020000020004" pitchFamily="49" charset="0"/>
-                <a:cs typeface="Cascadia Code" panose="020B0609020000020004" pitchFamily="49" charset="0"/>
-              </a:rPr>
-              <a:t>        .Text "Push Me" |</a:t>
-            </a:r>
-          </a:p>
-          <a:p>
-            <a:pPr marL="0" indent="0">
+              <a:rPr lang="en-US" sz="1900" dirty="0">
+                <a:solidFill>
+                  <a:srgbClr val="0070C0"/>
+                </a:solidFill>
+                <a:latin typeface="Cascadia Code" panose="020B0609020000020004" pitchFamily="49" charset="0"/>
+                <a:ea typeface="Cascadia Code" panose="020B0609020000020004" pitchFamily="49" charset="0"/>
+                <a:cs typeface="Cascadia Code" panose="020B0609020000020004" pitchFamily="49" charset="0"/>
+              </a:rPr>
+              <a:t>| 2 -&gt; 1</a:t>
+            </a:r>
+          </a:p>
+          <a:p>
+            <a:pPr marL="914400" lvl="2" indent="0">
               <a:buNone/>
             </a:pPr>
             <a:r>
-              <a:rPr lang="en-US" sz="1800" dirty="0">
-                <a:solidFill>
-                  <a:srgbClr val="346297"/>
-                </a:solidFill>
-                <a:latin typeface="Cascadia Code" panose="020B0609020000020004" pitchFamily="49" charset="0"/>
-                <a:ea typeface="Cascadia Code" panose="020B0609020000020004" pitchFamily="49" charset="0"/>
-                <a:cs typeface="Cascadia Code" panose="020B0609020000020004" pitchFamily="49" charset="0"/>
-              </a:rPr>
-              <a:t>        .Dock .</a:t>
-            </a:r>
-            <a:r>
-              <a:rPr lang="en-US" sz="1800" dirty="0" err="1">
-                <a:solidFill>
-                  <a:srgbClr val="346297"/>
-                </a:solidFill>
-                <a:latin typeface="Cascadia Code" panose="020B0609020000020004" pitchFamily="49" charset="0"/>
-                <a:ea typeface="Cascadia Code" panose="020B0609020000020004" pitchFamily="49" charset="0"/>
-                <a:cs typeface="Cascadia Code" panose="020B0609020000020004" pitchFamily="49" charset="0"/>
-              </a:rPr>
-              <a:t>System.Windows.Forms.DockStyle</a:t>
-            </a:r>
-            <a:r>
-              <a:rPr lang="en-US" sz="1800" dirty="0">
-                <a:solidFill>
-                  <a:srgbClr val="346297"/>
-                </a:solidFill>
-                <a:latin typeface="Cascadia Code" panose="020B0609020000020004" pitchFamily="49" charset="0"/>
-                <a:ea typeface="Cascadia Code" panose="020B0609020000020004" pitchFamily="49" charset="0"/>
-                <a:cs typeface="Cascadia Code" panose="020B0609020000020004" pitchFamily="49" charset="0"/>
-              </a:rPr>
-              <a:t>/Fill))</a:t>
-            </a:r>
-          </a:p>
-          <a:p>
-            <a:pPr marL="0" indent="0">
-              <a:buNone/>
-            </a:pPr>
-            <a:r>
-              <a:rPr lang="en-US" sz="1800" dirty="0">
-                <a:solidFill>
-                  <a:srgbClr val="346297"/>
-                </a:solidFill>
-                <a:latin typeface="Cascadia Code" panose="020B0609020000020004" pitchFamily="49" charset="0"/>
-                <a:ea typeface="Cascadia Code" panose="020B0609020000020004" pitchFamily="49" charset="0"/>
-                <a:cs typeface="Cascadia Code" panose="020B0609020000020004" pitchFamily="49" charset="0"/>
-              </a:rPr>
-              <a:t>(.</a:t>
-            </a:r>
-            <a:r>
-              <a:rPr lang="en-US" sz="1800" dirty="0" err="1">
-                <a:solidFill>
-                  <a:srgbClr val="346297"/>
-                </a:solidFill>
-                <a:latin typeface="Cascadia Code" panose="020B0609020000020004" pitchFamily="49" charset="0"/>
-                <a:ea typeface="Cascadia Code" panose="020B0609020000020004" pitchFamily="49" charset="0"/>
-                <a:cs typeface="Cascadia Code" panose="020B0609020000020004" pitchFamily="49" charset="0"/>
-              </a:rPr>
-              <a:t>add_Click</a:t>
-            </a:r>
-            <a:r>
-              <a:rPr lang="en-US" sz="1800" dirty="0">
-                <a:solidFill>
-                  <a:srgbClr val="346297"/>
-                </a:solidFill>
-                <a:latin typeface="Cascadia Code" panose="020B0609020000020004" pitchFamily="49" charset="0"/>
-                <a:ea typeface="Cascadia Code" panose="020B0609020000020004" pitchFamily="49" charset="0"/>
-                <a:cs typeface="Cascadia Code" panose="020B0609020000020004" pitchFamily="49" charset="0"/>
-              </a:rPr>
-              <a:t> b (\ _ _ -&gt; (.</a:t>
-            </a:r>
-            <a:r>
-              <a:rPr lang="en-US" sz="1800" dirty="0" err="1">
-                <a:solidFill>
-                  <a:srgbClr val="346297"/>
-                </a:solidFill>
-                <a:latin typeface="Cascadia Code" panose="020B0609020000020004" pitchFamily="49" charset="0"/>
-                <a:ea typeface="Cascadia Code" panose="020B0609020000020004" pitchFamily="49" charset="0"/>
-                <a:cs typeface="Cascadia Code" panose="020B0609020000020004" pitchFamily="49" charset="0"/>
-              </a:rPr>
-              <a:t>backcolor</a:t>
-            </a:r>
-            <a:r>
-              <a:rPr lang="en-US" sz="1800" dirty="0">
-                <a:solidFill>
-                  <a:srgbClr val="346297"/>
-                </a:solidFill>
-                <a:latin typeface="Cascadia Code" panose="020B0609020000020004" pitchFamily="49" charset="0"/>
-                <a:ea typeface="Cascadia Code" panose="020B0609020000020004" pitchFamily="49" charset="0"/>
-                <a:cs typeface="Cascadia Code" panose="020B0609020000020004" pitchFamily="49" charset="0"/>
-              </a:rPr>
-              <a:t> f .</a:t>
-            </a:r>
-            <a:r>
-              <a:rPr lang="en-US" sz="1800" dirty="0" err="1">
-                <a:solidFill>
-                  <a:srgbClr val="346297"/>
-                </a:solidFill>
-                <a:latin typeface="Cascadia Code" panose="020B0609020000020004" pitchFamily="49" charset="0"/>
-                <a:ea typeface="Cascadia Code" panose="020B0609020000020004" pitchFamily="49" charset="0"/>
-                <a:cs typeface="Cascadia Code" panose="020B0609020000020004" pitchFamily="49" charset="0"/>
-              </a:rPr>
-              <a:t>System.Drawing.Color</a:t>
-            </a:r>
-            <a:r>
-              <a:rPr lang="en-US" sz="1800" dirty="0">
-                <a:solidFill>
-                  <a:srgbClr val="346297"/>
-                </a:solidFill>
-                <a:latin typeface="Cascadia Code" panose="020B0609020000020004" pitchFamily="49" charset="0"/>
-                <a:ea typeface="Cascadia Code" panose="020B0609020000020004" pitchFamily="49" charset="0"/>
-                <a:cs typeface="Cascadia Code" panose="020B0609020000020004" pitchFamily="49" charset="0"/>
-              </a:rPr>
-              <a:t>/Yellow)))</a:t>
-            </a:r>
-          </a:p>
-          <a:p>
-            <a:pPr marL="0" indent="0">
-              <a:buNone/>
-            </a:pPr>
-            <a:r>
-              <a:rPr lang="en-US" sz="1800" dirty="0">
-                <a:solidFill>
-                  <a:srgbClr val="346297"/>
-                </a:solidFill>
-                <a:latin typeface="Cascadia Code" panose="020B0609020000020004" pitchFamily="49" charset="0"/>
-                <a:ea typeface="Cascadia Code" panose="020B0609020000020004" pitchFamily="49" charset="0"/>
-                <a:cs typeface="Cascadia Code" panose="020B0609020000020004" pitchFamily="49" charset="0"/>
-              </a:rPr>
-              <a:t>(.Controls f | .add b)</a:t>
-            </a:r>
-          </a:p>
-          <a:p>
-            <a:pPr marL="0" indent="0">
-              <a:buNone/>
-            </a:pPr>
-            <a:r>
-              <a:rPr lang="en-US" sz="1800" dirty="0">
-                <a:solidFill>
-                  <a:srgbClr val="346297"/>
-                </a:solidFill>
-                <a:latin typeface="Cascadia Code" panose="020B0609020000020004" pitchFamily="49" charset="0"/>
-                <a:ea typeface="Cascadia Code" panose="020B0609020000020004" pitchFamily="49" charset="0"/>
-                <a:cs typeface="Cascadia Code" panose="020B0609020000020004" pitchFamily="49" charset="0"/>
-              </a:rPr>
-              <a:t>(.</a:t>
-            </a:r>
-            <a:r>
-              <a:rPr lang="en-US" sz="1800" dirty="0" err="1">
-                <a:solidFill>
-                  <a:srgbClr val="346297"/>
-                </a:solidFill>
-                <a:latin typeface="Cascadia Code" panose="020B0609020000020004" pitchFamily="49" charset="0"/>
-                <a:ea typeface="Cascadia Code" panose="020B0609020000020004" pitchFamily="49" charset="0"/>
-                <a:cs typeface="Cascadia Code" panose="020B0609020000020004" pitchFamily="49" charset="0"/>
-              </a:rPr>
-              <a:t>ShowDialog</a:t>
-            </a:r>
-            <a:r>
-              <a:rPr lang="en-US" sz="1800" dirty="0">
-                <a:solidFill>
-                  <a:srgbClr val="346297"/>
-                </a:solidFill>
-                <a:latin typeface="Cascadia Code" panose="020B0609020000020004" pitchFamily="49" charset="0"/>
-                <a:ea typeface="Cascadia Code" panose="020B0609020000020004" pitchFamily="49" charset="0"/>
-                <a:cs typeface="Cascadia Code" panose="020B0609020000020004" pitchFamily="49" charset="0"/>
-              </a:rPr>
-              <a:t> f)</a:t>
+              <a:rPr lang="en-US" sz="1900" dirty="0">
+                <a:solidFill>
+                  <a:srgbClr val="0070C0"/>
+                </a:solidFill>
+                <a:latin typeface="Cascadia Code" panose="020B0609020000020004" pitchFamily="49" charset="0"/>
+                <a:ea typeface="Cascadia Code" panose="020B0609020000020004" pitchFamily="49" charset="0"/>
+                <a:cs typeface="Cascadia Code" panose="020B0609020000020004" pitchFamily="49" charset="0"/>
+              </a:rPr>
+              <a:t>| n -&gt; (+ (fib (- x 1)) (fib (- x 2))))</a:t>
             </a:r>
           </a:p>
         </p:txBody>
@@ -13084,7 +12939,7 @@
     </p:spTree>
     <p:extLst>
       <p:ext uri="{BB962C8B-B14F-4D97-AF65-F5344CB8AC3E}">
-        <p14:creationId xmlns:p14="http://schemas.microsoft.com/office/powerpoint/2010/main" val="1576366639"/>
+        <p14:creationId xmlns:p14="http://schemas.microsoft.com/office/powerpoint/2010/main" val="1779616130"/>
       </p:ext>
     </p:extLst>
   </p:cSld>
@@ -13136,7 +12991,7 @@
           <a:p>
             <a:r>
               <a:rPr lang="en-US" dirty="0"/>
-              <a:t>Example: WinForms “Simplified”</a:t>
+              <a:t>Example: Windows Forms</a:t>
             </a:r>
             <a:endParaRPr lang="en-GB" dirty="0"/>
           </a:p>
@@ -13158,7 +13013,12 @@
             <p:ph idx="1"/>
           </p:nvPr>
         </p:nvSpPr>
-        <p:spPr/>
+        <p:spPr>
+          <a:xfrm>
+            <a:off x="838200" y="1513269"/>
+            <a:ext cx="10515600" cy="4979606"/>
+          </a:xfrm>
+        </p:spPr>
         <p:txBody>
           <a:bodyPr>
             <a:noAutofit/>
@@ -13193,7 +13053,7 @@
                 <a:ea typeface="Cascadia Code" panose="020B0609020000020004" pitchFamily="49" charset="0"/>
                 <a:cs typeface="Cascadia Code" panose="020B0609020000020004" pitchFamily="49" charset="0"/>
               </a:rPr>
-              <a:t>(let b (</a:t>
+              <a:t>(let f (new ^</a:t>
             </a:r>
             <a:r>
               <a:rPr lang="en-US" sz="1800" dirty="0" err="1">
@@ -13204,7 +13064,7 @@
                 <a:ea typeface="Cascadia Code" panose="020B0609020000020004" pitchFamily="49" charset="0"/>
                 <a:cs typeface="Cascadia Code" panose="020B0609020000020004" pitchFamily="49" charset="0"/>
               </a:rPr>
-              <a:t>wf</a:t>
+              <a:t>System.Windows.Forms.Form</a:t>
             </a:r>
             <a:r>
               <a:rPr lang="en-US" sz="1800" dirty="0">
@@ -13215,7 +13075,7 @@
                 <a:ea typeface="Cascadia Code" panose="020B0609020000020004" pitchFamily="49" charset="0"/>
                 <a:cs typeface="Cascadia Code" panose="020B0609020000020004" pitchFamily="49" charset="0"/>
               </a:rPr>
-              <a:t>/button</a:t>
+              <a:t> |</a:t>
             </a:r>
           </a:p>
           <a:p>
@@ -13231,7 +13091,7 @@
                 <a:ea typeface="Cascadia Code" panose="020B0609020000020004" pitchFamily="49" charset="0"/>
                 <a:cs typeface="Cascadia Code" panose="020B0609020000020004" pitchFamily="49" charset="0"/>
               </a:rPr>
-              <a:t>          :Text "Push Me"</a:t>
+              <a:t>    .Text "Hello world" |</a:t>
             </a:r>
           </a:p>
           <a:p>
@@ -13247,7 +13107,51 @@
                 <a:ea typeface="Cascadia Code" panose="020B0609020000020004" pitchFamily="49" charset="0"/>
                 <a:cs typeface="Cascadia Code" panose="020B0609020000020004" pitchFamily="49" charset="0"/>
               </a:rPr>
-              <a:t>          :Dock "Fill"</a:t>
+              <a:t>    .</a:t>
+            </a:r>
+            <a:r>
+              <a:rPr lang="en-US" sz="1800" dirty="0" err="1">
+                <a:solidFill>
+                  <a:srgbClr val="346297"/>
+                </a:solidFill>
+                <a:latin typeface="Cascadia Code" panose="020B0609020000020004" pitchFamily="49" charset="0"/>
+                <a:ea typeface="Cascadia Code" panose="020B0609020000020004" pitchFamily="49" charset="0"/>
+                <a:cs typeface="Cascadia Code" panose="020B0609020000020004" pitchFamily="49" charset="0"/>
+              </a:rPr>
+              <a:t>BackColor</a:t>
+            </a:r>
+            <a:r>
+              <a:rPr lang="en-US" sz="1800" dirty="0">
+                <a:solidFill>
+                  <a:srgbClr val="346297"/>
+                </a:solidFill>
+                <a:latin typeface="Cascadia Code" panose="020B0609020000020004" pitchFamily="49" charset="0"/>
+                <a:ea typeface="Cascadia Code" panose="020B0609020000020004" pitchFamily="49" charset="0"/>
+                <a:cs typeface="Cascadia Code" panose="020B0609020000020004" pitchFamily="49" charset="0"/>
+              </a:rPr>
+              <a:t> .</a:t>
+            </a:r>
+            <a:r>
+              <a:rPr lang="en-US" sz="1800" dirty="0" err="1">
+                <a:solidFill>
+                  <a:srgbClr val="346297"/>
+                </a:solidFill>
+                <a:latin typeface="Cascadia Code" panose="020B0609020000020004" pitchFamily="49" charset="0"/>
+                <a:ea typeface="Cascadia Code" panose="020B0609020000020004" pitchFamily="49" charset="0"/>
+                <a:cs typeface="Cascadia Code" panose="020B0609020000020004" pitchFamily="49" charset="0"/>
+              </a:rPr>
+              <a:t>System.Drawing.Color</a:t>
+            </a:r>
+            <a:r>
+              <a:rPr lang="en-US" sz="1800" dirty="0">
+                <a:solidFill>
+                  <a:srgbClr val="346297"/>
+                </a:solidFill>
+                <a:latin typeface="Cascadia Code" panose="020B0609020000020004" pitchFamily="49" charset="0"/>
+                <a:ea typeface="Cascadia Code" panose="020B0609020000020004" pitchFamily="49" charset="0"/>
+                <a:cs typeface="Cascadia Code" panose="020B0609020000020004" pitchFamily="49" charset="0"/>
+              </a:rPr>
+              <a:t>/Green))</a:t>
             </a:r>
           </a:p>
           <a:p>
@@ -13263,7 +13167,23 @@
                 <a:ea typeface="Cascadia Code" panose="020B0609020000020004" pitchFamily="49" charset="0"/>
                 <a:cs typeface="Cascadia Code" panose="020B0609020000020004" pitchFamily="49" charset="0"/>
               </a:rPr>
-              <a:t>          :</a:t>
+              <a:t>(let b </a:t>
+            </a:r>
+          </a:p>
+          <a:p>
+            <a:pPr marL="0" indent="0">
+              <a:buNone/>
+            </a:pPr>
+            <a:r>
+              <a:rPr lang="en-US" sz="1800" dirty="0">
+                <a:solidFill>
+                  <a:srgbClr val="346297"/>
+                </a:solidFill>
+                <a:latin typeface="Cascadia Code" panose="020B0609020000020004" pitchFamily="49" charset="0"/>
+                <a:ea typeface="Cascadia Code" panose="020B0609020000020004" pitchFamily="49" charset="0"/>
+                <a:cs typeface="Cascadia Code" panose="020B0609020000020004" pitchFamily="49" charset="0"/>
+              </a:rPr>
+              <a:t>    (new ^</a:t>
             </a:r>
             <a:r>
               <a:rPr lang="en-US" sz="1800" dirty="0" err="1">
@@ -13274,7 +13194,7 @@
                 <a:ea typeface="Cascadia Code" panose="020B0609020000020004" pitchFamily="49" charset="0"/>
                 <a:cs typeface="Cascadia Code" panose="020B0609020000020004" pitchFamily="49" charset="0"/>
               </a:rPr>
-              <a:t>OnClick</a:t>
+              <a:t>System.Windows.Forms.Button</a:t>
             </a:r>
             <a:r>
               <a:rPr lang="en-US" sz="1800" dirty="0">
@@ -13285,7 +13205,7 @@
                 <a:ea typeface="Cascadia Code" panose="020B0609020000020004" pitchFamily="49" charset="0"/>
                 <a:cs typeface="Cascadia Code" panose="020B0609020000020004" pitchFamily="49" charset="0"/>
               </a:rPr>
-              <a:t> (\ _ _ -&gt;</a:t>
+              <a:t> |</a:t>
             </a:r>
           </a:p>
           <a:p>
@@ -13301,7 +13221,23 @@
                 <a:ea typeface="Cascadia Code" panose="020B0609020000020004" pitchFamily="49" charset="0"/>
                 <a:cs typeface="Cascadia Code" panose="020B0609020000020004" pitchFamily="49" charset="0"/>
               </a:rPr>
-              <a:t>              (.</a:t>
+              <a:t>        .Text "Push Me" |</a:t>
+            </a:r>
+          </a:p>
+          <a:p>
+            <a:pPr marL="0" indent="0">
+              <a:buNone/>
+            </a:pPr>
+            <a:r>
+              <a:rPr lang="en-US" sz="1800" dirty="0">
+                <a:solidFill>
+                  <a:srgbClr val="346297"/>
+                </a:solidFill>
+                <a:latin typeface="Cascadia Code" panose="020B0609020000020004" pitchFamily="49" charset="0"/>
+                <a:ea typeface="Cascadia Code" panose="020B0609020000020004" pitchFamily="49" charset="0"/>
+                <a:cs typeface="Cascadia Code" panose="020B0609020000020004" pitchFamily="49" charset="0"/>
+              </a:rPr>
+              <a:t>        .Dock .</a:t>
             </a:r>
             <a:r>
               <a:rPr lang="en-US" sz="1800" dirty="0" err="1">
@@ -13312,7 +13248,7 @@
                 <a:ea typeface="Cascadia Code" panose="020B0609020000020004" pitchFamily="49" charset="0"/>
                 <a:cs typeface="Cascadia Code" panose="020B0609020000020004" pitchFamily="49" charset="0"/>
               </a:rPr>
-              <a:t>BackColor</a:t>
+              <a:t>System.Windows.Forms.DockStyle</a:t>
             </a:r>
             <a:r>
               <a:rPr lang="en-US" sz="1800" dirty="0">
@@ -13323,6 +13259,66 @@
                 <a:ea typeface="Cascadia Code" panose="020B0609020000020004" pitchFamily="49" charset="0"/>
                 <a:cs typeface="Cascadia Code" panose="020B0609020000020004" pitchFamily="49" charset="0"/>
               </a:rPr>
+              <a:t>/Fill))</a:t>
+            </a:r>
+          </a:p>
+          <a:p>
+            <a:pPr marL="0" indent="0">
+              <a:buNone/>
+            </a:pPr>
+            <a:r>
+              <a:rPr lang="en-US" sz="1800" dirty="0">
+                <a:solidFill>
+                  <a:srgbClr val="346297"/>
+                </a:solidFill>
+                <a:latin typeface="Cascadia Code" panose="020B0609020000020004" pitchFamily="49" charset="0"/>
+                <a:ea typeface="Cascadia Code" panose="020B0609020000020004" pitchFamily="49" charset="0"/>
+                <a:cs typeface="Cascadia Code" panose="020B0609020000020004" pitchFamily="49" charset="0"/>
+              </a:rPr>
+              <a:t>(.</a:t>
+            </a:r>
+            <a:r>
+              <a:rPr lang="en-US" sz="1800" dirty="0" err="1">
+                <a:solidFill>
+                  <a:srgbClr val="346297"/>
+                </a:solidFill>
+                <a:latin typeface="Cascadia Code" panose="020B0609020000020004" pitchFamily="49" charset="0"/>
+                <a:ea typeface="Cascadia Code" panose="020B0609020000020004" pitchFamily="49" charset="0"/>
+                <a:cs typeface="Cascadia Code" panose="020B0609020000020004" pitchFamily="49" charset="0"/>
+              </a:rPr>
+              <a:t>add_Click</a:t>
+            </a:r>
+            <a:r>
+              <a:rPr lang="en-US" sz="1800" dirty="0">
+                <a:solidFill>
+                  <a:srgbClr val="346297"/>
+                </a:solidFill>
+                <a:latin typeface="Cascadia Code" panose="020B0609020000020004" pitchFamily="49" charset="0"/>
+                <a:ea typeface="Cascadia Code" panose="020B0609020000020004" pitchFamily="49" charset="0"/>
+                <a:cs typeface="Cascadia Code" panose="020B0609020000020004" pitchFamily="49" charset="0"/>
+              </a:rPr>
+              <a:t> b (\ _ _ -&gt; (.</a:t>
+            </a:r>
+            <a:r>
+              <a:rPr lang="en-US" sz="1800" dirty="0" err="1">
+                <a:solidFill>
+                  <a:srgbClr val="346297"/>
+                </a:solidFill>
+                <a:latin typeface="Cascadia Code" panose="020B0609020000020004" pitchFamily="49" charset="0"/>
+                <a:ea typeface="Cascadia Code" panose="020B0609020000020004" pitchFamily="49" charset="0"/>
+                <a:cs typeface="Cascadia Code" panose="020B0609020000020004" pitchFamily="49" charset="0"/>
+              </a:rPr>
+              <a:t>backcolor</a:t>
+            </a:r>
+            <a:r>
+              <a:rPr lang="en-US" sz="1800" dirty="0">
+                <a:solidFill>
+                  <a:srgbClr val="346297"/>
+                </a:solidFill>
+                <a:latin typeface="Cascadia Code" panose="020B0609020000020004" pitchFamily="49" charset="0"/>
+                <a:ea typeface="Cascadia Code" panose="020B0609020000020004" pitchFamily="49" charset="0"/>
+                <a:cs typeface="Cascadia Code" panose="020B0609020000020004" pitchFamily="49" charset="0"/>
+              </a:rPr>
               <a:t> f .</a:t>
             </a:r>
             <a:r>
@@ -13345,7 +13341,7 @@
                 <a:ea typeface="Cascadia Code" panose="020B0609020000020004" pitchFamily="49" charset="0"/>
                 <a:cs typeface="Cascadia Code" panose="020B0609020000020004" pitchFamily="49" charset="0"/>
               </a:rPr>
-              <a:t>/Yellow))))</a:t>
+              <a:t>/Yellow)))</a:t>
             </a:r>
           </a:p>
           <a:p>
@@ -13361,7 +13357,23 @@
                 <a:ea typeface="Cascadia Code" panose="020B0609020000020004" pitchFamily="49" charset="0"/>
                 <a:cs typeface="Cascadia Code" panose="020B0609020000020004" pitchFamily="49" charset="0"/>
               </a:rPr>
-              <a:t>(let f (</a:t>
+              <a:t>(.Controls f | .add b)</a:t>
+            </a:r>
+          </a:p>
+          <a:p>
+            <a:pPr marL="0" indent="0">
+              <a:buNone/>
+            </a:pPr>
+            <a:r>
+              <a:rPr lang="en-US" sz="1800" dirty="0">
+                <a:solidFill>
+                  <a:srgbClr val="346297"/>
+                </a:solidFill>
+                <a:latin typeface="Cascadia Code" panose="020B0609020000020004" pitchFamily="49" charset="0"/>
+                <a:ea typeface="Cascadia Code" panose="020B0609020000020004" pitchFamily="49" charset="0"/>
+                <a:cs typeface="Cascadia Code" panose="020B0609020000020004" pitchFamily="49" charset="0"/>
+              </a:rPr>
+              <a:t>(.</a:t>
             </a:r>
             <a:r>
               <a:rPr lang="en-US" sz="1800" dirty="0" err="1">
@@ -13372,7 +13384,7 @@
                 <a:ea typeface="Cascadia Code" panose="020B0609020000020004" pitchFamily="49" charset="0"/>
                 <a:cs typeface="Cascadia Code" panose="020B0609020000020004" pitchFamily="49" charset="0"/>
               </a:rPr>
-              <a:t>wf</a:t>
+              <a:t>ShowDialog</a:t>
             </a:r>
             <a:r>
               <a:rPr lang="en-US" sz="1800" dirty="0">
@@ -13383,115 +13395,7 @@
                 <a:ea typeface="Cascadia Code" panose="020B0609020000020004" pitchFamily="49" charset="0"/>
                 <a:cs typeface="Cascadia Code" panose="020B0609020000020004" pitchFamily="49" charset="0"/>
               </a:rPr>
-              <a:t>/form</a:t>
-            </a:r>
-          </a:p>
-          <a:p>
-            <a:pPr marL="0" indent="0">
-              <a:buNone/>
-            </a:pPr>
-            <a:r>
-              <a:rPr lang="en-US" sz="1800" dirty="0">
-                <a:solidFill>
-                  <a:srgbClr val="346297"/>
-                </a:solidFill>
-                <a:latin typeface="Cascadia Code" panose="020B0609020000020004" pitchFamily="49" charset="0"/>
-                <a:ea typeface="Cascadia Code" panose="020B0609020000020004" pitchFamily="49" charset="0"/>
-                <a:cs typeface="Cascadia Code" panose="020B0609020000020004" pitchFamily="49" charset="0"/>
-              </a:rPr>
-              <a:t>          :Text "Hi There"</a:t>
-            </a:r>
-          </a:p>
-          <a:p>
-            <a:pPr marL="0" indent="0">
-              <a:buNone/>
-            </a:pPr>
-            <a:r>
-              <a:rPr lang="en-US" sz="1800" dirty="0">
-                <a:solidFill>
-                  <a:srgbClr val="346297"/>
-                </a:solidFill>
-                <a:latin typeface="Cascadia Code" panose="020B0609020000020004" pitchFamily="49" charset="0"/>
-                <a:ea typeface="Cascadia Code" panose="020B0609020000020004" pitchFamily="49" charset="0"/>
-                <a:cs typeface="Cascadia Code" panose="020B0609020000020004" pitchFamily="49" charset="0"/>
-              </a:rPr>
-              <a:t>          :</a:t>
-            </a:r>
-            <a:r>
-              <a:rPr lang="en-US" sz="1800" dirty="0" err="1">
-                <a:solidFill>
-                  <a:srgbClr val="346297"/>
-                </a:solidFill>
-                <a:latin typeface="Cascadia Code" panose="020B0609020000020004" pitchFamily="49" charset="0"/>
-                <a:ea typeface="Cascadia Code" panose="020B0609020000020004" pitchFamily="49" charset="0"/>
-                <a:cs typeface="Cascadia Code" panose="020B0609020000020004" pitchFamily="49" charset="0"/>
-              </a:rPr>
-              <a:t>BackColor</a:t>
-            </a:r>
-            <a:r>
-              <a:rPr lang="en-US" sz="1800" dirty="0">
-                <a:solidFill>
-                  <a:srgbClr val="346297"/>
-                </a:solidFill>
-                <a:latin typeface="Cascadia Code" panose="020B0609020000020004" pitchFamily="49" charset="0"/>
-                <a:ea typeface="Cascadia Code" panose="020B0609020000020004" pitchFamily="49" charset="0"/>
-                <a:cs typeface="Cascadia Code" panose="020B0609020000020004" pitchFamily="49" charset="0"/>
-              </a:rPr>
-              <a:t> "Green“</a:t>
-            </a:r>
-          </a:p>
-          <a:p>
-            <a:pPr marL="0" indent="0">
-              <a:buNone/>
-            </a:pPr>
-            <a:r>
-              <a:rPr lang="en-US" sz="1800" dirty="0">
-                <a:solidFill>
-                  <a:srgbClr val="346297"/>
-                </a:solidFill>
-                <a:latin typeface="Cascadia Code" panose="020B0609020000020004" pitchFamily="49" charset="0"/>
-                <a:ea typeface="Cascadia Code" panose="020B0609020000020004" pitchFamily="49" charset="0"/>
-                <a:cs typeface="Cascadia Code" panose="020B0609020000020004" pitchFamily="49" charset="0"/>
-              </a:rPr>
-              <a:t>          :Controls [ b ]))</a:t>
-            </a:r>
-          </a:p>
-          <a:p>
-            <a:pPr marL="0" indent="0">
-              <a:buNone/>
-            </a:pPr>
-            <a:r>
-              <a:rPr lang="en-US" sz="1800" dirty="0">
-                <a:solidFill>
-                  <a:srgbClr val="346297"/>
-                </a:solidFill>
-                <a:latin typeface="Cascadia Code" panose="020B0609020000020004" pitchFamily="49" charset="0"/>
-                <a:ea typeface="Cascadia Code" panose="020B0609020000020004" pitchFamily="49" charset="0"/>
-                <a:cs typeface="Cascadia Code" panose="020B0609020000020004" pitchFamily="49" charset="0"/>
-              </a:rPr>
-              <a:t>(</a:t>
-            </a:r>
-            <a:r>
-              <a:rPr lang="en-US" sz="1800" dirty="0" err="1">
-                <a:solidFill>
-                  <a:srgbClr val="346297"/>
-                </a:solidFill>
-                <a:latin typeface="Cascadia Code" panose="020B0609020000020004" pitchFamily="49" charset="0"/>
-                <a:ea typeface="Cascadia Code" panose="020B0609020000020004" pitchFamily="49" charset="0"/>
-                <a:cs typeface="Cascadia Code" panose="020B0609020000020004" pitchFamily="49" charset="0"/>
-              </a:rPr>
-              <a:t>wf</a:t>
-            </a:r>
-            <a:r>
-              <a:rPr lang="en-US" sz="1800" dirty="0">
-                <a:solidFill>
-                  <a:srgbClr val="346297"/>
-                </a:solidFill>
-                <a:latin typeface="Cascadia Code" panose="020B0609020000020004" pitchFamily="49" charset="0"/>
-                <a:ea typeface="Cascadia Code" panose="020B0609020000020004" pitchFamily="49" charset="0"/>
-                <a:cs typeface="Cascadia Code" panose="020B0609020000020004" pitchFamily="49" charset="0"/>
-              </a:rPr>
-              <a:t>/show f)</a:t>
+              <a:t> f)</a:t>
             </a:r>
           </a:p>
         </p:txBody>
@@ -13499,7 +13403,7 @@
     </p:spTree>
     <p:extLst>
       <p:ext uri="{BB962C8B-B14F-4D97-AF65-F5344CB8AC3E}">
-        <p14:creationId xmlns:p14="http://schemas.microsoft.com/office/powerpoint/2010/main" val="3221615978"/>
+        <p14:creationId xmlns:p14="http://schemas.microsoft.com/office/powerpoint/2010/main" val="1576366639"/>
       </p:ext>
     </p:extLst>
   </p:cSld>
@@ -13748,7 +13652,7 @@
           <a:p>
             <a:r>
               <a:rPr lang="en-US" dirty="0"/>
-              <a:t>Concurrency with Async/Await</a:t>
+              <a:t>Example: WinForms “Simplified”</a:t>
             </a:r>
             <a:endParaRPr lang="en-GB" dirty="0"/>
           </a:p>
@@ -13770,30 +13674,39 @@
             <p:ph idx="1"/>
           </p:nvPr>
         </p:nvSpPr>
-        <p:spPr/>
+        <p:spPr>
+          <a:xfrm>
+            <a:off x="838200" y="1474631"/>
+            <a:ext cx="10515600" cy="5018244"/>
+          </a:xfrm>
+        </p:spPr>
         <p:txBody>
           <a:bodyPr>
             <a:noAutofit/>
           </a:bodyPr>
           <a:lstStyle/>
           <a:p>
-            <a:r>
-              <a:rPr lang="en-US" sz="3200" dirty="0"/>
-              <a:t>Let’s get 3 webpages concurrently:</a:t>
-            </a:r>
-          </a:p>
-          <a:p>
             <a:pPr marL="0" indent="0">
               <a:buNone/>
             </a:pPr>
-            <a:endParaRPr lang="en-US" sz="1400" dirty="0"/>
+            <a:r>
+              <a:rPr lang="en-US" sz="2000" dirty="0">
+                <a:solidFill>
+                  <a:srgbClr val="346297"/>
+                </a:solidFill>
+                <a:latin typeface="Cascadia Code" panose="020B0609020000020004" pitchFamily="49" charset="0"/>
+                <a:ea typeface="Cascadia Code" panose="020B0609020000020004" pitchFamily="49" charset="0"/>
+                <a:cs typeface="Cascadia Code" panose="020B0609020000020004" pitchFamily="49" charset="0"/>
+              </a:rPr>
+              <a:t>(import-module :WinForms)</a:t>
+            </a:r>
           </a:p>
           <a:p>
             <a:pPr marL="0" indent="0">
               <a:buNone/>
             </a:pPr>
             <a:r>
-              <a:rPr lang="en-US" sz="1600" dirty="0">
+              <a:rPr lang="en-US" sz="2000" dirty="0">
                 <a:solidFill>
                   <a:srgbClr val="346297"/>
                 </a:solidFill>
@@ -13801,10 +13714,286 @@
                 <a:ea typeface="Cascadia Code" panose="020B0609020000020004" pitchFamily="49" charset="0"/>
                 <a:cs typeface="Cascadia Code" panose="020B0609020000020004" pitchFamily="49" charset="0"/>
               </a:rPr>
+              <a:t>(let b (</a:t>
+            </a:r>
+            <a:r>
+              <a:rPr lang="en-US" sz="2000" dirty="0" err="1">
+                <a:solidFill>
+                  <a:srgbClr val="346297"/>
+                </a:solidFill>
+                <a:latin typeface="Cascadia Code" panose="020B0609020000020004" pitchFamily="49" charset="0"/>
+                <a:ea typeface="Cascadia Code" panose="020B0609020000020004" pitchFamily="49" charset="0"/>
+                <a:cs typeface="Cascadia Code" panose="020B0609020000020004" pitchFamily="49" charset="0"/>
+              </a:rPr>
+              <a:t>wf</a:t>
+            </a:r>
+            <a:r>
+              <a:rPr lang="en-US" sz="2000" dirty="0">
+                <a:solidFill>
+                  <a:srgbClr val="346297"/>
+                </a:solidFill>
+                <a:latin typeface="Cascadia Code" panose="020B0609020000020004" pitchFamily="49" charset="0"/>
+                <a:ea typeface="Cascadia Code" panose="020B0609020000020004" pitchFamily="49" charset="0"/>
+                <a:cs typeface="Cascadia Code" panose="020B0609020000020004" pitchFamily="49" charset="0"/>
+              </a:rPr>
+              <a:t>/button</a:t>
+            </a:r>
+          </a:p>
+          <a:p>
+            <a:pPr marL="0" indent="0">
+              <a:buNone/>
+            </a:pPr>
+            <a:r>
+              <a:rPr lang="en-US" sz="2000" dirty="0">
+                <a:solidFill>
+                  <a:srgbClr val="346297"/>
+                </a:solidFill>
+                <a:latin typeface="Cascadia Code" panose="020B0609020000020004" pitchFamily="49" charset="0"/>
+                <a:ea typeface="Cascadia Code" panose="020B0609020000020004" pitchFamily="49" charset="0"/>
+                <a:cs typeface="Cascadia Code" panose="020B0609020000020004" pitchFamily="49" charset="0"/>
+              </a:rPr>
+              <a:t>          :Text "Push Me"</a:t>
+            </a:r>
+          </a:p>
+          <a:p>
+            <a:pPr marL="0" indent="0">
+              <a:buNone/>
+            </a:pPr>
+            <a:r>
+              <a:rPr lang="en-US" sz="2000" dirty="0">
+                <a:solidFill>
+                  <a:srgbClr val="346297"/>
+                </a:solidFill>
+                <a:latin typeface="Cascadia Code" panose="020B0609020000020004" pitchFamily="49" charset="0"/>
+                <a:ea typeface="Cascadia Code" panose="020B0609020000020004" pitchFamily="49" charset="0"/>
+                <a:cs typeface="Cascadia Code" panose="020B0609020000020004" pitchFamily="49" charset="0"/>
+              </a:rPr>
+              <a:t>          :Dock "Fill"</a:t>
+            </a:r>
+          </a:p>
+          <a:p>
+            <a:pPr marL="0" indent="0">
+              <a:buNone/>
+            </a:pPr>
+            <a:r>
+              <a:rPr lang="en-US" sz="2000" dirty="0">
+                <a:solidFill>
+                  <a:srgbClr val="346297"/>
+                </a:solidFill>
+                <a:latin typeface="Cascadia Code" panose="020B0609020000020004" pitchFamily="49" charset="0"/>
+                <a:ea typeface="Cascadia Code" panose="020B0609020000020004" pitchFamily="49" charset="0"/>
+                <a:cs typeface="Cascadia Code" panose="020B0609020000020004" pitchFamily="49" charset="0"/>
+              </a:rPr>
+              <a:t>          :</a:t>
+            </a:r>
+            <a:r>
+              <a:rPr lang="en-US" sz="2000" dirty="0" err="1">
+                <a:solidFill>
+                  <a:srgbClr val="346297"/>
+                </a:solidFill>
+                <a:latin typeface="Cascadia Code" panose="020B0609020000020004" pitchFamily="49" charset="0"/>
+                <a:ea typeface="Cascadia Code" panose="020B0609020000020004" pitchFamily="49" charset="0"/>
+                <a:cs typeface="Cascadia Code" panose="020B0609020000020004" pitchFamily="49" charset="0"/>
+              </a:rPr>
+              <a:t>OnClick</a:t>
+            </a:r>
+            <a:r>
+              <a:rPr lang="en-US" sz="2000" dirty="0">
+                <a:solidFill>
+                  <a:srgbClr val="346297"/>
+                </a:solidFill>
+                <a:latin typeface="Cascadia Code" panose="020B0609020000020004" pitchFamily="49" charset="0"/>
+                <a:ea typeface="Cascadia Code" panose="020B0609020000020004" pitchFamily="49" charset="0"/>
+                <a:cs typeface="Cascadia Code" panose="020B0609020000020004" pitchFamily="49" charset="0"/>
+              </a:rPr>
+              <a:t> (\ _ _ -&gt;</a:t>
+            </a:r>
+          </a:p>
+          <a:p>
+            <a:pPr marL="0" indent="0">
+              <a:buNone/>
+            </a:pPr>
+            <a:r>
+              <a:rPr lang="en-US" sz="2000" dirty="0">
+                <a:solidFill>
+                  <a:srgbClr val="346297"/>
+                </a:solidFill>
+                <a:latin typeface="Cascadia Code" panose="020B0609020000020004" pitchFamily="49" charset="0"/>
+                <a:ea typeface="Cascadia Code" panose="020B0609020000020004" pitchFamily="49" charset="0"/>
+                <a:cs typeface="Cascadia Code" panose="020B0609020000020004" pitchFamily="49" charset="0"/>
+              </a:rPr>
+              <a:t>              (.</a:t>
+            </a:r>
+            <a:r>
+              <a:rPr lang="en-US" sz="2000" dirty="0" err="1">
+                <a:solidFill>
+                  <a:srgbClr val="346297"/>
+                </a:solidFill>
+                <a:latin typeface="Cascadia Code" panose="020B0609020000020004" pitchFamily="49" charset="0"/>
+                <a:ea typeface="Cascadia Code" panose="020B0609020000020004" pitchFamily="49" charset="0"/>
+                <a:cs typeface="Cascadia Code" panose="020B0609020000020004" pitchFamily="49" charset="0"/>
+              </a:rPr>
+              <a:t>BackColor</a:t>
+            </a:r>
+            <a:r>
+              <a:rPr lang="en-US" sz="2000" dirty="0">
+                <a:solidFill>
+                  <a:srgbClr val="346297"/>
+                </a:solidFill>
+                <a:latin typeface="Cascadia Code" panose="020B0609020000020004" pitchFamily="49" charset="0"/>
+                <a:ea typeface="Cascadia Code" panose="020B0609020000020004" pitchFamily="49" charset="0"/>
+                <a:cs typeface="Cascadia Code" panose="020B0609020000020004" pitchFamily="49" charset="0"/>
+              </a:rPr>
+              <a:t> f .</a:t>
+            </a:r>
+            <a:r>
+              <a:rPr lang="en-US" sz="2000" dirty="0" err="1">
+                <a:solidFill>
+                  <a:srgbClr val="346297"/>
+                </a:solidFill>
+                <a:latin typeface="Cascadia Code" panose="020B0609020000020004" pitchFamily="49" charset="0"/>
+                <a:ea typeface="Cascadia Code" panose="020B0609020000020004" pitchFamily="49" charset="0"/>
+                <a:cs typeface="Cascadia Code" panose="020B0609020000020004" pitchFamily="49" charset="0"/>
+              </a:rPr>
+              <a:t>System.Drawing.Color</a:t>
+            </a:r>
+            <a:r>
+              <a:rPr lang="en-US" sz="2000" dirty="0">
+                <a:solidFill>
+                  <a:srgbClr val="346297"/>
+                </a:solidFill>
+                <a:latin typeface="Cascadia Code" panose="020B0609020000020004" pitchFamily="49" charset="0"/>
+                <a:ea typeface="Cascadia Code" panose="020B0609020000020004" pitchFamily="49" charset="0"/>
+                <a:cs typeface="Cascadia Code" panose="020B0609020000020004" pitchFamily="49" charset="0"/>
+              </a:rPr>
+              <a:t>/Yellow))))</a:t>
+            </a:r>
+          </a:p>
+          <a:p>
+            <a:pPr marL="0" indent="0">
+              <a:buNone/>
+            </a:pPr>
+            <a:r>
+              <a:rPr lang="en-US" sz="2000" dirty="0">
+                <a:solidFill>
+                  <a:srgbClr val="346297"/>
+                </a:solidFill>
+                <a:latin typeface="Cascadia Code" panose="020B0609020000020004" pitchFamily="49" charset="0"/>
+                <a:ea typeface="Cascadia Code" panose="020B0609020000020004" pitchFamily="49" charset="0"/>
+                <a:cs typeface="Cascadia Code" panose="020B0609020000020004" pitchFamily="49" charset="0"/>
+              </a:rPr>
+              <a:t>(let f (</a:t>
+            </a:r>
+            <a:r>
+              <a:rPr lang="en-US" sz="2000" dirty="0" err="1">
+                <a:solidFill>
+                  <a:srgbClr val="346297"/>
+                </a:solidFill>
+                <a:latin typeface="Cascadia Code" panose="020B0609020000020004" pitchFamily="49" charset="0"/>
+                <a:ea typeface="Cascadia Code" panose="020B0609020000020004" pitchFamily="49" charset="0"/>
+                <a:cs typeface="Cascadia Code" panose="020B0609020000020004" pitchFamily="49" charset="0"/>
+              </a:rPr>
+              <a:t>wf</a:t>
+            </a:r>
+            <a:r>
+              <a:rPr lang="en-US" sz="2000" dirty="0">
+                <a:solidFill>
+                  <a:srgbClr val="346297"/>
+                </a:solidFill>
+                <a:latin typeface="Cascadia Code" panose="020B0609020000020004" pitchFamily="49" charset="0"/>
+                <a:ea typeface="Cascadia Code" panose="020B0609020000020004" pitchFamily="49" charset="0"/>
+                <a:cs typeface="Cascadia Code" panose="020B0609020000020004" pitchFamily="49" charset="0"/>
+              </a:rPr>
+              <a:t>/form</a:t>
+            </a:r>
+          </a:p>
+          <a:p>
+            <a:pPr marL="0" indent="0">
+              <a:buNone/>
+            </a:pPr>
+            <a:r>
+              <a:rPr lang="en-US" sz="2000" dirty="0">
+                <a:solidFill>
+                  <a:srgbClr val="346297"/>
+                </a:solidFill>
+                <a:latin typeface="Cascadia Code" panose="020B0609020000020004" pitchFamily="49" charset="0"/>
+                <a:ea typeface="Cascadia Code" panose="020B0609020000020004" pitchFamily="49" charset="0"/>
+                <a:cs typeface="Cascadia Code" panose="020B0609020000020004" pitchFamily="49" charset="0"/>
+              </a:rPr>
+              <a:t>          :Text "Hi There"</a:t>
+            </a:r>
+          </a:p>
+          <a:p>
+            <a:pPr marL="0" indent="0">
+              <a:buNone/>
+            </a:pPr>
+            <a:r>
+              <a:rPr lang="en-US" sz="2000" dirty="0">
+                <a:solidFill>
+                  <a:srgbClr val="346297"/>
+                </a:solidFill>
+                <a:latin typeface="Cascadia Code" panose="020B0609020000020004" pitchFamily="49" charset="0"/>
+                <a:ea typeface="Cascadia Code" panose="020B0609020000020004" pitchFamily="49" charset="0"/>
+                <a:cs typeface="Cascadia Code" panose="020B0609020000020004" pitchFamily="49" charset="0"/>
+              </a:rPr>
+              <a:t>          :</a:t>
+            </a:r>
+            <a:r>
+              <a:rPr lang="en-US" sz="2000" dirty="0" err="1">
+                <a:solidFill>
+                  <a:srgbClr val="346297"/>
+                </a:solidFill>
+                <a:latin typeface="Cascadia Code" panose="020B0609020000020004" pitchFamily="49" charset="0"/>
+                <a:ea typeface="Cascadia Code" panose="020B0609020000020004" pitchFamily="49" charset="0"/>
+                <a:cs typeface="Cascadia Code" panose="020B0609020000020004" pitchFamily="49" charset="0"/>
+              </a:rPr>
+              <a:t>BackColor</a:t>
+            </a:r>
+            <a:r>
+              <a:rPr lang="en-US" sz="2000" dirty="0">
+                <a:solidFill>
+                  <a:srgbClr val="346297"/>
+                </a:solidFill>
+                <a:latin typeface="Cascadia Code" panose="020B0609020000020004" pitchFamily="49" charset="0"/>
+                <a:ea typeface="Cascadia Code" panose="020B0609020000020004" pitchFamily="49" charset="0"/>
+                <a:cs typeface="Cascadia Code" panose="020B0609020000020004" pitchFamily="49" charset="0"/>
+              </a:rPr>
+              <a:t> "Green“</a:t>
+            </a:r>
+          </a:p>
+          <a:p>
+            <a:pPr marL="0" indent="0">
+              <a:buNone/>
+            </a:pPr>
+            <a:r>
+              <a:rPr lang="en-US" sz="2000" dirty="0">
+                <a:solidFill>
+                  <a:srgbClr val="346297"/>
+                </a:solidFill>
+                <a:latin typeface="Cascadia Code" panose="020B0609020000020004" pitchFamily="49" charset="0"/>
+                <a:ea typeface="Cascadia Code" panose="020B0609020000020004" pitchFamily="49" charset="0"/>
+                <a:cs typeface="Cascadia Code" panose="020B0609020000020004" pitchFamily="49" charset="0"/>
+              </a:rPr>
+              <a:t>          :Controls [ b ]))</a:t>
+            </a:r>
+          </a:p>
+          <a:p>
+            <a:pPr marL="0" indent="0">
+              <a:buNone/>
+            </a:pPr>
+            <a:r>
+              <a:rPr lang="en-US" sz="2000" dirty="0">
+                <a:solidFill>
+                  <a:srgbClr val="346297"/>
+                </a:solidFill>
+                <a:latin typeface="Cascadia Code" panose="020B0609020000020004" pitchFamily="49" charset="0"/>
+                <a:ea typeface="Cascadia Code" panose="020B0609020000020004" pitchFamily="49" charset="0"/>
+                <a:cs typeface="Cascadia Code" panose="020B0609020000020004" pitchFamily="49" charset="0"/>
+              </a:rPr>
               <a:t>(</a:t>
             </a:r>
             <a:r>
-              <a:rPr lang="en-US" sz="1600" b="1" dirty="0">
+              <a:rPr lang="en-US" sz="2000" dirty="0" err="1">
                 <a:solidFill>
                   <a:srgbClr val="346297"/>
                 </a:solidFill>
@@ -13812,10 +14001,10 @@
                 <a:ea typeface="Cascadia Code" panose="020B0609020000020004" pitchFamily="49" charset="0"/>
                 <a:cs typeface="Cascadia Code" panose="020B0609020000020004" pitchFamily="49" charset="0"/>
               </a:rPr>
-              <a:t>using-module</a:t>
-            </a:r>
-            <a:r>
-              <a:rPr lang="en-US" sz="1600" dirty="0">
+              <a:t>wf</a:t>
+            </a:r>
+            <a:r>
+              <a:rPr lang="en-US" sz="2000" dirty="0">
                 <a:solidFill>
                   <a:srgbClr val="346297"/>
                 </a:solidFill>
@@ -13823,517 +14012,7 @@
                 <a:ea typeface="Cascadia Code" panose="020B0609020000020004" pitchFamily="49" charset="0"/>
                 <a:cs typeface="Cascadia Code" panose="020B0609020000020004" pitchFamily="49" charset="0"/>
               </a:rPr>
-              <a:t> :http)</a:t>
-            </a:r>
-          </a:p>
-          <a:p>
-            <a:pPr marL="0" indent="0">
-              <a:buNone/>
-            </a:pPr>
-            <a:endParaRPr lang="en-US" sz="1600" dirty="0">
-              <a:solidFill>
-                <a:srgbClr val="346297"/>
-              </a:solidFill>
-              <a:latin typeface="Cascadia Code" panose="020B0609020000020004" pitchFamily="49" charset="0"/>
-              <a:ea typeface="Cascadia Code" panose="020B0609020000020004" pitchFamily="49" charset="0"/>
-              <a:cs typeface="Cascadia Code" panose="020B0609020000020004" pitchFamily="49" charset="0"/>
-            </a:endParaRPr>
-          </a:p>
-          <a:p>
-            <a:pPr marL="0" indent="0">
-              <a:buNone/>
-            </a:pPr>
-            <a:r>
-              <a:rPr lang="en-US" sz="1600" dirty="0">
-                <a:solidFill>
-                  <a:srgbClr val="346297"/>
-                </a:solidFill>
-                <a:latin typeface="Cascadia Code" panose="020B0609020000020004" pitchFamily="49" charset="0"/>
-                <a:ea typeface="Cascadia Code" panose="020B0609020000020004" pitchFamily="49" charset="0"/>
-                <a:cs typeface="Cascadia Code" panose="020B0609020000020004" pitchFamily="49" charset="0"/>
-              </a:rPr>
-              <a:t>(</a:t>
-            </a:r>
-            <a:r>
-              <a:rPr lang="en-US" sz="1600" b="1" dirty="0">
-                <a:solidFill>
-                  <a:srgbClr val="346297"/>
-                </a:solidFill>
-                <a:latin typeface="Cascadia Code" panose="020B0609020000020004" pitchFamily="49" charset="0"/>
-                <a:ea typeface="Cascadia Code" panose="020B0609020000020004" pitchFamily="49" charset="0"/>
-                <a:cs typeface="Cascadia Code" panose="020B0609020000020004" pitchFamily="49" charset="0"/>
-              </a:rPr>
-              <a:t>await</a:t>
-            </a:r>
-            <a:r>
-              <a:rPr lang="en-US" sz="1600" dirty="0">
-                <a:solidFill>
-                  <a:srgbClr val="346297"/>
-                </a:solidFill>
-                <a:latin typeface="Cascadia Code" panose="020B0609020000020004" pitchFamily="49" charset="0"/>
-                <a:ea typeface="Cascadia Code" panose="020B0609020000020004" pitchFamily="49" charset="0"/>
-                <a:cs typeface="Cascadia Code" panose="020B0609020000020004" pitchFamily="49" charset="0"/>
-              </a:rPr>
-              <a:t> </a:t>
-            </a:r>
-            <a:r>
-              <a:rPr lang="en-US" sz="1600" b="1" dirty="0">
-                <a:solidFill>
-                  <a:srgbClr val="346297"/>
-                </a:solidFill>
-                <a:latin typeface="Cascadia Code" panose="020B0609020000020004" pitchFamily="49" charset="0"/>
-                <a:ea typeface="Cascadia Code" panose="020B0609020000020004" pitchFamily="49" charset="0"/>
-                <a:cs typeface="Cascadia Code" panose="020B0609020000020004" pitchFamily="49" charset="0"/>
-              </a:rPr>
-              <a:t>[</a:t>
-            </a:r>
-          </a:p>
-          <a:p>
-            <a:pPr marL="0" indent="0">
-              <a:buNone/>
-            </a:pPr>
-            <a:r>
-              <a:rPr lang="en-US" sz="1600" dirty="0">
-                <a:solidFill>
-                  <a:srgbClr val="346297"/>
-                </a:solidFill>
-                <a:latin typeface="Cascadia Code" panose="020B0609020000020004" pitchFamily="49" charset="0"/>
-                <a:ea typeface="Cascadia Code" panose="020B0609020000020004" pitchFamily="49" charset="0"/>
-                <a:cs typeface="Cascadia Code" panose="020B0609020000020004" pitchFamily="49" charset="0"/>
-              </a:rPr>
-              <a:t>  (</a:t>
-            </a:r>
-            <a:r>
-              <a:rPr lang="en-US" sz="1600" b="1" dirty="0">
-                <a:solidFill>
-                  <a:srgbClr val="346297"/>
-                </a:solidFill>
-                <a:latin typeface="Cascadia Code" panose="020B0609020000020004" pitchFamily="49" charset="0"/>
-                <a:ea typeface="Cascadia Code" panose="020B0609020000020004" pitchFamily="49" charset="0"/>
-                <a:cs typeface="Cascadia Code" panose="020B0609020000020004" pitchFamily="49" charset="0"/>
-              </a:rPr>
-              <a:t>async</a:t>
-            </a:r>
-            <a:r>
-              <a:rPr lang="en-US" sz="1600" dirty="0">
-                <a:solidFill>
-                  <a:srgbClr val="346297"/>
-                </a:solidFill>
-                <a:latin typeface="Cascadia Code" panose="020B0609020000020004" pitchFamily="49" charset="0"/>
-                <a:ea typeface="Cascadia Code" panose="020B0609020000020004" pitchFamily="49" charset="0"/>
-                <a:cs typeface="Cascadia Code" panose="020B0609020000020004" pitchFamily="49" charset="0"/>
-              </a:rPr>
-              <a:t> (\ -&gt; (http/get "</a:t>
-            </a:r>
-            <a:r>
-              <a:rPr lang="en-US" sz="1600" dirty="0">
-                <a:solidFill>
-                  <a:srgbClr val="346297"/>
-                </a:solidFill>
-                <a:latin typeface="Cascadia Code" panose="020B0609020000020004" pitchFamily="49" charset="0"/>
-                <a:ea typeface="Cascadia Code" panose="020B0609020000020004" pitchFamily="49" charset="0"/>
-                <a:cs typeface="Cascadia Code" panose="020B0609020000020004" pitchFamily="49" charset="0"/>
-                <a:hlinkClick r:id="rId2">
-                  <a:extLst>
-                    <a:ext uri="{A12FA001-AC4F-418D-AE19-62706E023703}">
-                      <ahyp:hlinkClr xmlns:ahyp="http://schemas.microsoft.com/office/drawing/2018/hyperlinkcolor" val="tx"/>
-                    </a:ext>
-                  </a:extLst>
-                </a:hlinkClick>
-              </a:rPr>
-              <a:t>https://wikipedia.org</a:t>
-            </a:r>
-            <a:r>
-              <a:rPr lang="en-US" sz="1600" dirty="0">
-                <a:solidFill>
-                  <a:srgbClr val="346297"/>
-                </a:solidFill>
-                <a:latin typeface="Cascadia Code" panose="020B0609020000020004" pitchFamily="49" charset="0"/>
-                <a:ea typeface="Cascadia Code" panose="020B0609020000020004" pitchFamily="49" charset="0"/>
-                <a:cs typeface="Cascadia Code" panose="020B0609020000020004" pitchFamily="49" charset="0"/>
-              </a:rPr>
-              <a:t>" | </a:t>
-            </a:r>
-            <a:r>
-              <a:rPr lang="en-US" sz="1600" b="1" dirty="0">
-                <a:solidFill>
-                  <a:srgbClr val="346297"/>
-                </a:solidFill>
-                <a:latin typeface="Cascadia Code" panose="020B0609020000020004" pitchFamily="49" charset="0"/>
-                <a:ea typeface="Cascadia Code" panose="020B0609020000020004" pitchFamily="49" charset="0"/>
-                <a:cs typeface="Cascadia Code" panose="020B0609020000020004" pitchFamily="49" charset="0"/>
-              </a:rPr>
-              <a:t>re/split |</a:t>
-            </a:r>
-            <a:r>
-              <a:rPr lang="en-US" sz="1600" dirty="0">
-                <a:solidFill>
-                  <a:srgbClr val="346297"/>
-                </a:solidFill>
-                <a:latin typeface="Cascadia Code" panose="020B0609020000020004" pitchFamily="49" charset="0"/>
-                <a:ea typeface="Cascadia Code" panose="020B0609020000020004" pitchFamily="49" charset="0"/>
-                <a:cs typeface="Cascadia Code" panose="020B0609020000020004" pitchFamily="49" charset="0"/>
-              </a:rPr>
-              <a:t> </a:t>
-            </a:r>
-            <a:r>
-              <a:rPr lang="en-US" sz="1600" b="1" dirty="0">
-                <a:solidFill>
-                  <a:srgbClr val="346297"/>
-                </a:solidFill>
-                <a:latin typeface="Cascadia Code" panose="020B0609020000020004" pitchFamily="49" charset="0"/>
-                <a:ea typeface="Cascadia Code" panose="020B0609020000020004" pitchFamily="49" charset="0"/>
-                <a:cs typeface="Cascadia Code" panose="020B0609020000020004" pitchFamily="49" charset="0"/>
-              </a:rPr>
-              <a:t>where</a:t>
-            </a:r>
-            <a:r>
-              <a:rPr lang="en-US" sz="1600" dirty="0">
-                <a:solidFill>
-                  <a:srgbClr val="346297"/>
-                </a:solidFill>
-                <a:latin typeface="Cascadia Code" panose="020B0609020000020004" pitchFamily="49" charset="0"/>
-                <a:ea typeface="Cascadia Code" panose="020B0609020000020004" pitchFamily="49" charset="0"/>
-                <a:cs typeface="Cascadia Code" panose="020B0609020000020004" pitchFamily="49" charset="0"/>
-              </a:rPr>
-              <a:t> #"&lt;title")))</a:t>
-            </a:r>
-          </a:p>
-          <a:p>
-            <a:pPr marL="0" indent="0">
-              <a:buNone/>
-            </a:pPr>
-            <a:r>
-              <a:rPr lang="en-US" sz="1600" dirty="0">
-                <a:solidFill>
-                  <a:srgbClr val="346297"/>
-                </a:solidFill>
-                <a:latin typeface="Cascadia Code" panose="020B0609020000020004" pitchFamily="49" charset="0"/>
-                <a:ea typeface="Cascadia Code" panose="020B0609020000020004" pitchFamily="49" charset="0"/>
-                <a:cs typeface="Cascadia Code" panose="020B0609020000020004" pitchFamily="49" charset="0"/>
-              </a:rPr>
-              <a:t>  (</a:t>
-            </a:r>
-            <a:r>
-              <a:rPr lang="en-US" sz="1600" b="1" dirty="0">
-                <a:solidFill>
-                  <a:srgbClr val="346297"/>
-                </a:solidFill>
-                <a:latin typeface="Cascadia Code" panose="020B0609020000020004" pitchFamily="49" charset="0"/>
-                <a:ea typeface="Cascadia Code" panose="020B0609020000020004" pitchFamily="49" charset="0"/>
-                <a:cs typeface="Cascadia Code" panose="020B0609020000020004" pitchFamily="49" charset="0"/>
-              </a:rPr>
-              <a:t>async</a:t>
-            </a:r>
-            <a:r>
-              <a:rPr lang="en-US" sz="1600" dirty="0">
-                <a:solidFill>
-                  <a:srgbClr val="346297"/>
-                </a:solidFill>
-                <a:latin typeface="Cascadia Code" panose="020B0609020000020004" pitchFamily="49" charset="0"/>
-                <a:ea typeface="Cascadia Code" panose="020B0609020000020004" pitchFamily="49" charset="0"/>
-                <a:cs typeface="Cascadia Code" panose="020B0609020000020004" pitchFamily="49" charset="0"/>
-              </a:rPr>
-              <a:t> (\ -&gt; (http/get "</a:t>
-            </a:r>
-            <a:r>
-              <a:rPr lang="en-US" sz="1600" dirty="0">
-                <a:solidFill>
-                  <a:srgbClr val="346297"/>
-                </a:solidFill>
-                <a:latin typeface="Cascadia Code" panose="020B0609020000020004" pitchFamily="49" charset="0"/>
-                <a:ea typeface="Cascadia Code" panose="020B0609020000020004" pitchFamily="49" charset="0"/>
-                <a:cs typeface="Cascadia Code" panose="020B0609020000020004" pitchFamily="49" charset="0"/>
-                <a:hlinkClick r:id="rId3">
-                  <a:extLst>
-                    <a:ext uri="{A12FA001-AC4F-418D-AE19-62706E023703}">
-                      <ahyp:hlinkClr xmlns:ahyp="http://schemas.microsoft.com/office/drawing/2018/hyperlinkcolor" val="tx"/>
-                    </a:ext>
-                  </a:extLst>
-                </a:hlinkClick>
-              </a:rPr>
-              <a:t>https://github.com</a:t>
-            </a:r>
-            <a:r>
-              <a:rPr lang="en-US" sz="1600" dirty="0">
-                <a:solidFill>
-                  <a:srgbClr val="346297"/>
-                </a:solidFill>
-                <a:latin typeface="Cascadia Code" panose="020B0609020000020004" pitchFamily="49" charset="0"/>
-                <a:ea typeface="Cascadia Code" panose="020B0609020000020004" pitchFamily="49" charset="0"/>
-                <a:cs typeface="Cascadia Code" panose="020B0609020000020004" pitchFamily="49" charset="0"/>
-              </a:rPr>
-              <a:t>" | </a:t>
-            </a:r>
-            <a:r>
-              <a:rPr lang="en-US" sz="1600" b="1" dirty="0">
-                <a:solidFill>
-                  <a:srgbClr val="346297"/>
-                </a:solidFill>
-                <a:latin typeface="Cascadia Code" panose="020B0609020000020004" pitchFamily="49" charset="0"/>
-                <a:ea typeface="Cascadia Code" panose="020B0609020000020004" pitchFamily="49" charset="0"/>
-                <a:cs typeface="Cascadia Code" panose="020B0609020000020004" pitchFamily="49" charset="0"/>
-              </a:rPr>
-              <a:t>re/split |</a:t>
-            </a:r>
-            <a:r>
-              <a:rPr lang="en-US" sz="1600" dirty="0">
-                <a:solidFill>
-                  <a:srgbClr val="346297"/>
-                </a:solidFill>
-                <a:latin typeface="Cascadia Code" panose="020B0609020000020004" pitchFamily="49" charset="0"/>
-                <a:ea typeface="Cascadia Code" panose="020B0609020000020004" pitchFamily="49" charset="0"/>
-                <a:cs typeface="Cascadia Code" panose="020B0609020000020004" pitchFamily="49" charset="0"/>
-              </a:rPr>
-              <a:t> </a:t>
-            </a:r>
-            <a:r>
-              <a:rPr lang="en-US" sz="1600" b="1" dirty="0">
-                <a:solidFill>
-                  <a:srgbClr val="346297"/>
-                </a:solidFill>
-                <a:latin typeface="Cascadia Code" panose="020B0609020000020004" pitchFamily="49" charset="0"/>
-                <a:ea typeface="Cascadia Code" panose="020B0609020000020004" pitchFamily="49" charset="0"/>
-                <a:cs typeface="Cascadia Code" panose="020B0609020000020004" pitchFamily="49" charset="0"/>
-              </a:rPr>
-              <a:t>where</a:t>
-            </a:r>
-            <a:r>
-              <a:rPr lang="en-US" sz="1600" dirty="0">
-                <a:solidFill>
-                  <a:srgbClr val="346297"/>
-                </a:solidFill>
-                <a:latin typeface="Cascadia Code" panose="020B0609020000020004" pitchFamily="49" charset="0"/>
-                <a:ea typeface="Cascadia Code" panose="020B0609020000020004" pitchFamily="49" charset="0"/>
-                <a:cs typeface="Cascadia Code" panose="020B0609020000020004" pitchFamily="49" charset="0"/>
-              </a:rPr>
-              <a:t> #"&lt;title")))</a:t>
-            </a:r>
-          </a:p>
-          <a:p>
-            <a:pPr marL="0" indent="0">
-              <a:buNone/>
-            </a:pPr>
-            <a:r>
-              <a:rPr lang="en-US" sz="1600" dirty="0">
-                <a:solidFill>
-                  <a:srgbClr val="346297"/>
-                </a:solidFill>
-                <a:latin typeface="Cascadia Code" panose="020B0609020000020004" pitchFamily="49" charset="0"/>
-                <a:ea typeface="Cascadia Code" panose="020B0609020000020004" pitchFamily="49" charset="0"/>
-                <a:cs typeface="Cascadia Code" panose="020B0609020000020004" pitchFamily="49" charset="0"/>
-              </a:rPr>
-              <a:t>  (</a:t>
-            </a:r>
-            <a:r>
-              <a:rPr lang="en-US" sz="1600" b="1" dirty="0">
-                <a:solidFill>
-                  <a:srgbClr val="346297"/>
-                </a:solidFill>
-                <a:latin typeface="Cascadia Code" panose="020B0609020000020004" pitchFamily="49" charset="0"/>
-                <a:ea typeface="Cascadia Code" panose="020B0609020000020004" pitchFamily="49" charset="0"/>
-                <a:cs typeface="Cascadia Code" panose="020B0609020000020004" pitchFamily="49" charset="0"/>
-              </a:rPr>
-              <a:t>async</a:t>
-            </a:r>
-            <a:r>
-              <a:rPr lang="en-US" sz="1600" dirty="0">
-                <a:solidFill>
-                  <a:srgbClr val="346297"/>
-                </a:solidFill>
-                <a:latin typeface="Cascadia Code" panose="020B0609020000020004" pitchFamily="49" charset="0"/>
-                <a:ea typeface="Cascadia Code" panose="020B0609020000020004" pitchFamily="49" charset="0"/>
-                <a:cs typeface="Cascadia Code" panose="020B0609020000020004" pitchFamily="49" charset="0"/>
-              </a:rPr>
-              <a:t> (\ -&gt; (http/get "</a:t>
-            </a:r>
-            <a:r>
-              <a:rPr lang="en-US" sz="1600" dirty="0">
-                <a:solidFill>
-                  <a:srgbClr val="346297"/>
-                </a:solidFill>
-                <a:latin typeface="Cascadia Code" panose="020B0609020000020004" pitchFamily="49" charset="0"/>
-                <a:ea typeface="Cascadia Code" panose="020B0609020000020004" pitchFamily="49" charset="0"/>
-                <a:cs typeface="Cascadia Code" panose="020B0609020000020004" pitchFamily="49" charset="0"/>
-                <a:hlinkClick r:id="rId4">
-                  <a:extLst>
-                    <a:ext uri="{A12FA001-AC4F-418D-AE19-62706E023703}">
-                      <ahyp:hlinkClr xmlns:ahyp="http://schemas.microsoft.com/office/drawing/2018/hyperlinkcolor" val="tx"/>
-                    </a:ext>
-                  </a:extLst>
-                </a:hlinkClick>
-              </a:rPr>
-              <a:t>https://microsoft.com</a:t>
-            </a:r>
-            <a:r>
-              <a:rPr lang="en-US" sz="1600" dirty="0">
-                <a:solidFill>
-                  <a:srgbClr val="346297"/>
-                </a:solidFill>
-                <a:latin typeface="Cascadia Code" panose="020B0609020000020004" pitchFamily="49" charset="0"/>
-                <a:ea typeface="Cascadia Code" panose="020B0609020000020004" pitchFamily="49" charset="0"/>
-                <a:cs typeface="Cascadia Code" panose="020B0609020000020004" pitchFamily="49" charset="0"/>
-              </a:rPr>
-              <a:t>" | </a:t>
-            </a:r>
-            <a:r>
-              <a:rPr lang="en-US" sz="1600" b="1" dirty="0">
-                <a:solidFill>
-                  <a:srgbClr val="346297"/>
-                </a:solidFill>
-                <a:latin typeface="Cascadia Code" panose="020B0609020000020004" pitchFamily="49" charset="0"/>
-                <a:ea typeface="Cascadia Code" panose="020B0609020000020004" pitchFamily="49" charset="0"/>
-                <a:cs typeface="Cascadia Code" panose="020B0609020000020004" pitchFamily="49" charset="0"/>
-              </a:rPr>
-              <a:t>re/split |</a:t>
-            </a:r>
-            <a:r>
-              <a:rPr lang="en-US" sz="1600" dirty="0">
-                <a:solidFill>
-                  <a:srgbClr val="346297"/>
-                </a:solidFill>
-                <a:latin typeface="Cascadia Code" panose="020B0609020000020004" pitchFamily="49" charset="0"/>
-                <a:ea typeface="Cascadia Code" panose="020B0609020000020004" pitchFamily="49" charset="0"/>
-                <a:cs typeface="Cascadia Code" panose="020B0609020000020004" pitchFamily="49" charset="0"/>
-              </a:rPr>
-              <a:t> </a:t>
-            </a:r>
-            <a:r>
-              <a:rPr lang="en-US" sz="1600" b="1" dirty="0">
-                <a:solidFill>
-                  <a:srgbClr val="346297"/>
-                </a:solidFill>
-                <a:latin typeface="Cascadia Code" panose="020B0609020000020004" pitchFamily="49" charset="0"/>
-                <a:ea typeface="Cascadia Code" panose="020B0609020000020004" pitchFamily="49" charset="0"/>
-                <a:cs typeface="Cascadia Code" panose="020B0609020000020004" pitchFamily="49" charset="0"/>
-              </a:rPr>
-              <a:t>where</a:t>
-            </a:r>
-            <a:r>
-              <a:rPr lang="en-US" sz="1600" dirty="0">
-                <a:solidFill>
-                  <a:srgbClr val="346297"/>
-                </a:solidFill>
-                <a:latin typeface="Cascadia Code" panose="020B0609020000020004" pitchFamily="49" charset="0"/>
-                <a:ea typeface="Cascadia Code" panose="020B0609020000020004" pitchFamily="49" charset="0"/>
-                <a:cs typeface="Cascadia Code" panose="020B0609020000020004" pitchFamily="49" charset="0"/>
-              </a:rPr>
-              <a:t> #"&lt;title"))) </a:t>
-            </a:r>
-            <a:r>
-              <a:rPr lang="en-US" sz="1600" b="1" dirty="0">
-                <a:solidFill>
-                  <a:srgbClr val="346297"/>
-                </a:solidFill>
-                <a:latin typeface="Cascadia Code" panose="020B0609020000020004" pitchFamily="49" charset="0"/>
-                <a:ea typeface="Cascadia Code" panose="020B0609020000020004" pitchFamily="49" charset="0"/>
-                <a:cs typeface="Cascadia Code" panose="020B0609020000020004" pitchFamily="49" charset="0"/>
-              </a:rPr>
-              <a:t>]</a:t>
-            </a:r>
-            <a:r>
-              <a:rPr lang="en-US" sz="1600" dirty="0">
-                <a:solidFill>
-                  <a:srgbClr val="346297"/>
-                </a:solidFill>
-                <a:latin typeface="Cascadia Code" panose="020B0609020000020004" pitchFamily="49" charset="0"/>
-                <a:ea typeface="Cascadia Code" panose="020B0609020000020004" pitchFamily="49" charset="0"/>
-                <a:cs typeface="Cascadia Code" panose="020B0609020000020004" pitchFamily="49" charset="0"/>
-              </a:rPr>
-              <a:t> </a:t>
-            </a:r>
-            <a:r>
-              <a:rPr lang="en-US" sz="1600" b="1" dirty="0">
-                <a:solidFill>
-                  <a:srgbClr val="346297"/>
-                </a:solidFill>
-                <a:latin typeface="Cascadia Code" panose="020B0609020000020004" pitchFamily="49" charset="0"/>
-                <a:ea typeface="Cascadia Code" panose="020B0609020000020004" pitchFamily="49" charset="0"/>
-                <a:cs typeface="Cascadia Code" panose="020B0609020000020004" pitchFamily="49" charset="0"/>
-              </a:rPr>
-              <a:t>|</a:t>
-            </a:r>
-          </a:p>
-          <a:p>
-            <a:pPr marL="0" indent="0">
-              <a:buNone/>
-            </a:pPr>
-            <a:r>
-              <a:rPr lang="en-US" sz="1600" dirty="0">
-                <a:solidFill>
-                  <a:srgbClr val="346297"/>
-                </a:solidFill>
-                <a:latin typeface="Cascadia Code" panose="020B0609020000020004" pitchFamily="49" charset="0"/>
-                <a:ea typeface="Cascadia Code" panose="020B0609020000020004" pitchFamily="49" charset="0"/>
-                <a:cs typeface="Cascadia Code" panose="020B0609020000020004" pitchFamily="49" charset="0"/>
-              </a:rPr>
-              <a:t>      </a:t>
-            </a:r>
-            <a:r>
-              <a:rPr lang="en-US" sz="1600" b="1" dirty="0">
-                <a:solidFill>
-                  <a:srgbClr val="346297"/>
-                </a:solidFill>
-                <a:latin typeface="Cascadia Code" panose="020B0609020000020004" pitchFamily="49" charset="0"/>
-                <a:ea typeface="Cascadia Code" panose="020B0609020000020004" pitchFamily="49" charset="0"/>
-                <a:cs typeface="Cascadia Code" panose="020B0609020000020004" pitchFamily="49" charset="0"/>
-              </a:rPr>
-              <a:t>each</a:t>
-            </a:r>
-            <a:r>
-              <a:rPr lang="en-US" sz="1600" dirty="0">
-                <a:solidFill>
-                  <a:srgbClr val="346297"/>
-                </a:solidFill>
-                <a:latin typeface="Cascadia Code" panose="020B0609020000020004" pitchFamily="49" charset="0"/>
-                <a:ea typeface="Cascadia Code" panose="020B0609020000020004" pitchFamily="49" charset="0"/>
-                <a:cs typeface="Cascadia Code" panose="020B0609020000020004" pitchFamily="49" charset="0"/>
-              </a:rPr>
-              <a:t> (\ t -&gt; (</a:t>
-            </a:r>
-            <a:r>
-              <a:rPr lang="en-US" sz="1600" b="1" dirty="0">
-                <a:solidFill>
-                  <a:srgbClr val="346297"/>
-                </a:solidFill>
-                <a:latin typeface="Cascadia Code" panose="020B0609020000020004" pitchFamily="49" charset="0"/>
-                <a:ea typeface="Cascadia Code" panose="020B0609020000020004" pitchFamily="49" charset="0"/>
-                <a:cs typeface="Cascadia Code" panose="020B0609020000020004" pitchFamily="49" charset="0"/>
-              </a:rPr>
-              <a:t>alert</a:t>
-            </a:r>
-            <a:r>
-              <a:rPr lang="en-US" sz="1600" dirty="0">
-                <a:solidFill>
-                  <a:srgbClr val="346297"/>
-                </a:solidFill>
-                <a:latin typeface="Cascadia Code" panose="020B0609020000020004" pitchFamily="49" charset="0"/>
-                <a:ea typeface="Cascadia Code" panose="020B0609020000020004" pitchFamily="49" charset="0"/>
-                <a:cs typeface="Cascadia Code" panose="020B0609020000020004" pitchFamily="49" charset="0"/>
-              </a:rPr>
-              <a:t> "===================") (</a:t>
-            </a:r>
-            <a:r>
-              <a:rPr lang="en-US" sz="1600" b="1" dirty="0" err="1">
-                <a:solidFill>
-                  <a:srgbClr val="346297"/>
-                </a:solidFill>
-                <a:latin typeface="Cascadia Code" panose="020B0609020000020004" pitchFamily="49" charset="0"/>
-                <a:ea typeface="Cascadia Code" panose="020B0609020000020004" pitchFamily="49" charset="0"/>
-                <a:cs typeface="Cascadia Code" panose="020B0609020000020004" pitchFamily="49" charset="0"/>
-              </a:rPr>
-              <a:t>println</a:t>
-            </a:r>
-            <a:r>
-              <a:rPr lang="en-US" sz="1600" dirty="0">
-                <a:solidFill>
-                  <a:srgbClr val="346297"/>
-                </a:solidFill>
-                <a:latin typeface="Cascadia Code" panose="020B0609020000020004" pitchFamily="49" charset="0"/>
-                <a:ea typeface="Cascadia Code" panose="020B0609020000020004" pitchFamily="49" charset="0"/>
-                <a:cs typeface="Cascadia Code" panose="020B0609020000020004" pitchFamily="49" charset="0"/>
-              </a:rPr>
-              <a:t> t)))</a:t>
+              <a:t>/show f)</a:t>
             </a:r>
           </a:p>
         </p:txBody>
@@ -14341,7 +14020,7 @@
     </p:spTree>
     <p:extLst>
       <p:ext uri="{BB962C8B-B14F-4D97-AF65-F5344CB8AC3E}">
-        <p14:creationId xmlns:p14="http://schemas.microsoft.com/office/powerpoint/2010/main" val="3259362539"/>
+        <p14:creationId xmlns:p14="http://schemas.microsoft.com/office/powerpoint/2010/main" val="3221615978"/>
       </p:ext>
     </p:extLst>
   </p:cSld>
@@ -14393,13 +14072,9 @@
           <a:p>
             <a:r>
               <a:rPr lang="en-US" dirty="0"/>
-              <a:t>Concurrency with </a:t>
-            </a:r>
-            <a:r>
-              <a:rPr lang="en-US" i="1" dirty="0"/>
-              <a:t>map-parallel</a:t>
-            </a:r>
-            <a:endParaRPr lang="en-GB" i="1" dirty="0"/>
+              <a:t>Concurrency with Async/Await</a:t>
+            </a:r>
+            <a:endParaRPr lang="en-GB" dirty="0"/>
           </a:p>
         </p:txBody>
       </p:sp>
@@ -14419,7 +14094,12 @@
             <p:ph idx="1"/>
           </p:nvPr>
         </p:nvSpPr>
-        <p:spPr/>
+        <p:spPr>
+          <a:xfrm>
+            <a:off x="566670" y="1577662"/>
+            <a:ext cx="10787130" cy="4599301"/>
+          </a:xfrm>
+        </p:spPr>
         <p:txBody>
           <a:bodyPr>
             <a:noAutofit/>
@@ -14501,7 +14181,78 @@
                 <a:ea typeface="Cascadia Code" panose="020B0609020000020004" pitchFamily="49" charset="0"/>
                 <a:cs typeface="Cascadia Code" panose="020B0609020000020004" pitchFamily="49" charset="0"/>
               </a:rPr>
-              <a:t>(["</a:t>
+              <a:t>(</a:t>
+            </a:r>
+            <a:r>
+              <a:rPr lang="en-US" sz="1600" b="1" dirty="0">
+                <a:solidFill>
+                  <a:srgbClr val="346297"/>
+                </a:solidFill>
+                <a:latin typeface="Cascadia Code" panose="020B0609020000020004" pitchFamily="49" charset="0"/>
+                <a:ea typeface="Cascadia Code" panose="020B0609020000020004" pitchFamily="49" charset="0"/>
+                <a:cs typeface="Cascadia Code" panose="020B0609020000020004" pitchFamily="49" charset="0"/>
+              </a:rPr>
+              <a:t>await</a:t>
+            </a:r>
+            <a:r>
+              <a:rPr lang="en-US" sz="1600" dirty="0">
+                <a:solidFill>
+                  <a:srgbClr val="346297"/>
+                </a:solidFill>
+                <a:latin typeface="Cascadia Code" panose="020B0609020000020004" pitchFamily="49" charset="0"/>
+                <a:ea typeface="Cascadia Code" panose="020B0609020000020004" pitchFamily="49" charset="0"/>
+                <a:cs typeface="Cascadia Code" panose="020B0609020000020004" pitchFamily="49" charset="0"/>
+              </a:rPr>
+              <a:t> </a:t>
+            </a:r>
+            <a:r>
+              <a:rPr lang="en-US" sz="1600" b="1" dirty="0">
+                <a:solidFill>
+                  <a:srgbClr val="346297"/>
+                </a:solidFill>
+                <a:latin typeface="Cascadia Code" panose="020B0609020000020004" pitchFamily="49" charset="0"/>
+                <a:ea typeface="Cascadia Code" panose="020B0609020000020004" pitchFamily="49" charset="0"/>
+                <a:cs typeface="Cascadia Code" panose="020B0609020000020004" pitchFamily="49" charset="0"/>
+              </a:rPr>
+              <a:t>[</a:t>
+            </a:r>
+          </a:p>
+          <a:p>
+            <a:pPr marL="0" indent="0">
+              <a:buNone/>
+            </a:pPr>
+            <a:r>
+              <a:rPr lang="en-US" sz="1600" dirty="0">
+                <a:solidFill>
+                  <a:srgbClr val="346297"/>
+                </a:solidFill>
+                <a:latin typeface="Cascadia Code" panose="020B0609020000020004" pitchFamily="49" charset="0"/>
+                <a:ea typeface="Cascadia Code" panose="020B0609020000020004" pitchFamily="49" charset="0"/>
+                <a:cs typeface="Cascadia Code" panose="020B0609020000020004" pitchFamily="49" charset="0"/>
+              </a:rPr>
+              <a:t>  (</a:t>
+            </a:r>
+            <a:r>
+              <a:rPr lang="en-US" sz="1600" b="1" dirty="0">
+                <a:solidFill>
+                  <a:srgbClr val="346297"/>
+                </a:solidFill>
+                <a:latin typeface="Cascadia Code" panose="020B0609020000020004" pitchFamily="49" charset="0"/>
+                <a:ea typeface="Cascadia Code" panose="020B0609020000020004" pitchFamily="49" charset="0"/>
+                <a:cs typeface="Cascadia Code" panose="020B0609020000020004" pitchFamily="49" charset="0"/>
+              </a:rPr>
+              <a:t>async</a:t>
+            </a:r>
+            <a:r>
+              <a:rPr lang="en-US" sz="1600" dirty="0">
+                <a:solidFill>
+                  <a:srgbClr val="346297"/>
+                </a:solidFill>
+                <a:latin typeface="Cascadia Code" panose="020B0609020000020004" pitchFamily="49" charset="0"/>
+                <a:ea typeface="Cascadia Code" panose="020B0609020000020004" pitchFamily="49" charset="0"/>
+                <a:cs typeface="Cascadia Code" panose="020B0609020000020004" pitchFamily="49" charset="0"/>
+              </a:rPr>
+              <a:t> (\ -&gt; (http/get "</a:t>
             </a:r>
             <a:r>
               <a:rPr lang="en-US" sz="1600" dirty="0">
@@ -14530,7 +14281,89 @@
                 <a:ea typeface="Cascadia Code" panose="020B0609020000020004" pitchFamily="49" charset="0"/>
                 <a:cs typeface="Cascadia Code" panose="020B0609020000020004" pitchFamily="49" charset="0"/>
               </a:rPr>
-              <a:t>" "</a:t>
+              <a:t>" | </a:t>
+            </a:r>
+            <a:r>
+              <a:rPr lang="en-US" sz="1600" b="1" dirty="0">
+                <a:solidFill>
+                  <a:srgbClr val="346297"/>
+                </a:solidFill>
+                <a:latin typeface="Cascadia Code" panose="020B0609020000020004" pitchFamily="49" charset="0"/>
+                <a:ea typeface="Cascadia Code" panose="020B0609020000020004" pitchFamily="49" charset="0"/>
+                <a:cs typeface="Cascadia Code" panose="020B0609020000020004" pitchFamily="49" charset="0"/>
+              </a:rPr>
+              <a:t>re/split |</a:t>
+            </a:r>
+            <a:r>
+              <a:rPr lang="en-US" sz="1600" dirty="0">
+                <a:solidFill>
+                  <a:srgbClr val="346297"/>
+                </a:solidFill>
+                <a:latin typeface="Cascadia Code" panose="020B0609020000020004" pitchFamily="49" charset="0"/>
+                <a:ea typeface="Cascadia Code" panose="020B0609020000020004" pitchFamily="49" charset="0"/>
+                <a:cs typeface="Cascadia Code" panose="020B0609020000020004" pitchFamily="49" charset="0"/>
+              </a:rPr>
+              <a:t> </a:t>
+            </a:r>
+            <a:r>
+              <a:rPr lang="en-US" sz="1600" b="1" dirty="0">
+                <a:solidFill>
+                  <a:srgbClr val="346297"/>
+                </a:solidFill>
+                <a:latin typeface="Cascadia Code" panose="020B0609020000020004" pitchFamily="49" charset="0"/>
+                <a:ea typeface="Cascadia Code" panose="020B0609020000020004" pitchFamily="49" charset="0"/>
+                <a:cs typeface="Cascadia Code" panose="020B0609020000020004" pitchFamily="49" charset="0"/>
+              </a:rPr>
+              <a:t>where</a:t>
+            </a:r>
+            <a:r>
+              <a:rPr lang="en-US" sz="1600" dirty="0">
+                <a:solidFill>
+                  <a:srgbClr val="346297"/>
+                </a:solidFill>
+                <a:latin typeface="Cascadia Code" panose="020B0609020000020004" pitchFamily="49" charset="0"/>
+                <a:ea typeface="Cascadia Code" panose="020B0609020000020004" pitchFamily="49" charset="0"/>
+                <a:cs typeface="Cascadia Code" panose="020B0609020000020004" pitchFamily="49" charset="0"/>
+              </a:rPr>
+              <a:t> #"&lt;title")))</a:t>
+            </a:r>
+          </a:p>
+          <a:p>
+            <a:pPr marL="0" indent="0">
+              <a:buNone/>
+            </a:pPr>
+            <a:r>
+              <a:rPr lang="en-US" sz="1600" dirty="0">
+                <a:solidFill>
+                  <a:srgbClr val="346297"/>
+                </a:solidFill>
+                <a:latin typeface="Cascadia Code" panose="020B0609020000020004" pitchFamily="49" charset="0"/>
+                <a:ea typeface="Cascadia Code" panose="020B0609020000020004" pitchFamily="49" charset="0"/>
+                <a:cs typeface="Cascadia Code" panose="020B0609020000020004" pitchFamily="49" charset="0"/>
+              </a:rPr>
+              <a:t>  (</a:t>
+            </a:r>
+            <a:r>
+              <a:rPr lang="en-US" sz="1600" b="1" dirty="0">
+                <a:solidFill>
+                  <a:srgbClr val="346297"/>
+                </a:solidFill>
+                <a:latin typeface="Cascadia Code" panose="020B0609020000020004" pitchFamily="49" charset="0"/>
+                <a:ea typeface="Cascadia Code" panose="020B0609020000020004" pitchFamily="49" charset="0"/>
+                <a:cs typeface="Cascadia Code" panose="020B0609020000020004" pitchFamily="49" charset="0"/>
+              </a:rPr>
+              <a:t>async</a:t>
+            </a:r>
+            <a:r>
+              <a:rPr lang="en-US" sz="1600" dirty="0">
+                <a:solidFill>
+                  <a:srgbClr val="346297"/>
+                </a:solidFill>
+                <a:latin typeface="Cascadia Code" panose="020B0609020000020004" pitchFamily="49" charset="0"/>
+                <a:ea typeface="Cascadia Code" panose="020B0609020000020004" pitchFamily="49" charset="0"/>
+                <a:cs typeface="Cascadia Code" panose="020B0609020000020004" pitchFamily="49" charset="0"/>
+              </a:rPr>
+              <a:t> (\ -&gt; (http/get "</a:t>
             </a:r>
             <a:r>
               <a:rPr lang="en-US" sz="1600" dirty="0">
@@ -14559,7 +14392,89 @@
                 <a:ea typeface="Cascadia Code" panose="020B0609020000020004" pitchFamily="49" charset="0"/>
                 <a:cs typeface="Cascadia Code" panose="020B0609020000020004" pitchFamily="49" charset="0"/>
               </a:rPr>
-              <a:t>" "</a:t>
+              <a:t>" | </a:t>
+            </a:r>
+            <a:r>
+              <a:rPr lang="en-US" sz="1600" b="1" dirty="0">
+                <a:solidFill>
+                  <a:srgbClr val="346297"/>
+                </a:solidFill>
+                <a:latin typeface="Cascadia Code" panose="020B0609020000020004" pitchFamily="49" charset="0"/>
+                <a:ea typeface="Cascadia Code" panose="020B0609020000020004" pitchFamily="49" charset="0"/>
+                <a:cs typeface="Cascadia Code" panose="020B0609020000020004" pitchFamily="49" charset="0"/>
+              </a:rPr>
+              <a:t>re/split |</a:t>
+            </a:r>
+            <a:r>
+              <a:rPr lang="en-US" sz="1600" dirty="0">
+                <a:solidFill>
+                  <a:srgbClr val="346297"/>
+                </a:solidFill>
+                <a:latin typeface="Cascadia Code" panose="020B0609020000020004" pitchFamily="49" charset="0"/>
+                <a:ea typeface="Cascadia Code" panose="020B0609020000020004" pitchFamily="49" charset="0"/>
+                <a:cs typeface="Cascadia Code" panose="020B0609020000020004" pitchFamily="49" charset="0"/>
+              </a:rPr>
+              <a:t> </a:t>
+            </a:r>
+            <a:r>
+              <a:rPr lang="en-US" sz="1600" b="1" dirty="0">
+                <a:solidFill>
+                  <a:srgbClr val="346297"/>
+                </a:solidFill>
+                <a:latin typeface="Cascadia Code" panose="020B0609020000020004" pitchFamily="49" charset="0"/>
+                <a:ea typeface="Cascadia Code" panose="020B0609020000020004" pitchFamily="49" charset="0"/>
+                <a:cs typeface="Cascadia Code" panose="020B0609020000020004" pitchFamily="49" charset="0"/>
+              </a:rPr>
+              <a:t>where</a:t>
+            </a:r>
+            <a:r>
+              <a:rPr lang="en-US" sz="1600" dirty="0">
+                <a:solidFill>
+                  <a:srgbClr val="346297"/>
+                </a:solidFill>
+                <a:latin typeface="Cascadia Code" panose="020B0609020000020004" pitchFamily="49" charset="0"/>
+                <a:ea typeface="Cascadia Code" panose="020B0609020000020004" pitchFamily="49" charset="0"/>
+                <a:cs typeface="Cascadia Code" panose="020B0609020000020004" pitchFamily="49" charset="0"/>
+              </a:rPr>
+              <a:t> #"&lt;title")))</a:t>
+            </a:r>
+          </a:p>
+          <a:p>
+            <a:pPr marL="0" indent="0">
+              <a:buNone/>
+            </a:pPr>
+            <a:r>
+              <a:rPr lang="en-US" sz="1600" dirty="0">
+                <a:solidFill>
+                  <a:srgbClr val="346297"/>
+                </a:solidFill>
+                <a:latin typeface="Cascadia Code" panose="020B0609020000020004" pitchFamily="49" charset="0"/>
+                <a:ea typeface="Cascadia Code" panose="020B0609020000020004" pitchFamily="49" charset="0"/>
+                <a:cs typeface="Cascadia Code" panose="020B0609020000020004" pitchFamily="49" charset="0"/>
+              </a:rPr>
+              <a:t>  (</a:t>
+            </a:r>
+            <a:r>
+              <a:rPr lang="en-US" sz="1600" b="1" dirty="0">
+                <a:solidFill>
+                  <a:srgbClr val="346297"/>
+                </a:solidFill>
+                <a:latin typeface="Cascadia Code" panose="020B0609020000020004" pitchFamily="49" charset="0"/>
+                <a:ea typeface="Cascadia Code" panose="020B0609020000020004" pitchFamily="49" charset="0"/>
+                <a:cs typeface="Cascadia Code" panose="020B0609020000020004" pitchFamily="49" charset="0"/>
+              </a:rPr>
+              <a:t>async</a:t>
+            </a:r>
+            <a:r>
+              <a:rPr lang="en-US" sz="1600" dirty="0">
+                <a:solidFill>
+                  <a:srgbClr val="346297"/>
+                </a:solidFill>
+                <a:latin typeface="Cascadia Code" panose="020B0609020000020004" pitchFamily="49" charset="0"/>
+                <a:ea typeface="Cascadia Code" panose="020B0609020000020004" pitchFamily="49" charset="0"/>
+                <a:cs typeface="Cascadia Code" panose="020B0609020000020004" pitchFamily="49" charset="0"/>
+              </a:rPr>
+              <a:t> (\ -&gt; (http/get "</a:t>
             </a:r>
             <a:r>
               <a:rPr lang="en-US" sz="1600" dirty="0">
@@ -14588,7 +14503,84 @@
                 <a:ea typeface="Cascadia Code" panose="020B0609020000020004" pitchFamily="49" charset="0"/>
                 <a:cs typeface="Cascadia Code" panose="020B0609020000020004" pitchFamily="49" charset="0"/>
               </a:rPr>
-              <a:t>"]</a:t>
+              <a:t>" | </a:t>
+            </a:r>
+            <a:r>
+              <a:rPr lang="en-US" sz="1600" b="1" dirty="0">
+                <a:solidFill>
+                  <a:srgbClr val="346297"/>
+                </a:solidFill>
+                <a:latin typeface="Cascadia Code" panose="020B0609020000020004" pitchFamily="49" charset="0"/>
+                <a:ea typeface="Cascadia Code" panose="020B0609020000020004" pitchFamily="49" charset="0"/>
+                <a:cs typeface="Cascadia Code" panose="020B0609020000020004" pitchFamily="49" charset="0"/>
+              </a:rPr>
+              <a:t>re/split |</a:t>
+            </a:r>
+            <a:r>
+              <a:rPr lang="en-US" sz="1600" dirty="0">
+                <a:solidFill>
+                  <a:srgbClr val="346297"/>
+                </a:solidFill>
+                <a:latin typeface="Cascadia Code" panose="020B0609020000020004" pitchFamily="49" charset="0"/>
+                <a:ea typeface="Cascadia Code" panose="020B0609020000020004" pitchFamily="49" charset="0"/>
+                <a:cs typeface="Cascadia Code" panose="020B0609020000020004" pitchFamily="49" charset="0"/>
+              </a:rPr>
+              <a:t> </a:t>
+            </a:r>
+            <a:r>
+              <a:rPr lang="en-US" sz="1600" b="1" dirty="0">
+                <a:solidFill>
+                  <a:srgbClr val="346297"/>
+                </a:solidFill>
+                <a:latin typeface="Cascadia Code" panose="020B0609020000020004" pitchFamily="49" charset="0"/>
+                <a:ea typeface="Cascadia Code" panose="020B0609020000020004" pitchFamily="49" charset="0"/>
+                <a:cs typeface="Cascadia Code" panose="020B0609020000020004" pitchFamily="49" charset="0"/>
+              </a:rPr>
+              <a:t>where</a:t>
+            </a:r>
+            <a:r>
+              <a:rPr lang="en-US" sz="1600" dirty="0">
+                <a:solidFill>
+                  <a:srgbClr val="346297"/>
+                </a:solidFill>
+                <a:latin typeface="Cascadia Code" panose="020B0609020000020004" pitchFamily="49" charset="0"/>
+                <a:ea typeface="Cascadia Code" panose="020B0609020000020004" pitchFamily="49" charset="0"/>
+                <a:cs typeface="Cascadia Code" panose="020B0609020000020004" pitchFamily="49" charset="0"/>
+              </a:rPr>
+              <a:t> #"&lt;title"))) </a:t>
+            </a:r>
+            <a:r>
+              <a:rPr lang="en-US" sz="1600" b="1" dirty="0">
+                <a:solidFill>
+                  <a:srgbClr val="346297"/>
+                </a:solidFill>
+                <a:latin typeface="Cascadia Code" panose="020B0609020000020004" pitchFamily="49" charset="0"/>
+                <a:ea typeface="Cascadia Code" panose="020B0609020000020004" pitchFamily="49" charset="0"/>
+                <a:cs typeface="Cascadia Code" panose="020B0609020000020004" pitchFamily="49" charset="0"/>
+              </a:rPr>
+              <a:t>]</a:t>
+            </a:r>
+            <a:r>
+              <a:rPr lang="en-US" sz="1600" dirty="0">
+                <a:solidFill>
+                  <a:srgbClr val="346297"/>
+                </a:solidFill>
+                <a:latin typeface="Cascadia Code" panose="020B0609020000020004" pitchFamily="49" charset="0"/>
+                <a:ea typeface="Cascadia Code" panose="020B0609020000020004" pitchFamily="49" charset="0"/>
+                <a:cs typeface="Cascadia Code" panose="020B0609020000020004" pitchFamily="49" charset="0"/>
+              </a:rPr>
+              <a:t> </a:t>
+            </a:r>
+            <a:r>
+              <a:rPr lang="en-US" sz="1600" b="1" dirty="0">
+                <a:solidFill>
+                  <a:srgbClr val="346297"/>
+                </a:solidFill>
+                <a:latin typeface="Cascadia Code" panose="020B0609020000020004" pitchFamily="49" charset="0"/>
+                <a:ea typeface="Cascadia Code" panose="020B0609020000020004" pitchFamily="49" charset="0"/>
+                <a:cs typeface="Cascadia Code" panose="020B0609020000020004" pitchFamily="49" charset="0"/>
+              </a:rPr>
+              <a:t>|</a:t>
             </a:r>
           </a:p>
           <a:p>
@@ -14596,7 +14588,7 @@
               <a:buNone/>
             </a:pPr>
             <a:r>
-              <a:rPr lang="en-US" sz="1600" b="1" dirty="0">
+              <a:rPr lang="en-US" sz="1600" dirty="0">
                 <a:solidFill>
                   <a:srgbClr val="346297"/>
                 </a:solidFill>
@@ -14604,56 +14596,7 @@
                 <a:ea typeface="Cascadia Code" panose="020B0609020000020004" pitchFamily="49" charset="0"/>
                 <a:cs typeface="Cascadia Code" panose="020B0609020000020004" pitchFamily="49" charset="0"/>
               </a:rPr>
-              <a:t>    | map-parallel </a:t>
-            </a:r>
-            <a:r>
-              <a:rPr lang="en-US" sz="1600" dirty="0">
-                <a:solidFill>
-                  <a:srgbClr val="346297"/>
-                </a:solidFill>
-                <a:latin typeface="Cascadia Code" panose="020B0609020000020004" pitchFamily="49" charset="0"/>
-                <a:ea typeface="Cascadia Code" panose="020B0609020000020004" pitchFamily="49" charset="0"/>
-                <a:cs typeface="Cascadia Code" panose="020B0609020000020004" pitchFamily="49" charset="0"/>
-              </a:rPr>
-              <a:t>(\ site -&gt; (</a:t>
-            </a:r>
-            <a:r>
-              <a:rPr lang="en-US" sz="1600" b="1" dirty="0">
-                <a:solidFill>
-                  <a:srgbClr val="346297"/>
-                </a:solidFill>
-                <a:latin typeface="Cascadia Code" panose="020B0609020000020004" pitchFamily="49" charset="0"/>
-                <a:ea typeface="Cascadia Code" panose="020B0609020000020004" pitchFamily="49" charset="0"/>
-                <a:cs typeface="Cascadia Code" panose="020B0609020000020004" pitchFamily="49" charset="0"/>
-              </a:rPr>
-              <a:t>http/get </a:t>
-            </a:r>
-            <a:r>
-              <a:rPr lang="en-US" sz="1600" dirty="0">
-                <a:solidFill>
-                  <a:srgbClr val="346297"/>
-                </a:solidFill>
-                <a:latin typeface="Cascadia Code" panose="020B0609020000020004" pitchFamily="49" charset="0"/>
-                <a:ea typeface="Cascadia Code" panose="020B0609020000020004" pitchFamily="49" charset="0"/>
-                <a:cs typeface="Cascadia Code" panose="020B0609020000020004" pitchFamily="49" charset="0"/>
-              </a:rPr>
-              <a:t>site | re/split | where #"&lt;title")) </a:t>
-            </a:r>
-          </a:p>
-          <a:p>
-            <a:pPr marL="0" indent="0">
-              <a:buNone/>
-            </a:pPr>
-            <a:r>
-              <a:rPr lang="en-US" sz="1600" dirty="0">
-                <a:solidFill>
-                  <a:srgbClr val="346297"/>
-                </a:solidFill>
-                <a:latin typeface="Cascadia Code" panose="020B0609020000020004" pitchFamily="49" charset="0"/>
-                <a:ea typeface="Cascadia Code" panose="020B0609020000020004" pitchFamily="49" charset="0"/>
-                <a:cs typeface="Cascadia Code" panose="020B0609020000020004" pitchFamily="49" charset="0"/>
-              </a:rPr>
-              <a:t>    | </a:t>
+              <a:t>      </a:t>
             </a:r>
             <a:r>
               <a:rPr lang="en-US" sz="1600" b="1" dirty="0">
@@ -14727,7 +14670,7 @@
     </p:spTree>
     <p:extLst>
       <p:ext uri="{BB962C8B-B14F-4D97-AF65-F5344CB8AC3E}">
-        <p14:creationId xmlns:p14="http://schemas.microsoft.com/office/powerpoint/2010/main" val="153371999"/>
+        <p14:creationId xmlns:p14="http://schemas.microsoft.com/office/powerpoint/2010/main" val="3259362539"/>
       </p:ext>
     </p:extLst>
   </p:cSld>
@@ -14756,10 +14699,10 @@
       </p:grpSpPr>
       <p:sp>
         <p:nvSpPr>
-          <p:cNvPr id="4" name="Title 3">
+          <p:cNvPr id="2" name="Titre 1">
             <a:extLst>
               <a:ext uri="{FF2B5EF4-FFF2-40B4-BE49-F238E27FC236}">
-                <a16:creationId xmlns:a16="http://schemas.microsoft.com/office/drawing/2014/main" id="{2B167248-C99C-E892-89E1-4CBB81F02F90}"/>
+                <a16:creationId xmlns:a16="http://schemas.microsoft.com/office/drawing/2014/main" id="{5191E0F2-FE77-51ED-3F72-223B58926E74}"/>
               </a:ext>
             </a:extLst>
           </p:cNvPr>
@@ -14770,29 +14713,31 @@
             <p:ph type="title"/>
           </p:nvPr>
         </p:nvSpPr>
-        <p:spPr>
-          <a:xfrm>
-            <a:off x="831850" y="529389"/>
-            <a:ext cx="10515600" cy="1004637"/>
-          </a:xfrm>
-        </p:spPr>
+        <p:spPr/>
         <p:txBody>
-          <a:bodyPr/>
+          <a:bodyPr>
+            <a:normAutofit/>
+          </a:bodyPr>
           <a:lstStyle/>
           <a:p>
             <a:r>
-              <a:rPr lang="en-GB"/>
-              <a:t>Demos</a:t>
-            </a:r>
+              <a:rPr lang="en-US" dirty="0"/>
+              <a:t>Concurrency with </a:t>
+            </a:r>
+            <a:r>
+              <a:rPr lang="en-US" i="1" dirty="0"/>
+              <a:t>map-parallel</a:t>
+            </a:r>
+            <a:endParaRPr lang="en-GB" i="1" dirty="0"/>
           </a:p>
         </p:txBody>
       </p:sp>
       <p:sp>
         <p:nvSpPr>
-          <p:cNvPr id="5" name="Text Placeholder 4">
+          <p:cNvPr id="3" name="Espace réservé du contenu 2">
             <a:extLst>
               <a:ext uri="{FF2B5EF4-FFF2-40B4-BE49-F238E27FC236}">
-                <a16:creationId xmlns:a16="http://schemas.microsoft.com/office/drawing/2014/main" id="{2CACAFC7-78CB-98F9-FEF3-D3E8C9FF6E6F}"/>
+                <a16:creationId xmlns:a16="http://schemas.microsoft.com/office/drawing/2014/main" id="{07D5023A-BA6F-B725-CF78-FD889E577EA6}"/>
               </a:ext>
             </a:extLst>
           </p:cNvPr>
@@ -14800,70 +14745,257 @@
             <a:spLocks noGrp="1"/>
           </p:cNvSpPr>
           <p:nvPr>
-            <p:ph type="body" idx="1"/>
+            <p:ph idx="1"/>
           </p:nvPr>
         </p:nvSpPr>
         <p:spPr>
           <a:xfrm>
-            <a:off x="831850" y="1653758"/>
-            <a:ext cx="10515600" cy="1500187"/>
+            <a:off x="611746" y="1825625"/>
+            <a:ext cx="10959922" cy="4351338"/>
           </a:xfrm>
         </p:spPr>
         <p:txBody>
-          <a:bodyPr/>
+          <a:bodyPr>
+            <a:noAutofit/>
+          </a:bodyPr>
           <a:lstStyle/>
           <a:p>
             <a:r>
-              <a:rPr lang="en-GB"/>
-              <a:t>We love Demos!</a:t>
+              <a:rPr lang="en-US" sz="3200" dirty="0"/>
+              <a:t>Let’s get 3 webpages concurrently:</a:t>
+            </a:r>
+          </a:p>
+          <a:p>
+            <a:pPr marL="0" indent="0">
+              <a:buNone/>
+            </a:pPr>
+            <a:endParaRPr lang="en-US" sz="1400" dirty="0"/>
+          </a:p>
+          <a:p>
+            <a:pPr marL="0" indent="0">
+              <a:buNone/>
+            </a:pPr>
+            <a:r>
+              <a:rPr lang="en-US" sz="1600" dirty="0">
+                <a:solidFill>
+                  <a:srgbClr val="346297"/>
+                </a:solidFill>
+                <a:latin typeface="Cascadia Code" panose="020B0609020000020004" pitchFamily="49" charset="0"/>
+                <a:ea typeface="Cascadia Code" panose="020B0609020000020004" pitchFamily="49" charset="0"/>
+                <a:cs typeface="Cascadia Code" panose="020B0609020000020004" pitchFamily="49" charset="0"/>
+              </a:rPr>
+              <a:t>(using-module :http)</a:t>
+            </a:r>
+          </a:p>
+          <a:p>
+            <a:pPr marL="0" indent="0">
+              <a:buNone/>
+            </a:pPr>
+            <a:endParaRPr lang="en-US" sz="1600" dirty="0">
+              <a:solidFill>
+                <a:srgbClr val="346297"/>
+              </a:solidFill>
+              <a:latin typeface="Cascadia Code" panose="020B0609020000020004" pitchFamily="49" charset="0"/>
+              <a:ea typeface="Cascadia Code" panose="020B0609020000020004" pitchFamily="49" charset="0"/>
+              <a:cs typeface="Cascadia Code" panose="020B0609020000020004" pitchFamily="49" charset="0"/>
+            </a:endParaRPr>
+          </a:p>
+          <a:p>
+            <a:pPr marL="0" indent="0">
+              <a:buNone/>
+            </a:pPr>
+            <a:r>
+              <a:rPr lang="en-US" sz="1600" dirty="0">
+                <a:solidFill>
+                  <a:srgbClr val="346297"/>
+                </a:solidFill>
+                <a:latin typeface="Cascadia Code" panose="020B0609020000020004" pitchFamily="49" charset="0"/>
+                <a:ea typeface="Cascadia Code" panose="020B0609020000020004" pitchFamily="49" charset="0"/>
+                <a:cs typeface="Cascadia Code" panose="020B0609020000020004" pitchFamily="49" charset="0"/>
+              </a:rPr>
+              <a:t>(["</a:t>
+            </a:r>
+            <a:r>
+              <a:rPr lang="en-US" sz="1600" dirty="0">
+                <a:solidFill>
+                  <a:srgbClr val="346297"/>
+                </a:solidFill>
+                <a:latin typeface="Cascadia Code" panose="020B0609020000020004" pitchFamily="49" charset="0"/>
+                <a:ea typeface="Cascadia Code" panose="020B0609020000020004" pitchFamily="49" charset="0"/>
+                <a:cs typeface="Cascadia Code" panose="020B0609020000020004" pitchFamily="49" charset="0"/>
+                <a:hlinkClick r:id="rId2">
+                  <a:extLst>
+                    <a:ext uri="{A12FA001-AC4F-418D-AE19-62706E023703}">
+                      <ahyp:hlinkClr xmlns:ahyp="http://schemas.microsoft.com/office/drawing/2018/hyperlinkcolor" val="tx"/>
+                    </a:ext>
+                  </a:extLst>
+                </a:hlinkClick>
+              </a:rPr>
+              <a:t>https://wikipedia.org</a:t>
+            </a:r>
+            <a:r>
+              <a:rPr lang="en-US" sz="1600" dirty="0">
+                <a:solidFill>
+                  <a:srgbClr val="346297"/>
+                </a:solidFill>
+                <a:latin typeface="Cascadia Code" panose="020B0609020000020004" pitchFamily="49" charset="0"/>
+                <a:ea typeface="Cascadia Code" panose="020B0609020000020004" pitchFamily="49" charset="0"/>
+                <a:cs typeface="Cascadia Code" panose="020B0609020000020004" pitchFamily="49" charset="0"/>
+              </a:rPr>
+              <a:t>" "</a:t>
+            </a:r>
+            <a:r>
+              <a:rPr lang="en-US" sz="1600" dirty="0">
+                <a:solidFill>
+                  <a:srgbClr val="346297"/>
+                </a:solidFill>
+                <a:latin typeface="Cascadia Code" panose="020B0609020000020004" pitchFamily="49" charset="0"/>
+                <a:ea typeface="Cascadia Code" panose="020B0609020000020004" pitchFamily="49" charset="0"/>
+                <a:cs typeface="Cascadia Code" panose="020B0609020000020004" pitchFamily="49" charset="0"/>
+                <a:hlinkClick r:id="rId3">
+                  <a:extLst>
+                    <a:ext uri="{A12FA001-AC4F-418D-AE19-62706E023703}">
+                      <ahyp:hlinkClr xmlns:ahyp="http://schemas.microsoft.com/office/drawing/2018/hyperlinkcolor" val="tx"/>
+                    </a:ext>
+                  </a:extLst>
+                </a:hlinkClick>
+              </a:rPr>
+              <a:t>https://github.com</a:t>
+            </a:r>
+            <a:r>
+              <a:rPr lang="en-US" sz="1600" dirty="0">
+                <a:solidFill>
+                  <a:srgbClr val="346297"/>
+                </a:solidFill>
+                <a:latin typeface="Cascadia Code" panose="020B0609020000020004" pitchFamily="49" charset="0"/>
+                <a:ea typeface="Cascadia Code" panose="020B0609020000020004" pitchFamily="49" charset="0"/>
+                <a:cs typeface="Cascadia Code" panose="020B0609020000020004" pitchFamily="49" charset="0"/>
+              </a:rPr>
+              <a:t>" "</a:t>
+            </a:r>
+            <a:r>
+              <a:rPr lang="en-US" sz="1600" dirty="0">
+                <a:solidFill>
+                  <a:srgbClr val="346297"/>
+                </a:solidFill>
+                <a:latin typeface="Cascadia Code" panose="020B0609020000020004" pitchFamily="49" charset="0"/>
+                <a:ea typeface="Cascadia Code" panose="020B0609020000020004" pitchFamily="49" charset="0"/>
+                <a:cs typeface="Cascadia Code" panose="020B0609020000020004" pitchFamily="49" charset="0"/>
+                <a:hlinkClick r:id="rId4">
+                  <a:extLst>
+                    <a:ext uri="{A12FA001-AC4F-418D-AE19-62706E023703}">
+                      <ahyp:hlinkClr xmlns:ahyp="http://schemas.microsoft.com/office/drawing/2018/hyperlinkcolor" val="tx"/>
+                    </a:ext>
+                  </a:extLst>
+                </a:hlinkClick>
+              </a:rPr>
+              <a:t>https://microsoft.com</a:t>
+            </a:r>
+            <a:r>
+              <a:rPr lang="en-US" sz="1600" dirty="0">
+                <a:solidFill>
+                  <a:srgbClr val="346297"/>
+                </a:solidFill>
+                <a:latin typeface="Cascadia Code" panose="020B0609020000020004" pitchFamily="49" charset="0"/>
+                <a:ea typeface="Cascadia Code" panose="020B0609020000020004" pitchFamily="49" charset="0"/>
+                <a:cs typeface="Cascadia Code" panose="020B0609020000020004" pitchFamily="49" charset="0"/>
+              </a:rPr>
+              <a:t>"]</a:t>
+            </a:r>
+          </a:p>
+          <a:p>
+            <a:pPr marL="0" indent="0">
+              <a:buNone/>
+            </a:pPr>
+            <a:r>
+              <a:rPr lang="en-US" sz="1600" b="1" dirty="0">
+                <a:solidFill>
+                  <a:srgbClr val="346297"/>
+                </a:solidFill>
+                <a:latin typeface="Cascadia Code" panose="020B0609020000020004" pitchFamily="49" charset="0"/>
+                <a:ea typeface="Cascadia Code" panose="020B0609020000020004" pitchFamily="49" charset="0"/>
+                <a:cs typeface="Cascadia Code" panose="020B0609020000020004" pitchFamily="49" charset="0"/>
+              </a:rPr>
+              <a:t>    | </a:t>
+            </a:r>
+            <a:r>
+              <a:rPr lang="en-US" sz="1600" dirty="0">
+                <a:solidFill>
+                  <a:srgbClr val="346297"/>
+                </a:solidFill>
+                <a:latin typeface="Cascadia Code" panose="020B0609020000020004" pitchFamily="49" charset="0"/>
+                <a:ea typeface="Cascadia Code" panose="020B0609020000020004" pitchFamily="49" charset="0"/>
+                <a:cs typeface="Cascadia Code" panose="020B0609020000020004" pitchFamily="49" charset="0"/>
+              </a:rPr>
+              <a:t>map-parallel</a:t>
+            </a:r>
+            <a:r>
+              <a:rPr lang="en-US" sz="1600" b="1" dirty="0">
+                <a:solidFill>
+                  <a:srgbClr val="346297"/>
+                </a:solidFill>
+                <a:latin typeface="Cascadia Code" panose="020B0609020000020004" pitchFamily="49" charset="0"/>
+                <a:ea typeface="Cascadia Code" panose="020B0609020000020004" pitchFamily="49" charset="0"/>
+                <a:cs typeface="Cascadia Code" panose="020B0609020000020004" pitchFamily="49" charset="0"/>
+              </a:rPr>
+              <a:t> </a:t>
+            </a:r>
+            <a:r>
+              <a:rPr lang="en-US" sz="1600" dirty="0">
+                <a:solidFill>
+                  <a:srgbClr val="346297"/>
+                </a:solidFill>
+                <a:latin typeface="Cascadia Code" panose="020B0609020000020004" pitchFamily="49" charset="0"/>
+                <a:ea typeface="Cascadia Code" panose="020B0609020000020004" pitchFamily="49" charset="0"/>
+                <a:cs typeface="Cascadia Code" panose="020B0609020000020004" pitchFamily="49" charset="0"/>
+              </a:rPr>
+              <a:t>(\ site -&gt; (http/get site | re/split | where #"&lt;title")) </a:t>
+            </a:r>
+          </a:p>
+          <a:p>
+            <a:pPr marL="0" indent="0">
+              <a:buNone/>
+            </a:pPr>
+            <a:r>
+              <a:rPr lang="en-US" sz="1600" dirty="0">
+                <a:solidFill>
+                  <a:srgbClr val="346297"/>
+                </a:solidFill>
+                <a:latin typeface="Cascadia Code" panose="020B0609020000020004" pitchFamily="49" charset="0"/>
+                <a:ea typeface="Cascadia Code" panose="020B0609020000020004" pitchFamily="49" charset="0"/>
+                <a:cs typeface="Cascadia Code" panose="020B0609020000020004" pitchFamily="49" charset="0"/>
+              </a:rPr>
+              <a:t>    | each (\ t -&gt; (alert "===================") (</a:t>
+            </a:r>
+            <a:r>
+              <a:rPr lang="en-US" sz="1600" dirty="0" err="1">
+                <a:solidFill>
+                  <a:srgbClr val="346297"/>
+                </a:solidFill>
+                <a:latin typeface="Cascadia Code" panose="020B0609020000020004" pitchFamily="49" charset="0"/>
+                <a:ea typeface="Cascadia Code" panose="020B0609020000020004" pitchFamily="49" charset="0"/>
+                <a:cs typeface="Cascadia Code" panose="020B0609020000020004" pitchFamily="49" charset="0"/>
+              </a:rPr>
+              <a:t>println</a:t>
+            </a:r>
+            <a:r>
+              <a:rPr lang="en-US" sz="1600" dirty="0">
+                <a:solidFill>
+                  <a:srgbClr val="346297"/>
+                </a:solidFill>
+                <a:latin typeface="Cascadia Code" panose="020B0609020000020004" pitchFamily="49" charset="0"/>
+                <a:ea typeface="Cascadia Code" panose="020B0609020000020004" pitchFamily="49" charset="0"/>
+                <a:cs typeface="Cascadia Code" panose="020B0609020000020004" pitchFamily="49" charset="0"/>
+              </a:rPr>
+              <a:t> t)))</a:t>
             </a:r>
           </a:p>
         </p:txBody>
       </p:sp>
-      <p:pic>
-        <p:nvPicPr>
-          <p:cNvPr id="9" name="Picture 9">
-            <a:extLst>
-              <a:ext uri="{FF2B5EF4-FFF2-40B4-BE49-F238E27FC236}">
-                <a16:creationId xmlns:a16="http://schemas.microsoft.com/office/drawing/2014/main" id="{776AC288-703A-8014-23CA-E040CDD7E976}"/>
-              </a:ext>
-            </a:extLst>
-          </p:cNvPr>
-          <p:cNvPicPr>
-            <a:picLocks noChangeAspect="1"/>
-          </p:cNvPicPr>
-          <p:nvPr/>
-        </p:nvPicPr>
-        <p:blipFill>
-          <a:blip r:embed="rId2"/>
-          <a:stretch>
-            <a:fillRect/>
-          </a:stretch>
-        </p:blipFill>
-        <p:spPr>
-          <a:xfrm>
-            <a:off x="3404191" y="615392"/>
-            <a:ext cx="6127897" cy="5060147"/>
-          </a:xfrm>
-          <a:prstGeom prst="rect">
-            <a:avLst/>
-          </a:prstGeom>
-          <a:ln>
-            <a:noFill/>
-          </a:ln>
-          <a:effectLst>
-            <a:outerShdw blurRad="292100" dist="139700" dir="2700000" algn="tl" rotWithShape="0">
-              <a:srgbClr val="333333">
-                <a:alpha val="65000"/>
-              </a:srgbClr>
-            </a:outerShdw>
-          </a:effectLst>
-        </p:spPr>
-      </p:pic>
     </p:spTree>
     <p:extLst>
       <p:ext uri="{BB962C8B-B14F-4D97-AF65-F5344CB8AC3E}">
-        <p14:creationId xmlns:p14="http://schemas.microsoft.com/office/powerpoint/2010/main" val="3317259441"/>
+        <p14:creationId xmlns:p14="http://schemas.microsoft.com/office/powerpoint/2010/main" val="153371999"/>
       </p:ext>
     </p:extLst>
   </p:cSld>
@@ -15628,31 +15760,38 @@
           <a:p>
             <a:r>
               <a:rPr lang="en-US" dirty="0"/>
+              <a:t>Founding member of the PowerShell team</a:t>
+            </a:r>
+          </a:p>
+          <a:p>
+            <a:pPr lvl="1"/>
+            <a:r>
+              <a:rPr lang="en-US" dirty="0"/>
+              <a:t>Tech lead/architect on the language and engine design</a:t>
+            </a:r>
+          </a:p>
+          <a:p>
+            <a:r>
+              <a:rPr lang="en-US" dirty="0"/>
+              <a:t>Formerly:</a:t>
+            </a:r>
+          </a:p>
+          <a:p>
+            <a:pPr lvl="1"/>
+            <a:r>
+              <a:rPr lang="en-US" dirty="0"/>
               <a:t>Principal Software Engineer at Microsoft</a:t>
             </a:r>
           </a:p>
           <a:p>
             <a:pPr lvl="1"/>
-            <a:r>
-              <a:rPr lang="en-US" dirty="0"/>
-              <a:t>One of the architects of PowerShell</a:t>
-            </a:r>
-          </a:p>
-          <a:p>
-            <a:pPr lvl="1"/>
-            <a:r>
-              <a:rPr lang="en-US" dirty="0"/>
-              <a:t>Language designer</a:t>
-            </a:r>
-          </a:p>
-          <a:p>
             <a:r>
               <a:rPr lang="en-US" dirty="0"/>
               <a:t>Principal Software at AWS</a:t>
             </a:r>
           </a:p>
           <a:p>
-            <a:pPr lvl="1"/>
+            <a:pPr lvl="2"/>
             <a:r>
               <a:rPr lang="en-US" dirty="0"/>
               <a:t>Also worked on PowerShell</a:t>
@@ -15661,7 +15800,7 @@
           <a:p>
             <a:r>
               <a:rPr lang="en-US" dirty="0"/>
-              <a:t>But this Braid work is all personal</a:t>
+              <a:t>This Braid work is all personal</a:t>
             </a:r>
           </a:p>
           <a:p>
@@ -15798,7 +15937,12 @@
             <p:ph idx="1"/>
           </p:nvPr>
         </p:nvSpPr>
-        <p:spPr/>
+        <p:spPr>
+          <a:xfrm>
+            <a:off x="838200" y="1790163"/>
+            <a:ext cx="10515600" cy="4386800"/>
+          </a:xfrm>
+        </p:spPr>
         <p:txBody>
           <a:bodyPr>
             <a:normAutofit fontScale="85000" lnSpcReduction="20000"/>
@@ -15903,9 +16047,18 @@
             </a:r>
           </a:p>
           <a:p>
+            <a:pPr lvl="1"/>
             <a:r>
               <a:rPr lang="en-US" dirty="0"/>
-              <a:t>Braid, which builds on PowerShell also passes around objects</a:t>
+              <a:t>PowerShell significantly </a:t>
+            </a:r>
+            <a:r>
+              <a:rPr lang="en-US" b="1" dirty="0"/>
+              <a:t>evolved</a:t>
+            </a:r>
+            <a:r>
+              <a:rPr lang="en-US" dirty="0"/>
+              <a:t> the shell paradigm</a:t>
             </a:r>
           </a:p>
         </p:txBody>
@@ -15985,7 +16138,12 @@
             <p:ph idx="1"/>
           </p:nvPr>
         </p:nvSpPr>
-        <p:spPr/>
+        <p:spPr>
+          <a:xfrm>
+            <a:off x="838200" y="1825624"/>
+            <a:ext cx="10515600" cy="4439947"/>
+          </a:xfrm>
+        </p:spPr>
         <p:txBody>
           <a:bodyPr>
             <a:normAutofit fontScale="77500" lnSpcReduction="20000"/>
@@ -16508,12 +16666,12 @@
         <p:spPr>
           <a:xfrm>
             <a:off x="838200" y="1455490"/>
-            <a:ext cx="10515600" cy="4721473"/>
+            <a:ext cx="10515600" cy="4951749"/>
           </a:xfrm>
         </p:spPr>
         <p:txBody>
           <a:bodyPr>
-            <a:normAutofit fontScale="77500" lnSpcReduction="20000"/>
+            <a:normAutofit/>
           </a:bodyPr>
           <a:lstStyle/>
           <a:p>
@@ -16544,7 +16702,7 @@
               <a:buNone/>
             </a:pPr>
             <a:r>
-              <a:rPr lang="en-US" sz="1800" dirty="0">
+              <a:rPr lang="en-US" sz="2100" dirty="0">
                 <a:latin typeface="Cascadia Code" panose="020B0609020000020004" pitchFamily="49" charset="0"/>
                 <a:ea typeface="Cascadia Code" panose="020B0609020000020004" pitchFamily="49" charset="0"/>
                 <a:cs typeface="Cascadia Code" panose="020B0609020000020004" pitchFamily="49" charset="0"/>
@@ -16552,7 +16710,7 @@
               <a:t>    </a:t>
             </a:r>
             <a:r>
-              <a:rPr lang="en-US" sz="1800" dirty="0">
+              <a:rPr lang="en-US" sz="2400" dirty="0">
                 <a:solidFill>
                   <a:srgbClr val="346297"/>
                 </a:solidFill>
@@ -16562,12 +16720,7 @@
               </a:rPr>
               <a:t>(let my-var (first (list 1 2 3 (+  4 5))))</a:t>
             </a:r>
-          </a:p>
-          <a:p>
-            <a:pPr marL="0" indent="0">
-              <a:buNone/>
-            </a:pPr>
-            <a:endParaRPr lang="en-US" sz="1800" dirty="0">
+            <a:endParaRPr lang="en-US" sz="2100" dirty="0">
               <a:solidFill>
                 <a:srgbClr val="346297"/>
               </a:solidFill>
@@ -16577,66 +16730,13 @@
             </a:endParaRPr>
           </a:p>
           <a:p>
-            <a:r>
-              <a:rPr lang="en-US" dirty="0"/>
-              <a:t>But with object capabilities (methods and properties are </a:t>
-            </a:r>
-            <a:r>
-              <a:rPr lang="en-US" i="1" dirty="0"/>
-              <a:t>functions</a:t>
-            </a:r>
-            <a:r>
-              <a:rPr lang="en-US" dirty="0"/>
-              <a:t>)</a:t>
-            </a:r>
-          </a:p>
-          <a:p>
-            <a:pPr marL="457200" lvl="1" indent="0">
+            <a:pPr marL="0" indent="0">
               <a:buNone/>
             </a:pPr>
-            <a:r>
-              <a:rPr lang="en-US" sz="1800" dirty="0">
-                <a:latin typeface="Cascadia Code" panose="020B0609020000020004" pitchFamily="49" charset="0"/>
-                <a:ea typeface="Cascadia Code" panose="020B0609020000020004" pitchFamily="49" charset="0"/>
-                <a:cs typeface="Cascadia Code" panose="020B0609020000020004" pitchFamily="49" charset="0"/>
-              </a:rPr>
-              <a:t>(.length "hello world")  ; get the length of a string</a:t>
-            </a:r>
-          </a:p>
-          <a:p>
-            <a:pPr marL="457200" lvl="1" indent="0">
-              <a:buNone/>
-            </a:pPr>
-            <a:r>
-              <a:rPr lang="en-US" sz="1800" dirty="0">
-                <a:latin typeface="Cascadia Code" panose="020B0609020000020004" pitchFamily="49" charset="0"/>
-                <a:ea typeface="Cascadia Code" panose="020B0609020000020004" pitchFamily="49" charset="0"/>
-                <a:cs typeface="Cascadia Code" panose="020B0609020000020004" pitchFamily="49" charset="0"/>
-              </a:rPr>
-              <a:t>(.substring "Hello" 2 2) ; method call returns "</a:t>
-            </a:r>
-            <a:r>
-              <a:rPr lang="en-US" sz="1800" dirty="0" err="1">
-                <a:latin typeface="Cascadia Code" panose="020B0609020000020004" pitchFamily="49" charset="0"/>
-                <a:ea typeface="Cascadia Code" panose="020B0609020000020004" pitchFamily="49" charset="0"/>
-                <a:cs typeface="Cascadia Code" panose="020B0609020000020004" pitchFamily="49" charset="0"/>
-              </a:rPr>
-              <a:t>ll</a:t>
-            </a:r>
-            <a:r>
-              <a:rPr lang="en-US" sz="1800" dirty="0">
-                <a:latin typeface="Cascadia Code" panose="020B0609020000020004" pitchFamily="49" charset="0"/>
-                <a:ea typeface="Cascadia Code" panose="020B0609020000020004" pitchFamily="49" charset="0"/>
-                <a:cs typeface="Cascadia Code" panose="020B0609020000020004" pitchFamily="49" charset="0"/>
-              </a:rPr>
-              <a:t>"</a:t>
-            </a:r>
-          </a:p>
-          <a:p>
-            <a:pPr marL="457200" lvl="1" indent="0">
-              <a:buNone/>
-            </a:pPr>
-            <a:endParaRPr lang="en-US" sz="1800" dirty="0">
+            <a:endParaRPr lang="en-US" sz="2100" dirty="0">
+              <a:solidFill>
+                <a:srgbClr val="346297"/>
+              </a:solidFill>
               <a:latin typeface="Cascadia Code" panose="020B0609020000020004" pitchFamily="49" charset="0"/>
               <a:ea typeface="Cascadia Code" panose="020B0609020000020004" pitchFamily="49" charset="0"/>
               <a:cs typeface="Cascadia Code" panose="020B0609020000020004" pitchFamily="49" charset="0"/>
@@ -16645,118 +16745,89 @@
           <a:p>
             <a:r>
               <a:rPr lang="en-US" dirty="0"/>
-              <a:t>Function application through pipelines simplifies expressions</a:t>
-            </a:r>
+              <a:t>But with object capabilities (from </a:t>
+            </a:r>
+            <a:r>
+              <a:rPr lang="en-US" i="1" dirty="0"/>
+              <a:t>Clojure</a:t>
+            </a:r>
+            <a:r>
+              <a:rPr lang="en-US" dirty="0"/>
+              <a:t>)</a:t>
+            </a:r>
+          </a:p>
+          <a:p>
+            <a:pPr lvl="1"/>
+            <a:r>
+              <a:rPr lang="en-US" dirty="0"/>
+              <a:t>methods and properties are </a:t>
+            </a:r>
+            <a:r>
+              <a:rPr lang="en-US" i="1" dirty="0"/>
+              <a:t>functions</a:t>
+            </a:r>
+            <a:endParaRPr lang="en-US" dirty="0"/>
           </a:p>
           <a:p>
             <a:pPr marL="457200" lvl="1" indent="0">
               <a:buNone/>
             </a:pPr>
-            <a:r>
-              <a:rPr lang="en-US" sz="1800" dirty="0">
-                <a:latin typeface="Cascadia Code" panose="020B0609020000020004" pitchFamily="49" charset="0"/>
-                <a:ea typeface="Cascadia Code" panose="020B0609020000020004" pitchFamily="49" charset="0"/>
-                <a:cs typeface="Cascadia Code" panose="020B0609020000020004" pitchFamily="49" charset="0"/>
-              </a:rPr>
-              <a:t>(sum (map (ls ‘*.</a:t>
-            </a:r>
-            <a:r>
-              <a:rPr lang="en-US" sz="1800" dirty="0" err="1">
-                <a:latin typeface="Cascadia Code" panose="020B0609020000020004" pitchFamily="49" charset="0"/>
-                <a:ea typeface="Cascadia Code" panose="020B0609020000020004" pitchFamily="49" charset="0"/>
-                <a:cs typeface="Cascadia Code" panose="020B0609020000020004" pitchFamily="49" charset="0"/>
-              </a:rPr>
-              <a:t>tl</a:t>
-            </a:r>
-            <a:r>
-              <a:rPr lang="en-US" sz="1800" dirty="0">
-                <a:latin typeface="Cascadia Code" panose="020B0609020000020004" pitchFamily="49" charset="0"/>
-                <a:ea typeface="Cascadia Code" panose="020B0609020000020004" pitchFamily="49" charset="0"/>
-                <a:cs typeface="Cascadia Code" panose="020B0609020000020004" pitchFamily="49" charset="0"/>
-              </a:rPr>
-              <a:t>) .length)) ; pure LISP syntax</a:t>
-            </a:r>
-          </a:p>
-          <a:p>
-            <a:pPr marL="457200" lvl="1" indent="0">
-              <a:buNone/>
-            </a:pPr>
-            <a:r>
-              <a:rPr lang="en-US" sz="1800" dirty="0">
-                <a:latin typeface="Cascadia Code" panose="020B0609020000020004" pitchFamily="49" charset="0"/>
-                <a:ea typeface="Cascadia Code" panose="020B0609020000020004" pitchFamily="49" charset="0"/>
-                <a:cs typeface="Cascadia Code" panose="020B0609020000020004" pitchFamily="49" charset="0"/>
-              </a:rPr>
-              <a:t>(ls ‘*.tl | map .length | sum) ; same thing in Braid with pipelines</a:t>
-            </a:r>
-          </a:p>
-          <a:p>
-            <a:pPr marL="457200" lvl="1" indent="0">
-              <a:buNone/>
-            </a:pPr>
-            <a:endParaRPr lang="en-US" sz="1800" dirty="0">
+            <a:endParaRPr lang="en-US" sz="2400" dirty="0">
               <a:latin typeface="Cascadia Code" panose="020B0609020000020004" pitchFamily="49" charset="0"/>
               <a:ea typeface="Cascadia Code" panose="020B0609020000020004" pitchFamily="49" charset="0"/>
               <a:cs typeface="Cascadia Code" panose="020B0609020000020004" pitchFamily="49" charset="0"/>
             </a:endParaRPr>
           </a:p>
           <a:p>
-            <a:r>
-              <a:rPr lang="en-US" dirty="0"/>
-              <a:t>When interactive, the top-level </a:t>
-            </a:r>
-            <a:r>
-              <a:rPr lang="en-US" dirty="0" err="1"/>
-              <a:t>parens</a:t>
-            </a:r>
-            <a:r>
-              <a:rPr lang="en-US" dirty="0"/>
-              <a:t> can be omitted:</a:t>
-            </a:r>
-          </a:p>
-          <a:p>
             <a:pPr marL="457200" lvl="1" indent="0">
               <a:buNone/>
             </a:pPr>
             <a:r>
-              <a:rPr lang="en-US" sz="1800" dirty="0">
-                <a:latin typeface="Cascadia Code" panose="020B0609020000020004" pitchFamily="49" charset="0"/>
-                <a:ea typeface="Cascadia Code" panose="020B0609020000020004" pitchFamily="49" charset="0"/>
-                <a:cs typeface="Cascadia Code" panose="020B0609020000020004" pitchFamily="49" charset="0"/>
-              </a:rPr>
-              <a:t>ls ‘*.tl | map .length | sum  ; sum lengths of .</a:t>
-            </a:r>
-            <a:r>
-              <a:rPr lang="en-US" sz="1800" dirty="0" err="1">
-                <a:latin typeface="Cascadia Code" panose="020B0609020000020004" pitchFamily="49" charset="0"/>
-                <a:ea typeface="Cascadia Code" panose="020B0609020000020004" pitchFamily="49" charset="0"/>
-                <a:cs typeface="Cascadia Code" panose="020B0609020000020004" pitchFamily="49" charset="0"/>
-              </a:rPr>
-              <a:t>tl</a:t>
-            </a:r>
-            <a:r>
-              <a:rPr lang="en-US" sz="1800" dirty="0">
-                <a:latin typeface="Cascadia Code" panose="020B0609020000020004" pitchFamily="49" charset="0"/>
-                <a:ea typeface="Cascadia Code" panose="020B0609020000020004" pitchFamily="49" charset="0"/>
-                <a:cs typeface="Cascadia Code" panose="020B0609020000020004" pitchFamily="49" charset="0"/>
-              </a:rPr>
-              <a:t> files in the CWD</a:t>
+              <a:rPr lang="en-US" sz="2400" dirty="0">
+                <a:latin typeface="Cascadia Code" panose="020B0609020000020004" pitchFamily="49" charset="0"/>
+                <a:ea typeface="Cascadia Code" panose="020B0609020000020004" pitchFamily="49" charset="0"/>
+                <a:cs typeface="Cascadia Code" panose="020B0609020000020004" pitchFamily="49" charset="0"/>
+              </a:rPr>
+              <a:t>(.length "hello world")  ; get the length of a string</a:t>
             </a:r>
           </a:p>
           <a:p>
             <a:pPr marL="457200" lvl="1" indent="0">
               <a:buNone/>
             </a:pPr>
-            <a:endParaRPr lang="en-US" sz="1800" dirty="0">
+            <a:endParaRPr lang="en-US" sz="2400" dirty="0">
               <a:latin typeface="Cascadia Code" panose="020B0609020000020004" pitchFamily="49" charset="0"/>
               <a:ea typeface="Cascadia Code" panose="020B0609020000020004" pitchFamily="49" charset="0"/>
               <a:cs typeface="Cascadia Code" panose="020B0609020000020004" pitchFamily="49" charset="0"/>
             </a:endParaRPr>
           </a:p>
           <a:p>
-            <a:r>
-              <a:rPr lang="en-US" dirty="0"/>
-              <a:t>Add in array and dictionary literals, function literals, higher-order functions, pattern matching, etc. and you have Braid</a:t>
+            <a:pPr marL="457200" lvl="1" indent="0">
+              <a:buNone/>
+            </a:pPr>
+            <a:r>
+              <a:rPr lang="en-US" sz="2400" dirty="0">
+                <a:latin typeface="Cascadia Code" panose="020B0609020000020004" pitchFamily="49" charset="0"/>
+                <a:ea typeface="Cascadia Code" panose="020B0609020000020004" pitchFamily="49" charset="0"/>
+                <a:cs typeface="Cascadia Code" panose="020B0609020000020004" pitchFamily="49" charset="0"/>
+              </a:rPr>
+              <a:t>(.substring "Hello" 2 2) ; method call returns "</a:t>
+            </a:r>
+            <a:r>
+              <a:rPr lang="en-US" sz="2400" dirty="0" err="1">
+                <a:latin typeface="Cascadia Code" panose="020B0609020000020004" pitchFamily="49" charset="0"/>
+                <a:ea typeface="Cascadia Code" panose="020B0609020000020004" pitchFamily="49" charset="0"/>
+                <a:cs typeface="Cascadia Code" panose="020B0609020000020004" pitchFamily="49" charset="0"/>
+              </a:rPr>
+              <a:t>ll</a:t>
+            </a:r>
+            <a:r>
+              <a:rPr lang="en-US" sz="2400" dirty="0">
+                <a:latin typeface="Cascadia Code" panose="020B0609020000020004" pitchFamily="49" charset="0"/>
+                <a:ea typeface="Cascadia Code" panose="020B0609020000020004" pitchFamily="49" charset="0"/>
+                <a:cs typeface="Cascadia Code" panose="020B0609020000020004" pitchFamily="49" charset="0"/>
+              </a:rPr>
+              <a:t>"</a:t>
             </a:r>
           </a:p>
         </p:txBody>
@@ -16809,12 +16880,22 @@
         </p:nvSpPr>
         <p:spPr/>
         <p:txBody>
-          <a:bodyPr/>
+          <a:bodyPr>
+            <a:normAutofit/>
+          </a:bodyPr>
           <a:lstStyle/>
           <a:p>
             <a:r>
               <a:rPr lang="en-US" dirty="0"/>
-              <a:t>What is Braid</a:t>
+              <a:t>Looks kind of like </a:t>
+            </a:r>
+            <a:r>
+              <a:rPr lang="en-US" i="1" dirty="0"/>
+              <a:t>LISP </a:t>
+            </a:r>
+            <a:r>
+              <a:rPr lang="en-US" dirty="0"/>
+              <a:t>cont’d</a:t>
             </a:r>
             <a:endParaRPr lang="en-GB" dirty="0"/>
           </a:p>
@@ -16838,26 +16919,81 @@
         </p:nvSpPr>
         <p:spPr>
           <a:xfrm>
-            <a:off x="838200" y="1581325"/>
-            <a:ext cx="10515600" cy="4773336"/>
+            <a:off x="838200" y="1455490"/>
+            <a:ext cx="10515600" cy="4951749"/>
           </a:xfrm>
         </p:spPr>
         <p:txBody>
           <a:bodyPr>
-            <a:normAutofit fontScale="92500" lnSpcReduction="20000"/>
+            <a:normAutofit fontScale="92500"/>
           </a:bodyPr>
           <a:lstStyle/>
           <a:p>
             <a:r>
               <a:rPr lang="en-US" dirty="0"/>
-              <a:t>Object-oriented shell with pipelines</a:t>
-            </a:r>
-          </a:p>
-          <a:p>
-            <a:pPr lvl="1"/>
+              <a:t>Function application through pipelines greatly simplifies expressions</a:t>
+            </a:r>
+          </a:p>
+          <a:p>
+            <a:pPr marL="457200" lvl="1" indent="0">
+              <a:buNone/>
+            </a:pPr>
+            <a:r>
+              <a:rPr lang="en-US" sz="2100" dirty="0">
+                <a:latin typeface="Cascadia Code" panose="020B0609020000020004" pitchFamily="49" charset="0"/>
+                <a:ea typeface="Cascadia Code" panose="020B0609020000020004" pitchFamily="49" charset="0"/>
+                <a:cs typeface="Cascadia Code" panose="020B0609020000020004" pitchFamily="49" charset="0"/>
+              </a:rPr>
+              <a:t>(sum (map (ls ‘*.</a:t>
+            </a:r>
+            <a:r>
+              <a:rPr lang="en-US" sz="2100" dirty="0" err="1">
+                <a:latin typeface="Cascadia Code" panose="020B0609020000020004" pitchFamily="49" charset="0"/>
+                <a:ea typeface="Cascadia Code" panose="020B0609020000020004" pitchFamily="49" charset="0"/>
+                <a:cs typeface="Cascadia Code" panose="020B0609020000020004" pitchFamily="49" charset="0"/>
+              </a:rPr>
+              <a:t>tl</a:t>
+            </a:r>
+            <a:r>
+              <a:rPr lang="en-US" sz="2100" dirty="0">
+                <a:latin typeface="Cascadia Code" panose="020B0609020000020004" pitchFamily="49" charset="0"/>
+                <a:ea typeface="Cascadia Code" panose="020B0609020000020004" pitchFamily="49" charset="0"/>
+                <a:cs typeface="Cascadia Code" panose="020B0609020000020004" pitchFamily="49" charset="0"/>
+              </a:rPr>
+              <a:t>) .length)) ; pure LISP syntax</a:t>
+            </a:r>
+          </a:p>
+          <a:p>
+            <a:r>
+              <a:rPr lang="en-US" sz="2800" dirty="0"/>
+              <a:t>becomes</a:t>
+            </a:r>
+          </a:p>
+          <a:p>
+            <a:pPr marL="457200" lvl="1" indent="0">
+              <a:buNone/>
+            </a:pPr>
+            <a:r>
+              <a:rPr lang="en-US" sz="2100" dirty="0">
+                <a:latin typeface="Cascadia Code" panose="020B0609020000020004" pitchFamily="49" charset="0"/>
+                <a:ea typeface="Cascadia Code" panose="020B0609020000020004" pitchFamily="49" charset="0"/>
+                <a:cs typeface="Cascadia Code" panose="020B0609020000020004" pitchFamily="49" charset="0"/>
+              </a:rPr>
+              <a:t>(ls ‘*.tl | map .length | sum) ; same thing in Braid with pipelines</a:t>
+            </a:r>
+          </a:p>
+          <a:p>
             <a:r>
               <a:rPr lang="en-US" dirty="0"/>
-              <a:t>Layered on top of PowerShell and .NET frameworks</a:t>
+              <a:t>When interactive, the top-level </a:t>
+            </a:r>
+            <a:r>
+              <a:rPr lang="en-US" dirty="0" err="1"/>
+              <a:t>parens</a:t>
+            </a:r>
+            <a:r>
+              <a:rPr lang="en-US" dirty="0"/>
+              <a:t> can be omitted:</a:t>
             </a:r>
           </a:p>
           <a:p>
@@ -16870,187 +17006,37 @@
                 <a:ea typeface="Cascadia Code" panose="020B0609020000020004" pitchFamily="49" charset="0"/>
                 <a:cs typeface="Cascadia Code" panose="020B0609020000020004" pitchFamily="49" charset="0"/>
               </a:rPr>
-              <a:t>ls –file | sort –descending .length | take 10 ; get 10 largest files</a:t>
-            </a:r>
-          </a:p>
-          <a:p>
-            <a:r>
-              <a:rPr lang="en-US" i="1" dirty="0"/>
-              <a:t>Extended</a:t>
-            </a:r>
+              <a:t>ls ‘*.tl | map .length | sum  ; sum lengths of .</a:t>
+            </a:r>
+            <a:r>
+              <a:rPr lang="en-US" sz="2100" dirty="0" err="1">
+                <a:latin typeface="Cascadia Code" panose="020B0609020000020004" pitchFamily="49" charset="0"/>
+                <a:ea typeface="Cascadia Code" panose="020B0609020000020004" pitchFamily="49" charset="0"/>
+                <a:cs typeface="Cascadia Code" panose="020B0609020000020004" pitchFamily="49" charset="0"/>
+              </a:rPr>
+              <a:t>tl</a:t>
+            </a:r>
+            <a:r>
+              <a:rPr lang="en-US" sz="2100" dirty="0">
+                <a:latin typeface="Cascadia Code" panose="020B0609020000020004" pitchFamily="49" charset="0"/>
+                <a:ea typeface="Cascadia Code" panose="020B0609020000020004" pitchFamily="49" charset="0"/>
+                <a:cs typeface="Cascadia Code" panose="020B0609020000020004" pitchFamily="49" charset="0"/>
+              </a:rPr>
+              <a:t> files in the CWD</a:t>
+            </a:r>
+          </a:p>
+          <a:p>
             <a:r>
               <a:rPr lang="en-US" dirty="0"/>
-              <a:t> LISP syntax (see </a:t>
-            </a:r>
-            <a:r>
-              <a:rPr lang="en-US" i="1" dirty="0"/>
-              <a:t>Clojure</a:t>
-            </a:r>
-            <a:r>
-              <a:rPr lang="en-US" dirty="0"/>
-              <a:t> and </a:t>
-            </a:r>
-            <a:r>
-              <a:rPr lang="en-US" i="1" dirty="0"/>
-              <a:t>Shen Lisp</a:t>
-            </a:r>
-            <a:r>
-              <a:rPr lang="en-US" dirty="0"/>
-              <a:t>)</a:t>
-            </a:r>
-          </a:p>
-          <a:p>
-            <a:pPr lvl="1"/>
-            <a:r>
-              <a:rPr lang="en-US" dirty="0"/>
-              <a:t>Array literals:  </a:t>
-            </a:r>
-            <a:r>
-              <a:rPr lang="en-US" sz="1800" dirty="0">
-                <a:latin typeface="Cascadia Code" panose="020B0609020000020004" pitchFamily="49" charset="0"/>
-                <a:ea typeface="Cascadia Code" panose="020B0609020000020004" pitchFamily="49" charset="0"/>
-                <a:cs typeface="Cascadia Code" panose="020B0609020000020004" pitchFamily="49" charset="0"/>
-              </a:rPr>
-              <a:t>[1 2 3] [1 [2 3] 4 [5 6]]</a:t>
-            </a:r>
-          </a:p>
-          <a:p>
-            <a:pPr lvl="1"/>
-            <a:r>
-              <a:rPr lang="en-US" dirty="0"/>
-              <a:t>Dictionary and Set literals:   </a:t>
-            </a:r>
-            <a:r>
-              <a:rPr lang="en-US" sz="1800" dirty="0">
-                <a:latin typeface="Cascadia Code" panose="020B0609020000020004" pitchFamily="49" charset="0"/>
-                <a:ea typeface="Cascadia Code" panose="020B0609020000020004" pitchFamily="49" charset="0"/>
-                <a:cs typeface="Cascadia Code" panose="020B0609020000020004" pitchFamily="49" charset="0"/>
-              </a:rPr>
-              <a:t>{:a 1 :b 2 :c 3} #{:a :b :c}</a:t>
-            </a:r>
-          </a:p>
-          <a:p>
-            <a:pPr lvl="1"/>
-            <a:r>
-              <a:rPr lang="en-US" dirty="0"/>
-              <a:t>Function literals (lambda’s):    </a:t>
-            </a:r>
-            <a:r>
-              <a:rPr lang="en-US" sz="1800" dirty="0">
-                <a:latin typeface="Cascadia Code" panose="020B0609020000020004" pitchFamily="49" charset="0"/>
-                <a:ea typeface="Cascadia Code" panose="020B0609020000020004" pitchFamily="49" charset="0"/>
-                <a:cs typeface="Cascadia Code" panose="020B0609020000020004" pitchFamily="49" charset="0"/>
-              </a:rPr>
-              <a:t>(\ x y -&gt; (+ x y))</a:t>
-            </a:r>
-          </a:p>
-          <a:p>
-            <a:pPr lvl="1"/>
-            <a:r>
-              <a:rPr lang="en-US" dirty="0">
-                <a:ea typeface="Cascadia Code" panose="020B0609020000020004" pitchFamily="49" charset="0"/>
-                <a:cs typeface="Cascadia Code" panose="020B0609020000020004" pitchFamily="49" charset="0"/>
-              </a:rPr>
-              <a:t>Regular expression literals:   </a:t>
-            </a:r>
-            <a:r>
-              <a:rPr lang="en-US" sz="1800" dirty="0">
-                <a:latin typeface="Cascadia Code" panose="020B0609020000020004" pitchFamily="49" charset="0"/>
-                <a:ea typeface="Cascadia Code" panose="020B0609020000020004" pitchFamily="49" charset="0"/>
-                <a:cs typeface="Cascadia Code" panose="020B0609020000020004" pitchFamily="49" charset="0"/>
-              </a:rPr>
-              <a:t>#"[a-z][a-b0-9]+"</a:t>
-            </a:r>
-          </a:p>
-          <a:p>
-            <a:pPr lvl="1"/>
-            <a:r>
-              <a:rPr lang="en-US" dirty="0"/>
-              <a:t>*Patterns: </a:t>
-            </a:r>
-            <a:r>
-              <a:rPr lang="en-US" sz="1900" dirty="0">
-                <a:latin typeface="Cascadia Code" panose="020B0609020000020004" pitchFamily="49" charset="0"/>
-                <a:ea typeface="Cascadia Code" panose="020B0609020000020004" pitchFamily="49" charset="0"/>
-                <a:cs typeface="Cascadia Code" panose="020B0609020000020004" pitchFamily="49" charset="0"/>
-              </a:rPr>
-              <a:t>(</a:t>
-            </a:r>
-            <a:r>
-              <a:rPr lang="en-US" sz="1900" dirty="0" err="1">
-                <a:latin typeface="Cascadia Code" panose="020B0609020000020004" pitchFamily="49" charset="0"/>
-                <a:ea typeface="Cascadia Code" panose="020B0609020000020004" pitchFamily="49" charset="0"/>
-                <a:cs typeface="Cascadia Code" panose="020B0609020000020004" pitchFamily="49" charset="0"/>
-              </a:rPr>
-              <a:t>matchp</a:t>
-            </a:r>
-            <a:r>
-              <a:rPr lang="en-US" sz="1900" dirty="0">
-                <a:latin typeface="Cascadia Code" panose="020B0609020000020004" pitchFamily="49" charset="0"/>
-                <a:ea typeface="Cascadia Code" panose="020B0609020000020004" pitchFamily="49" charset="0"/>
-                <a:cs typeface="Cascadia Code" panose="020B0609020000020004" pitchFamily="49" charset="0"/>
-              </a:rPr>
-              <a:t> n | 1 -&gt; "one" | 2 -&gt; "two" | -&gt; "other")</a:t>
-            </a:r>
-          </a:p>
-          <a:p>
-            <a:r>
-              <a:rPr lang="en-US" dirty="0">
-                <a:ea typeface="Cascadia Code" panose="020B0609020000020004" pitchFamily="49" charset="0"/>
-                <a:cs typeface="Cascadia Code" panose="020B0609020000020004" pitchFamily="49" charset="0"/>
-              </a:rPr>
-              <a:t>*Everything* is a function including regex and vectors</a:t>
-            </a:r>
-          </a:p>
-          <a:p>
-            <a:pPr marL="457200" lvl="1" indent="0">
-              <a:buNone/>
-            </a:pPr>
-            <a:r>
-              <a:rPr lang="en-US" sz="1700" dirty="0">
-                <a:latin typeface="Cascadia Code" panose="020B0609020000020004" pitchFamily="49" charset="0"/>
-                <a:ea typeface="Cascadia Code" panose="020B0609020000020004" pitchFamily="49" charset="0"/>
-                <a:cs typeface="Cascadia Code" panose="020B0609020000020004" pitchFamily="49" charset="0"/>
-              </a:rPr>
-              <a:t>[1 2 3 4 5 6] | where (\ n -&gt; (re/match n #"[246]")) ; with function literal</a:t>
-            </a:r>
-          </a:p>
-          <a:p>
-            <a:pPr marL="457200" lvl="1" indent="0">
-              <a:buNone/>
-            </a:pPr>
-            <a:r>
-              <a:rPr lang="en-US" sz="1700" dirty="0">
-                <a:latin typeface="Cascadia Code" panose="020B0609020000020004" pitchFamily="49" charset="0"/>
-                <a:ea typeface="Cascadia Code" panose="020B0609020000020004" pitchFamily="49" charset="0"/>
-                <a:cs typeface="Cascadia Code" panose="020B0609020000020004" pitchFamily="49" charset="0"/>
-              </a:rPr>
-              <a:t>[1 2 3 4 5 6] | where #"[246]"                       ; using regex as function</a:t>
-            </a:r>
-          </a:p>
-          <a:p>
-            <a:pPr marL="457200" lvl="1" indent="0">
-              <a:buNone/>
-            </a:pPr>
-            <a:r>
-              <a:rPr lang="en-US" sz="1700" dirty="0">
-                <a:latin typeface="Cascadia Code" panose="020B0609020000020004" pitchFamily="49" charset="0"/>
-                <a:ea typeface="Cascadia Code" panose="020B0609020000020004" pitchFamily="49" charset="0"/>
-                <a:cs typeface="Cascadia Code" panose="020B0609020000020004" pitchFamily="49" charset="0"/>
-              </a:rPr>
-              <a:t>[1 2 3 4 5 6] 2                                      ; vector as a function</a:t>
-            </a:r>
-            <a:endParaRPr lang="en-US" sz="1700" dirty="0">
-              <a:ea typeface="Cascadia Code" panose="020B0609020000020004" pitchFamily="49" charset="0"/>
-              <a:cs typeface="Cascadia Code" panose="020B0609020000020004" pitchFamily="49" charset="0"/>
-            </a:endParaRPr>
+              <a:t>Add in array and dictionary literals, function literals, higher-order functions, pattern matching, etc. and you have Braid</a:t>
+            </a:r>
           </a:p>
         </p:txBody>
       </p:sp>
     </p:spTree>
     <p:extLst>
       <p:ext uri="{BB962C8B-B14F-4D97-AF65-F5344CB8AC3E}">
-        <p14:creationId xmlns:p14="http://schemas.microsoft.com/office/powerpoint/2010/main" val="1128773533"/>
+        <p14:creationId xmlns:p14="http://schemas.microsoft.com/office/powerpoint/2010/main" val="3781322505"/>
       </p:ext>
     </p:extLst>
   </p:cSld>
@@ -17100,7 +17086,7 @@
           <a:p>
             <a:r>
               <a:rPr lang="en-US" dirty="0"/>
-              <a:t>Features</a:t>
+              <a:t>What is Braid</a:t>
             </a:r>
             <a:endParaRPr lang="en-GB" dirty="0"/>
           </a:p>
@@ -17124,22 +17110,168 @@
         </p:nvSpPr>
         <p:spPr>
           <a:xfrm>
-            <a:off x="838200" y="1468073"/>
-            <a:ext cx="10515600" cy="4708890"/>
+            <a:off x="838200" y="1448873"/>
+            <a:ext cx="10515600" cy="5044002"/>
           </a:xfrm>
         </p:spPr>
         <p:txBody>
           <a:bodyPr>
-            <a:normAutofit fontScale="70000" lnSpcReduction="20000"/>
+            <a:normAutofit fontScale="92500" lnSpcReduction="20000"/>
           </a:bodyPr>
           <a:lstStyle/>
           <a:p>
             <a:r>
+              <a:rPr lang="en-US" dirty="0"/>
+              <a:t>Object-oriented shell with pipelines</a:t>
+            </a:r>
+          </a:p>
+          <a:p>
+            <a:pPr lvl="1"/>
+            <a:r>
+              <a:rPr lang="en-US" dirty="0"/>
+              <a:t>Layered on top of PowerShell and .NET frameworks</a:t>
+            </a:r>
+          </a:p>
+          <a:p>
+            <a:pPr marL="457200" lvl="1" indent="0">
+              <a:buNone/>
+            </a:pPr>
+            <a:r>
+              <a:rPr lang="en-US" sz="2100" dirty="0">
+                <a:latin typeface="Cascadia Code" panose="020B0609020000020004" pitchFamily="49" charset="0"/>
+                <a:ea typeface="Cascadia Code" panose="020B0609020000020004" pitchFamily="49" charset="0"/>
+                <a:cs typeface="Cascadia Code" panose="020B0609020000020004" pitchFamily="49" charset="0"/>
+              </a:rPr>
+              <a:t>ls –file | sort –descending .length | take 10 ; get 10 largest files</a:t>
+            </a:r>
+          </a:p>
+          <a:p>
+            <a:r>
+              <a:rPr lang="en-US" i="1" dirty="0"/>
+              <a:t>Extended</a:t>
+            </a:r>
+            <a:r>
+              <a:rPr lang="en-US" dirty="0"/>
+              <a:t> LISP syntax (see </a:t>
+            </a:r>
+            <a:r>
+              <a:rPr lang="en-US" i="1" dirty="0"/>
+              <a:t>Clojure</a:t>
+            </a:r>
+            <a:r>
+              <a:rPr lang="en-US" dirty="0"/>
+              <a:t> and </a:t>
+            </a:r>
+            <a:r>
+              <a:rPr lang="en-US" i="1" dirty="0"/>
+              <a:t>Shen Lisp</a:t>
+            </a:r>
+            <a:r>
+              <a:rPr lang="en-US" dirty="0"/>
+              <a:t>)</a:t>
+            </a:r>
+          </a:p>
+          <a:p>
+            <a:pPr lvl="1"/>
+            <a:r>
+              <a:rPr lang="en-US" dirty="0"/>
+              <a:t>Array literals:  </a:t>
+            </a:r>
+            <a:r>
+              <a:rPr lang="en-US" sz="1800" dirty="0">
+                <a:latin typeface="Cascadia Code" panose="020B0609020000020004" pitchFamily="49" charset="0"/>
+                <a:ea typeface="Cascadia Code" panose="020B0609020000020004" pitchFamily="49" charset="0"/>
+                <a:cs typeface="Cascadia Code" panose="020B0609020000020004" pitchFamily="49" charset="0"/>
+              </a:rPr>
+              <a:t>[1 2 3] [1 [2 3] 4 [5 6]]</a:t>
+            </a:r>
+          </a:p>
+          <a:p>
+            <a:pPr lvl="1"/>
+            <a:r>
+              <a:rPr lang="en-US" dirty="0"/>
+              <a:t>Dictionary and Set literals:   </a:t>
+            </a:r>
+            <a:r>
+              <a:rPr lang="en-US" sz="1800" dirty="0">
+                <a:latin typeface="Cascadia Code" panose="020B0609020000020004" pitchFamily="49" charset="0"/>
+                <a:ea typeface="Cascadia Code" panose="020B0609020000020004" pitchFamily="49" charset="0"/>
+                <a:cs typeface="Cascadia Code" panose="020B0609020000020004" pitchFamily="49" charset="0"/>
+              </a:rPr>
+              <a:t>{:a 1 :b 2 :c 3} #{:a :b :c}</a:t>
+            </a:r>
+          </a:p>
+          <a:p>
+            <a:pPr lvl="1"/>
+            <a:r>
+              <a:rPr lang="en-US" dirty="0"/>
+              <a:t>Function literals (lambda’s):    </a:t>
+            </a:r>
+            <a:r>
+              <a:rPr lang="en-US" sz="1800" dirty="0">
+                <a:latin typeface="Cascadia Code" panose="020B0609020000020004" pitchFamily="49" charset="0"/>
+                <a:ea typeface="Cascadia Code" panose="020B0609020000020004" pitchFamily="49" charset="0"/>
+                <a:cs typeface="Cascadia Code" panose="020B0609020000020004" pitchFamily="49" charset="0"/>
+              </a:rPr>
+              <a:t>(\ x y -&gt; (+ x y))</a:t>
+            </a:r>
+          </a:p>
+          <a:p>
+            <a:pPr lvl="1"/>
+            <a:r>
               <a:rPr lang="en-US" dirty="0">
                 <a:ea typeface="Cascadia Code" panose="020B0609020000020004" pitchFamily="49" charset="0"/>
                 <a:cs typeface="Cascadia Code" panose="020B0609020000020004" pitchFamily="49" charset="0"/>
               </a:rPr>
-              <a:t>Literals</a:t>
+              <a:t>Regular expression literals:   </a:t>
+            </a:r>
+            <a:r>
+              <a:rPr lang="en-US" sz="1800" dirty="0">
+                <a:latin typeface="Cascadia Code" panose="020B0609020000020004" pitchFamily="49" charset="0"/>
+                <a:ea typeface="Cascadia Code" panose="020B0609020000020004" pitchFamily="49" charset="0"/>
+                <a:cs typeface="Cascadia Code" panose="020B0609020000020004" pitchFamily="49" charset="0"/>
+              </a:rPr>
+              <a:t>#"[a-z][a-b0-9]+"</a:t>
+            </a:r>
+          </a:p>
+          <a:p>
+            <a:pPr lvl="1"/>
+            <a:r>
+              <a:rPr lang="en-US" dirty="0"/>
+              <a:t>*Patterns: </a:t>
+            </a:r>
+            <a:r>
+              <a:rPr lang="en-US" sz="1900" dirty="0">
+                <a:latin typeface="Cascadia Code" panose="020B0609020000020004" pitchFamily="49" charset="0"/>
+                <a:ea typeface="Cascadia Code" panose="020B0609020000020004" pitchFamily="49" charset="0"/>
+                <a:cs typeface="Cascadia Code" panose="020B0609020000020004" pitchFamily="49" charset="0"/>
+              </a:rPr>
+              <a:t>(</a:t>
+            </a:r>
+            <a:r>
+              <a:rPr lang="en-US" sz="1900" dirty="0" err="1">
+                <a:latin typeface="Cascadia Code" panose="020B0609020000020004" pitchFamily="49" charset="0"/>
+                <a:ea typeface="Cascadia Code" panose="020B0609020000020004" pitchFamily="49" charset="0"/>
+                <a:cs typeface="Cascadia Code" panose="020B0609020000020004" pitchFamily="49" charset="0"/>
+              </a:rPr>
+              <a:t>matchp</a:t>
+            </a:r>
+            <a:r>
+              <a:rPr lang="en-US" sz="1900" dirty="0">
+                <a:latin typeface="Cascadia Code" panose="020B0609020000020004" pitchFamily="49" charset="0"/>
+                <a:ea typeface="Cascadia Code" panose="020B0609020000020004" pitchFamily="49" charset="0"/>
+                <a:cs typeface="Cascadia Code" panose="020B0609020000020004" pitchFamily="49" charset="0"/>
+              </a:rPr>
+              <a:t> n | 1 -&gt; "one" | 2 -&gt; "two" | -&gt; "other")</a:t>
+            </a:r>
+          </a:p>
+          <a:p>
+            <a:r>
+              <a:rPr lang="en-US" dirty="0">
+                <a:ea typeface="Cascadia Code" panose="020B0609020000020004" pitchFamily="49" charset="0"/>
+                <a:cs typeface="Cascadia Code" panose="020B0609020000020004" pitchFamily="49" charset="0"/>
+              </a:rPr>
+              <a:t>*Everything* is a function including regex and vectors</a:t>
             </a:r>
           </a:p>
           <a:p>
@@ -17147,28 +17279,12 @@
               <a:buNone/>
             </a:pPr>
             <a:r>
-              <a:rPr lang="en-US" sz="2000" dirty="0">
-                <a:latin typeface="Cascadia Code" panose="020B0609020000020004" pitchFamily="49" charset="0"/>
-                <a:ea typeface="Cascadia Code" panose="020B0609020000020004" pitchFamily="49" charset="0"/>
-                <a:cs typeface="Cascadia Code" panose="020B0609020000020004" pitchFamily="49" charset="0"/>
-              </a:rPr>
-              <a:t>^</a:t>
-            </a:r>
-            <a:r>
-              <a:rPr lang="en-US" sz="2000" dirty="0" err="1">
-                <a:latin typeface="Cascadia Code" panose="020B0609020000020004" pitchFamily="49" charset="0"/>
-                <a:ea typeface="Cascadia Code" panose="020B0609020000020004" pitchFamily="49" charset="0"/>
-                <a:cs typeface="Cascadia Code" panose="020B0609020000020004" pitchFamily="49" charset="0"/>
-              </a:rPr>
-              <a:t>aType</a:t>
-            </a:r>
-            <a:r>
-              <a:rPr lang="en-US" sz="2000" dirty="0">
-                <a:latin typeface="Cascadia Code" panose="020B0609020000020004" pitchFamily="49" charset="0"/>
-                <a:ea typeface="Cascadia Code" panose="020B0609020000020004" pitchFamily="49" charset="0"/>
-                <a:cs typeface="Cascadia Code" panose="020B0609020000020004" pitchFamily="49" charset="0"/>
-              </a:rPr>
-              <a:t>                         ; type literal starts with ^</a:t>
+              <a:rPr lang="en-US" sz="1700" dirty="0">
+                <a:latin typeface="Cascadia Code" panose="020B0609020000020004" pitchFamily="49" charset="0"/>
+                <a:ea typeface="Cascadia Code" panose="020B0609020000020004" pitchFamily="49" charset="0"/>
+                <a:cs typeface="Cascadia Code" panose="020B0609020000020004" pitchFamily="49" charset="0"/>
+              </a:rPr>
+              <a:t>[1 2 3 4 5 6] | where (\ n -&gt; (re/match n #"[246]")) ; with function literal</a:t>
             </a:r>
           </a:p>
           <a:p>
@@ -17176,12 +17292,12 @@
               <a:buNone/>
             </a:pPr>
             <a:r>
-              <a:rPr lang="en-US" sz="2000" dirty="0">
-                <a:latin typeface="Cascadia Code" panose="020B0609020000020004" pitchFamily="49" charset="0"/>
-                <a:ea typeface="Cascadia Code" panose="020B0609020000020004" pitchFamily="49" charset="0"/>
-                <a:cs typeface="Cascadia Code" panose="020B0609020000020004" pitchFamily="49" charset="0"/>
-              </a:rPr>
-              <a:t>123i                           ; big integers are supported</a:t>
+              <a:rPr lang="en-US" sz="1700" dirty="0">
+                <a:latin typeface="Cascadia Code" panose="020B0609020000020004" pitchFamily="49" charset="0"/>
+                <a:ea typeface="Cascadia Code" panose="020B0609020000020004" pitchFamily="49" charset="0"/>
+                <a:cs typeface="Cascadia Code" panose="020B0609020000020004" pitchFamily="49" charset="0"/>
+              </a:rPr>
+              <a:t>[1 2 3 4 5 6] | where #"[246]"                       ; using regex as function</a:t>
             </a:r>
           </a:p>
           <a:p>
@@ -17189,565 +17305,14 @@
               <a:buNone/>
             </a:pPr>
             <a:r>
-              <a:rPr lang="en-US" sz="2000" dirty="0">
-                <a:latin typeface="Cascadia Code" panose="020B0609020000020004" pitchFamily="49" charset="0"/>
-                <a:ea typeface="Cascadia Code" panose="020B0609020000020004" pitchFamily="49" charset="0"/>
-                <a:cs typeface="Cascadia Code" panose="020B0609020000020004" pitchFamily="49" charset="0"/>
-              </a:rPr>
-              <a:t>12.34 0xDE12 0b1000_23 123_465 ; numeric literals</a:t>
-            </a:r>
-          </a:p>
-          <a:p>
-            <a:pPr marL="457200" lvl="1" indent="0">
-              <a:buNone/>
-            </a:pPr>
-            <a:r>
-              <a:rPr lang="en-US" sz="2000" dirty="0">
-                <a:latin typeface="Cascadia Code" panose="020B0609020000020004" pitchFamily="49" charset="0"/>
-                <a:ea typeface="Cascadia Code" panose="020B0609020000020004" pitchFamily="49" charset="0"/>
-                <a:cs typeface="Cascadia Code" panose="020B0609020000020004" pitchFamily="49" charset="0"/>
-              </a:rPr>
-              <a:t>#</a:t>
-            </a:r>
-            <a:r>
-              <a:rPr lang="en-US" sz="2000" dirty="0">
-                <a:solidFill>
-                  <a:srgbClr val="0070C0"/>
-                </a:solidFill>
-                <a:latin typeface="Cascadia Code" panose="020B0609020000020004" pitchFamily="49" charset="0"/>
-                <a:ea typeface="Cascadia Code" panose="020B0609020000020004" pitchFamily="49" charset="0"/>
-                <a:cs typeface="Cascadia Code" panose="020B0609020000020004" pitchFamily="49" charset="0"/>
-              </a:rPr>
-              <a:t>"</a:t>
-            </a:r>
-            <a:r>
-              <a:rPr lang="en-US" sz="2000" dirty="0">
-                <a:latin typeface="Cascadia Code" panose="020B0609020000020004" pitchFamily="49" charset="0"/>
-                <a:ea typeface="Cascadia Code" panose="020B0609020000020004" pitchFamily="49" charset="0"/>
-                <a:cs typeface="Cascadia Code" panose="020B0609020000020004" pitchFamily="49" charset="0"/>
-              </a:rPr>
-              <a:t>[a-z][0-9]*</a:t>
-            </a:r>
-            <a:r>
-              <a:rPr lang="en-US" sz="2000" dirty="0">
-                <a:solidFill>
-                  <a:srgbClr val="0070C0"/>
-                </a:solidFill>
-                <a:latin typeface="Cascadia Code" panose="020B0609020000020004" pitchFamily="49" charset="0"/>
-                <a:ea typeface="Cascadia Code" panose="020B0609020000020004" pitchFamily="49" charset="0"/>
-                <a:cs typeface="Cascadia Code" panose="020B0609020000020004" pitchFamily="49" charset="0"/>
-              </a:rPr>
-              <a:t>"</a:t>
-            </a:r>
-            <a:r>
-              <a:rPr lang="en-US" sz="2000" dirty="0">
-                <a:latin typeface="Cascadia Code" panose="020B0609020000020004" pitchFamily="49" charset="0"/>
-                <a:ea typeface="Cascadia Code" panose="020B0609020000020004" pitchFamily="49" charset="0"/>
-                <a:cs typeface="Cascadia Code" panose="020B0609020000020004" pitchFamily="49" charset="0"/>
-              </a:rPr>
-              <a:t>                 ; regex literal</a:t>
-            </a:r>
-          </a:p>
-          <a:p>
-            <a:r>
-              <a:rPr lang="en-US" dirty="0">
-                <a:ea typeface="Cascadia Code" panose="020B0609020000020004" pitchFamily="49" charset="0"/>
-                <a:cs typeface="Cascadia Code" panose="020B0609020000020004" pitchFamily="49" charset="0"/>
-              </a:rPr>
-              <a:t>Function Definitions</a:t>
-            </a:r>
-          </a:p>
-          <a:p>
-            <a:pPr marL="457200" lvl="1" indent="0">
-              <a:buNone/>
-            </a:pPr>
-            <a:r>
-              <a:rPr lang="en-US" sz="2000" dirty="0">
-                <a:latin typeface="Cascadia Code" panose="020B0609020000020004" pitchFamily="49" charset="0"/>
-                <a:ea typeface="Cascadia Code" panose="020B0609020000020004" pitchFamily="49" charset="0"/>
-                <a:cs typeface="Cascadia Code" panose="020B0609020000020004" pitchFamily="49" charset="0"/>
-              </a:rPr>
-              <a:t>(</a:t>
-            </a:r>
-            <a:r>
-              <a:rPr lang="en-US" sz="2000" dirty="0" err="1">
-                <a:latin typeface="Cascadia Code" panose="020B0609020000020004" pitchFamily="49" charset="0"/>
-                <a:ea typeface="Cascadia Code" panose="020B0609020000020004" pitchFamily="49" charset="0"/>
-                <a:cs typeface="Cascadia Code" panose="020B0609020000020004" pitchFamily="49" charset="0"/>
-              </a:rPr>
-              <a:t>defn</a:t>
-            </a:r>
-            <a:r>
-              <a:rPr lang="en-US" sz="2000" dirty="0">
-                <a:latin typeface="Cascadia Code" panose="020B0609020000020004" pitchFamily="49" charset="0"/>
-                <a:ea typeface="Cascadia Code" panose="020B0609020000020004" pitchFamily="49" charset="0"/>
-                <a:cs typeface="Cascadia Code" panose="020B0609020000020004" pitchFamily="49" charset="0"/>
-              </a:rPr>
-              <a:t> </a:t>
-            </a:r>
-            <a:r>
-              <a:rPr lang="en-US" sz="2000" dirty="0" err="1">
-                <a:latin typeface="Cascadia Code" panose="020B0609020000020004" pitchFamily="49" charset="0"/>
-                <a:ea typeface="Cascadia Code" panose="020B0609020000020004" pitchFamily="49" charset="0"/>
-                <a:cs typeface="Cascadia Code" panose="020B0609020000020004" pitchFamily="49" charset="0"/>
-              </a:rPr>
-              <a:t>sqr</a:t>
-            </a:r>
-            <a:r>
-              <a:rPr lang="en-US" sz="2000" dirty="0">
-                <a:latin typeface="Cascadia Code" panose="020B0609020000020004" pitchFamily="49" charset="0"/>
-                <a:ea typeface="Cascadia Code" panose="020B0609020000020004" pitchFamily="49" charset="0"/>
-                <a:cs typeface="Cascadia Code" panose="020B0609020000020004" pitchFamily="49" charset="0"/>
-              </a:rPr>
-              <a:t> [x] (* x x))</a:t>
-            </a:r>
-          </a:p>
-          <a:p>
-            <a:pPr marL="457200" lvl="1" indent="0">
-              <a:buNone/>
-            </a:pPr>
-            <a:r>
-              <a:rPr lang="en-US" sz="2000" dirty="0">
-                <a:latin typeface="Cascadia Code" panose="020B0609020000020004" pitchFamily="49" charset="0"/>
-                <a:ea typeface="Cascadia Code" panose="020B0609020000020004" pitchFamily="49" charset="0"/>
-                <a:cs typeface="Cascadia Code" panose="020B0609020000020004" pitchFamily="49" charset="0"/>
-              </a:rPr>
-              <a:t>(</a:t>
-            </a:r>
-            <a:r>
-              <a:rPr lang="en-US" sz="2000" dirty="0" err="1">
-                <a:latin typeface="Cascadia Code" panose="020B0609020000020004" pitchFamily="49" charset="0"/>
-                <a:ea typeface="Cascadia Code" panose="020B0609020000020004" pitchFamily="49" charset="0"/>
-                <a:cs typeface="Cascadia Code" panose="020B0609020000020004" pitchFamily="49" charset="0"/>
-              </a:rPr>
-              <a:t>defn</a:t>
-            </a:r>
-            <a:r>
-              <a:rPr lang="en-US" sz="2000" dirty="0">
-                <a:latin typeface="Cascadia Code" panose="020B0609020000020004" pitchFamily="49" charset="0"/>
-                <a:ea typeface="Cascadia Code" panose="020B0609020000020004" pitchFamily="49" charset="0"/>
-                <a:cs typeface="Cascadia Code" panose="020B0609020000020004" pitchFamily="49" charset="0"/>
-              </a:rPr>
-              <a:t> say-number | 1 –&gt; </a:t>
-            </a:r>
-            <a:r>
-              <a:rPr lang="en-US" sz="2000" dirty="0">
-                <a:solidFill>
-                  <a:srgbClr val="0070C0"/>
-                </a:solidFill>
-                <a:latin typeface="Cascadia Code" panose="020B0609020000020004" pitchFamily="49" charset="0"/>
-                <a:ea typeface="Cascadia Code" panose="020B0609020000020004" pitchFamily="49" charset="0"/>
-                <a:cs typeface="Cascadia Code" panose="020B0609020000020004" pitchFamily="49" charset="0"/>
-              </a:rPr>
-              <a:t>"</a:t>
-            </a:r>
-            <a:r>
-              <a:rPr lang="en-US" sz="2000" dirty="0">
-                <a:latin typeface="Cascadia Code" panose="020B0609020000020004" pitchFamily="49" charset="0"/>
-                <a:ea typeface="Cascadia Code" panose="020B0609020000020004" pitchFamily="49" charset="0"/>
-                <a:cs typeface="Cascadia Code" panose="020B0609020000020004" pitchFamily="49" charset="0"/>
-              </a:rPr>
-              <a:t>one</a:t>
-            </a:r>
-            <a:r>
-              <a:rPr lang="en-US" sz="2000" dirty="0">
-                <a:solidFill>
-                  <a:srgbClr val="0070C0"/>
-                </a:solidFill>
-                <a:latin typeface="Cascadia Code" panose="020B0609020000020004" pitchFamily="49" charset="0"/>
-                <a:ea typeface="Cascadia Code" panose="020B0609020000020004" pitchFamily="49" charset="0"/>
-                <a:cs typeface="Cascadia Code" panose="020B0609020000020004" pitchFamily="49" charset="0"/>
-              </a:rPr>
-              <a:t>"</a:t>
-            </a:r>
-            <a:r>
-              <a:rPr lang="en-US" sz="2000" dirty="0">
-                <a:latin typeface="Cascadia Code" panose="020B0609020000020004" pitchFamily="49" charset="0"/>
-                <a:ea typeface="Cascadia Code" panose="020B0609020000020004" pitchFamily="49" charset="0"/>
-                <a:cs typeface="Cascadia Code" panose="020B0609020000020004" pitchFamily="49" charset="0"/>
-              </a:rPr>
-              <a:t> | 2 -&gt; </a:t>
-            </a:r>
-            <a:r>
-              <a:rPr lang="en-US" sz="2000" dirty="0">
-                <a:solidFill>
-                  <a:srgbClr val="0070C0"/>
-                </a:solidFill>
-                <a:latin typeface="Cascadia Code" panose="020B0609020000020004" pitchFamily="49" charset="0"/>
-                <a:ea typeface="Cascadia Code" panose="020B0609020000020004" pitchFamily="49" charset="0"/>
-                <a:cs typeface="Cascadia Code" panose="020B0609020000020004" pitchFamily="49" charset="0"/>
-              </a:rPr>
-              <a:t>"</a:t>
-            </a:r>
-            <a:r>
-              <a:rPr lang="en-US" sz="2000" dirty="0">
-                <a:latin typeface="Cascadia Code" panose="020B0609020000020004" pitchFamily="49" charset="0"/>
-                <a:ea typeface="Cascadia Code" panose="020B0609020000020004" pitchFamily="49" charset="0"/>
-                <a:cs typeface="Cascadia Code" panose="020B0609020000020004" pitchFamily="49" charset="0"/>
-              </a:rPr>
-              <a:t>two</a:t>
-            </a:r>
-            <a:r>
-              <a:rPr lang="en-US" sz="2000" dirty="0">
-                <a:solidFill>
-                  <a:srgbClr val="0070C0"/>
-                </a:solidFill>
-                <a:latin typeface="Cascadia Code" panose="020B0609020000020004" pitchFamily="49" charset="0"/>
-                <a:ea typeface="Cascadia Code" panose="020B0609020000020004" pitchFamily="49" charset="0"/>
-                <a:cs typeface="Cascadia Code" panose="020B0609020000020004" pitchFamily="49" charset="0"/>
-              </a:rPr>
-              <a:t>"</a:t>
-            </a:r>
-            <a:r>
-              <a:rPr lang="en-US" sz="2000" dirty="0">
-                <a:latin typeface="Cascadia Code" panose="020B0609020000020004" pitchFamily="49" charset="0"/>
-                <a:ea typeface="Cascadia Code" panose="020B0609020000020004" pitchFamily="49" charset="0"/>
-                <a:cs typeface="Cascadia Code" panose="020B0609020000020004" pitchFamily="49" charset="0"/>
-              </a:rPr>
-              <a:t> | -&gt; </a:t>
-            </a:r>
-            <a:r>
-              <a:rPr lang="en-US" sz="2000" dirty="0">
-                <a:solidFill>
-                  <a:srgbClr val="0070C0"/>
-                </a:solidFill>
-                <a:latin typeface="Cascadia Code" panose="020B0609020000020004" pitchFamily="49" charset="0"/>
-                <a:ea typeface="Cascadia Code" panose="020B0609020000020004" pitchFamily="49" charset="0"/>
-                <a:cs typeface="Cascadia Code" panose="020B0609020000020004" pitchFamily="49" charset="0"/>
-              </a:rPr>
-              <a:t>"</a:t>
-            </a:r>
-            <a:r>
-              <a:rPr lang="en-US" sz="2000" dirty="0">
-                <a:latin typeface="Cascadia Code" panose="020B0609020000020004" pitchFamily="49" charset="0"/>
-                <a:ea typeface="Cascadia Code" panose="020B0609020000020004" pitchFamily="49" charset="0"/>
-                <a:cs typeface="Cascadia Code" panose="020B0609020000020004" pitchFamily="49" charset="0"/>
-              </a:rPr>
-              <a:t>other</a:t>
-            </a:r>
-            <a:r>
-              <a:rPr lang="en-US" sz="2000" dirty="0">
-                <a:solidFill>
-                  <a:srgbClr val="0070C0"/>
-                </a:solidFill>
-                <a:latin typeface="Cascadia Code" panose="020B0609020000020004" pitchFamily="49" charset="0"/>
-                <a:ea typeface="Cascadia Code" panose="020B0609020000020004" pitchFamily="49" charset="0"/>
-                <a:cs typeface="Cascadia Code" panose="020B0609020000020004" pitchFamily="49" charset="0"/>
-              </a:rPr>
-              <a:t>"</a:t>
-            </a:r>
-            <a:r>
-              <a:rPr lang="en-US" sz="2000" dirty="0">
-                <a:latin typeface="Cascadia Code" panose="020B0609020000020004" pitchFamily="49" charset="0"/>
-                <a:ea typeface="Cascadia Code" panose="020B0609020000020004" pitchFamily="49" charset="0"/>
-                <a:cs typeface="Cascadia Code" panose="020B0609020000020004" pitchFamily="49" charset="0"/>
-              </a:rPr>
-              <a:t>)</a:t>
-            </a:r>
-          </a:p>
-          <a:p>
-            <a:r>
-              <a:rPr lang="en-US" dirty="0">
-                <a:ea typeface="Cascadia Code" panose="020B0609020000020004" pitchFamily="49" charset="0"/>
-                <a:cs typeface="Cascadia Code" panose="020B0609020000020004" pitchFamily="49" charset="0"/>
-              </a:rPr>
-              <a:t>Class and interface Definitions</a:t>
-            </a:r>
-          </a:p>
-          <a:p>
-            <a:pPr marL="0" indent="0">
-              <a:buNone/>
-            </a:pPr>
-            <a:r>
-              <a:rPr lang="en-US" sz="2000" dirty="0">
-                <a:solidFill>
-                  <a:srgbClr val="0070C0"/>
-                </a:solidFill>
-                <a:latin typeface="Cascadia Code" panose="020B0609020000020004" pitchFamily="49" charset="0"/>
-                <a:ea typeface="Cascadia Code" panose="020B0609020000020004" pitchFamily="49" charset="0"/>
-                <a:cs typeface="Cascadia Code" panose="020B0609020000020004" pitchFamily="49" charset="0"/>
-              </a:rPr>
-              <a:t>    </a:t>
-            </a:r>
-            <a:r>
-              <a:rPr lang="en-US" sz="2000" dirty="0">
-                <a:solidFill>
-                  <a:srgbClr val="346296"/>
-                </a:solidFill>
-                <a:latin typeface="Cascadia Code" panose="020B0609020000020004" pitchFamily="49" charset="0"/>
-                <a:ea typeface="Cascadia Code" panose="020B0609020000020004" pitchFamily="49" charset="0"/>
-                <a:cs typeface="Cascadia Code" panose="020B0609020000020004" pitchFamily="49" charset="0"/>
-              </a:rPr>
-              <a:t>(</a:t>
-            </a:r>
-            <a:r>
-              <a:rPr lang="en-US" sz="2000" dirty="0" err="1">
-                <a:solidFill>
-                  <a:srgbClr val="346296"/>
-                </a:solidFill>
-                <a:latin typeface="Cascadia Code" panose="020B0609020000020004" pitchFamily="49" charset="0"/>
-                <a:ea typeface="Cascadia Code" panose="020B0609020000020004" pitchFamily="49" charset="0"/>
-                <a:cs typeface="Cascadia Code" panose="020B0609020000020004" pitchFamily="49" charset="0"/>
-              </a:rPr>
-              <a:t>definterface</a:t>
-            </a:r>
-            <a:r>
-              <a:rPr lang="en-US" sz="2000" dirty="0">
-                <a:solidFill>
-                  <a:srgbClr val="346296"/>
-                </a:solidFill>
-                <a:latin typeface="Cascadia Code" panose="020B0609020000020004" pitchFamily="49" charset="0"/>
-                <a:ea typeface="Cascadia Code" panose="020B0609020000020004" pitchFamily="49" charset="0"/>
-                <a:cs typeface="Cascadia Code" panose="020B0609020000020004" pitchFamily="49" charset="0"/>
-              </a:rPr>
-              <a:t> ^</a:t>
-            </a:r>
-            <a:r>
-              <a:rPr lang="en-US" sz="2000" dirty="0" err="1">
-                <a:solidFill>
-                  <a:srgbClr val="346296"/>
-                </a:solidFill>
-                <a:latin typeface="Cascadia Code" panose="020B0609020000020004" pitchFamily="49" charset="0"/>
-                <a:ea typeface="Cascadia Code" panose="020B0609020000020004" pitchFamily="49" charset="0"/>
-                <a:cs typeface="Cascadia Code" panose="020B0609020000020004" pitchFamily="49" charset="0"/>
-              </a:rPr>
-              <a:t>pointInterface</a:t>
-            </a:r>
-            <a:r>
-              <a:rPr lang="en-US" sz="2000" dirty="0">
-                <a:solidFill>
-                  <a:srgbClr val="346296"/>
-                </a:solidFill>
-                <a:latin typeface="Cascadia Code" panose="020B0609020000020004" pitchFamily="49" charset="0"/>
-                <a:ea typeface="Cascadia Code" panose="020B0609020000020004" pitchFamily="49" charset="0"/>
-                <a:cs typeface="Cascadia Code" panose="020B0609020000020004" pitchFamily="49" charset="0"/>
-              </a:rPr>
-              <a:t> (^int x) (^int y)) </a:t>
-            </a:r>
-          </a:p>
-          <a:p>
-            <a:pPr marL="0" indent="0">
-              <a:buNone/>
-            </a:pPr>
-            <a:r>
-              <a:rPr lang="en-US" sz="2000" dirty="0">
-                <a:solidFill>
-                  <a:srgbClr val="346296"/>
-                </a:solidFill>
-                <a:latin typeface="Cascadia Code" panose="020B0609020000020004" pitchFamily="49" charset="0"/>
-                <a:ea typeface="Cascadia Code" panose="020B0609020000020004" pitchFamily="49" charset="0"/>
-                <a:cs typeface="Cascadia Code" panose="020B0609020000020004" pitchFamily="49" charset="0"/>
-              </a:rPr>
-              <a:t>    (</a:t>
-            </a:r>
-            <a:r>
-              <a:rPr lang="en-US" sz="2000" dirty="0" err="1">
-                <a:solidFill>
-                  <a:srgbClr val="346296"/>
-                </a:solidFill>
-                <a:latin typeface="Cascadia Code" panose="020B0609020000020004" pitchFamily="49" charset="0"/>
-                <a:ea typeface="Cascadia Code" panose="020B0609020000020004" pitchFamily="49" charset="0"/>
-                <a:cs typeface="Cascadia Code" panose="020B0609020000020004" pitchFamily="49" charset="0"/>
-              </a:rPr>
-              <a:t>deftype</a:t>
-            </a:r>
-            <a:r>
-              <a:rPr lang="en-US" sz="2000" dirty="0">
-                <a:solidFill>
-                  <a:srgbClr val="346296"/>
-                </a:solidFill>
-                <a:latin typeface="Cascadia Code" panose="020B0609020000020004" pitchFamily="49" charset="0"/>
-                <a:ea typeface="Cascadia Code" panose="020B0609020000020004" pitchFamily="49" charset="0"/>
-                <a:cs typeface="Cascadia Code" panose="020B0609020000020004" pitchFamily="49" charset="0"/>
-              </a:rPr>
-              <a:t> ^point x y :</a:t>
-            </a:r>
-            <a:r>
-              <a:rPr lang="en-US" sz="2000" dirty="0" err="1">
-                <a:solidFill>
-                  <a:srgbClr val="346296"/>
-                </a:solidFill>
-                <a:latin typeface="Cascadia Code" panose="020B0609020000020004" pitchFamily="49" charset="0"/>
-                <a:ea typeface="Cascadia Code" panose="020B0609020000020004" pitchFamily="49" charset="0"/>
-                <a:cs typeface="Cascadia Code" panose="020B0609020000020004" pitchFamily="49" charset="0"/>
-              </a:rPr>
-              <a:t>defm</a:t>
-            </a:r>
-            <a:r>
-              <a:rPr lang="en-US" sz="2000" dirty="0">
-                <a:solidFill>
-                  <a:srgbClr val="346296"/>
-                </a:solidFill>
-                <a:latin typeface="Cascadia Code" panose="020B0609020000020004" pitchFamily="49" charset="0"/>
-                <a:ea typeface="Cascadia Code" panose="020B0609020000020004" pitchFamily="49" charset="0"/>
-                <a:cs typeface="Cascadia Code" panose="020B0609020000020004" pitchFamily="49" charset="0"/>
-              </a:rPr>
-              <a:t> print (\ this -&gt; (</a:t>
-            </a:r>
-            <a:r>
-              <a:rPr lang="en-US" sz="2000" dirty="0" err="1">
-                <a:solidFill>
-                  <a:srgbClr val="346296"/>
-                </a:solidFill>
-                <a:latin typeface="Cascadia Code" panose="020B0609020000020004" pitchFamily="49" charset="0"/>
-                <a:ea typeface="Cascadia Code" panose="020B0609020000020004" pitchFamily="49" charset="0"/>
-                <a:cs typeface="Cascadia Code" panose="020B0609020000020004" pitchFamily="49" charset="0"/>
-              </a:rPr>
-              <a:t>println</a:t>
-            </a:r>
-            <a:r>
-              <a:rPr lang="en-US" sz="2000" dirty="0">
-                <a:solidFill>
-                  <a:srgbClr val="346296"/>
-                </a:solidFill>
-                <a:latin typeface="Cascadia Code" panose="020B0609020000020004" pitchFamily="49" charset="0"/>
-                <a:ea typeface="Cascadia Code" panose="020B0609020000020004" pitchFamily="49" charset="0"/>
-                <a:cs typeface="Cascadia Code" panose="020B0609020000020004" pitchFamily="49" charset="0"/>
-              </a:rPr>
-              <a:t> (.x this) ", " (.y this))))</a:t>
-            </a:r>
-          </a:p>
-          <a:p>
-            <a:r>
-              <a:rPr lang="en-US" dirty="0">
-                <a:ea typeface="Cascadia Code" panose="020B0609020000020004" pitchFamily="49" charset="0"/>
-                <a:cs typeface="Cascadia Code" panose="020B0609020000020004" pitchFamily="49" charset="0"/>
-              </a:rPr>
-              <a:t>No Operators Just Functions</a:t>
-            </a:r>
-          </a:p>
-          <a:p>
-            <a:pPr marL="0" indent="0">
-              <a:buNone/>
-            </a:pPr>
-            <a:r>
-              <a:rPr lang="en-US" sz="2600" dirty="0">
-                <a:solidFill>
-                  <a:schemeClr val="accent1"/>
-                </a:solidFill>
-                <a:latin typeface="Cascadia Code" panose="020B0609020000020004" pitchFamily="49" charset="0"/>
-                <a:ea typeface="Cascadia Code" panose="020B0609020000020004" pitchFamily="49" charset="0"/>
-                <a:cs typeface="Cascadia Code" panose="020B0609020000020004" pitchFamily="49" charset="0"/>
-              </a:rPr>
-              <a:t>   </a:t>
-            </a:r>
-            <a:r>
-              <a:rPr lang="en-US" sz="2000" dirty="0">
-                <a:solidFill>
-                  <a:schemeClr val="accent1"/>
-                </a:solidFill>
-                <a:latin typeface="Cascadia Code" panose="020B0609020000020004" pitchFamily="49" charset="0"/>
-                <a:ea typeface="Cascadia Code" panose="020B0609020000020004" pitchFamily="49" charset="0"/>
-                <a:cs typeface="Cascadia Code" panose="020B0609020000020004" pitchFamily="49" charset="0"/>
-              </a:rPr>
-              <a:t>(+ 1 2 3 (* 4 5) 6)</a:t>
-            </a:r>
-          </a:p>
-          <a:p>
-            <a:pPr marL="0" indent="0">
-              <a:buNone/>
-            </a:pPr>
-            <a:r>
-              <a:rPr lang="en-US" sz="2000" dirty="0">
-                <a:solidFill>
-                  <a:schemeClr val="accent1"/>
-                </a:solidFill>
-                <a:latin typeface="Cascadia Code" panose="020B0609020000020004" pitchFamily="49" charset="0"/>
-                <a:ea typeface="Cascadia Code" panose="020B0609020000020004" pitchFamily="49" charset="0"/>
-                <a:cs typeface="Cascadia Code" panose="020B0609020000020004" pitchFamily="49" charset="0"/>
-              </a:rPr>
-              <a:t>    (</a:t>
-            </a:r>
-            <a:r>
-              <a:rPr lang="en-US" sz="2000" dirty="0" err="1">
-                <a:solidFill>
-                  <a:schemeClr val="accent1"/>
-                </a:solidFill>
-                <a:latin typeface="Cascadia Code" panose="020B0609020000020004" pitchFamily="49" charset="0"/>
-                <a:ea typeface="Cascadia Code" panose="020B0609020000020004" pitchFamily="49" charset="0"/>
-                <a:cs typeface="Cascadia Code" panose="020B0609020000020004" pitchFamily="49" charset="0"/>
-              </a:rPr>
-              <a:t>defn</a:t>
-            </a:r>
-            <a:r>
-              <a:rPr lang="en-US" sz="2000" dirty="0">
-                <a:solidFill>
-                  <a:schemeClr val="accent1"/>
-                </a:solidFill>
-                <a:latin typeface="Cascadia Code" panose="020B0609020000020004" pitchFamily="49" charset="0"/>
-                <a:ea typeface="Cascadia Code" panose="020B0609020000020004" pitchFamily="49" charset="0"/>
-                <a:cs typeface="Cascadia Code" panose="020B0609020000020004" pitchFamily="49" charset="0"/>
-              </a:rPr>
-              <a:t> fact [n] (* @(range n)))</a:t>
-            </a:r>
-          </a:p>
-          <a:p>
-            <a:r>
-              <a:rPr lang="en-US" dirty="0">
-                <a:ea typeface="Cascadia Code" panose="020B0609020000020004" pitchFamily="49" charset="0"/>
-                <a:cs typeface="Cascadia Code" panose="020B0609020000020004" pitchFamily="49" charset="0"/>
-              </a:rPr>
-              <a:t>Quoting</a:t>
-            </a:r>
-          </a:p>
-          <a:p>
-            <a:pPr marL="0" indent="0">
-              <a:buNone/>
-            </a:pPr>
-            <a:r>
-              <a:rPr lang="en-US" sz="1600" dirty="0">
-                <a:solidFill>
-                  <a:schemeClr val="accent1"/>
-                </a:solidFill>
-                <a:latin typeface="Cascadia Code" panose="020B0609020000020004" pitchFamily="49" charset="0"/>
-                <a:ea typeface="Cascadia Code" panose="020B0609020000020004" pitchFamily="49" charset="0"/>
-                <a:cs typeface="Cascadia Code" panose="020B0609020000020004" pitchFamily="49" charset="0"/>
-              </a:rPr>
-              <a:t>     </a:t>
-            </a:r>
-            <a:r>
-              <a:rPr lang="en-US" sz="2100" dirty="0">
-                <a:solidFill>
-                  <a:schemeClr val="accent1"/>
-                </a:solidFill>
-                <a:latin typeface="Cascadia Code" panose="020B0609020000020004" pitchFamily="49" charset="0"/>
-                <a:ea typeface="Cascadia Code" panose="020B0609020000020004" pitchFamily="49" charset="0"/>
-                <a:cs typeface="Cascadia Code" panose="020B0609020000020004" pitchFamily="49" charset="0"/>
-              </a:rPr>
-              <a:t>(</a:t>
-            </a:r>
-            <a:r>
-              <a:rPr lang="en-US" sz="2100" dirty="0" err="1">
-                <a:solidFill>
-                  <a:schemeClr val="accent1"/>
-                </a:solidFill>
-                <a:latin typeface="Cascadia Code" panose="020B0609020000020004" pitchFamily="49" charset="0"/>
-                <a:ea typeface="Cascadia Code" panose="020B0609020000020004" pitchFamily="49" charset="0"/>
-                <a:cs typeface="Cascadia Code" panose="020B0609020000020004" pitchFamily="49" charset="0"/>
-              </a:rPr>
-              <a:t>println</a:t>
-            </a:r>
-            <a:r>
-              <a:rPr lang="en-US" sz="2100" dirty="0">
-                <a:solidFill>
-                  <a:schemeClr val="accent1"/>
-                </a:solidFill>
-                <a:latin typeface="Cascadia Code" panose="020B0609020000020004" pitchFamily="49" charset="0"/>
-                <a:ea typeface="Cascadia Code" panose="020B0609020000020004" pitchFamily="49" charset="0"/>
-                <a:cs typeface="Cascadia Code" panose="020B0609020000020004" pitchFamily="49" charset="0"/>
-              </a:rPr>
-              <a:t> ‘(+ 2 3) “is” (+ 2 3))</a:t>
-            </a:r>
-          </a:p>
-          <a:p>
-            <a:pPr marL="0" indent="0">
-              <a:buNone/>
-            </a:pPr>
-            <a:endParaRPr lang="en-US" sz="2000" dirty="0">
-              <a:solidFill>
-                <a:srgbClr val="0070C0"/>
-              </a:solidFill>
-              <a:latin typeface="Cascadia Code" panose="020B0609020000020004" pitchFamily="49" charset="0"/>
+              <a:rPr lang="en-US" sz="1700" dirty="0">
+                <a:latin typeface="Cascadia Code" panose="020B0609020000020004" pitchFamily="49" charset="0"/>
+                <a:ea typeface="Cascadia Code" panose="020B0609020000020004" pitchFamily="49" charset="0"/>
+                <a:cs typeface="Cascadia Code" panose="020B0609020000020004" pitchFamily="49" charset="0"/>
+              </a:rPr>
+              <a:t>[1 2 3 4 5 6] 2                                      ; vector as a function</a:t>
+            </a:r>
+            <a:endParaRPr lang="en-US" sz="1700" dirty="0">
               <a:ea typeface="Cascadia Code" panose="020B0609020000020004" pitchFamily="49" charset="0"/>
               <a:cs typeface="Cascadia Code" panose="020B0609020000020004" pitchFamily="49" charset="0"/>
             </a:endParaRPr>
@@ -17757,7 +17322,7 @@
     </p:spTree>
     <p:extLst>
       <p:ext uri="{BB962C8B-B14F-4D97-AF65-F5344CB8AC3E}">
-        <p14:creationId xmlns:p14="http://schemas.microsoft.com/office/powerpoint/2010/main" val="2724583550"/>
+        <p14:creationId xmlns:p14="http://schemas.microsoft.com/office/powerpoint/2010/main" val="1128773533"/>
       </p:ext>
     </p:extLst>
   </p:cSld>
@@ -19149,18 +18714,6 @@
 </file>
 
 <file path=customXml/item1.xml><?xml version="1.0" encoding="utf-8"?>
-<p:properties xmlns:p="http://schemas.microsoft.com/office/2006/metadata/properties" xmlns:xsi="http://www.w3.org/2001/XMLSchema-instance" xmlns:pc="http://schemas.microsoft.com/office/infopath/2007/PartnerControls">
-  <documentManagement>
-    <MediaLengthInSeconds xmlns="77a6bfb6-2998-4a23-879f-63f0920c2601" xsi:nil="true"/>
-    <TaxCatchAll xmlns="4563f563-c449-4e77-a40e-5b9e0aaf3585" xsi:nil="true"/>
-    <lcf76f155ced4ddcb4097134ff3c332f xmlns="77a6bfb6-2998-4a23-879f-63f0920c2601">
-      <Terms xmlns="http://schemas.microsoft.com/office/infopath/2007/PartnerControls"/>
-    </lcf76f155ced4ddcb4097134ff3c332f>
-  </documentManagement>
-</p:properties>
-</file>
-
-<file path=customXml/item2.xml><?xml version="1.0" encoding="utf-8"?>
 <ct:contentTypeSchema xmlns:ct="http://schemas.microsoft.com/office/2006/metadata/contentType" xmlns:ma="http://schemas.microsoft.com/office/2006/metadata/properties/metaAttributes" ct:_="" ma:_="" ma:contentTypeName="Document" ma:contentTypeID="0x010100BB266CC47A120344A094BC86D4ACDFC1" ma:contentTypeVersion="11" ma:contentTypeDescription="Create a new document." ma:contentTypeScope="" ma:versionID="cec493aae4b0275fd2d698437149b085">
   <xsd:schema xmlns:xsd="http://www.w3.org/2001/XMLSchema" xmlns:xs="http://www.w3.org/2001/XMLSchema" xmlns:p="http://schemas.microsoft.com/office/2006/metadata/properties" xmlns:ns2="77a6bfb6-2998-4a23-879f-63f0920c2601" xmlns:ns3="4563f563-c449-4e77-a40e-5b9e0aaf3585" targetNamespace="http://schemas.microsoft.com/office/2006/metadata/properties" ma:root="true" ma:fieldsID="e85aa437b142273721448b3bdb8073a7" ns2:_="" ns3:_="">
     <xsd:import namespace="77a6bfb6-2998-4a23-879f-63f0920c2601"/>
@@ -19355,6 +18908,18 @@
 </ct:contentTypeSchema>
 </file>
 
+<file path=customXml/item2.xml><?xml version="1.0" encoding="utf-8"?>
+<p:properties xmlns:p="http://schemas.microsoft.com/office/2006/metadata/properties" xmlns:xsi="http://www.w3.org/2001/XMLSchema-instance" xmlns:pc="http://schemas.microsoft.com/office/infopath/2007/PartnerControls">
+  <documentManagement>
+    <MediaLengthInSeconds xmlns="77a6bfb6-2998-4a23-879f-63f0920c2601" xsi:nil="true"/>
+    <TaxCatchAll xmlns="4563f563-c449-4e77-a40e-5b9e0aaf3585" xsi:nil="true"/>
+    <lcf76f155ced4ddcb4097134ff3c332f xmlns="77a6bfb6-2998-4a23-879f-63f0920c2601">
+      <Terms xmlns="http://schemas.microsoft.com/office/infopath/2007/PartnerControls"/>
+    </lcf76f155ced4ddcb4097134ff3c332f>
+  </documentManagement>
+</p:properties>
+</file>
+
 <file path=customXml/item3.xml><?xml version="1.0" encoding="utf-8"?>
 <?mso-contentType ?>
 <FormTemplates xmlns="http://schemas.microsoft.com/sharepoint/v3/contenttype/forms">
@@ -19365,17 +18930,6 @@
 </file>
 
 <file path=customXml/itemProps1.xml><?xml version="1.0" encoding="utf-8"?>
-<ds:datastoreItem xmlns:ds="http://schemas.openxmlformats.org/officeDocument/2006/customXml" ds:itemID="{D6E60845-C3D9-4D03-A1AD-12FE491785E0}">
-  <ds:schemaRefs>
-    <ds:schemaRef ds:uri="http://schemas.microsoft.com/office/2006/metadata/properties"/>
-    <ds:schemaRef ds:uri="http://schemas.microsoft.com/office/infopath/2007/PartnerControls"/>
-    <ds:schemaRef ds:uri="77a6bfb6-2998-4a23-879f-63f0920c2601"/>
-    <ds:schemaRef ds:uri="4563f563-c449-4e77-a40e-5b9e0aaf3585"/>
-  </ds:schemaRefs>
-</ds:datastoreItem>
-</file>
-
-<file path=customXml/itemProps2.xml><?xml version="1.0" encoding="utf-8"?>
 <ds:datastoreItem xmlns:ds="http://schemas.openxmlformats.org/officeDocument/2006/customXml" ds:itemID="{968DB50A-8077-450D-89F9-269DB09E6FD0}">
   <ds:schemaRefs>
     <ds:schemaRef ds:uri="http://schemas.microsoft.com/office/2006/metadata/contentType"/>
@@ -19394,6 +18948,17 @@
 </ds:datastoreItem>
 </file>
 
+<file path=customXml/itemProps2.xml><?xml version="1.0" encoding="utf-8"?>
+<ds:datastoreItem xmlns:ds="http://schemas.openxmlformats.org/officeDocument/2006/customXml" ds:itemID="{D6E60845-C3D9-4D03-A1AD-12FE491785E0}">
+  <ds:schemaRefs>
+    <ds:schemaRef ds:uri="http://schemas.microsoft.com/office/2006/metadata/properties"/>
+    <ds:schemaRef ds:uri="http://schemas.microsoft.com/office/infopath/2007/PartnerControls"/>
+    <ds:schemaRef ds:uri="77a6bfb6-2998-4a23-879f-63f0920c2601"/>
+    <ds:schemaRef ds:uri="4563f563-c449-4e77-a40e-5b9e0aaf3585"/>
+  </ds:schemaRefs>
+</ds:datastoreItem>
+</file>
+
 <file path=customXml/itemProps3.xml><?xml version="1.0" encoding="utf-8"?>
 <ds:datastoreItem xmlns:ds="http://schemas.openxmlformats.org/officeDocument/2006/customXml" ds:itemID="{F79F2385-5F5D-40A9-91E4-EC41CD22028D}">
   <ds:schemaRefs>

--- a/PSCONFEU23_payette_braid.pptx
+++ b/PSCONFEU23_payette_braid.pptx
@@ -13029,7 +13029,7 @@
               <a:buNone/>
             </a:pPr>
             <a:r>
-              <a:rPr lang="en-US" sz="1800" dirty="0">
+              <a:rPr lang="en-US" sz="2000" dirty="0">
                 <a:solidFill>
                   <a:srgbClr val="346297"/>
                 </a:solidFill>
@@ -13045,7 +13045,7 @@
               <a:buNone/>
             </a:pPr>
             <a:r>
-              <a:rPr lang="en-US" sz="1800" dirty="0">
+              <a:rPr lang="en-US" sz="2000" dirty="0">
                 <a:solidFill>
                   <a:srgbClr val="346297"/>
                 </a:solidFill>
@@ -13056,7 +13056,7 @@
               <a:t>(let f (new ^</a:t>
             </a:r>
             <a:r>
-              <a:rPr lang="en-US" sz="1800" dirty="0" err="1">
+              <a:rPr lang="en-US" sz="2000" dirty="0" err="1">
                 <a:solidFill>
                   <a:srgbClr val="346297"/>
                 </a:solidFill>
@@ -13067,7 +13067,7 @@
               <a:t>System.Windows.Forms.Form</a:t>
             </a:r>
             <a:r>
-              <a:rPr lang="en-US" sz="1800" dirty="0">
+              <a:rPr lang="en-US" sz="2000" dirty="0">
                 <a:solidFill>
                   <a:srgbClr val="346297"/>
                 </a:solidFill>
@@ -13083,7 +13083,7 @@
               <a:buNone/>
             </a:pPr>
             <a:r>
-              <a:rPr lang="en-US" sz="1800" dirty="0">
+              <a:rPr lang="en-US" sz="2000" dirty="0">
                 <a:solidFill>
                   <a:srgbClr val="346297"/>
                 </a:solidFill>
@@ -13099,7 +13099,7 @@
               <a:buNone/>
             </a:pPr>
             <a:r>
-              <a:rPr lang="en-US" sz="1800" dirty="0">
+              <a:rPr lang="en-US" sz="2000" dirty="0">
                 <a:solidFill>
                   <a:srgbClr val="346297"/>
                 </a:solidFill>
@@ -13110,7 +13110,7 @@
               <a:t>    .</a:t>
             </a:r>
             <a:r>
-              <a:rPr lang="en-US" sz="1800" dirty="0" err="1">
+              <a:rPr lang="en-US" sz="2000" dirty="0" err="1">
                 <a:solidFill>
                   <a:srgbClr val="346297"/>
                 </a:solidFill>
@@ -13121,7 +13121,7 @@
               <a:t>BackColor</a:t>
             </a:r>
             <a:r>
-              <a:rPr lang="en-US" sz="1800" dirty="0">
+              <a:rPr lang="en-US" sz="2000" dirty="0">
                 <a:solidFill>
                   <a:srgbClr val="346297"/>
                 </a:solidFill>
@@ -13132,7 +13132,7 @@
               <a:t> .</a:t>
             </a:r>
             <a:r>
-              <a:rPr lang="en-US" sz="1800" dirty="0" err="1">
+              <a:rPr lang="en-US" sz="2000" dirty="0" err="1">
                 <a:solidFill>
                   <a:srgbClr val="346297"/>
                 </a:solidFill>
@@ -13143,7 +13143,7 @@
               <a:t>System.Drawing.Color</a:t>
             </a:r>
             <a:r>
-              <a:rPr lang="en-US" sz="1800" dirty="0">
+              <a:rPr lang="en-US" sz="2000" dirty="0">
                 <a:solidFill>
                   <a:srgbClr val="346297"/>
                 </a:solidFill>
@@ -13159,7 +13159,7 @@
               <a:buNone/>
             </a:pPr>
             <a:r>
-              <a:rPr lang="en-US" sz="1800" dirty="0">
+              <a:rPr lang="en-US" sz="2000" dirty="0">
                 <a:solidFill>
                   <a:srgbClr val="346297"/>
                 </a:solidFill>
@@ -13175,7 +13175,7 @@
               <a:buNone/>
             </a:pPr>
             <a:r>
-              <a:rPr lang="en-US" sz="1800" dirty="0">
+              <a:rPr lang="en-US" sz="2000" dirty="0">
                 <a:solidFill>
                   <a:srgbClr val="346297"/>
                 </a:solidFill>
@@ -13186,7 +13186,7 @@
               <a:t>    (new ^</a:t>
             </a:r>
             <a:r>
-              <a:rPr lang="en-US" sz="1800" dirty="0" err="1">
+              <a:rPr lang="en-US" sz="2000" dirty="0" err="1">
                 <a:solidFill>
                   <a:srgbClr val="346297"/>
                 </a:solidFill>
@@ -13197,7 +13197,7 @@
               <a:t>System.Windows.Forms.Button</a:t>
             </a:r>
             <a:r>
-              <a:rPr lang="en-US" sz="1800" dirty="0">
+              <a:rPr lang="en-US" sz="2000" dirty="0">
                 <a:solidFill>
                   <a:srgbClr val="346297"/>
                 </a:solidFill>
@@ -13213,7 +13213,7 @@
               <a:buNone/>
             </a:pPr>
             <a:r>
-              <a:rPr lang="en-US" sz="1800" dirty="0">
+              <a:rPr lang="en-US" sz="2000" dirty="0">
                 <a:solidFill>
                   <a:srgbClr val="346297"/>
                 </a:solidFill>
@@ -13229,7 +13229,7 @@
               <a:buNone/>
             </a:pPr>
             <a:r>
-              <a:rPr lang="en-US" sz="1800" dirty="0">
+              <a:rPr lang="en-US" sz="2000" dirty="0">
                 <a:solidFill>
                   <a:srgbClr val="346297"/>
                 </a:solidFill>
@@ -13240,7 +13240,7 @@
               <a:t>        .Dock .</a:t>
             </a:r>
             <a:r>
-              <a:rPr lang="en-US" sz="1800" dirty="0" err="1">
+              <a:rPr lang="en-US" sz="2000" dirty="0" err="1">
                 <a:solidFill>
                   <a:srgbClr val="346297"/>
                 </a:solidFill>
@@ -13251,7 +13251,7 @@
               <a:t>System.Windows.Forms.DockStyle</a:t>
             </a:r>
             <a:r>
-              <a:rPr lang="en-US" sz="1800" dirty="0">
+              <a:rPr lang="en-US" sz="2000" dirty="0">
                 <a:solidFill>
                   <a:srgbClr val="346297"/>
                 </a:solidFill>
@@ -13267,7 +13267,7 @@
               <a:buNone/>
             </a:pPr>
             <a:r>
-              <a:rPr lang="en-US" sz="1800" dirty="0">
+              <a:rPr lang="en-US" sz="2000" dirty="0">
                 <a:solidFill>
                   <a:srgbClr val="346297"/>
                 </a:solidFill>
@@ -13278,7 +13278,7 @@
               <a:t>(.</a:t>
             </a:r>
             <a:r>
-              <a:rPr lang="en-US" sz="1800" dirty="0" err="1">
+              <a:rPr lang="en-US" sz="2000" dirty="0" err="1">
                 <a:solidFill>
                   <a:srgbClr val="346297"/>
                 </a:solidFill>
@@ -13289,7 +13289,7 @@
               <a:t>add_Click</a:t>
             </a:r>
             <a:r>
-              <a:rPr lang="en-US" sz="1800" dirty="0">
+              <a:rPr lang="en-US" sz="2000" dirty="0">
                 <a:solidFill>
                   <a:srgbClr val="346297"/>
                 </a:solidFill>
@@ -13300,7 +13300,7 @@
               <a:t> b (\ _ _ -&gt; (.</a:t>
             </a:r>
             <a:r>
-              <a:rPr lang="en-US" sz="1800" dirty="0" err="1">
+              <a:rPr lang="en-US" sz="2000" dirty="0" err="1">
                 <a:solidFill>
                   <a:srgbClr val="346297"/>
                 </a:solidFill>
@@ -13311,7 +13311,7 @@
               <a:t>backcolor</a:t>
             </a:r>
             <a:r>
-              <a:rPr lang="en-US" sz="1800" dirty="0">
+              <a:rPr lang="en-US" sz="2000" dirty="0">
                 <a:solidFill>
                   <a:srgbClr val="346297"/>
                 </a:solidFill>
@@ -13322,7 +13322,7 @@
               <a:t> f .</a:t>
             </a:r>
             <a:r>
-              <a:rPr lang="en-US" sz="1800" dirty="0" err="1">
+              <a:rPr lang="en-US" sz="2000" dirty="0" err="1">
                 <a:solidFill>
                   <a:srgbClr val="346297"/>
                 </a:solidFill>
@@ -13333,7 +13333,7 @@
               <a:t>System.Drawing.Color</a:t>
             </a:r>
             <a:r>
-              <a:rPr lang="en-US" sz="1800" dirty="0">
+              <a:rPr lang="en-US" sz="2000" dirty="0">
                 <a:solidFill>
                   <a:srgbClr val="346297"/>
                 </a:solidFill>
@@ -13349,7 +13349,7 @@
               <a:buNone/>
             </a:pPr>
             <a:r>
-              <a:rPr lang="en-US" sz="1800" dirty="0">
+              <a:rPr lang="en-US" sz="2000" dirty="0">
                 <a:solidFill>
                   <a:srgbClr val="346297"/>
                 </a:solidFill>
@@ -13365,7 +13365,7 @@
               <a:buNone/>
             </a:pPr>
             <a:r>
-              <a:rPr lang="en-US" sz="1800" dirty="0">
+              <a:rPr lang="en-US" sz="2000" dirty="0">
                 <a:solidFill>
                   <a:srgbClr val="346297"/>
                 </a:solidFill>
@@ -13376,7 +13376,7 @@
               <a:t>(.</a:t>
             </a:r>
             <a:r>
-              <a:rPr lang="en-US" sz="1800" dirty="0" err="1">
+              <a:rPr lang="en-US" sz="2000" dirty="0" err="1">
                 <a:solidFill>
                   <a:srgbClr val="346297"/>
                 </a:solidFill>
@@ -13387,7 +13387,7 @@
               <a:t>ShowDialog</a:t>
             </a:r>
             <a:r>
-              <a:rPr lang="en-US" sz="1800" dirty="0">
+              <a:rPr lang="en-US" sz="2000" dirty="0">
                 <a:solidFill>
                   <a:srgbClr val="346297"/>
                 </a:solidFill>
@@ -14096,8 +14096,8 @@
         </p:nvSpPr>
         <p:spPr>
           <a:xfrm>
-            <a:off x="566670" y="1577662"/>
-            <a:ext cx="10787130" cy="4599301"/>
+            <a:off x="488515" y="1577662"/>
+            <a:ext cx="11448789" cy="4599301"/>
           </a:xfrm>
         </p:spPr>
         <p:txBody>
@@ -14122,7 +14122,7 @@
               <a:buNone/>
             </a:pPr>
             <a:r>
-              <a:rPr lang="en-US" sz="1600" dirty="0">
+              <a:rPr lang="en-US" sz="1800" dirty="0">
                 <a:solidFill>
                   <a:srgbClr val="346297"/>
                 </a:solidFill>
@@ -14133,7 +14133,7 @@
               <a:t>(</a:t>
             </a:r>
             <a:r>
-              <a:rPr lang="en-US" sz="1600" b="1" dirty="0">
+              <a:rPr lang="en-US" sz="1800" b="1" dirty="0">
                 <a:solidFill>
                   <a:srgbClr val="346297"/>
                 </a:solidFill>
@@ -14144,7 +14144,7 @@
               <a:t>using-module</a:t>
             </a:r>
             <a:r>
-              <a:rPr lang="en-US" sz="1600" dirty="0">
+              <a:rPr lang="en-US" sz="1800" dirty="0">
                 <a:solidFill>
                   <a:srgbClr val="346297"/>
                 </a:solidFill>
@@ -14159,7 +14159,7 @@
             <a:pPr marL="0" indent="0">
               <a:buNone/>
             </a:pPr>
-            <a:endParaRPr lang="en-US" sz="1600" dirty="0">
+            <a:endParaRPr lang="en-US" sz="1800" dirty="0">
               <a:solidFill>
                 <a:srgbClr val="346297"/>
               </a:solidFill>
@@ -14173,7 +14173,7 @@
               <a:buNone/>
             </a:pPr>
             <a:r>
-              <a:rPr lang="en-US" sz="1600" dirty="0">
+              <a:rPr lang="en-US" sz="1800" dirty="0">
                 <a:solidFill>
                   <a:srgbClr val="346297"/>
                 </a:solidFill>
@@ -14184,7 +14184,7 @@
               <a:t>(</a:t>
             </a:r>
             <a:r>
-              <a:rPr lang="en-US" sz="1600" b="1" dirty="0">
+              <a:rPr lang="en-US" sz="1800" b="1" dirty="0">
                 <a:solidFill>
                   <a:srgbClr val="346297"/>
                 </a:solidFill>
@@ -14195,7 +14195,7 @@
               <a:t>await</a:t>
             </a:r>
             <a:r>
-              <a:rPr lang="en-US" sz="1600" dirty="0">
+              <a:rPr lang="en-US" sz="1800" dirty="0">
                 <a:solidFill>
                   <a:srgbClr val="346297"/>
                 </a:solidFill>
@@ -14206,7 +14206,7 @@
               <a:t> </a:t>
             </a:r>
             <a:r>
-              <a:rPr lang="en-US" sz="1600" b="1" dirty="0">
+              <a:rPr lang="en-US" sz="1800" b="1" dirty="0">
                 <a:solidFill>
                   <a:srgbClr val="346297"/>
                 </a:solidFill>
@@ -14222,7 +14222,7 @@
               <a:buNone/>
             </a:pPr>
             <a:r>
-              <a:rPr lang="en-US" sz="1600" dirty="0">
+              <a:rPr lang="en-US" sz="1800" dirty="0">
                 <a:solidFill>
                   <a:srgbClr val="346297"/>
                 </a:solidFill>
@@ -14233,7 +14233,7 @@
               <a:t>  (</a:t>
             </a:r>
             <a:r>
-              <a:rPr lang="en-US" sz="1600" b="1" dirty="0">
+              <a:rPr lang="en-US" sz="1800" b="1" dirty="0">
                 <a:solidFill>
                   <a:srgbClr val="346297"/>
                 </a:solidFill>
@@ -14244,7 +14244,7 @@
               <a:t>async</a:t>
             </a:r>
             <a:r>
-              <a:rPr lang="en-US" sz="1600" dirty="0">
+              <a:rPr lang="en-US" sz="1800" dirty="0">
                 <a:solidFill>
                   <a:srgbClr val="346297"/>
                 </a:solidFill>
@@ -14255,7 +14255,7 @@
               <a:t> (\ -&gt; (http/get "</a:t>
             </a:r>
             <a:r>
-              <a:rPr lang="en-US" sz="1600" dirty="0">
+              <a:rPr lang="en-US" sz="1800" dirty="0">
                 <a:solidFill>
                   <a:srgbClr val="346297"/>
                 </a:solidFill>
@@ -14273,7 +14273,7 @@
               <a:t>https://wikipedia.org</a:t>
             </a:r>
             <a:r>
-              <a:rPr lang="en-US" sz="1600" dirty="0">
+              <a:rPr lang="en-US" sz="1800" dirty="0">
                 <a:solidFill>
                   <a:srgbClr val="346297"/>
                 </a:solidFill>
@@ -14284,7 +14284,7 @@
               <a:t>" | </a:t>
             </a:r>
             <a:r>
-              <a:rPr lang="en-US" sz="1600" b="1" dirty="0">
+              <a:rPr lang="en-US" sz="1800" b="1" dirty="0">
                 <a:solidFill>
                   <a:srgbClr val="346297"/>
                 </a:solidFill>
@@ -14295,7 +14295,7 @@
               <a:t>re/split |</a:t>
             </a:r>
             <a:r>
-              <a:rPr lang="en-US" sz="1600" dirty="0">
+              <a:rPr lang="en-US" sz="1800" dirty="0">
                 <a:solidFill>
                   <a:srgbClr val="346297"/>
                 </a:solidFill>
@@ -14306,7 +14306,7 @@
               <a:t> </a:t>
             </a:r>
             <a:r>
-              <a:rPr lang="en-US" sz="1600" b="1" dirty="0">
+              <a:rPr lang="en-US" sz="1800" b="1" dirty="0">
                 <a:solidFill>
                   <a:srgbClr val="346297"/>
                 </a:solidFill>
@@ -14317,7 +14317,7 @@
               <a:t>where</a:t>
             </a:r>
             <a:r>
-              <a:rPr lang="en-US" sz="1600" dirty="0">
+              <a:rPr lang="en-US" sz="1800" dirty="0">
                 <a:solidFill>
                   <a:srgbClr val="346297"/>
                 </a:solidFill>
@@ -14333,7 +14333,7 @@
               <a:buNone/>
             </a:pPr>
             <a:r>
-              <a:rPr lang="en-US" sz="1600" dirty="0">
+              <a:rPr lang="en-US" sz="1800" dirty="0">
                 <a:solidFill>
                   <a:srgbClr val="346297"/>
                 </a:solidFill>
@@ -14344,7 +14344,7 @@
               <a:t>  (</a:t>
             </a:r>
             <a:r>
-              <a:rPr lang="en-US" sz="1600" b="1" dirty="0">
+              <a:rPr lang="en-US" sz="1800" b="1" dirty="0">
                 <a:solidFill>
                   <a:srgbClr val="346297"/>
                 </a:solidFill>
@@ -14355,7 +14355,7 @@
               <a:t>async</a:t>
             </a:r>
             <a:r>
-              <a:rPr lang="en-US" sz="1600" dirty="0">
+              <a:rPr lang="en-US" sz="1800" dirty="0">
                 <a:solidFill>
                   <a:srgbClr val="346297"/>
                 </a:solidFill>
@@ -14366,7 +14366,7 @@
               <a:t> (\ -&gt; (http/get "</a:t>
             </a:r>
             <a:r>
-              <a:rPr lang="en-US" sz="1600" dirty="0">
+              <a:rPr lang="en-US" sz="1800" dirty="0">
                 <a:solidFill>
                   <a:srgbClr val="346297"/>
                 </a:solidFill>
@@ -14384,7 +14384,7 @@
               <a:t>https://github.com</a:t>
             </a:r>
             <a:r>
-              <a:rPr lang="en-US" sz="1600" dirty="0">
+              <a:rPr lang="en-US" sz="1800" dirty="0">
                 <a:solidFill>
                   <a:srgbClr val="346297"/>
                 </a:solidFill>
@@ -14395,7 +14395,7 @@
               <a:t>" | </a:t>
             </a:r>
             <a:r>
-              <a:rPr lang="en-US" sz="1600" b="1" dirty="0">
+              <a:rPr lang="en-US" sz="1800" b="1" dirty="0">
                 <a:solidFill>
                   <a:srgbClr val="346297"/>
                 </a:solidFill>
@@ -14406,7 +14406,7 @@
               <a:t>re/split |</a:t>
             </a:r>
             <a:r>
-              <a:rPr lang="en-US" sz="1600" dirty="0">
+              <a:rPr lang="en-US" sz="1800" dirty="0">
                 <a:solidFill>
                   <a:srgbClr val="346297"/>
                 </a:solidFill>
@@ -14417,7 +14417,7 @@
               <a:t> </a:t>
             </a:r>
             <a:r>
-              <a:rPr lang="en-US" sz="1600" b="1" dirty="0">
+              <a:rPr lang="en-US" sz="1800" b="1" dirty="0">
                 <a:solidFill>
                   <a:srgbClr val="346297"/>
                 </a:solidFill>
@@ -14428,7 +14428,7 @@
               <a:t>where</a:t>
             </a:r>
             <a:r>
-              <a:rPr lang="en-US" sz="1600" dirty="0">
+              <a:rPr lang="en-US" sz="1800" dirty="0">
                 <a:solidFill>
                   <a:srgbClr val="346297"/>
                 </a:solidFill>
@@ -14444,7 +14444,7 @@
               <a:buNone/>
             </a:pPr>
             <a:r>
-              <a:rPr lang="en-US" sz="1600" dirty="0">
+              <a:rPr lang="en-US" sz="1800" dirty="0">
                 <a:solidFill>
                   <a:srgbClr val="346297"/>
                 </a:solidFill>
@@ -14455,7 +14455,7 @@
               <a:t>  (</a:t>
             </a:r>
             <a:r>
-              <a:rPr lang="en-US" sz="1600" b="1" dirty="0">
+              <a:rPr lang="en-US" sz="1800" b="1" dirty="0">
                 <a:solidFill>
                   <a:srgbClr val="346297"/>
                 </a:solidFill>
@@ -14466,7 +14466,7 @@
               <a:t>async</a:t>
             </a:r>
             <a:r>
-              <a:rPr lang="en-US" sz="1600" dirty="0">
+              <a:rPr lang="en-US" sz="1800" dirty="0">
                 <a:solidFill>
                   <a:srgbClr val="346297"/>
                 </a:solidFill>
@@ -14477,7 +14477,7 @@
               <a:t> (\ -&gt; (http/get "</a:t>
             </a:r>
             <a:r>
-              <a:rPr lang="en-US" sz="1600" dirty="0">
+              <a:rPr lang="en-US" sz="1800" dirty="0">
                 <a:solidFill>
                   <a:srgbClr val="346297"/>
                 </a:solidFill>
@@ -14495,7 +14495,7 @@
               <a:t>https://microsoft.com</a:t>
             </a:r>
             <a:r>
-              <a:rPr lang="en-US" sz="1600" dirty="0">
+              <a:rPr lang="en-US" sz="1800" dirty="0">
                 <a:solidFill>
                   <a:srgbClr val="346297"/>
                 </a:solidFill>
@@ -14506,7 +14506,7 @@
               <a:t>" | </a:t>
             </a:r>
             <a:r>
-              <a:rPr lang="en-US" sz="1600" b="1" dirty="0">
+              <a:rPr lang="en-US" sz="1800" b="1" dirty="0">
                 <a:solidFill>
                   <a:srgbClr val="346297"/>
                 </a:solidFill>
@@ -14517,7 +14517,7 @@
               <a:t>re/split |</a:t>
             </a:r>
             <a:r>
-              <a:rPr lang="en-US" sz="1600" dirty="0">
+              <a:rPr lang="en-US" sz="1800" dirty="0">
                 <a:solidFill>
                   <a:srgbClr val="346297"/>
                 </a:solidFill>
@@ -14528,7 +14528,7 @@
               <a:t> </a:t>
             </a:r>
             <a:r>
-              <a:rPr lang="en-US" sz="1600" b="1" dirty="0">
+              <a:rPr lang="en-US" sz="1800" b="1" dirty="0">
                 <a:solidFill>
                   <a:srgbClr val="346297"/>
                 </a:solidFill>
@@ -14539,7 +14539,7 @@
               <a:t>where</a:t>
             </a:r>
             <a:r>
-              <a:rPr lang="en-US" sz="1600" dirty="0">
+              <a:rPr lang="en-US" sz="1800" dirty="0">
                 <a:solidFill>
                   <a:srgbClr val="346297"/>
                 </a:solidFill>
@@ -14550,7 +14550,7 @@
               <a:t> #"&lt;title"))) </a:t>
             </a:r>
             <a:r>
-              <a:rPr lang="en-US" sz="1600" b="1" dirty="0">
+              <a:rPr lang="en-US" sz="1800" b="1" dirty="0">
                 <a:solidFill>
                   <a:srgbClr val="346297"/>
                 </a:solidFill>
@@ -14561,7 +14561,7 @@
               <a:t>]</a:t>
             </a:r>
             <a:r>
-              <a:rPr lang="en-US" sz="1600" dirty="0">
+              <a:rPr lang="en-US" sz="1800" dirty="0">
                 <a:solidFill>
                   <a:srgbClr val="346297"/>
                 </a:solidFill>
@@ -14572,7 +14572,7 @@
               <a:t> </a:t>
             </a:r>
             <a:r>
-              <a:rPr lang="en-US" sz="1600" b="1" dirty="0">
+              <a:rPr lang="en-US" sz="1800" b="1" dirty="0">
                 <a:solidFill>
                   <a:srgbClr val="346297"/>
                 </a:solidFill>
@@ -14588,7 +14588,7 @@
               <a:buNone/>
             </a:pPr>
             <a:r>
-              <a:rPr lang="en-US" sz="1600" dirty="0">
+              <a:rPr lang="en-US" sz="1800" dirty="0">
                 <a:solidFill>
                   <a:srgbClr val="346297"/>
                 </a:solidFill>
@@ -14599,7 +14599,7 @@
               <a:t>      </a:t>
             </a:r>
             <a:r>
-              <a:rPr lang="en-US" sz="1600" b="1" dirty="0">
+              <a:rPr lang="en-US" sz="1800" b="1" dirty="0">
                 <a:solidFill>
                   <a:srgbClr val="346297"/>
                 </a:solidFill>
@@ -14610,7 +14610,7 @@
               <a:t>each</a:t>
             </a:r>
             <a:r>
-              <a:rPr lang="en-US" sz="1600" dirty="0">
+              <a:rPr lang="en-US" sz="1800" dirty="0">
                 <a:solidFill>
                   <a:srgbClr val="346297"/>
                 </a:solidFill>
@@ -14621,7 +14621,7 @@
               <a:t> (\ t -&gt; (</a:t>
             </a:r>
             <a:r>
-              <a:rPr lang="en-US" sz="1600" b="1" dirty="0">
+              <a:rPr lang="en-US" sz="1800" b="1" dirty="0">
                 <a:solidFill>
                   <a:srgbClr val="346297"/>
                 </a:solidFill>
@@ -14632,7 +14632,7 @@
               <a:t>alert</a:t>
             </a:r>
             <a:r>
-              <a:rPr lang="en-US" sz="1600" dirty="0">
+              <a:rPr lang="en-US" sz="1800" dirty="0">
                 <a:solidFill>
                   <a:srgbClr val="346297"/>
                 </a:solidFill>
@@ -14643,7 +14643,7 @@
               <a:t> "===================") (</a:t>
             </a:r>
             <a:r>
-              <a:rPr lang="en-US" sz="1600" b="1" dirty="0" err="1">
+              <a:rPr lang="en-US" sz="1800" b="1" dirty="0" err="1">
                 <a:solidFill>
                   <a:srgbClr val="346297"/>
                 </a:solidFill>
@@ -14654,7 +14654,7 @@
               <a:t>println</a:t>
             </a:r>
             <a:r>
-              <a:rPr lang="en-US" sz="1600" dirty="0">
+              <a:rPr lang="en-US" sz="1800" dirty="0">
                 <a:solidFill>
                   <a:srgbClr val="346297"/>
                 </a:solidFill>
@@ -14776,7 +14776,7 @@
               <a:buNone/>
             </a:pPr>
             <a:r>
-              <a:rPr lang="en-US" sz="1600" dirty="0">
+              <a:rPr lang="en-US" sz="1800" dirty="0">
                 <a:solidFill>
                   <a:srgbClr val="346297"/>
                 </a:solidFill>
@@ -14791,7 +14791,7 @@
             <a:pPr marL="0" indent="0">
               <a:buNone/>
             </a:pPr>
-            <a:endParaRPr lang="en-US" sz="1600" dirty="0">
+            <a:endParaRPr lang="en-US" sz="1800" dirty="0">
               <a:solidFill>
                 <a:srgbClr val="346297"/>
               </a:solidFill>
@@ -14805,7 +14805,7 @@
               <a:buNone/>
             </a:pPr>
             <a:r>
-              <a:rPr lang="en-US" sz="1600" dirty="0">
+              <a:rPr lang="en-US" sz="1800" dirty="0">
                 <a:solidFill>
                   <a:srgbClr val="346297"/>
                 </a:solidFill>
@@ -14816,7 +14816,7 @@
               <a:t>(["</a:t>
             </a:r>
             <a:r>
-              <a:rPr lang="en-US" sz="1600" dirty="0">
+              <a:rPr lang="en-US" sz="1800" dirty="0">
                 <a:solidFill>
                   <a:srgbClr val="346297"/>
                 </a:solidFill>
@@ -14834,7 +14834,7 @@
               <a:t>https://wikipedia.org</a:t>
             </a:r>
             <a:r>
-              <a:rPr lang="en-US" sz="1600" dirty="0">
+              <a:rPr lang="en-US" sz="1800" dirty="0">
                 <a:solidFill>
                   <a:srgbClr val="346297"/>
                 </a:solidFill>
@@ -14845,7 +14845,7 @@
               <a:t>" "</a:t>
             </a:r>
             <a:r>
-              <a:rPr lang="en-US" sz="1600" dirty="0">
+              <a:rPr lang="en-US" sz="1800" dirty="0">
                 <a:solidFill>
                   <a:srgbClr val="346297"/>
                 </a:solidFill>
@@ -14863,7 +14863,7 @@
               <a:t>https://github.com</a:t>
             </a:r>
             <a:r>
-              <a:rPr lang="en-US" sz="1600" dirty="0">
+              <a:rPr lang="en-US" sz="1800" dirty="0">
                 <a:solidFill>
                   <a:srgbClr val="346297"/>
                 </a:solidFill>
@@ -14874,7 +14874,7 @@
               <a:t>" "</a:t>
             </a:r>
             <a:r>
-              <a:rPr lang="en-US" sz="1600" dirty="0">
+              <a:rPr lang="en-US" sz="1800" dirty="0">
                 <a:solidFill>
                   <a:srgbClr val="346297"/>
                 </a:solidFill>
@@ -14892,7 +14892,7 @@
               <a:t>https://microsoft.com</a:t>
             </a:r>
             <a:r>
-              <a:rPr lang="en-US" sz="1600" dirty="0">
+              <a:rPr lang="en-US" sz="1800" dirty="0">
                 <a:solidFill>
                   <a:srgbClr val="346297"/>
                 </a:solidFill>
@@ -14908,7 +14908,7 @@
               <a:buNone/>
             </a:pPr>
             <a:r>
-              <a:rPr lang="en-US" sz="1600" b="1" dirty="0">
+              <a:rPr lang="en-US" sz="1800" b="1" dirty="0">
                 <a:solidFill>
                   <a:srgbClr val="346297"/>
                 </a:solidFill>
@@ -14919,7 +14919,7 @@
               <a:t>    | </a:t>
             </a:r>
             <a:r>
-              <a:rPr lang="en-US" sz="1600" dirty="0">
+              <a:rPr lang="en-US" sz="1800" dirty="0">
                 <a:solidFill>
                   <a:srgbClr val="346297"/>
                 </a:solidFill>
@@ -14930,7 +14930,7 @@
               <a:t>map-parallel</a:t>
             </a:r>
             <a:r>
-              <a:rPr lang="en-US" sz="1600" b="1" dirty="0">
+              <a:rPr lang="en-US" sz="1800" b="1" dirty="0">
                 <a:solidFill>
                   <a:srgbClr val="346297"/>
                 </a:solidFill>
@@ -14941,7 +14941,7 @@
               <a:t> </a:t>
             </a:r>
             <a:r>
-              <a:rPr lang="en-US" sz="1600" dirty="0">
+              <a:rPr lang="en-US" sz="1800" dirty="0">
                 <a:solidFill>
                   <a:srgbClr val="346297"/>
                 </a:solidFill>
@@ -14957,7 +14957,7 @@
               <a:buNone/>
             </a:pPr>
             <a:r>
-              <a:rPr lang="en-US" sz="1600" dirty="0">
+              <a:rPr lang="en-US" sz="1800" dirty="0">
                 <a:solidFill>
                   <a:srgbClr val="346297"/>
                 </a:solidFill>
@@ -14968,7 +14968,7 @@
               <a:t>    | each (\ t -&gt; (alert "===================") (</a:t>
             </a:r>
             <a:r>
-              <a:rPr lang="en-US" sz="1600" dirty="0" err="1">
+              <a:rPr lang="en-US" sz="1800" dirty="0" err="1">
                 <a:solidFill>
                   <a:srgbClr val="346297"/>
                 </a:solidFill>
@@ -14979,7 +14979,7 @@
               <a:t>println</a:t>
             </a:r>
             <a:r>
-              <a:rPr lang="en-US" sz="1600" dirty="0">
+              <a:rPr lang="en-US" sz="1800" dirty="0">
                 <a:solidFill>
                   <a:srgbClr val="346297"/>
                 </a:solidFill>

--- a/PSCONFEU23_payette_braid.pptx
+++ b/PSCONFEU23_payette_braid.pptx
@@ -7,10 +7,10 @@
     <p:sldMasterId id="2147483684" r:id="rId6"/>
   </p:sldMasterIdLst>
   <p:notesMasterIdLst>
-    <p:notesMasterId r:id="rId31"/>
+    <p:notesMasterId r:id="rId32"/>
   </p:notesMasterIdLst>
   <p:handoutMasterIdLst>
-    <p:handoutMasterId r:id="rId32"/>
+    <p:handoutMasterId r:id="rId33"/>
   </p:handoutMasterIdLst>
   <p:sldIdLst>
     <p:sldId id="259" r:id="rId7"/>
@@ -35,8 +35,9 @@
     <p:sldId id="277" r:id="rId26"/>
     <p:sldId id="278" r:id="rId27"/>
     <p:sldId id="279" r:id="rId28"/>
-    <p:sldId id="280" r:id="rId29"/>
-    <p:sldId id="265" r:id="rId30"/>
+    <p:sldId id="264" r:id="rId29"/>
+    <p:sldId id="280" r:id="rId30"/>
+    <p:sldId id="265" r:id="rId31"/>
   </p:sldIdLst>
   <p:sldSz cx="12192000" cy="6858000"/>
   <p:notesSz cx="6858000" cy="9144000"/>
@@ -5696,6 +5697,90 @@
     </a:lvl9pPr>
   </p:notesStyle>
 </p:notesMaster>
+</file>
+
+<file path=ppt/notesSlides/notesSlide1.xml><?xml version="1.0" encoding="utf-8"?>
+<p:notes xmlns:a="http://schemas.openxmlformats.org/drawingml/2006/main" xmlns:r="http://schemas.openxmlformats.org/officeDocument/2006/relationships" xmlns:p="http://schemas.openxmlformats.org/presentationml/2006/main">
+  <p:cSld>
+    <p:spTree>
+      <p:nvGrpSpPr>
+        <p:cNvPr id="1" name=""/>
+        <p:cNvGrpSpPr/>
+        <p:nvPr/>
+      </p:nvGrpSpPr>
+      <p:grpSpPr>
+        <a:xfrm>
+          <a:off x="0" y="0"/>
+          <a:ext cx="0" cy="0"/>
+          <a:chOff x="0" y="0"/>
+          <a:chExt cx="0" cy="0"/>
+        </a:xfrm>
+      </p:grpSpPr>
+      <p:sp>
+        <p:nvSpPr>
+          <p:cNvPr id="2" name="Slide Image Placeholder 1"/>
+          <p:cNvSpPr>
+            <a:spLocks noGrp="1" noRot="1" noChangeAspect="1"/>
+          </p:cNvSpPr>
+          <p:nvPr>
+            <p:ph type="sldImg"/>
+          </p:nvPr>
+        </p:nvSpPr>
+        <p:spPr/>
+      </p:sp>
+      <p:sp>
+        <p:nvSpPr>
+          <p:cNvPr id="3" name="Notes Placeholder 2"/>
+          <p:cNvSpPr>
+            <a:spLocks noGrp="1"/>
+          </p:cNvSpPr>
+          <p:nvPr>
+            <p:ph type="body" idx="1"/>
+          </p:nvPr>
+        </p:nvSpPr>
+        <p:spPr/>
+        <p:txBody>
+          <a:bodyPr/>
+          <a:lstStyle/>
+          <a:p>
+            <a:endParaRPr lang="en-US" dirty="0"/>
+          </a:p>
+        </p:txBody>
+      </p:sp>
+      <p:sp>
+        <p:nvSpPr>
+          <p:cNvPr id="4" name="Slide Number Placeholder 3"/>
+          <p:cNvSpPr>
+            <a:spLocks noGrp="1"/>
+          </p:cNvSpPr>
+          <p:nvPr>
+            <p:ph type="sldNum" sz="quarter" idx="5"/>
+          </p:nvPr>
+        </p:nvSpPr>
+        <p:spPr/>
+        <p:txBody>
+          <a:bodyPr/>
+          <a:lstStyle/>
+          <a:p>
+            <a:fld id="{A7839206-A81D-4F76-8486-302187992F73}" type="slidenum">
+              <a:rPr lang="en-GB" smtClean="0"/>
+              <a:t>7</a:t>
+            </a:fld>
+            <a:endParaRPr lang="en-GB"/>
+          </a:p>
+        </p:txBody>
+      </p:sp>
+    </p:spTree>
+    <p:extLst>
+      <p:ext uri="{BB962C8B-B14F-4D97-AF65-F5344CB8AC3E}">
+        <p14:creationId xmlns:p14="http://schemas.microsoft.com/office/powerpoint/2010/main" val="3662571429"/>
+      </p:ext>
+    </p:extLst>
+  </p:cSld>
+  <p:clrMapOvr>
+    <a:masterClrMapping/>
+  </p:clrMapOvr>
+</p:notes>
 </file>
 
 <file path=ppt/slideLayouts/slideLayout1.xml><?xml version="1.0" encoding="utf-8"?>
@@ -12392,7 +12477,7 @@
         </p:nvSpPr>
         <p:spPr>
           <a:xfrm>
-            <a:off x="838200" y="1629177"/>
+            <a:off x="621453" y="1568217"/>
             <a:ext cx="10515600" cy="4745865"/>
           </a:xfrm>
         </p:spPr>
@@ -12695,13 +12780,13 @@
         </p:spPr>
         <p:txBody>
           <a:bodyPr>
-            <a:normAutofit fontScale="92500" lnSpcReduction="10000"/>
+            <a:normAutofit lnSpcReduction="10000"/>
           </a:bodyPr>
           <a:lstStyle/>
           <a:p>
             <a:r>
               <a:rPr lang="en-US" dirty="0"/>
-              <a:t>Basic recursive function definition, what are “operators” in other languages are prefix functions in Braid (and LISP):</a:t>
+              <a:t>Basic recursive function definition:</a:t>
             </a:r>
           </a:p>
           <a:p>
@@ -15024,6 +15109,142 @@
       </p:grpSpPr>
       <p:sp>
         <p:nvSpPr>
+          <p:cNvPr id="4" name="Title 3">
+            <a:extLst>
+              <a:ext uri="{FF2B5EF4-FFF2-40B4-BE49-F238E27FC236}">
+                <a16:creationId xmlns:a16="http://schemas.microsoft.com/office/drawing/2014/main" id="{2B167248-C99C-E892-89E1-4CBB81F02F90}"/>
+              </a:ext>
+            </a:extLst>
+          </p:cNvPr>
+          <p:cNvSpPr>
+            <a:spLocks noGrp="1"/>
+          </p:cNvSpPr>
+          <p:nvPr>
+            <p:ph type="title"/>
+          </p:nvPr>
+        </p:nvSpPr>
+        <p:spPr>
+          <a:xfrm>
+            <a:off x="831850" y="529389"/>
+            <a:ext cx="10515600" cy="1004637"/>
+          </a:xfrm>
+        </p:spPr>
+        <p:txBody>
+          <a:bodyPr/>
+          <a:lstStyle/>
+          <a:p>
+            <a:r>
+              <a:rPr lang="en-GB"/>
+              <a:t>Demos</a:t>
+            </a:r>
+          </a:p>
+        </p:txBody>
+      </p:sp>
+      <p:sp>
+        <p:nvSpPr>
+          <p:cNvPr id="5" name="Text Placeholder 4">
+            <a:extLst>
+              <a:ext uri="{FF2B5EF4-FFF2-40B4-BE49-F238E27FC236}">
+                <a16:creationId xmlns:a16="http://schemas.microsoft.com/office/drawing/2014/main" id="{2CACAFC7-78CB-98F9-FEF3-D3E8C9FF6E6F}"/>
+              </a:ext>
+            </a:extLst>
+          </p:cNvPr>
+          <p:cNvSpPr>
+            <a:spLocks noGrp="1"/>
+          </p:cNvSpPr>
+          <p:nvPr>
+            <p:ph type="body" idx="1"/>
+          </p:nvPr>
+        </p:nvSpPr>
+        <p:spPr>
+          <a:xfrm>
+            <a:off x="831850" y="1653758"/>
+            <a:ext cx="10515600" cy="1500187"/>
+          </a:xfrm>
+        </p:spPr>
+        <p:txBody>
+          <a:bodyPr/>
+          <a:lstStyle/>
+          <a:p>
+            <a:r>
+              <a:rPr lang="en-GB"/>
+              <a:t>We love Demos!</a:t>
+            </a:r>
+          </a:p>
+        </p:txBody>
+      </p:sp>
+      <p:pic>
+        <p:nvPicPr>
+          <p:cNvPr id="9" name="Picture 9">
+            <a:extLst>
+              <a:ext uri="{FF2B5EF4-FFF2-40B4-BE49-F238E27FC236}">
+                <a16:creationId xmlns:a16="http://schemas.microsoft.com/office/drawing/2014/main" id="{776AC288-703A-8014-23CA-E040CDD7E976}"/>
+              </a:ext>
+            </a:extLst>
+          </p:cNvPr>
+          <p:cNvPicPr>
+            <a:picLocks noChangeAspect="1"/>
+          </p:cNvPicPr>
+          <p:nvPr/>
+        </p:nvPicPr>
+        <p:blipFill>
+          <a:blip r:embed="rId2"/>
+          <a:stretch>
+            <a:fillRect/>
+          </a:stretch>
+        </p:blipFill>
+        <p:spPr>
+          <a:xfrm>
+            <a:off x="3404191" y="615392"/>
+            <a:ext cx="6127897" cy="5060147"/>
+          </a:xfrm>
+          <a:prstGeom prst="rect">
+            <a:avLst/>
+          </a:prstGeom>
+          <a:ln>
+            <a:noFill/>
+          </a:ln>
+          <a:effectLst>
+            <a:outerShdw blurRad="292100" dist="139700" dir="2700000" algn="tl" rotWithShape="0">
+              <a:srgbClr val="333333">
+                <a:alpha val="65000"/>
+              </a:srgbClr>
+            </a:outerShdw>
+          </a:effectLst>
+        </p:spPr>
+      </p:pic>
+    </p:spTree>
+    <p:extLst>
+      <p:ext uri="{BB962C8B-B14F-4D97-AF65-F5344CB8AC3E}">
+        <p14:creationId xmlns:p14="http://schemas.microsoft.com/office/powerpoint/2010/main" val="3317259441"/>
+      </p:ext>
+    </p:extLst>
+  </p:cSld>
+  <p:clrMapOvr>
+    <a:masterClrMapping/>
+  </p:clrMapOvr>
+</p:sld>
+</file>
+
+<file path=ppt/slides/slide24.xml><?xml version="1.0" encoding="utf-8"?>
+<p:sld xmlns:a="http://schemas.openxmlformats.org/drawingml/2006/main" xmlns:r="http://schemas.openxmlformats.org/officeDocument/2006/relationships" xmlns:p="http://schemas.openxmlformats.org/presentationml/2006/main">
+  <p:cSld>
+    <p:spTree>
+      <p:nvGrpSpPr>
+        <p:cNvPr id="1" name=""/>
+        <p:cNvGrpSpPr/>
+        <p:nvPr/>
+      </p:nvGrpSpPr>
+      <p:grpSpPr>
+        <a:xfrm>
+          <a:off x="0" y="0"/>
+          <a:ext cx="0" cy="0"/>
+          <a:chOff x="0" y="0"/>
+          <a:chExt cx="0" cy="0"/>
+        </a:xfrm>
+      </p:grpSpPr>
+      <p:sp>
+        <p:nvSpPr>
           <p:cNvPr id="2" name="Titre 1">
             <a:extLst>
               <a:ext uri="{FF2B5EF4-FFF2-40B4-BE49-F238E27FC236}">
@@ -15147,7 +15368,7 @@
 </p:sld>
 </file>
 
-<file path=ppt/slides/slide24.xml><?xml version="1.0" encoding="utf-8"?>
+<file path=ppt/slides/slide25.xml><?xml version="1.0" encoding="utf-8"?>
 <p:sld xmlns:a="http://schemas.openxmlformats.org/drawingml/2006/main" xmlns:r="http://schemas.openxmlformats.org/officeDocument/2006/relationships" xmlns:p="http://schemas.openxmlformats.org/presentationml/2006/main">
   <p:cSld>
     <p:spTree>
@@ -15582,7 +15803,7 @@
         </p:nvSpPr>
         <p:spPr>
           <a:xfrm>
-            <a:off x="3467314" y="1852863"/>
+            <a:off x="3467314" y="1866409"/>
             <a:ext cx="7886486" cy="4324100"/>
           </a:xfrm>
           <a:prstGeom prst="rect">
@@ -15591,7 +15812,7 @@
         </p:spPr>
         <p:txBody>
           <a:bodyPr vert="horz" lIns="91440" tIns="45720" rIns="91440" bIns="45720" rtlCol="0">
-            <a:normAutofit/>
+            <a:normAutofit lnSpcReduction="10000"/>
           </a:bodyPr>
           <a:lstStyle>
             <a:lvl1pPr marL="228600" indent="-228600" algn="l" defTabSz="914400" rtl="0" eaLnBrk="1" latinLnBrk="0" hangingPunct="1">
@@ -15768,6 +15989,13 @@
             <a:r>
               <a:rPr lang="en-US" dirty="0"/>
               <a:t>Tech lead/architect on the language and engine design</a:t>
+            </a:r>
+          </a:p>
+          <a:p>
+            <a:pPr lvl="1"/>
+            <a:r>
+              <a:rPr lang="en-US" dirty="0"/>
+              <a:t>Invented PowerShell DSC</a:t>
             </a:r>
           </a:p>
           <a:p>
@@ -16146,7 +16374,7 @@
         </p:spPr>
         <p:txBody>
           <a:bodyPr>
-            <a:normAutofit fontScale="77500" lnSpcReduction="20000"/>
+            <a:normAutofit fontScale="85000" lnSpcReduction="20000"/>
           </a:bodyPr>
           <a:lstStyle/>
           <a:p>
@@ -16190,10 +16418,36 @@
             <a:pPr lvl="1"/>
             <a:r>
               <a:rPr lang="en-US" dirty="0"/>
-              <a:t>OK, and sometimes other things e.g. </a:t>
-            </a:r>
-            <a:r>
-              <a:rPr lang="en-US" dirty="0" err="1"/>
+              <a:t>“Expand and Parse” language processing</a:t>
+            </a:r>
+          </a:p>
+          <a:p>
+            <a:pPr lvl="1"/>
+            <a:r>
+              <a:rPr lang="en-US" dirty="0"/>
+              <a:t>Most processing is done with external programs</a:t>
+            </a:r>
+          </a:p>
+          <a:p>
+            <a:pPr lvl="1"/>
+            <a:r>
+              <a:rPr lang="en-US" i="1" dirty="0"/>
+              <a:t>“</a:t>
+            </a:r>
+            <a:r>
+              <a:rPr lang="en-US" i="1" dirty="0" err="1"/>
+              <a:t>typeless</a:t>
+            </a:r>
+            <a:r>
+              <a:rPr lang="en-US" i="1" dirty="0"/>
+              <a:t>” </a:t>
+            </a:r>
+            <a:r>
+              <a:rPr lang="en-US" dirty="0"/>
+              <a:t>– everything is a string (with some exceptions </a:t>
+            </a:r>
+            <a:r>
+              <a:rPr lang="en-US" i="1" dirty="0" err="1"/>
               <a:t>dtksh</a:t>
             </a:r>
             <a:r>
@@ -16201,52 +16455,6 @@
               <a:t>, </a:t>
             </a:r>
             <a:r>
-              <a:rPr lang="en-US" dirty="0" err="1"/>
-              <a:t>tclsh</a:t>
-            </a:r>
-            <a:endParaRPr lang="en-US" dirty="0"/>
-          </a:p>
-          <a:p>
-            <a:pPr lvl="1"/>
-            <a:r>
-              <a:rPr lang="en-US" dirty="0"/>
-              <a:t>“Expand and Parse” language processing</a:t>
-            </a:r>
-          </a:p>
-          <a:p>
-            <a:pPr lvl="1"/>
-            <a:r>
-              <a:rPr lang="en-US" dirty="0"/>
-              <a:t>Most processing is done with external programs</a:t>
-            </a:r>
-          </a:p>
-          <a:p>
-            <a:pPr lvl="1"/>
-            <a:r>
-              <a:rPr lang="en-US" i="1" dirty="0"/>
-              <a:t>“</a:t>
-            </a:r>
-            <a:r>
-              <a:rPr lang="en-US" i="1" dirty="0" err="1"/>
-              <a:t>typeless</a:t>
-            </a:r>
-            <a:r>
-              <a:rPr lang="en-US" i="1" dirty="0"/>
-              <a:t>” </a:t>
-            </a:r>
-            <a:r>
-              <a:rPr lang="en-US" dirty="0"/>
-              <a:t>– everything is a string (with some exceptions </a:t>
-            </a:r>
-            <a:r>
-              <a:rPr lang="en-US" i="1" dirty="0" err="1"/>
-              <a:t>dtksh</a:t>
-            </a:r>
-            <a:r>
-              <a:rPr lang="en-US" dirty="0"/>
-              <a:t>, </a:t>
-            </a:r>
-            <a:r>
               <a:rPr lang="en-US" i="1" dirty="0" err="1"/>
               <a:t>tclsh</a:t>
             </a:r>
@@ -16272,12 +16480,9 @@
             <a:pPr lvl="1"/>
             <a:r>
               <a:rPr lang="en-US" dirty="0"/>
-              <a:t>Passes around nominally-typed objects with </a:t>
-            </a:r>
-            <a:r>
-              <a:rPr lang="en-US" i="1" dirty="0"/>
-              <a:t>observable structure</a:t>
-            </a:r>
+              <a:t>Preserves the type and structure of objects in the pipeline</a:t>
+            </a:r>
+            <a:endParaRPr lang="en-US" i="1" dirty="0"/>
           </a:p>
           <a:p>
             <a:r>

--- a/PSCONFEU23_payette_braid.pptx
+++ b/PSCONFEU23_payette_braid.pptx
@@ -5254,7 +5254,7 @@
           <a:p>
             <a:fld id="{69440670-43D7-400A-ABC5-B69E064DBB37}" type="datetimeFigureOut">
               <a:rPr lang="en-GB" smtClean="0"/>
-              <a:t>19/06/2023</a:t>
+              <a:t>20/06/2023</a:t>
             </a:fld>
             <a:endParaRPr lang="en-GB"/>
           </a:p>
@@ -5431,7 +5431,7 @@
           <a:p>
             <a:fld id="{611B03A4-75C9-4E3D-9183-2102CA9AEC33}" type="datetimeFigureOut">
               <a:rPr lang="en-GB" smtClean="0"/>
-              <a:t>19/06/2023</a:t>
+              <a:t>20/06/2023</a:t>
             </a:fld>
             <a:endParaRPr lang="en-GB"/>
           </a:p>
@@ -10291,7 +10291,7 @@
         </p:spPr>
         <p:txBody>
           <a:bodyPr>
-            <a:normAutofit/>
+            <a:normAutofit fontScale="77500" lnSpcReduction="20000"/>
           </a:bodyPr>
           <a:lstStyle/>
           <a:p>
@@ -10580,6 +10580,247 @@
                 <a:cs typeface="Cascadia Code" panose="020B0609020000020004" pitchFamily="49" charset="0"/>
               </a:rPr>
               <a:t>)</a:t>
+            </a:r>
+          </a:p>
+          <a:p>
+            <a:r>
+              <a:rPr lang="en-US" dirty="0"/>
+              <a:t>No Special Keywords, Control Flow Is Done With Functions</a:t>
+            </a:r>
+          </a:p>
+          <a:p>
+            <a:pPr marL="457200" lvl="1" indent="0">
+              <a:lnSpc>
+                <a:spcPct val="120000"/>
+              </a:lnSpc>
+              <a:buNone/>
+            </a:pPr>
+            <a:r>
+              <a:rPr lang="en-US" sz="2000" dirty="0">
+                <a:latin typeface="Cascadia Code" panose="020B0609020000020004" pitchFamily="49" charset="0"/>
+                <a:ea typeface="Cascadia Code" panose="020B0609020000020004" pitchFamily="49" charset="0"/>
+                <a:cs typeface="Cascadia Code" panose="020B0609020000020004" pitchFamily="49" charset="0"/>
+              </a:rPr>
+              <a:t>(if (&gt; 5 x) (</a:t>
+            </a:r>
+            <a:r>
+              <a:rPr lang="en-US" sz="2000" dirty="0" err="1">
+                <a:latin typeface="Cascadia Code" panose="020B0609020000020004" pitchFamily="49" charset="0"/>
+                <a:ea typeface="Cascadia Code" panose="020B0609020000020004" pitchFamily="49" charset="0"/>
+                <a:cs typeface="Cascadia Code" panose="020B0609020000020004" pitchFamily="49" charset="0"/>
+              </a:rPr>
+              <a:t>println</a:t>
+            </a:r>
+            <a:r>
+              <a:rPr lang="en-US" sz="2000" dirty="0">
+                <a:latin typeface="Cascadia Code" panose="020B0609020000020004" pitchFamily="49" charset="0"/>
+                <a:ea typeface="Cascadia Code" panose="020B0609020000020004" pitchFamily="49" charset="0"/>
+                <a:cs typeface="Cascadia Code" panose="020B0609020000020004" pitchFamily="49" charset="0"/>
+              </a:rPr>
+              <a:t> </a:t>
+            </a:r>
+            <a:r>
+              <a:rPr lang="en-US" sz="2000" dirty="0">
+                <a:solidFill>
+                  <a:srgbClr val="0070C0"/>
+                </a:solidFill>
+                <a:latin typeface="Cascadia Code" panose="020B0609020000020004" pitchFamily="49" charset="0"/>
+                <a:ea typeface="Cascadia Code" panose="020B0609020000020004" pitchFamily="49" charset="0"/>
+                <a:cs typeface="Cascadia Code" panose="020B0609020000020004" pitchFamily="49" charset="0"/>
+              </a:rPr>
+              <a:t>"</a:t>
+            </a:r>
+            <a:r>
+              <a:rPr lang="en-US" sz="2000" dirty="0">
+                <a:latin typeface="Cascadia Code" panose="020B0609020000020004" pitchFamily="49" charset="0"/>
+                <a:ea typeface="Cascadia Code" panose="020B0609020000020004" pitchFamily="49" charset="0"/>
+                <a:cs typeface="Cascadia Code" panose="020B0609020000020004" pitchFamily="49" charset="0"/>
+              </a:rPr>
+              <a:t>It’s greater</a:t>
+            </a:r>
+            <a:r>
+              <a:rPr lang="en-US" sz="2000" dirty="0">
+                <a:solidFill>
+                  <a:srgbClr val="0070C0"/>
+                </a:solidFill>
+                <a:latin typeface="Cascadia Code" panose="020B0609020000020004" pitchFamily="49" charset="0"/>
+                <a:ea typeface="Cascadia Code" panose="020B0609020000020004" pitchFamily="49" charset="0"/>
+                <a:cs typeface="Cascadia Code" panose="020B0609020000020004" pitchFamily="49" charset="0"/>
+              </a:rPr>
+              <a:t>"</a:t>
+            </a:r>
+            <a:r>
+              <a:rPr lang="en-US" sz="2000" dirty="0">
+                <a:latin typeface="Cascadia Code" panose="020B0609020000020004" pitchFamily="49" charset="0"/>
+                <a:ea typeface="Cascadia Code" panose="020B0609020000020004" pitchFamily="49" charset="0"/>
+                <a:cs typeface="Cascadia Code" panose="020B0609020000020004" pitchFamily="49" charset="0"/>
+              </a:rPr>
+              <a:t>) (</a:t>
+            </a:r>
+            <a:r>
+              <a:rPr lang="en-US" sz="2000" dirty="0" err="1">
+                <a:latin typeface="Cascadia Code" panose="020B0609020000020004" pitchFamily="49" charset="0"/>
+                <a:ea typeface="Cascadia Code" panose="020B0609020000020004" pitchFamily="49" charset="0"/>
+                <a:cs typeface="Cascadia Code" panose="020B0609020000020004" pitchFamily="49" charset="0"/>
+              </a:rPr>
+              <a:t>println</a:t>
+            </a:r>
+            <a:r>
+              <a:rPr lang="en-US" sz="2000" dirty="0">
+                <a:latin typeface="Cascadia Code" panose="020B0609020000020004" pitchFamily="49" charset="0"/>
+                <a:ea typeface="Cascadia Code" panose="020B0609020000020004" pitchFamily="49" charset="0"/>
+                <a:cs typeface="Cascadia Code" panose="020B0609020000020004" pitchFamily="49" charset="0"/>
+              </a:rPr>
+              <a:t> </a:t>
+            </a:r>
+            <a:r>
+              <a:rPr lang="en-US" sz="2000" dirty="0">
+                <a:solidFill>
+                  <a:srgbClr val="0070C0"/>
+                </a:solidFill>
+                <a:latin typeface="Cascadia Code" panose="020B0609020000020004" pitchFamily="49" charset="0"/>
+                <a:ea typeface="Cascadia Code" panose="020B0609020000020004" pitchFamily="49" charset="0"/>
+                <a:cs typeface="Cascadia Code" panose="020B0609020000020004" pitchFamily="49" charset="0"/>
+              </a:rPr>
+              <a:t>"It’s smaller"))  ; if function</a:t>
+            </a:r>
+          </a:p>
+          <a:p>
+            <a:pPr marL="457200" lvl="1" indent="0">
+              <a:lnSpc>
+                <a:spcPct val="120000"/>
+              </a:lnSpc>
+              <a:buNone/>
+            </a:pPr>
+            <a:r>
+              <a:rPr lang="en-US" sz="2000" dirty="0">
+                <a:latin typeface="Cascadia Code" panose="020B0609020000020004" pitchFamily="49" charset="0"/>
+                <a:ea typeface="Cascadia Code" panose="020B0609020000020004" pitchFamily="49" charset="0"/>
+                <a:cs typeface="Cascadia Code" panose="020B0609020000020004" pitchFamily="49" charset="0"/>
+              </a:rPr>
+              <a:t>(while (&gt; x 0) (</a:t>
+            </a:r>
+            <a:r>
+              <a:rPr lang="en-US" sz="2000" dirty="0" err="1">
+                <a:latin typeface="Cascadia Code" panose="020B0609020000020004" pitchFamily="49" charset="0"/>
+                <a:ea typeface="Cascadia Code" panose="020B0609020000020004" pitchFamily="49" charset="0"/>
+                <a:cs typeface="Cascadia Code" panose="020B0609020000020004" pitchFamily="49" charset="0"/>
+              </a:rPr>
+              <a:t>println</a:t>
+            </a:r>
+            <a:r>
+              <a:rPr lang="en-US" sz="2000" dirty="0">
+                <a:latin typeface="Cascadia Code" panose="020B0609020000020004" pitchFamily="49" charset="0"/>
+                <a:ea typeface="Cascadia Code" panose="020B0609020000020004" pitchFamily="49" charset="0"/>
+                <a:cs typeface="Cascadia Code" panose="020B0609020000020004" pitchFamily="49" charset="0"/>
+              </a:rPr>
+              <a:t> </a:t>
+            </a:r>
+            <a:r>
+              <a:rPr lang="en-US" sz="2000" dirty="0">
+                <a:solidFill>
+                  <a:srgbClr val="0070C0"/>
+                </a:solidFill>
+                <a:latin typeface="Cascadia Code" panose="020B0609020000020004" pitchFamily="49" charset="0"/>
+                <a:ea typeface="Cascadia Code" panose="020B0609020000020004" pitchFamily="49" charset="0"/>
+                <a:cs typeface="Cascadia Code" panose="020B0609020000020004" pitchFamily="49" charset="0"/>
+              </a:rPr>
+              <a:t>"</a:t>
+            </a:r>
+            <a:r>
+              <a:rPr lang="en-US" sz="2000" dirty="0">
+                <a:latin typeface="Cascadia Code" panose="020B0609020000020004" pitchFamily="49" charset="0"/>
+                <a:ea typeface="Cascadia Code" panose="020B0609020000020004" pitchFamily="49" charset="0"/>
+                <a:cs typeface="Cascadia Code" panose="020B0609020000020004" pitchFamily="49" charset="0"/>
+              </a:rPr>
+              <a:t>x is ${x}</a:t>
+            </a:r>
+            <a:r>
+              <a:rPr lang="en-US" sz="2000" dirty="0">
+                <a:solidFill>
+                  <a:srgbClr val="0070C0"/>
+                </a:solidFill>
+                <a:latin typeface="Cascadia Code" panose="020B0609020000020004" pitchFamily="49" charset="0"/>
+                <a:ea typeface="Cascadia Code" panose="020B0609020000020004" pitchFamily="49" charset="0"/>
+                <a:cs typeface="Cascadia Code" panose="020B0609020000020004" pitchFamily="49" charset="0"/>
+              </a:rPr>
+              <a:t>") (</a:t>
+            </a:r>
+            <a:r>
+              <a:rPr lang="en-US" sz="2000" dirty="0" err="1">
+                <a:solidFill>
+                  <a:srgbClr val="0070C0"/>
+                </a:solidFill>
+                <a:latin typeface="Cascadia Code" panose="020B0609020000020004" pitchFamily="49" charset="0"/>
+                <a:ea typeface="Cascadia Code" panose="020B0609020000020004" pitchFamily="49" charset="0"/>
+                <a:cs typeface="Cascadia Code" panose="020B0609020000020004" pitchFamily="49" charset="0"/>
+              </a:rPr>
+              <a:t>decr</a:t>
+            </a:r>
+            <a:r>
+              <a:rPr lang="en-US" sz="2000" dirty="0">
+                <a:solidFill>
+                  <a:srgbClr val="0070C0"/>
+                </a:solidFill>
+                <a:latin typeface="Cascadia Code" panose="020B0609020000020004" pitchFamily="49" charset="0"/>
+                <a:ea typeface="Cascadia Code" panose="020B0609020000020004" pitchFamily="49" charset="0"/>
+                <a:cs typeface="Cascadia Code" panose="020B0609020000020004" pitchFamily="49" charset="0"/>
+              </a:rPr>
+              <a:t> </a:t>
+            </a:r>
+            <a:r>
+              <a:rPr lang="en-US" sz="2000" dirty="0" err="1">
+                <a:solidFill>
+                  <a:srgbClr val="0070C0"/>
+                </a:solidFill>
+                <a:latin typeface="Cascadia Code" panose="020B0609020000020004" pitchFamily="49" charset="0"/>
+                <a:ea typeface="Cascadia Code" panose="020B0609020000020004" pitchFamily="49" charset="0"/>
+                <a:cs typeface="Cascadia Code" panose="020B0609020000020004" pitchFamily="49" charset="0"/>
+              </a:rPr>
+              <a:t>i</a:t>
+            </a:r>
+            <a:r>
+              <a:rPr lang="en-US" sz="2000" dirty="0">
+                <a:solidFill>
+                  <a:srgbClr val="0070C0"/>
+                </a:solidFill>
+                <a:latin typeface="Cascadia Code" panose="020B0609020000020004" pitchFamily="49" charset="0"/>
+                <a:ea typeface="Cascadia Code" panose="020B0609020000020004" pitchFamily="49" charset="0"/>
+                <a:cs typeface="Cascadia Code" panose="020B0609020000020004" pitchFamily="49" charset="0"/>
+              </a:rPr>
+              <a:t>))                  ; while function</a:t>
+            </a:r>
+          </a:p>
+          <a:p>
+            <a:pPr marL="457200" lvl="1" indent="0">
+              <a:lnSpc>
+                <a:spcPct val="120000"/>
+              </a:lnSpc>
+              <a:buNone/>
+            </a:pPr>
+            <a:r>
+              <a:rPr lang="en-US" sz="2000" dirty="0">
+                <a:latin typeface="Cascadia Code" panose="020B0609020000020004" pitchFamily="49" charset="0"/>
+                <a:ea typeface="Cascadia Code" panose="020B0609020000020004" pitchFamily="49" charset="0"/>
+                <a:cs typeface="Cascadia Code" panose="020B0609020000020004" pitchFamily="49" charset="0"/>
+              </a:rPr>
+              <a:t>(foreach f (ls -file | take 5) (</a:t>
+            </a:r>
+            <a:r>
+              <a:rPr lang="en-US" sz="2000" dirty="0" err="1">
+                <a:latin typeface="Cascadia Code" panose="020B0609020000020004" pitchFamily="49" charset="0"/>
+                <a:ea typeface="Cascadia Code" panose="020B0609020000020004" pitchFamily="49" charset="0"/>
+                <a:cs typeface="Cascadia Code" panose="020B0609020000020004" pitchFamily="49" charset="0"/>
+              </a:rPr>
+              <a:t>println</a:t>
+            </a:r>
+            <a:r>
+              <a:rPr lang="en-US" sz="2000" dirty="0">
+                <a:latin typeface="Cascadia Code" panose="020B0609020000020004" pitchFamily="49" charset="0"/>
+                <a:ea typeface="Cascadia Code" panose="020B0609020000020004" pitchFamily="49" charset="0"/>
+                <a:cs typeface="Cascadia Code" panose="020B0609020000020004" pitchFamily="49" charset="0"/>
+              </a:rPr>
+              <a:t> (.name f) (.length f))) ; foreach function</a:t>
             </a:r>
           </a:p>
         </p:txBody>
@@ -10667,250 +10908,9 @@
         </p:spPr>
         <p:txBody>
           <a:bodyPr>
-            <a:normAutofit fontScale="70000" lnSpcReduction="20000"/>
+            <a:normAutofit fontScale="92500" lnSpcReduction="10000"/>
           </a:bodyPr>
           <a:lstStyle/>
-          <a:p>
-            <a:r>
-              <a:rPr lang="en-US" dirty="0"/>
-              <a:t>No Special Keywords, Control Flow Is Done With Functions</a:t>
-            </a:r>
-          </a:p>
-          <a:p>
-            <a:pPr marL="457200" lvl="1" indent="0">
-              <a:lnSpc>
-                <a:spcPct val="120000"/>
-              </a:lnSpc>
-              <a:buNone/>
-            </a:pPr>
-            <a:r>
-              <a:rPr lang="en-US" sz="2000" dirty="0">
-                <a:latin typeface="Cascadia Code" panose="020B0609020000020004" pitchFamily="49" charset="0"/>
-                <a:ea typeface="Cascadia Code" panose="020B0609020000020004" pitchFamily="49" charset="0"/>
-                <a:cs typeface="Cascadia Code" panose="020B0609020000020004" pitchFamily="49" charset="0"/>
-              </a:rPr>
-              <a:t>(if (&gt; 5 x) (</a:t>
-            </a:r>
-            <a:r>
-              <a:rPr lang="en-US" sz="2000" dirty="0" err="1">
-                <a:latin typeface="Cascadia Code" panose="020B0609020000020004" pitchFamily="49" charset="0"/>
-                <a:ea typeface="Cascadia Code" panose="020B0609020000020004" pitchFamily="49" charset="0"/>
-                <a:cs typeface="Cascadia Code" panose="020B0609020000020004" pitchFamily="49" charset="0"/>
-              </a:rPr>
-              <a:t>println</a:t>
-            </a:r>
-            <a:r>
-              <a:rPr lang="en-US" sz="2000" dirty="0">
-                <a:latin typeface="Cascadia Code" panose="020B0609020000020004" pitchFamily="49" charset="0"/>
-                <a:ea typeface="Cascadia Code" panose="020B0609020000020004" pitchFamily="49" charset="0"/>
-                <a:cs typeface="Cascadia Code" panose="020B0609020000020004" pitchFamily="49" charset="0"/>
-              </a:rPr>
-              <a:t> </a:t>
-            </a:r>
-            <a:r>
-              <a:rPr lang="en-US" sz="2000" dirty="0">
-                <a:solidFill>
-                  <a:srgbClr val="0070C0"/>
-                </a:solidFill>
-                <a:latin typeface="Cascadia Code" panose="020B0609020000020004" pitchFamily="49" charset="0"/>
-                <a:ea typeface="Cascadia Code" panose="020B0609020000020004" pitchFamily="49" charset="0"/>
-                <a:cs typeface="Cascadia Code" panose="020B0609020000020004" pitchFamily="49" charset="0"/>
-              </a:rPr>
-              <a:t>"</a:t>
-            </a:r>
-            <a:r>
-              <a:rPr lang="en-US" sz="2000" dirty="0">
-                <a:latin typeface="Cascadia Code" panose="020B0609020000020004" pitchFamily="49" charset="0"/>
-                <a:ea typeface="Cascadia Code" panose="020B0609020000020004" pitchFamily="49" charset="0"/>
-                <a:cs typeface="Cascadia Code" panose="020B0609020000020004" pitchFamily="49" charset="0"/>
-              </a:rPr>
-              <a:t>It’s greater</a:t>
-            </a:r>
-            <a:r>
-              <a:rPr lang="en-US" sz="2000" dirty="0">
-                <a:solidFill>
-                  <a:srgbClr val="0070C0"/>
-                </a:solidFill>
-                <a:latin typeface="Cascadia Code" panose="020B0609020000020004" pitchFamily="49" charset="0"/>
-                <a:ea typeface="Cascadia Code" panose="020B0609020000020004" pitchFamily="49" charset="0"/>
-                <a:cs typeface="Cascadia Code" panose="020B0609020000020004" pitchFamily="49" charset="0"/>
-              </a:rPr>
-              <a:t>"</a:t>
-            </a:r>
-            <a:r>
-              <a:rPr lang="en-US" sz="2000" dirty="0">
-                <a:latin typeface="Cascadia Code" panose="020B0609020000020004" pitchFamily="49" charset="0"/>
-                <a:ea typeface="Cascadia Code" panose="020B0609020000020004" pitchFamily="49" charset="0"/>
-                <a:cs typeface="Cascadia Code" panose="020B0609020000020004" pitchFamily="49" charset="0"/>
-              </a:rPr>
-              <a:t>) (</a:t>
-            </a:r>
-            <a:r>
-              <a:rPr lang="en-US" sz="2000" dirty="0" err="1">
-                <a:latin typeface="Cascadia Code" panose="020B0609020000020004" pitchFamily="49" charset="0"/>
-                <a:ea typeface="Cascadia Code" panose="020B0609020000020004" pitchFamily="49" charset="0"/>
-                <a:cs typeface="Cascadia Code" panose="020B0609020000020004" pitchFamily="49" charset="0"/>
-              </a:rPr>
-              <a:t>println</a:t>
-            </a:r>
-            <a:r>
-              <a:rPr lang="en-US" sz="2000" dirty="0">
-                <a:latin typeface="Cascadia Code" panose="020B0609020000020004" pitchFamily="49" charset="0"/>
-                <a:ea typeface="Cascadia Code" panose="020B0609020000020004" pitchFamily="49" charset="0"/>
-                <a:cs typeface="Cascadia Code" panose="020B0609020000020004" pitchFamily="49" charset="0"/>
-              </a:rPr>
-              <a:t> </a:t>
-            </a:r>
-            <a:r>
-              <a:rPr lang="en-US" sz="2000" dirty="0">
-                <a:solidFill>
-                  <a:srgbClr val="0070C0"/>
-                </a:solidFill>
-                <a:latin typeface="Cascadia Code" panose="020B0609020000020004" pitchFamily="49" charset="0"/>
-                <a:ea typeface="Cascadia Code" panose="020B0609020000020004" pitchFamily="49" charset="0"/>
-                <a:cs typeface="Cascadia Code" panose="020B0609020000020004" pitchFamily="49" charset="0"/>
-              </a:rPr>
-              <a:t>"It’s smaller"))  ; if function</a:t>
-            </a:r>
-          </a:p>
-          <a:p>
-            <a:pPr marL="457200" lvl="1" indent="0">
-              <a:lnSpc>
-                <a:spcPct val="120000"/>
-              </a:lnSpc>
-              <a:buNone/>
-            </a:pPr>
-            <a:r>
-              <a:rPr lang="en-US" sz="2000" dirty="0">
-                <a:latin typeface="Cascadia Code" panose="020B0609020000020004" pitchFamily="49" charset="0"/>
-                <a:ea typeface="Cascadia Code" panose="020B0609020000020004" pitchFamily="49" charset="0"/>
-                <a:cs typeface="Cascadia Code" panose="020B0609020000020004" pitchFamily="49" charset="0"/>
-              </a:rPr>
-              <a:t>(while (&gt; x 0) (</a:t>
-            </a:r>
-            <a:r>
-              <a:rPr lang="en-US" sz="2000" dirty="0" err="1">
-                <a:latin typeface="Cascadia Code" panose="020B0609020000020004" pitchFamily="49" charset="0"/>
-                <a:ea typeface="Cascadia Code" panose="020B0609020000020004" pitchFamily="49" charset="0"/>
-                <a:cs typeface="Cascadia Code" panose="020B0609020000020004" pitchFamily="49" charset="0"/>
-              </a:rPr>
-              <a:t>println</a:t>
-            </a:r>
-            <a:r>
-              <a:rPr lang="en-US" sz="2000" dirty="0">
-                <a:latin typeface="Cascadia Code" panose="020B0609020000020004" pitchFamily="49" charset="0"/>
-                <a:ea typeface="Cascadia Code" panose="020B0609020000020004" pitchFamily="49" charset="0"/>
-                <a:cs typeface="Cascadia Code" panose="020B0609020000020004" pitchFamily="49" charset="0"/>
-              </a:rPr>
-              <a:t> </a:t>
-            </a:r>
-            <a:r>
-              <a:rPr lang="en-US" sz="2000" dirty="0">
-                <a:solidFill>
-                  <a:srgbClr val="0070C0"/>
-                </a:solidFill>
-                <a:latin typeface="Cascadia Code" panose="020B0609020000020004" pitchFamily="49" charset="0"/>
-                <a:ea typeface="Cascadia Code" panose="020B0609020000020004" pitchFamily="49" charset="0"/>
-                <a:cs typeface="Cascadia Code" panose="020B0609020000020004" pitchFamily="49" charset="0"/>
-              </a:rPr>
-              <a:t>"</a:t>
-            </a:r>
-            <a:r>
-              <a:rPr lang="en-US" sz="2000" dirty="0">
-                <a:latin typeface="Cascadia Code" panose="020B0609020000020004" pitchFamily="49" charset="0"/>
-                <a:ea typeface="Cascadia Code" panose="020B0609020000020004" pitchFamily="49" charset="0"/>
-                <a:cs typeface="Cascadia Code" panose="020B0609020000020004" pitchFamily="49" charset="0"/>
-              </a:rPr>
-              <a:t>x is ${x}</a:t>
-            </a:r>
-            <a:r>
-              <a:rPr lang="en-US" sz="2000" dirty="0">
-                <a:solidFill>
-                  <a:srgbClr val="0070C0"/>
-                </a:solidFill>
-                <a:latin typeface="Cascadia Code" panose="020B0609020000020004" pitchFamily="49" charset="0"/>
-                <a:ea typeface="Cascadia Code" panose="020B0609020000020004" pitchFamily="49" charset="0"/>
-                <a:cs typeface="Cascadia Code" panose="020B0609020000020004" pitchFamily="49" charset="0"/>
-              </a:rPr>
-              <a:t>") (</a:t>
-            </a:r>
-            <a:r>
-              <a:rPr lang="en-US" sz="2000" dirty="0" err="1">
-                <a:solidFill>
-                  <a:srgbClr val="0070C0"/>
-                </a:solidFill>
-                <a:latin typeface="Cascadia Code" panose="020B0609020000020004" pitchFamily="49" charset="0"/>
-                <a:ea typeface="Cascadia Code" panose="020B0609020000020004" pitchFamily="49" charset="0"/>
-                <a:cs typeface="Cascadia Code" panose="020B0609020000020004" pitchFamily="49" charset="0"/>
-              </a:rPr>
-              <a:t>decr</a:t>
-            </a:r>
-            <a:r>
-              <a:rPr lang="en-US" sz="2000" dirty="0">
-                <a:solidFill>
-                  <a:srgbClr val="0070C0"/>
-                </a:solidFill>
-                <a:latin typeface="Cascadia Code" panose="020B0609020000020004" pitchFamily="49" charset="0"/>
-                <a:ea typeface="Cascadia Code" panose="020B0609020000020004" pitchFamily="49" charset="0"/>
-                <a:cs typeface="Cascadia Code" panose="020B0609020000020004" pitchFamily="49" charset="0"/>
-              </a:rPr>
-              <a:t> </a:t>
-            </a:r>
-            <a:r>
-              <a:rPr lang="en-US" sz="2000" dirty="0" err="1">
-                <a:solidFill>
-                  <a:srgbClr val="0070C0"/>
-                </a:solidFill>
-                <a:latin typeface="Cascadia Code" panose="020B0609020000020004" pitchFamily="49" charset="0"/>
-                <a:ea typeface="Cascadia Code" panose="020B0609020000020004" pitchFamily="49" charset="0"/>
-                <a:cs typeface="Cascadia Code" panose="020B0609020000020004" pitchFamily="49" charset="0"/>
-              </a:rPr>
-              <a:t>i</a:t>
-            </a:r>
-            <a:r>
-              <a:rPr lang="en-US" sz="2000" dirty="0">
-                <a:solidFill>
-                  <a:srgbClr val="0070C0"/>
-                </a:solidFill>
-                <a:latin typeface="Cascadia Code" panose="020B0609020000020004" pitchFamily="49" charset="0"/>
-                <a:ea typeface="Cascadia Code" panose="020B0609020000020004" pitchFamily="49" charset="0"/>
-                <a:cs typeface="Cascadia Code" panose="020B0609020000020004" pitchFamily="49" charset="0"/>
-              </a:rPr>
-              <a:t>))                  ; while function</a:t>
-            </a:r>
-          </a:p>
-          <a:p>
-            <a:pPr marL="457200" lvl="1" indent="0">
-              <a:lnSpc>
-                <a:spcPct val="120000"/>
-              </a:lnSpc>
-              <a:buNone/>
-            </a:pPr>
-            <a:r>
-              <a:rPr lang="en-US" sz="2000" dirty="0">
-                <a:latin typeface="Cascadia Code" panose="020B0609020000020004" pitchFamily="49" charset="0"/>
-                <a:ea typeface="Cascadia Code" panose="020B0609020000020004" pitchFamily="49" charset="0"/>
-                <a:cs typeface="Cascadia Code" panose="020B0609020000020004" pitchFamily="49" charset="0"/>
-              </a:rPr>
-              <a:t>(foreach f (ls -file | take 5) (</a:t>
-            </a:r>
-            <a:r>
-              <a:rPr lang="en-US" sz="2000" dirty="0" err="1">
-                <a:latin typeface="Cascadia Code" panose="020B0609020000020004" pitchFamily="49" charset="0"/>
-                <a:ea typeface="Cascadia Code" panose="020B0609020000020004" pitchFamily="49" charset="0"/>
-                <a:cs typeface="Cascadia Code" panose="020B0609020000020004" pitchFamily="49" charset="0"/>
-              </a:rPr>
-              <a:t>println</a:t>
-            </a:r>
-            <a:r>
-              <a:rPr lang="en-US" sz="2000" dirty="0">
-                <a:latin typeface="Cascadia Code" panose="020B0609020000020004" pitchFamily="49" charset="0"/>
-                <a:ea typeface="Cascadia Code" panose="020B0609020000020004" pitchFamily="49" charset="0"/>
-                <a:cs typeface="Cascadia Code" panose="020B0609020000020004" pitchFamily="49" charset="0"/>
-              </a:rPr>
-              <a:t> (.name f) (.length f))) ; foreach function</a:t>
-            </a:r>
-          </a:p>
           <a:p>
             <a:r>
               <a:rPr lang="en-US" dirty="0"/>
@@ -14835,7 +14835,7 @@
         </p:nvSpPr>
         <p:spPr>
           <a:xfrm>
-            <a:off x="611746" y="1825625"/>
+            <a:off x="769401" y="1690688"/>
             <a:ext cx="10959922" cy="4351338"/>
           </a:xfrm>
         </p:spPr>
@@ -15803,8 +15803,8 @@
         </p:nvSpPr>
         <p:spPr>
           <a:xfrm>
-            <a:off x="3467314" y="1866409"/>
-            <a:ext cx="7886486" cy="4324100"/>
+            <a:off x="3614204" y="1743177"/>
+            <a:ext cx="5983843" cy="4493662"/>
           </a:xfrm>
           <a:prstGeom prst="rect">
             <a:avLst/>
@@ -15812,7 +15812,7 @@
         </p:spPr>
         <p:txBody>
           <a:bodyPr vert="horz" lIns="91440" tIns="45720" rIns="91440" bIns="45720" rtlCol="0">
-            <a:normAutofit lnSpcReduction="10000"/>
+            <a:normAutofit fontScale="92500" lnSpcReduction="20000"/>
           </a:bodyPr>
           <a:lstStyle>
             <a:lvl1pPr marL="228600" indent="-228600" algn="l" defTabSz="914400" rtl="0" eaLnBrk="1" latinLnBrk="0" hangingPunct="1">
@@ -15996,6 +15996,13 @@
             <a:r>
               <a:rPr lang="en-US" dirty="0"/>
               <a:t>Invented PowerShell DSC</a:t>
+            </a:r>
+          </a:p>
+          <a:p>
+            <a:pPr lvl="1"/>
+            <a:r>
+              <a:rPr lang="en-US" dirty="0"/>
+              <a:t>Wrote a book</a:t>
             </a:r>
           </a:p>
           <a:p>
@@ -16088,6 +16095,53 @@
           <a:prstGeom prst="rect">
             <a:avLst/>
           </a:prstGeom>
+        </p:spPr>
+      </p:pic>
+      <p:pic>
+        <p:nvPicPr>
+          <p:cNvPr id="1026" name="Picture 2">
+            <a:extLst>
+              <a:ext uri="{FF2B5EF4-FFF2-40B4-BE49-F238E27FC236}">
+                <a16:creationId xmlns:a16="http://schemas.microsoft.com/office/drawing/2014/main" id="{FAC5F661-5093-F6A8-5AAC-A97D5E0E3F23}"/>
+              </a:ext>
+            </a:extLst>
+          </p:cNvPr>
+          <p:cNvPicPr>
+            <a:picLocks noChangeAspect="1" noChangeArrowheads="1"/>
+          </p:cNvPicPr>
+          <p:nvPr/>
+        </p:nvPicPr>
+        <p:blipFill>
+          <a:blip r:embed="rId3">
+            <a:extLst>
+              <a:ext uri="{28A0092B-C50C-407E-A947-70E740481C1C}">
+                <a14:useLocalDpi xmlns:a14="http://schemas.microsoft.com/office/drawing/2010/main" val="0"/>
+              </a:ext>
+            </a:extLst>
+          </a:blip>
+          <a:srcRect/>
+          <a:stretch>
+            <a:fillRect/>
+          </a:stretch>
+        </p:blipFill>
+        <p:spPr bwMode="auto">
+          <a:xfrm>
+            <a:off x="1222007" y="3902851"/>
+            <a:ext cx="1753675" cy="2196965"/>
+          </a:xfrm>
+          <a:prstGeom prst="rect">
+            <a:avLst/>
+          </a:prstGeom>
+          <a:noFill/>
+          <a:extLst>
+            <a:ext uri="{909E8E84-426E-40DD-AFC4-6F175D3DCCD1}">
+              <a14:hiddenFill xmlns:a14="http://schemas.microsoft.com/office/drawing/2010/main">
+                <a:solidFill>
+                  <a:srgbClr val="FFFFFF"/>
+                </a:solidFill>
+              </a14:hiddenFill>
+            </a:ext>
+          </a:extLst>
         </p:spPr>
       </p:pic>
     </p:spTree>
@@ -18919,6 +18973,18 @@
 </file>
 
 <file path=customXml/item1.xml><?xml version="1.0" encoding="utf-8"?>
+<p:properties xmlns:p="http://schemas.microsoft.com/office/2006/metadata/properties" xmlns:xsi="http://www.w3.org/2001/XMLSchema-instance" xmlns:pc="http://schemas.microsoft.com/office/infopath/2007/PartnerControls">
+  <documentManagement>
+    <MediaLengthInSeconds xmlns="77a6bfb6-2998-4a23-879f-63f0920c2601" xsi:nil="true"/>
+    <TaxCatchAll xmlns="4563f563-c449-4e77-a40e-5b9e0aaf3585" xsi:nil="true"/>
+    <lcf76f155ced4ddcb4097134ff3c332f xmlns="77a6bfb6-2998-4a23-879f-63f0920c2601">
+      <Terms xmlns="http://schemas.microsoft.com/office/infopath/2007/PartnerControls"/>
+    </lcf76f155ced4ddcb4097134ff3c332f>
+  </documentManagement>
+</p:properties>
+</file>
+
+<file path=customXml/item2.xml><?xml version="1.0" encoding="utf-8"?>
 <ct:contentTypeSchema xmlns:ct="http://schemas.microsoft.com/office/2006/metadata/contentType" xmlns:ma="http://schemas.microsoft.com/office/2006/metadata/properties/metaAttributes" ct:_="" ma:_="" ma:contentTypeName="Document" ma:contentTypeID="0x010100BB266CC47A120344A094BC86D4ACDFC1" ma:contentTypeVersion="11" ma:contentTypeDescription="Create a new document." ma:contentTypeScope="" ma:versionID="cec493aae4b0275fd2d698437149b085">
   <xsd:schema xmlns:xsd="http://www.w3.org/2001/XMLSchema" xmlns:xs="http://www.w3.org/2001/XMLSchema" xmlns:p="http://schemas.microsoft.com/office/2006/metadata/properties" xmlns:ns2="77a6bfb6-2998-4a23-879f-63f0920c2601" xmlns:ns3="4563f563-c449-4e77-a40e-5b9e0aaf3585" targetNamespace="http://schemas.microsoft.com/office/2006/metadata/properties" ma:root="true" ma:fieldsID="e85aa437b142273721448b3bdb8073a7" ns2:_="" ns3:_="">
     <xsd:import namespace="77a6bfb6-2998-4a23-879f-63f0920c2601"/>
@@ -19113,18 +19179,6 @@
 </ct:contentTypeSchema>
 </file>
 
-<file path=customXml/item2.xml><?xml version="1.0" encoding="utf-8"?>
-<p:properties xmlns:p="http://schemas.microsoft.com/office/2006/metadata/properties" xmlns:xsi="http://www.w3.org/2001/XMLSchema-instance" xmlns:pc="http://schemas.microsoft.com/office/infopath/2007/PartnerControls">
-  <documentManagement>
-    <MediaLengthInSeconds xmlns="77a6bfb6-2998-4a23-879f-63f0920c2601" xsi:nil="true"/>
-    <TaxCatchAll xmlns="4563f563-c449-4e77-a40e-5b9e0aaf3585" xsi:nil="true"/>
-    <lcf76f155ced4ddcb4097134ff3c332f xmlns="77a6bfb6-2998-4a23-879f-63f0920c2601">
-      <Terms xmlns="http://schemas.microsoft.com/office/infopath/2007/PartnerControls"/>
-    </lcf76f155ced4ddcb4097134ff3c332f>
-  </documentManagement>
-</p:properties>
-</file>
-
 <file path=customXml/item3.xml><?xml version="1.0" encoding="utf-8"?>
 <?mso-contentType ?>
 <FormTemplates xmlns="http://schemas.microsoft.com/sharepoint/v3/contenttype/forms">
@@ -19135,6 +19189,17 @@
 </file>
 
 <file path=customXml/itemProps1.xml><?xml version="1.0" encoding="utf-8"?>
+<ds:datastoreItem xmlns:ds="http://schemas.openxmlformats.org/officeDocument/2006/customXml" ds:itemID="{D6E60845-C3D9-4D03-A1AD-12FE491785E0}">
+  <ds:schemaRefs>
+    <ds:schemaRef ds:uri="http://schemas.microsoft.com/office/2006/metadata/properties"/>
+    <ds:schemaRef ds:uri="http://schemas.microsoft.com/office/infopath/2007/PartnerControls"/>
+    <ds:schemaRef ds:uri="77a6bfb6-2998-4a23-879f-63f0920c2601"/>
+    <ds:schemaRef ds:uri="4563f563-c449-4e77-a40e-5b9e0aaf3585"/>
+  </ds:schemaRefs>
+</ds:datastoreItem>
+</file>
+
+<file path=customXml/itemProps2.xml><?xml version="1.0" encoding="utf-8"?>
 <ds:datastoreItem xmlns:ds="http://schemas.openxmlformats.org/officeDocument/2006/customXml" ds:itemID="{968DB50A-8077-450D-89F9-269DB09E6FD0}">
   <ds:schemaRefs>
     <ds:schemaRef ds:uri="http://schemas.microsoft.com/office/2006/metadata/contentType"/>
@@ -19153,17 +19218,6 @@
 </ds:datastoreItem>
 </file>
 
-<file path=customXml/itemProps2.xml><?xml version="1.0" encoding="utf-8"?>
-<ds:datastoreItem xmlns:ds="http://schemas.openxmlformats.org/officeDocument/2006/customXml" ds:itemID="{D6E60845-C3D9-4D03-A1AD-12FE491785E0}">
-  <ds:schemaRefs>
-    <ds:schemaRef ds:uri="http://schemas.microsoft.com/office/2006/metadata/properties"/>
-    <ds:schemaRef ds:uri="http://schemas.microsoft.com/office/infopath/2007/PartnerControls"/>
-    <ds:schemaRef ds:uri="77a6bfb6-2998-4a23-879f-63f0920c2601"/>
-    <ds:schemaRef ds:uri="4563f563-c449-4e77-a40e-5b9e0aaf3585"/>
-  </ds:schemaRefs>
-</ds:datastoreItem>
-</file>
-
 <file path=customXml/itemProps3.xml><?xml version="1.0" encoding="utf-8"?>
 <ds:datastoreItem xmlns:ds="http://schemas.openxmlformats.org/officeDocument/2006/customXml" ds:itemID="{F79F2385-5F5D-40A9-91E4-EC41CD22028D}">
   <ds:schemaRefs>

--- a/PSCONFEU23_payette_braid.pptx
+++ b/PSCONFEU23_payette_braid.pptx
@@ -16197,7 +16197,7 @@
           <a:p>
             <a:r>
               <a:rPr lang="en-US" dirty="0"/>
-              <a:t>What are Shells?</a:t>
+              <a:t>Review: What are Shells?</a:t>
             </a:r>
             <a:endParaRPr lang="en-GB" dirty="0"/>
           </a:p>
@@ -16398,7 +16398,7 @@
           <a:p>
             <a:r>
               <a:rPr lang="en-US" dirty="0"/>
-              <a:t>How Do Shells Work</a:t>
+              <a:t>Review: How Do Shells Work</a:t>
             </a:r>
             <a:endParaRPr lang="en-GB" dirty="0"/>
           </a:p>
@@ -16428,7 +16428,7 @@
         </p:spPr>
         <p:txBody>
           <a:bodyPr>
-            <a:normAutofit fontScale="85000" lnSpcReduction="20000"/>
+            <a:normAutofit fontScale="92500" lnSpcReduction="20000"/>
           </a:bodyPr>
           <a:lstStyle/>
           <a:p>
@@ -16541,7 +16541,7 @@
           <a:p>
             <a:r>
               <a:rPr lang="en-US" dirty="0"/>
-              <a:t>Braid, which builds on PowerShell also passes around objects but…</a:t>
+              <a:t>Braid builds on PowerShell…</a:t>
             </a:r>
           </a:p>
         </p:txBody>
@@ -16601,7 +16601,15 @@
           <a:p>
             <a:r>
               <a:rPr lang="en-US" dirty="0"/>
-              <a:t>Review: Shell Syntax Structure</a:t>
+              <a:t>Review</a:t>
+            </a:r>
+            <a:r>
+              <a:rPr lang="en-US"/>
+              <a:t>: Traditional Shell </a:t>
+            </a:r>
+            <a:r>
+              <a:rPr lang="en-US" dirty="0"/>
+              <a:t>Syntax</a:t>
             </a:r>
             <a:endParaRPr lang="en-GB" dirty="0"/>
           </a:p>
